--- a/Class_4.pptx
+++ b/Class_4.pptx
@@ -5,16 +5,27 @@
     <p:sldMasterId id="2147483648" r:id="rId1"/>
   </p:sldMasterIdLst>
   <p:notesMasterIdLst>
-    <p:notesMasterId r:id="rId9"/>
+    <p:notesMasterId r:id="rId20"/>
   </p:notesMasterIdLst>
   <p:sldIdLst>
-    <p:sldId id="256" r:id="rId2"/>
-    <p:sldId id="258" r:id="rId3"/>
-    <p:sldId id="261" r:id="rId4"/>
-    <p:sldId id="257" r:id="rId5"/>
-    <p:sldId id="262" r:id="rId6"/>
-    <p:sldId id="259" r:id="rId7"/>
-    <p:sldId id="260" r:id="rId8"/>
+    <p:sldId id="260" r:id="rId2"/>
+    <p:sldId id="292" r:id="rId3"/>
+    <p:sldId id="294" r:id="rId4"/>
+    <p:sldId id="295" r:id="rId5"/>
+    <p:sldId id="296" r:id="rId6"/>
+    <p:sldId id="297" r:id="rId7"/>
+    <p:sldId id="298" r:id="rId8"/>
+    <p:sldId id="299" r:id="rId9"/>
+    <p:sldId id="300" r:id="rId10"/>
+    <p:sldId id="301" r:id="rId11"/>
+    <p:sldId id="302" r:id="rId12"/>
+    <p:sldId id="303" r:id="rId13"/>
+    <p:sldId id="304" r:id="rId14"/>
+    <p:sldId id="305" r:id="rId15"/>
+    <p:sldId id="306" r:id="rId16"/>
+    <p:sldId id="307" r:id="rId17"/>
+    <p:sldId id="350" r:id="rId18"/>
+    <p:sldId id="293" r:id="rId19"/>
   </p:sldIdLst>
   <p:sldSz cx="12192000" cy="6858000"/>
   <p:notesSz cx="6858000" cy="9144000"/>
@@ -113,7 +124,2540 @@
       </a:defRPr>
     </a:lvl9pPr>
   </p:defaultTextStyle>
+  <p:extLst>
+    <p:ext uri="{EFAFB233-063F-42B5-8137-9DF3F51BA10A}">
+      <p15:sldGuideLst xmlns:p15="http://schemas.microsoft.com/office/powerpoint/2012/main"/>
+    </p:ext>
+  </p:extLst>
 </p:presentation>
+</file>
+
+<file path=ppt/diagrams/colors1.xml><?xml version="1.0" encoding="utf-8"?>
+<dgm:colorsDef xmlns:dgm="http://schemas.openxmlformats.org/drawingml/2006/diagram" xmlns:a="http://schemas.openxmlformats.org/drawingml/2006/main" uniqueId="urn:microsoft.com/office/officeart/2005/8/colors/accent5_2">
+  <dgm:title val=""/>
+  <dgm:desc val=""/>
+  <dgm:catLst>
+    <dgm:cat type="accent5" pri="11200"/>
+  </dgm:catLst>
+  <dgm:styleLbl name="node0">
+    <dgm:fillClrLst meth="repeat">
+      <a:schemeClr val="accent5"/>
+    </dgm:fillClrLst>
+    <dgm:linClrLst meth="repeat">
+      <a:schemeClr val="lt1"/>
+    </dgm:linClrLst>
+    <dgm:effectClrLst/>
+    <dgm:txLinClrLst/>
+    <dgm:txFillClrLst/>
+    <dgm:txEffectClrLst/>
+  </dgm:styleLbl>
+  <dgm:styleLbl name="node1">
+    <dgm:fillClrLst meth="repeat">
+      <a:schemeClr val="accent5"/>
+    </dgm:fillClrLst>
+    <dgm:linClrLst meth="repeat">
+      <a:schemeClr val="lt1"/>
+    </dgm:linClrLst>
+    <dgm:effectClrLst/>
+    <dgm:txLinClrLst/>
+    <dgm:txFillClrLst/>
+    <dgm:txEffectClrLst/>
+  </dgm:styleLbl>
+  <dgm:styleLbl name="alignNode1">
+    <dgm:fillClrLst meth="repeat">
+      <a:schemeClr val="accent5"/>
+    </dgm:fillClrLst>
+    <dgm:linClrLst meth="repeat">
+      <a:schemeClr val="accent5"/>
+    </dgm:linClrLst>
+    <dgm:effectClrLst/>
+    <dgm:txLinClrLst/>
+    <dgm:txFillClrLst/>
+    <dgm:txEffectClrLst/>
+  </dgm:styleLbl>
+  <dgm:styleLbl name="lnNode1">
+    <dgm:fillClrLst meth="repeat">
+      <a:schemeClr val="accent5"/>
+    </dgm:fillClrLst>
+    <dgm:linClrLst meth="repeat">
+      <a:schemeClr val="lt1"/>
+    </dgm:linClrLst>
+    <dgm:effectClrLst/>
+    <dgm:txLinClrLst/>
+    <dgm:txFillClrLst/>
+    <dgm:txEffectClrLst/>
+  </dgm:styleLbl>
+  <dgm:styleLbl name="vennNode1">
+    <dgm:fillClrLst meth="repeat">
+      <a:schemeClr val="accent5">
+        <a:alpha val="50000"/>
+      </a:schemeClr>
+    </dgm:fillClrLst>
+    <dgm:linClrLst meth="repeat">
+      <a:schemeClr val="lt1"/>
+    </dgm:linClrLst>
+    <dgm:effectClrLst/>
+    <dgm:txLinClrLst/>
+    <dgm:txFillClrLst/>
+    <dgm:txEffectClrLst/>
+  </dgm:styleLbl>
+  <dgm:styleLbl name="node2">
+    <dgm:fillClrLst meth="repeat">
+      <a:schemeClr val="accent5"/>
+    </dgm:fillClrLst>
+    <dgm:linClrLst meth="repeat">
+      <a:schemeClr val="lt1"/>
+    </dgm:linClrLst>
+    <dgm:effectClrLst/>
+    <dgm:txLinClrLst/>
+    <dgm:txFillClrLst/>
+    <dgm:txEffectClrLst/>
+  </dgm:styleLbl>
+  <dgm:styleLbl name="node3">
+    <dgm:fillClrLst meth="repeat">
+      <a:schemeClr val="accent5"/>
+    </dgm:fillClrLst>
+    <dgm:linClrLst meth="repeat">
+      <a:schemeClr val="lt1"/>
+    </dgm:linClrLst>
+    <dgm:effectClrLst/>
+    <dgm:txLinClrLst/>
+    <dgm:txFillClrLst/>
+    <dgm:txEffectClrLst/>
+  </dgm:styleLbl>
+  <dgm:styleLbl name="node4">
+    <dgm:fillClrLst meth="repeat">
+      <a:schemeClr val="accent5"/>
+    </dgm:fillClrLst>
+    <dgm:linClrLst meth="repeat">
+      <a:schemeClr val="lt1"/>
+    </dgm:linClrLst>
+    <dgm:effectClrLst/>
+    <dgm:txLinClrLst/>
+    <dgm:txFillClrLst/>
+    <dgm:txEffectClrLst/>
+  </dgm:styleLbl>
+  <dgm:styleLbl name="fgImgPlace1">
+    <dgm:fillClrLst meth="repeat">
+      <a:schemeClr val="accent5">
+        <a:tint val="50000"/>
+      </a:schemeClr>
+    </dgm:fillClrLst>
+    <dgm:linClrLst meth="repeat">
+      <a:schemeClr val="lt1"/>
+    </dgm:linClrLst>
+    <dgm:effectClrLst/>
+    <dgm:txLinClrLst/>
+    <dgm:txFillClrLst meth="repeat">
+      <a:schemeClr val="lt1"/>
+    </dgm:txFillClrLst>
+    <dgm:txEffectClrLst/>
+  </dgm:styleLbl>
+  <dgm:styleLbl name="alignImgPlace1">
+    <dgm:fillClrLst meth="repeat">
+      <a:schemeClr val="accent5">
+        <a:tint val="50000"/>
+      </a:schemeClr>
+    </dgm:fillClrLst>
+    <dgm:linClrLst meth="repeat">
+      <a:schemeClr val="lt1"/>
+    </dgm:linClrLst>
+    <dgm:effectClrLst/>
+    <dgm:txLinClrLst/>
+    <dgm:txFillClrLst meth="repeat">
+      <a:schemeClr val="lt1"/>
+    </dgm:txFillClrLst>
+    <dgm:txEffectClrLst/>
+  </dgm:styleLbl>
+  <dgm:styleLbl name="bgImgPlace1">
+    <dgm:fillClrLst meth="repeat">
+      <a:schemeClr val="accent5">
+        <a:tint val="50000"/>
+      </a:schemeClr>
+    </dgm:fillClrLst>
+    <dgm:linClrLst meth="repeat">
+      <a:schemeClr val="lt1"/>
+    </dgm:linClrLst>
+    <dgm:effectClrLst/>
+    <dgm:txLinClrLst/>
+    <dgm:txFillClrLst meth="repeat">
+      <a:schemeClr val="lt1"/>
+    </dgm:txFillClrLst>
+    <dgm:txEffectClrLst/>
+  </dgm:styleLbl>
+  <dgm:styleLbl name="sibTrans2D1">
+    <dgm:fillClrLst meth="repeat">
+      <a:schemeClr val="accent5">
+        <a:tint val="60000"/>
+      </a:schemeClr>
+    </dgm:fillClrLst>
+    <dgm:linClrLst meth="repeat">
+      <a:schemeClr val="accent5">
+        <a:tint val="60000"/>
+      </a:schemeClr>
+    </dgm:linClrLst>
+    <dgm:effectClrLst/>
+    <dgm:txLinClrLst/>
+    <dgm:txFillClrLst/>
+    <dgm:txEffectClrLst/>
+  </dgm:styleLbl>
+  <dgm:styleLbl name="fgSibTrans2D1">
+    <dgm:fillClrLst meth="repeat">
+      <a:schemeClr val="accent5">
+        <a:tint val="60000"/>
+      </a:schemeClr>
+    </dgm:fillClrLst>
+    <dgm:linClrLst meth="repeat">
+      <a:schemeClr val="accent5">
+        <a:tint val="60000"/>
+      </a:schemeClr>
+    </dgm:linClrLst>
+    <dgm:effectClrLst/>
+    <dgm:txLinClrLst/>
+    <dgm:txFillClrLst/>
+    <dgm:txEffectClrLst/>
+  </dgm:styleLbl>
+  <dgm:styleLbl name="bgSibTrans2D1">
+    <dgm:fillClrLst meth="repeat">
+      <a:schemeClr val="accent5">
+        <a:tint val="60000"/>
+      </a:schemeClr>
+    </dgm:fillClrLst>
+    <dgm:linClrLst meth="repeat">
+      <a:schemeClr val="accent5">
+        <a:tint val="60000"/>
+      </a:schemeClr>
+    </dgm:linClrLst>
+    <dgm:effectClrLst/>
+    <dgm:txLinClrLst/>
+    <dgm:txFillClrLst/>
+    <dgm:txEffectClrLst/>
+  </dgm:styleLbl>
+  <dgm:styleLbl name="sibTrans1D1">
+    <dgm:fillClrLst meth="repeat">
+      <a:schemeClr val="accent5"/>
+    </dgm:fillClrLst>
+    <dgm:linClrLst meth="repeat">
+      <a:schemeClr val="accent5"/>
+    </dgm:linClrLst>
+    <dgm:effectClrLst/>
+    <dgm:txLinClrLst/>
+    <dgm:txFillClrLst meth="repeat">
+      <a:schemeClr val="tx1"/>
+    </dgm:txFillClrLst>
+    <dgm:txEffectClrLst/>
+  </dgm:styleLbl>
+  <dgm:styleLbl name="callout">
+    <dgm:fillClrLst meth="repeat">
+      <a:schemeClr val="accent5"/>
+    </dgm:fillClrLst>
+    <dgm:linClrLst meth="repeat">
+      <a:schemeClr val="accent5">
+        <a:tint val="50000"/>
+      </a:schemeClr>
+    </dgm:linClrLst>
+    <dgm:effectClrLst/>
+    <dgm:txLinClrLst/>
+    <dgm:txFillClrLst meth="repeat">
+      <a:schemeClr val="tx1"/>
+    </dgm:txFillClrLst>
+    <dgm:txEffectClrLst/>
+  </dgm:styleLbl>
+  <dgm:styleLbl name="asst0">
+    <dgm:fillClrLst meth="repeat">
+      <a:schemeClr val="accent5"/>
+    </dgm:fillClrLst>
+    <dgm:linClrLst meth="repeat">
+      <a:schemeClr val="lt1"/>
+    </dgm:linClrLst>
+    <dgm:effectClrLst/>
+    <dgm:txLinClrLst/>
+    <dgm:txFillClrLst/>
+    <dgm:txEffectClrLst/>
+  </dgm:styleLbl>
+  <dgm:styleLbl name="asst1">
+    <dgm:fillClrLst meth="repeat">
+      <a:schemeClr val="accent5"/>
+    </dgm:fillClrLst>
+    <dgm:linClrLst meth="repeat">
+      <a:schemeClr val="lt1"/>
+    </dgm:linClrLst>
+    <dgm:effectClrLst/>
+    <dgm:txLinClrLst/>
+    <dgm:txFillClrLst/>
+    <dgm:txEffectClrLst/>
+  </dgm:styleLbl>
+  <dgm:styleLbl name="asst2">
+    <dgm:fillClrLst meth="repeat">
+      <a:schemeClr val="accent5"/>
+    </dgm:fillClrLst>
+    <dgm:linClrLst meth="repeat">
+      <a:schemeClr val="lt1"/>
+    </dgm:linClrLst>
+    <dgm:effectClrLst/>
+    <dgm:txLinClrLst/>
+    <dgm:txFillClrLst/>
+    <dgm:txEffectClrLst/>
+  </dgm:styleLbl>
+  <dgm:styleLbl name="asst3">
+    <dgm:fillClrLst meth="repeat">
+      <a:schemeClr val="accent5"/>
+    </dgm:fillClrLst>
+    <dgm:linClrLst meth="repeat">
+      <a:schemeClr val="lt1"/>
+    </dgm:linClrLst>
+    <dgm:effectClrLst/>
+    <dgm:txLinClrLst/>
+    <dgm:txFillClrLst/>
+    <dgm:txEffectClrLst/>
+  </dgm:styleLbl>
+  <dgm:styleLbl name="asst4">
+    <dgm:fillClrLst meth="repeat">
+      <a:schemeClr val="accent5"/>
+    </dgm:fillClrLst>
+    <dgm:linClrLst meth="repeat">
+      <a:schemeClr val="lt1"/>
+    </dgm:linClrLst>
+    <dgm:effectClrLst/>
+    <dgm:txLinClrLst/>
+    <dgm:txFillClrLst/>
+    <dgm:txEffectClrLst/>
+  </dgm:styleLbl>
+  <dgm:styleLbl name="parChTrans2D1">
+    <dgm:fillClrLst meth="repeat">
+      <a:schemeClr val="accent5">
+        <a:tint val="60000"/>
+      </a:schemeClr>
+    </dgm:fillClrLst>
+    <dgm:linClrLst meth="repeat">
+      <a:schemeClr val="accent5">
+        <a:tint val="60000"/>
+      </a:schemeClr>
+    </dgm:linClrLst>
+    <dgm:effectClrLst/>
+    <dgm:txLinClrLst/>
+    <dgm:txFillClrLst meth="repeat">
+      <a:schemeClr val="lt1"/>
+    </dgm:txFillClrLst>
+    <dgm:txEffectClrLst/>
+  </dgm:styleLbl>
+  <dgm:styleLbl name="parChTrans2D2">
+    <dgm:fillClrLst meth="repeat">
+      <a:schemeClr val="accent5"/>
+    </dgm:fillClrLst>
+    <dgm:linClrLst meth="repeat">
+      <a:schemeClr val="accent5"/>
+    </dgm:linClrLst>
+    <dgm:effectClrLst/>
+    <dgm:txLinClrLst/>
+    <dgm:txFillClrLst meth="repeat">
+      <a:schemeClr val="lt1"/>
+    </dgm:txFillClrLst>
+    <dgm:txEffectClrLst/>
+  </dgm:styleLbl>
+  <dgm:styleLbl name="parChTrans2D3">
+    <dgm:fillClrLst meth="repeat">
+      <a:schemeClr val="accent5"/>
+    </dgm:fillClrLst>
+    <dgm:linClrLst meth="repeat">
+      <a:schemeClr val="accent5"/>
+    </dgm:linClrLst>
+    <dgm:effectClrLst/>
+    <dgm:txLinClrLst/>
+    <dgm:txFillClrLst meth="repeat">
+      <a:schemeClr val="lt1"/>
+    </dgm:txFillClrLst>
+    <dgm:txEffectClrLst/>
+  </dgm:styleLbl>
+  <dgm:styleLbl name="parChTrans2D4">
+    <dgm:fillClrLst meth="repeat">
+      <a:schemeClr val="accent5"/>
+    </dgm:fillClrLst>
+    <dgm:linClrLst meth="repeat">
+      <a:schemeClr val="accent5"/>
+    </dgm:linClrLst>
+    <dgm:effectClrLst/>
+    <dgm:txLinClrLst/>
+    <dgm:txFillClrLst meth="repeat">
+      <a:schemeClr val="lt1"/>
+    </dgm:txFillClrLst>
+    <dgm:txEffectClrLst/>
+  </dgm:styleLbl>
+  <dgm:styleLbl name="parChTrans1D1">
+    <dgm:fillClrLst meth="repeat">
+      <a:schemeClr val="accent5"/>
+    </dgm:fillClrLst>
+    <dgm:linClrLst meth="repeat">
+      <a:schemeClr val="accent5">
+        <a:shade val="60000"/>
+      </a:schemeClr>
+    </dgm:linClrLst>
+    <dgm:effectClrLst/>
+    <dgm:txLinClrLst/>
+    <dgm:txFillClrLst meth="repeat">
+      <a:schemeClr val="tx1"/>
+    </dgm:txFillClrLst>
+    <dgm:txEffectClrLst/>
+  </dgm:styleLbl>
+  <dgm:styleLbl name="parChTrans1D2">
+    <dgm:fillClrLst meth="repeat">
+      <a:schemeClr val="accent5"/>
+    </dgm:fillClrLst>
+    <dgm:linClrLst meth="repeat">
+      <a:schemeClr val="accent5">
+        <a:shade val="60000"/>
+      </a:schemeClr>
+    </dgm:linClrLst>
+    <dgm:effectClrLst/>
+    <dgm:txLinClrLst/>
+    <dgm:txFillClrLst meth="repeat">
+      <a:schemeClr val="tx1"/>
+    </dgm:txFillClrLst>
+    <dgm:txEffectClrLst/>
+  </dgm:styleLbl>
+  <dgm:styleLbl name="parChTrans1D3">
+    <dgm:fillClrLst meth="repeat">
+      <a:schemeClr val="accent5"/>
+    </dgm:fillClrLst>
+    <dgm:linClrLst meth="repeat">
+      <a:schemeClr val="accent5">
+        <a:shade val="80000"/>
+      </a:schemeClr>
+    </dgm:linClrLst>
+    <dgm:effectClrLst/>
+    <dgm:txLinClrLst/>
+    <dgm:txFillClrLst meth="repeat">
+      <a:schemeClr val="tx1"/>
+    </dgm:txFillClrLst>
+    <dgm:txEffectClrLst/>
+  </dgm:styleLbl>
+  <dgm:styleLbl name="parChTrans1D4">
+    <dgm:fillClrLst meth="repeat">
+      <a:schemeClr val="accent5"/>
+    </dgm:fillClrLst>
+    <dgm:linClrLst meth="repeat">
+      <a:schemeClr val="accent5">
+        <a:shade val="80000"/>
+      </a:schemeClr>
+    </dgm:linClrLst>
+    <dgm:effectClrLst/>
+    <dgm:txLinClrLst/>
+    <dgm:txFillClrLst meth="repeat">
+      <a:schemeClr val="tx1"/>
+    </dgm:txFillClrLst>
+    <dgm:txEffectClrLst/>
+  </dgm:styleLbl>
+  <dgm:styleLbl name="fgAcc1">
+    <dgm:fillClrLst meth="repeat">
+      <a:schemeClr val="lt1">
+        <a:alpha val="90000"/>
+      </a:schemeClr>
+    </dgm:fillClrLst>
+    <dgm:linClrLst meth="repeat">
+      <a:schemeClr val="accent5"/>
+    </dgm:linClrLst>
+    <dgm:effectClrLst/>
+    <dgm:txLinClrLst/>
+    <dgm:txFillClrLst meth="repeat">
+      <a:schemeClr val="dk1"/>
+    </dgm:txFillClrLst>
+    <dgm:txEffectClrLst/>
+  </dgm:styleLbl>
+  <dgm:styleLbl name="conFgAcc1">
+    <dgm:fillClrLst meth="repeat">
+      <a:schemeClr val="lt1">
+        <a:alpha val="90000"/>
+      </a:schemeClr>
+    </dgm:fillClrLst>
+    <dgm:linClrLst meth="repeat">
+      <a:schemeClr val="accent5"/>
+    </dgm:linClrLst>
+    <dgm:effectClrLst/>
+    <dgm:txLinClrLst/>
+    <dgm:txFillClrLst meth="repeat">
+      <a:schemeClr val="dk1"/>
+    </dgm:txFillClrLst>
+    <dgm:txEffectClrLst/>
+  </dgm:styleLbl>
+  <dgm:styleLbl name="alignAcc1">
+    <dgm:fillClrLst meth="repeat">
+      <a:schemeClr val="lt1">
+        <a:alpha val="90000"/>
+      </a:schemeClr>
+    </dgm:fillClrLst>
+    <dgm:linClrLst meth="repeat">
+      <a:schemeClr val="accent5"/>
+    </dgm:linClrLst>
+    <dgm:effectClrLst/>
+    <dgm:txLinClrLst/>
+    <dgm:txFillClrLst meth="repeat">
+      <a:schemeClr val="dk1"/>
+    </dgm:txFillClrLst>
+    <dgm:txEffectClrLst/>
+  </dgm:styleLbl>
+  <dgm:styleLbl name="trAlignAcc1">
+    <dgm:fillClrLst meth="repeat">
+      <a:schemeClr val="lt1">
+        <a:alpha val="40000"/>
+      </a:schemeClr>
+    </dgm:fillClrLst>
+    <dgm:linClrLst meth="repeat">
+      <a:schemeClr val="accent5"/>
+    </dgm:linClrLst>
+    <dgm:effectClrLst/>
+    <dgm:txLinClrLst/>
+    <dgm:txFillClrLst meth="repeat">
+      <a:schemeClr val="dk1"/>
+    </dgm:txFillClrLst>
+    <dgm:txEffectClrLst/>
+  </dgm:styleLbl>
+  <dgm:styleLbl name="bgAcc1">
+    <dgm:fillClrLst meth="repeat">
+      <a:schemeClr val="lt1">
+        <a:alpha val="90000"/>
+      </a:schemeClr>
+    </dgm:fillClrLst>
+    <dgm:linClrLst meth="repeat">
+      <a:schemeClr val="accent5"/>
+    </dgm:linClrLst>
+    <dgm:effectClrLst/>
+    <dgm:txLinClrLst/>
+    <dgm:txFillClrLst meth="repeat">
+      <a:schemeClr val="dk1"/>
+    </dgm:txFillClrLst>
+    <dgm:txEffectClrLst/>
+  </dgm:styleLbl>
+  <dgm:styleLbl name="solidFgAcc1">
+    <dgm:fillClrLst meth="repeat">
+      <a:schemeClr val="lt1"/>
+    </dgm:fillClrLst>
+    <dgm:linClrLst meth="repeat">
+      <a:schemeClr val="accent5"/>
+    </dgm:linClrLst>
+    <dgm:effectClrLst/>
+    <dgm:txLinClrLst/>
+    <dgm:txFillClrLst meth="repeat">
+      <a:schemeClr val="dk1"/>
+    </dgm:txFillClrLst>
+    <dgm:txEffectClrLst/>
+  </dgm:styleLbl>
+  <dgm:styleLbl name="solidAlignAcc1">
+    <dgm:fillClrLst meth="repeat">
+      <a:schemeClr val="lt1"/>
+    </dgm:fillClrLst>
+    <dgm:linClrLst meth="repeat">
+      <a:schemeClr val="accent5"/>
+    </dgm:linClrLst>
+    <dgm:effectClrLst/>
+    <dgm:txLinClrLst/>
+    <dgm:txFillClrLst meth="repeat">
+      <a:schemeClr val="dk1"/>
+    </dgm:txFillClrLst>
+    <dgm:txEffectClrLst/>
+  </dgm:styleLbl>
+  <dgm:styleLbl name="solidBgAcc1">
+    <dgm:fillClrLst meth="repeat">
+      <a:schemeClr val="lt1"/>
+    </dgm:fillClrLst>
+    <dgm:linClrLst meth="repeat">
+      <a:schemeClr val="accent5"/>
+    </dgm:linClrLst>
+    <dgm:effectClrLst/>
+    <dgm:txLinClrLst/>
+    <dgm:txFillClrLst meth="repeat">
+      <a:schemeClr val="dk1"/>
+    </dgm:txFillClrLst>
+    <dgm:txEffectClrLst/>
+  </dgm:styleLbl>
+  <dgm:styleLbl name="fgAccFollowNode1">
+    <dgm:fillClrLst meth="repeat">
+      <a:schemeClr val="accent5">
+        <a:alpha val="90000"/>
+        <a:tint val="40000"/>
+      </a:schemeClr>
+    </dgm:fillClrLst>
+    <dgm:linClrLst meth="repeat">
+      <a:schemeClr val="accent5">
+        <a:alpha val="90000"/>
+        <a:tint val="40000"/>
+      </a:schemeClr>
+    </dgm:linClrLst>
+    <dgm:effectClrLst/>
+    <dgm:txLinClrLst/>
+    <dgm:txFillClrLst meth="repeat">
+      <a:schemeClr val="dk1"/>
+    </dgm:txFillClrLst>
+    <dgm:txEffectClrLst/>
+  </dgm:styleLbl>
+  <dgm:styleLbl name="alignAccFollowNode1">
+    <dgm:fillClrLst meth="repeat">
+      <a:schemeClr val="accent5">
+        <a:alpha val="90000"/>
+        <a:tint val="40000"/>
+      </a:schemeClr>
+    </dgm:fillClrLst>
+    <dgm:linClrLst meth="repeat">
+      <a:schemeClr val="accent5">
+        <a:alpha val="90000"/>
+        <a:tint val="40000"/>
+      </a:schemeClr>
+    </dgm:linClrLst>
+    <dgm:effectClrLst/>
+    <dgm:txLinClrLst/>
+    <dgm:txFillClrLst meth="repeat">
+      <a:schemeClr val="dk1"/>
+    </dgm:txFillClrLst>
+    <dgm:txEffectClrLst/>
+  </dgm:styleLbl>
+  <dgm:styleLbl name="bgAccFollowNode1">
+    <dgm:fillClrLst meth="repeat">
+      <a:schemeClr val="accent5">
+        <a:alpha val="90000"/>
+        <a:tint val="40000"/>
+      </a:schemeClr>
+    </dgm:fillClrLst>
+    <dgm:linClrLst meth="repeat">
+      <a:schemeClr val="accent5">
+        <a:alpha val="90000"/>
+        <a:tint val="40000"/>
+      </a:schemeClr>
+    </dgm:linClrLst>
+    <dgm:effectClrLst/>
+    <dgm:txLinClrLst/>
+    <dgm:txFillClrLst meth="repeat">
+      <a:schemeClr val="dk1"/>
+    </dgm:txFillClrLst>
+    <dgm:txEffectClrLst/>
+  </dgm:styleLbl>
+  <dgm:styleLbl name="fgAcc0">
+    <dgm:fillClrLst meth="repeat">
+      <a:schemeClr val="lt1">
+        <a:alpha val="90000"/>
+      </a:schemeClr>
+    </dgm:fillClrLst>
+    <dgm:linClrLst meth="repeat">
+      <a:schemeClr val="accent5"/>
+    </dgm:linClrLst>
+    <dgm:effectClrLst/>
+    <dgm:txLinClrLst/>
+    <dgm:txFillClrLst meth="repeat">
+      <a:schemeClr val="dk1"/>
+    </dgm:txFillClrLst>
+    <dgm:txEffectClrLst/>
+  </dgm:styleLbl>
+  <dgm:styleLbl name="fgAcc2">
+    <dgm:fillClrLst meth="repeat">
+      <a:schemeClr val="lt1">
+        <a:alpha val="90000"/>
+      </a:schemeClr>
+    </dgm:fillClrLst>
+    <dgm:linClrLst meth="repeat">
+      <a:schemeClr val="accent5"/>
+    </dgm:linClrLst>
+    <dgm:effectClrLst/>
+    <dgm:txLinClrLst/>
+    <dgm:txFillClrLst meth="repeat">
+      <a:schemeClr val="dk1"/>
+    </dgm:txFillClrLst>
+    <dgm:txEffectClrLst/>
+  </dgm:styleLbl>
+  <dgm:styleLbl name="fgAcc3">
+    <dgm:fillClrLst meth="repeat">
+      <a:schemeClr val="lt1">
+        <a:alpha val="90000"/>
+      </a:schemeClr>
+    </dgm:fillClrLst>
+    <dgm:linClrLst meth="repeat">
+      <a:schemeClr val="accent5"/>
+    </dgm:linClrLst>
+    <dgm:effectClrLst/>
+    <dgm:txLinClrLst/>
+    <dgm:txFillClrLst meth="repeat">
+      <a:schemeClr val="dk1"/>
+    </dgm:txFillClrLst>
+    <dgm:txEffectClrLst/>
+  </dgm:styleLbl>
+  <dgm:styleLbl name="fgAcc4">
+    <dgm:fillClrLst meth="repeat">
+      <a:schemeClr val="lt1">
+        <a:alpha val="90000"/>
+      </a:schemeClr>
+    </dgm:fillClrLst>
+    <dgm:linClrLst meth="repeat">
+      <a:schemeClr val="accent5"/>
+    </dgm:linClrLst>
+    <dgm:effectClrLst/>
+    <dgm:txLinClrLst/>
+    <dgm:txFillClrLst meth="repeat">
+      <a:schemeClr val="dk1"/>
+    </dgm:txFillClrLst>
+    <dgm:txEffectClrLst/>
+  </dgm:styleLbl>
+  <dgm:styleLbl name="bgShp">
+    <dgm:fillClrLst meth="repeat">
+      <a:schemeClr val="accent5">
+        <a:tint val="40000"/>
+      </a:schemeClr>
+    </dgm:fillClrLst>
+    <dgm:linClrLst meth="repeat">
+      <a:schemeClr val="accent5"/>
+    </dgm:linClrLst>
+    <dgm:effectClrLst/>
+    <dgm:txLinClrLst/>
+    <dgm:txFillClrLst meth="repeat">
+      <a:schemeClr val="dk1"/>
+    </dgm:txFillClrLst>
+    <dgm:txEffectClrLst/>
+  </dgm:styleLbl>
+  <dgm:styleLbl name="dkBgShp">
+    <dgm:fillClrLst meth="repeat">
+      <a:schemeClr val="accent5">
+        <a:shade val="80000"/>
+      </a:schemeClr>
+    </dgm:fillClrLst>
+    <dgm:linClrLst meth="repeat">
+      <a:schemeClr val="accent5"/>
+    </dgm:linClrLst>
+    <dgm:effectClrLst/>
+    <dgm:txLinClrLst/>
+    <dgm:txFillClrLst meth="repeat">
+      <a:schemeClr val="lt1"/>
+    </dgm:txFillClrLst>
+    <dgm:txEffectClrLst/>
+  </dgm:styleLbl>
+  <dgm:styleLbl name="trBgShp">
+    <dgm:fillClrLst meth="repeat">
+      <a:schemeClr val="accent5">
+        <a:tint val="50000"/>
+        <a:alpha val="40000"/>
+      </a:schemeClr>
+    </dgm:fillClrLst>
+    <dgm:linClrLst meth="repeat">
+      <a:schemeClr val="accent5"/>
+    </dgm:linClrLst>
+    <dgm:effectClrLst/>
+    <dgm:txLinClrLst/>
+    <dgm:txFillClrLst meth="repeat">
+      <a:schemeClr val="lt1"/>
+    </dgm:txFillClrLst>
+    <dgm:txEffectClrLst/>
+  </dgm:styleLbl>
+  <dgm:styleLbl name="fgShp">
+    <dgm:fillClrLst meth="repeat">
+      <a:schemeClr val="accent5">
+        <a:tint val="60000"/>
+      </a:schemeClr>
+    </dgm:fillClrLst>
+    <dgm:linClrLst meth="repeat">
+      <a:schemeClr val="lt1"/>
+    </dgm:linClrLst>
+    <dgm:effectClrLst/>
+    <dgm:txLinClrLst/>
+    <dgm:txFillClrLst meth="repeat">
+      <a:schemeClr val="dk1"/>
+    </dgm:txFillClrLst>
+    <dgm:txEffectClrLst/>
+  </dgm:styleLbl>
+  <dgm:styleLbl name="revTx">
+    <dgm:fillClrLst meth="repeat">
+      <a:schemeClr val="lt1">
+        <a:alpha val="0"/>
+      </a:schemeClr>
+    </dgm:fillClrLst>
+    <dgm:linClrLst meth="repeat">
+      <a:schemeClr val="dk1">
+        <a:alpha val="0"/>
+      </a:schemeClr>
+    </dgm:linClrLst>
+    <dgm:effectClrLst/>
+    <dgm:txLinClrLst/>
+    <dgm:txFillClrLst meth="repeat">
+      <a:schemeClr val="tx1"/>
+    </dgm:txFillClrLst>
+    <dgm:txEffectClrLst/>
+  </dgm:styleLbl>
+</dgm:colorsDef>
+</file>
+
+<file path=ppt/diagrams/data1.xml><?xml version="1.0" encoding="utf-8"?>
+<dgm:dataModel xmlns:dgm="http://schemas.openxmlformats.org/drawingml/2006/diagram" xmlns:a="http://schemas.openxmlformats.org/drawingml/2006/main">
+  <dgm:ptLst>
+    <dgm:pt modelId="{5A1B2BB5-ED7B-4BED-AE6B-B7496DA79A7C}" type="doc">
+      <dgm:prSet loTypeId="urn:microsoft.com/office/officeart/2005/8/layout/vList2" loCatId="list" qsTypeId="urn:microsoft.com/office/officeart/2005/8/quickstyle/simple1" qsCatId="simple" csTypeId="urn:microsoft.com/office/officeart/2005/8/colors/accent5_2" csCatId="accent5" phldr="1"/>
+      <dgm:spPr/>
+      <dgm:t>
+        <a:bodyPr/>
+        <a:lstStyle/>
+        <a:p>
+          <a:endParaRPr lang="en-US"/>
+        </a:p>
+      </dgm:t>
+    </dgm:pt>
+    <dgm:pt modelId="{7A2B7C50-73D0-42AE-8221-F0C654A092EB}">
+      <dgm:prSet/>
+      <dgm:spPr/>
+      <dgm:t>
+        <a:bodyPr/>
+        <a:lstStyle/>
+        <a:p>
+          <a:r>
+            <a:rPr lang="en-US" baseline="0"/>
+            <a:t>Inputs are sent to the server function as a list.</a:t>
+          </a:r>
+          <a:endParaRPr lang="en-US"/>
+        </a:p>
+      </dgm:t>
+    </dgm:pt>
+    <dgm:pt modelId="{C571B28C-2ECE-4E72-B165-3EA7E270FEC9}" type="parTrans" cxnId="{4AA1D4AD-19B0-4849-BCD0-0E71FDAF8EB3}">
+      <dgm:prSet/>
+      <dgm:spPr/>
+      <dgm:t>
+        <a:bodyPr/>
+        <a:lstStyle/>
+        <a:p>
+          <a:endParaRPr lang="en-US"/>
+        </a:p>
+      </dgm:t>
+    </dgm:pt>
+    <dgm:pt modelId="{4998968A-1E07-47F9-9B21-B076A73DDA01}" type="sibTrans" cxnId="{4AA1D4AD-19B0-4849-BCD0-0E71FDAF8EB3}">
+      <dgm:prSet/>
+      <dgm:spPr/>
+      <dgm:t>
+        <a:bodyPr/>
+        <a:lstStyle/>
+        <a:p>
+          <a:endParaRPr lang="en-US"/>
+        </a:p>
+      </dgm:t>
+    </dgm:pt>
+    <dgm:pt modelId="{2AF77012-8EB9-46C2-9246-95F8E8718336}">
+      <dgm:prSet/>
+      <dgm:spPr/>
+      <dgm:t>
+        <a:bodyPr/>
+        <a:lstStyle/>
+        <a:p>
+          <a:r>
+            <a:rPr lang="en-US" baseline="0" dirty="0"/>
+            <a:t>Each are called by </a:t>
+          </a:r>
+          <a:r>
+            <a:rPr lang="en-US" baseline="0" dirty="0" err="1"/>
+            <a:t>input$inputId</a:t>
+          </a:r>
+          <a:endParaRPr lang="en-US" dirty="0"/>
+        </a:p>
+      </dgm:t>
+    </dgm:pt>
+    <dgm:pt modelId="{4B1DD373-CB36-4395-A648-8FD2F462FD8B}" type="parTrans" cxnId="{CA425B91-93AA-466A-B023-D22A6DEF8CE1}">
+      <dgm:prSet/>
+      <dgm:spPr/>
+      <dgm:t>
+        <a:bodyPr/>
+        <a:lstStyle/>
+        <a:p>
+          <a:endParaRPr lang="en-US"/>
+        </a:p>
+      </dgm:t>
+    </dgm:pt>
+    <dgm:pt modelId="{23DEA849-34EF-47F4-9A46-A819963CCD87}" type="sibTrans" cxnId="{CA425B91-93AA-466A-B023-D22A6DEF8CE1}">
+      <dgm:prSet/>
+      <dgm:spPr/>
+      <dgm:t>
+        <a:bodyPr/>
+        <a:lstStyle/>
+        <a:p>
+          <a:endParaRPr lang="en-US"/>
+        </a:p>
+      </dgm:t>
+    </dgm:pt>
+    <dgm:pt modelId="{37CA44A1-D6AF-49FB-B3A9-C1E714CB554C}">
+      <dgm:prSet/>
+      <dgm:spPr/>
+      <dgm:t>
+        <a:bodyPr/>
+        <a:lstStyle/>
+        <a:p>
+          <a:r>
+            <a:rPr lang="en-US" baseline="0"/>
+            <a:t>Value and length of the input depends on the widget</a:t>
+          </a:r>
+          <a:endParaRPr lang="en-US"/>
+        </a:p>
+      </dgm:t>
+    </dgm:pt>
+    <dgm:pt modelId="{2EF10FAC-2373-4AB2-9833-2F1263C0D180}" type="parTrans" cxnId="{8742D6C3-BC0E-4257-87AA-338548139F6E}">
+      <dgm:prSet/>
+      <dgm:spPr/>
+      <dgm:t>
+        <a:bodyPr/>
+        <a:lstStyle/>
+        <a:p>
+          <a:endParaRPr lang="en-US"/>
+        </a:p>
+      </dgm:t>
+    </dgm:pt>
+    <dgm:pt modelId="{6FD333DD-3DC3-4ADB-8A3E-40BCFAFA5042}" type="sibTrans" cxnId="{8742D6C3-BC0E-4257-87AA-338548139F6E}">
+      <dgm:prSet/>
+      <dgm:spPr/>
+      <dgm:t>
+        <a:bodyPr/>
+        <a:lstStyle/>
+        <a:p>
+          <a:endParaRPr lang="en-US"/>
+        </a:p>
+      </dgm:t>
+    </dgm:pt>
+    <dgm:pt modelId="{8F189010-7907-4FB5-9994-43035855E543}">
+      <dgm:prSet/>
+      <dgm:spPr/>
+      <dgm:t>
+        <a:bodyPr/>
+        <a:lstStyle/>
+        <a:p>
+          <a:r>
+            <a:rPr lang="en-US" baseline="0"/>
+            <a:t>Inputs can even be entire files, images, urls etc.</a:t>
+          </a:r>
+          <a:endParaRPr lang="en-US"/>
+        </a:p>
+      </dgm:t>
+    </dgm:pt>
+    <dgm:pt modelId="{0FEED7A4-8FD4-466D-8393-2E35E0C57005}" type="parTrans" cxnId="{063F6495-A12C-44BE-ADD2-08B99658B3F7}">
+      <dgm:prSet/>
+      <dgm:spPr/>
+      <dgm:t>
+        <a:bodyPr/>
+        <a:lstStyle/>
+        <a:p>
+          <a:endParaRPr lang="en-US"/>
+        </a:p>
+      </dgm:t>
+    </dgm:pt>
+    <dgm:pt modelId="{8D1A0F57-52D9-4D60-A911-A0DDA37ADB28}" type="sibTrans" cxnId="{063F6495-A12C-44BE-ADD2-08B99658B3F7}">
+      <dgm:prSet/>
+      <dgm:spPr/>
+      <dgm:t>
+        <a:bodyPr/>
+        <a:lstStyle/>
+        <a:p>
+          <a:endParaRPr lang="en-US"/>
+        </a:p>
+      </dgm:t>
+    </dgm:pt>
+    <dgm:pt modelId="{EDFC6448-8D08-074A-ADC7-D43FA4B10303}" type="pres">
+      <dgm:prSet presAssocID="{5A1B2BB5-ED7B-4BED-AE6B-B7496DA79A7C}" presName="linear" presStyleCnt="0">
+        <dgm:presLayoutVars>
+          <dgm:animLvl val="lvl"/>
+          <dgm:resizeHandles val="exact"/>
+        </dgm:presLayoutVars>
+      </dgm:prSet>
+      <dgm:spPr/>
+    </dgm:pt>
+    <dgm:pt modelId="{6500A95E-A588-294C-A8A4-3C96F7F96DD2}" type="pres">
+      <dgm:prSet presAssocID="{7A2B7C50-73D0-42AE-8221-F0C654A092EB}" presName="parentText" presStyleLbl="node1" presStyleIdx="0" presStyleCnt="4">
+        <dgm:presLayoutVars>
+          <dgm:chMax val="0"/>
+          <dgm:bulletEnabled val="1"/>
+        </dgm:presLayoutVars>
+      </dgm:prSet>
+      <dgm:spPr/>
+    </dgm:pt>
+    <dgm:pt modelId="{4371EA14-1C6A-B348-8504-03B88364B91B}" type="pres">
+      <dgm:prSet presAssocID="{4998968A-1E07-47F9-9B21-B076A73DDA01}" presName="spacer" presStyleCnt="0"/>
+      <dgm:spPr/>
+    </dgm:pt>
+    <dgm:pt modelId="{CBDA02E4-7868-7D4D-A150-FEF360D6C996}" type="pres">
+      <dgm:prSet presAssocID="{2AF77012-8EB9-46C2-9246-95F8E8718336}" presName="parentText" presStyleLbl="node1" presStyleIdx="1" presStyleCnt="4">
+        <dgm:presLayoutVars>
+          <dgm:chMax val="0"/>
+          <dgm:bulletEnabled val="1"/>
+        </dgm:presLayoutVars>
+      </dgm:prSet>
+      <dgm:spPr/>
+    </dgm:pt>
+    <dgm:pt modelId="{1E8686D9-29E3-B247-99DA-6B0A0E32ED3A}" type="pres">
+      <dgm:prSet presAssocID="{23DEA849-34EF-47F4-9A46-A819963CCD87}" presName="spacer" presStyleCnt="0"/>
+      <dgm:spPr/>
+    </dgm:pt>
+    <dgm:pt modelId="{7122C5DB-3D12-D140-B729-376F5D15F165}" type="pres">
+      <dgm:prSet presAssocID="{37CA44A1-D6AF-49FB-B3A9-C1E714CB554C}" presName="parentText" presStyleLbl="node1" presStyleIdx="2" presStyleCnt="4">
+        <dgm:presLayoutVars>
+          <dgm:chMax val="0"/>
+          <dgm:bulletEnabled val="1"/>
+        </dgm:presLayoutVars>
+      </dgm:prSet>
+      <dgm:spPr/>
+    </dgm:pt>
+    <dgm:pt modelId="{A4CD285B-5CCB-074D-99E6-B2D7D81EE5A4}" type="pres">
+      <dgm:prSet presAssocID="{6FD333DD-3DC3-4ADB-8A3E-40BCFAFA5042}" presName="spacer" presStyleCnt="0"/>
+      <dgm:spPr/>
+    </dgm:pt>
+    <dgm:pt modelId="{C1514A17-D413-DA4D-BDCA-36F38E61850E}" type="pres">
+      <dgm:prSet presAssocID="{8F189010-7907-4FB5-9994-43035855E543}" presName="parentText" presStyleLbl="node1" presStyleIdx="3" presStyleCnt="4">
+        <dgm:presLayoutVars>
+          <dgm:chMax val="0"/>
+          <dgm:bulletEnabled val="1"/>
+        </dgm:presLayoutVars>
+      </dgm:prSet>
+      <dgm:spPr/>
+    </dgm:pt>
+  </dgm:ptLst>
+  <dgm:cxnLst>
+    <dgm:cxn modelId="{25FEAC15-98C4-194A-8F8D-AC5961B4CFB0}" type="presOf" srcId="{2AF77012-8EB9-46C2-9246-95F8E8718336}" destId="{CBDA02E4-7868-7D4D-A150-FEF360D6C996}" srcOrd="0" destOrd="0" presId="urn:microsoft.com/office/officeart/2005/8/layout/vList2"/>
+    <dgm:cxn modelId="{A6E65C2E-C8BB-1143-83F1-433931D21AC9}" type="presOf" srcId="{8F189010-7907-4FB5-9994-43035855E543}" destId="{C1514A17-D413-DA4D-BDCA-36F38E61850E}" srcOrd="0" destOrd="0" presId="urn:microsoft.com/office/officeart/2005/8/layout/vList2"/>
+    <dgm:cxn modelId="{1E6D6757-6EC0-F743-AEF2-328984530319}" type="presOf" srcId="{5A1B2BB5-ED7B-4BED-AE6B-B7496DA79A7C}" destId="{EDFC6448-8D08-074A-ADC7-D43FA4B10303}" srcOrd="0" destOrd="0" presId="urn:microsoft.com/office/officeart/2005/8/layout/vList2"/>
+    <dgm:cxn modelId="{24A98862-195F-5749-8322-393FED706A88}" type="presOf" srcId="{37CA44A1-D6AF-49FB-B3A9-C1E714CB554C}" destId="{7122C5DB-3D12-D140-B729-376F5D15F165}" srcOrd="0" destOrd="0" presId="urn:microsoft.com/office/officeart/2005/8/layout/vList2"/>
+    <dgm:cxn modelId="{EB1F2F7D-EDFA-E44D-8069-2BDE134615A1}" type="presOf" srcId="{7A2B7C50-73D0-42AE-8221-F0C654A092EB}" destId="{6500A95E-A588-294C-A8A4-3C96F7F96DD2}" srcOrd="0" destOrd="0" presId="urn:microsoft.com/office/officeart/2005/8/layout/vList2"/>
+    <dgm:cxn modelId="{CA425B91-93AA-466A-B023-D22A6DEF8CE1}" srcId="{5A1B2BB5-ED7B-4BED-AE6B-B7496DA79A7C}" destId="{2AF77012-8EB9-46C2-9246-95F8E8718336}" srcOrd="1" destOrd="0" parTransId="{4B1DD373-CB36-4395-A648-8FD2F462FD8B}" sibTransId="{23DEA849-34EF-47F4-9A46-A819963CCD87}"/>
+    <dgm:cxn modelId="{063F6495-A12C-44BE-ADD2-08B99658B3F7}" srcId="{5A1B2BB5-ED7B-4BED-AE6B-B7496DA79A7C}" destId="{8F189010-7907-4FB5-9994-43035855E543}" srcOrd="3" destOrd="0" parTransId="{0FEED7A4-8FD4-466D-8393-2E35E0C57005}" sibTransId="{8D1A0F57-52D9-4D60-A911-A0DDA37ADB28}"/>
+    <dgm:cxn modelId="{4AA1D4AD-19B0-4849-BCD0-0E71FDAF8EB3}" srcId="{5A1B2BB5-ED7B-4BED-AE6B-B7496DA79A7C}" destId="{7A2B7C50-73D0-42AE-8221-F0C654A092EB}" srcOrd="0" destOrd="0" parTransId="{C571B28C-2ECE-4E72-B165-3EA7E270FEC9}" sibTransId="{4998968A-1E07-47F9-9B21-B076A73DDA01}"/>
+    <dgm:cxn modelId="{8742D6C3-BC0E-4257-87AA-338548139F6E}" srcId="{5A1B2BB5-ED7B-4BED-AE6B-B7496DA79A7C}" destId="{37CA44A1-D6AF-49FB-B3A9-C1E714CB554C}" srcOrd="2" destOrd="0" parTransId="{2EF10FAC-2373-4AB2-9833-2F1263C0D180}" sibTransId="{6FD333DD-3DC3-4ADB-8A3E-40BCFAFA5042}"/>
+    <dgm:cxn modelId="{915B9A77-5B11-8249-9BF2-948DBF5B3C8C}" type="presParOf" srcId="{EDFC6448-8D08-074A-ADC7-D43FA4B10303}" destId="{6500A95E-A588-294C-A8A4-3C96F7F96DD2}" srcOrd="0" destOrd="0" presId="urn:microsoft.com/office/officeart/2005/8/layout/vList2"/>
+    <dgm:cxn modelId="{0AD0201F-9DA3-2349-8181-3D4C1184AE69}" type="presParOf" srcId="{EDFC6448-8D08-074A-ADC7-D43FA4B10303}" destId="{4371EA14-1C6A-B348-8504-03B88364B91B}" srcOrd="1" destOrd="0" presId="urn:microsoft.com/office/officeart/2005/8/layout/vList2"/>
+    <dgm:cxn modelId="{BAFE3965-8FE8-8D47-8FBF-5910986423B7}" type="presParOf" srcId="{EDFC6448-8D08-074A-ADC7-D43FA4B10303}" destId="{CBDA02E4-7868-7D4D-A150-FEF360D6C996}" srcOrd="2" destOrd="0" presId="urn:microsoft.com/office/officeart/2005/8/layout/vList2"/>
+    <dgm:cxn modelId="{B6EDB521-F835-5443-B7E1-277DF5E66AEE}" type="presParOf" srcId="{EDFC6448-8D08-074A-ADC7-D43FA4B10303}" destId="{1E8686D9-29E3-B247-99DA-6B0A0E32ED3A}" srcOrd="3" destOrd="0" presId="urn:microsoft.com/office/officeart/2005/8/layout/vList2"/>
+    <dgm:cxn modelId="{A0921B84-181F-AF49-B496-6E451570CF00}" type="presParOf" srcId="{EDFC6448-8D08-074A-ADC7-D43FA4B10303}" destId="{7122C5DB-3D12-D140-B729-376F5D15F165}" srcOrd="4" destOrd="0" presId="urn:microsoft.com/office/officeart/2005/8/layout/vList2"/>
+    <dgm:cxn modelId="{A31F077A-D589-B849-9CDE-70F2CDF17172}" type="presParOf" srcId="{EDFC6448-8D08-074A-ADC7-D43FA4B10303}" destId="{A4CD285B-5CCB-074D-99E6-B2D7D81EE5A4}" srcOrd="5" destOrd="0" presId="urn:microsoft.com/office/officeart/2005/8/layout/vList2"/>
+    <dgm:cxn modelId="{F8C20670-D56A-B543-9950-36E932FA3BEB}" type="presParOf" srcId="{EDFC6448-8D08-074A-ADC7-D43FA4B10303}" destId="{C1514A17-D413-DA4D-BDCA-36F38E61850E}" srcOrd="6" destOrd="0" presId="urn:microsoft.com/office/officeart/2005/8/layout/vList2"/>
+  </dgm:cxnLst>
+  <dgm:bg/>
+  <dgm:whole/>
+  <dgm:extLst>
+    <a:ext uri="http://schemas.microsoft.com/office/drawing/2008/diagram">
+      <dsp:dataModelExt xmlns:dsp="http://schemas.microsoft.com/office/drawing/2008/diagram" relId="rId6" minVer="http://schemas.openxmlformats.org/drawingml/2006/diagram"/>
+    </a:ext>
+  </dgm:extLst>
+</dgm:dataModel>
+</file>
+
+<file path=ppt/diagrams/drawing1.xml><?xml version="1.0" encoding="utf-8"?>
+<dsp:drawing xmlns:dgm="http://schemas.openxmlformats.org/drawingml/2006/diagram" xmlns:dsp="http://schemas.microsoft.com/office/drawing/2008/diagram" xmlns:a="http://schemas.openxmlformats.org/drawingml/2006/main">
+  <dsp:spTree>
+    <dsp:nvGrpSpPr>
+      <dsp:cNvPr id="0" name=""/>
+      <dsp:cNvGrpSpPr/>
+    </dsp:nvGrpSpPr>
+    <dsp:grpSpPr/>
+    <dsp:sp modelId="{6500A95E-A588-294C-A8A4-3C96F7F96DD2}">
+      <dsp:nvSpPr>
+        <dsp:cNvPr id="0" name=""/>
+        <dsp:cNvSpPr/>
+      </dsp:nvSpPr>
+      <dsp:spPr>
+        <a:xfrm>
+          <a:off x="0" y="42450"/>
+          <a:ext cx="10905066" cy="798524"/>
+        </a:xfrm>
+        <a:prstGeom prst="roundRect">
+          <a:avLst/>
+        </a:prstGeom>
+        <a:solidFill>
+          <a:schemeClr val="accent5">
+            <a:hueOff val="0"/>
+            <a:satOff val="0"/>
+            <a:lumOff val="0"/>
+            <a:alphaOff val="0"/>
+          </a:schemeClr>
+        </a:solidFill>
+        <a:ln w="34925" cap="flat" cmpd="sng" algn="in">
+          <a:solidFill>
+            <a:schemeClr val="lt1">
+              <a:hueOff val="0"/>
+              <a:satOff val="0"/>
+              <a:lumOff val="0"/>
+              <a:alphaOff val="0"/>
+            </a:schemeClr>
+          </a:solidFill>
+          <a:prstDash val="solid"/>
+        </a:ln>
+        <a:effectLst/>
+      </dsp:spPr>
+      <dsp:style>
+        <a:lnRef idx="2">
+          <a:scrgbClr r="0" g="0" b="0"/>
+        </a:lnRef>
+        <a:fillRef idx="1">
+          <a:scrgbClr r="0" g="0" b="0"/>
+        </a:fillRef>
+        <a:effectRef idx="0">
+          <a:scrgbClr r="0" g="0" b="0"/>
+        </a:effectRef>
+        <a:fontRef idx="minor">
+          <a:schemeClr val="lt1"/>
+        </a:fontRef>
+      </dsp:style>
+      <dsp:txBody>
+        <a:bodyPr spcFirstLastPara="0" vert="horz" wrap="square" lIns="133350" tIns="133350" rIns="133350" bIns="133350" numCol="1" spcCol="1270" anchor="ctr" anchorCtr="0">
+          <a:noAutofit/>
+        </a:bodyPr>
+        <a:lstStyle/>
+        <a:p>
+          <a:pPr marL="0" lvl="0" indent="0" algn="l" defTabSz="1555750">
+            <a:lnSpc>
+              <a:spcPct val="90000"/>
+            </a:lnSpc>
+            <a:spcBef>
+              <a:spcPct val="0"/>
+            </a:spcBef>
+            <a:spcAft>
+              <a:spcPct val="35000"/>
+            </a:spcAft>
+            <a:buNone/>
+          </a:pPr>
+          <a:r>
+            <a:rPr lang="en-US" sz="3500" kern="1200" baseline="0"/>
+            <a:t>Inputs are sent to the server function as a list.</a:t>
+          </a:r>
+          <a:endParaRPr lang="en-US" sz="3500" kern="1200"/>
+        </a:p>
+      </dsp:txBody>
+      <dsp:txXfrm>
+        <a:off x="38981" y="81431"/>
+        <a:ext cx="10827104" cy="720562"/>
+      </dsp:txXfrm>
+    </dsp:sp>
+    <dsp:sp modelId="{CBDA02E4-7868-7D4D-A150-FEF360D6C996}">
+      <dsp:nvSpPr>
+        <dsp:cNvPr id="0" name=""/>
+        <dsp:cNvSpPr/>
+      </dsp:nvSpPr>
+      <dsp:spPr>
+        <a:xfrm>
+          <a:off x="0" y="941775"/>
+          <a:ext cx="10905066" cy="798524"/>
+        </a:xfrm>
+        <a:prstGeom prst="roundRect">
+          <a:avLst/>
+        </a:prstGeom>
+        <a:solidFill>
+          <a:schemeClr val="accent5">
+            <a:hueOff val="0"/>
+            <a:satOff val="0"/>
+            <a:lumOff val="0"/>
+            <a:alphaOff val="0"/>
+          </a:schemeClr>
+        </a:solidFill>
+        <a:ln w="34925" cap="flat" cmpd="sng" algn="in">
+          <a:solidFill>
+            <a:schemeClr val="lt1">
+              <a:hueOff val="0"/>
+              <a:satOff val="0"/>
+              <a:lumOff val="0"/>
+              <a:alphaOff val="0"/>
+            </a:schemeClr>
+          </a:solidFill>
+          <a:prstDash val="solid"/>
+        </a:ln>
+        <a:effectLst/>
+      </dsp:spPr>
+      <dsp:style>
+        <a:lnRef idx="2">
+          <a:scrgbClr r="0" g="0" b="0"/>
+        </a:lnRef>
+        <a:fillRef idx="1">
+          <a:scrgbClr r="0" g="0" b="0"/>
+        </a:fillRef>
+        <a:effectRef idx="0">
+          <a:scrgbClr r="0" g="0" b="0"/>
+        </a:effectRef>
+        <a:fontRef idx="minor">
+          <a:schemeClr val="lt1"/>
+        </a:fontRef>
+      </dsp:style>
+      <dsp:txBody>
+        <a:bodyPr spcFirstLastPara="0" vert="horz" wrap="square" lIns="133350" tIns="133350" rIns="133350" bIns="133350" numCol="1" spcCol="1270" anchor="ctr" anchorCtr="0">
+          <a:noAutofit/>
+        </a:bodyPr>
+        <a:lstStyle/>
+        <a:p>
+          <a:pPr marL="0" lvl="0" indent="0" algn="l" defTabSz="1555750">
+            <a:lnSpc>
+              <a:spcPct val="90000"/>
+            </a:lnSpc>
+            <a:spcBef>
+              <a:spcPct val="0"/>
+            </a:spcBef>
+            <a:spcAft>
+              <a:spcPct val="35000"/>
+            </a:spcAft>
+            <a:buNone/>
+          </a:pPr>
+          <a:r>
+            <a:rPr lang="en-US" sz="3500" kern="1200" baseline="0" dirty="0"/>
+            <a:t>Each are called by </a:t>
+          </a:r>
+          <a:r>
+            <a:rPr lang="en-US" sz="3500" kern="1200" baseline="0" dirty="0" err="1"/>
+            <a:t>input$inputId</a:t>
+          </a:r>
+          <a:endParaRPr lang="en-US" sz="3500" kern="1200" dirty="0"/>
+        </a:p>
+      </dsp:txBody>
+      <dsp:txXfrm>
+        <a:off x="38981" y="980756"/>
+        <a:ext cx="10827104" cy="720562"/>
+      </dsp:txXfrm>
+    </dsp:sp>
+    <dsp:sp modelId="{7122C5DB-3D12-D140-B729-376F5D15F165}">
+      <dsp:nvSpPr>
+        <dsp:cNvPr id="0" name=""/>
+        <dsp:cNvSpPr/>
+      </dsp:nvSpPr>
+      <dsp:spPr>
+        <a:xfrm>
+          <a:off x="0" y="1841100"/>
+          <a:ext cx="10905066" cy="798524"/>
+        </a:xfrm>
+        <a:prstGeom prst="roundRect">
+          <a:avLst/>
+        </a:prstGeom>
+        <a:solidFill>
+          <a:schemeClr val="accent5">
+            <a:hueOff val="0"/>
+            <a:satOff val="0"/>
+            <a:lumOff val="0"/>
+            <a:alphaOff val="0"/>
+          </a:schemeClr>
+        </a:solidFill>
+        <a:ln w="34925" cap="flat" cmpd="sng" algn="in">
+          <a:solidFill>
+            <a:schemeClr val="lt1">
+              <a:hueOff val="0"/>
+              <a:satOff val="0"/>
+              <a:lumOff val="0"/>
+              <a:alphaOff val="0"/>
+            </a:schemeClr>
+          </a:solidFill>
+          <a:prstDash val="solid"/>
+        </a:ln>
+        <a:effectLst/>
+      </dsp:spPr>
+      <dsp:style>
+        <a:lnRef idx="2">
+          <a:scrgbClr r="0" g="0" b="0"/>
+        </a:lnRef>
+        <a:fillRef idx="1">
+          <a:scrgbClr r="0" g="0" b="0"/>
+        </a:fillRef>
+        <a:effectRef idx="0">
+          <a:scrgbClr r="0" g="0" b="0"/>
+        </a:effectRef>
+        <a:fontRef idx="minor">
+          <a:schemeClr val="lt1"/>
+        </a:fontRef>
+      </dsp:style>
+      <dsp:txBody>
+        <a:bodyPr spcFirstLastPara="0" vert="horz" wrap="square" lIns="133350" tIns="133350" rIns="133350" bIns="133350" numCol="1" spcCol="1270" anchor="ctr" anchorCtr="0">
+          <a:noAutofit/>
+        </a:bodyPr>
+        <a:lstStyle/>
+        <a:p>
+          <a:pPr marL="0" lvl="0" indent="0" algn="l" defTabSz="1555750">
+            <a:lnSpc>
+              <a:spcPct val="90000"/>
+            </a:lnSpc>
+            <a:spcBef>
+              <a:spcPct val="0"/>
+            </a:spcBef>
+            <a:spcAft>
+              <a:spcPct val="35000"/>
+            </a:spcAft>
+            <a:buNone/>
+          </a:pPr>
+          <a:r>
+            <a:rPr lang="en-US" sz="3500" kern="1200" baseline="0"/>
+            <a:t>Value and length of the input depends on the widget</a:t>
+          </a:r>
+          <a:endParaRPr lang="en-US" sz="3500" kern="1200"/>
+        </a:p>
+      </dsp:txBody>
+      <dsp:txXfrm>
+        <a:off x="38981" y="1880081"/>
+        <a:ext cx="10827104" cy="720562"/>
+      </dsp:txXfrm>
+    </dsp:sp>
+    <dsp:sp modelId="{C1514A17-D413-DA4D-BDCA-36F38E61850E}">
+      <dsp:nvSpPr>
+        <dsp:cNvPr id="0" name=""/>
+        <dsp:cNvSpPr/>
+      </dsp:nvSpPr>
+      <dsp:spPr>
+        <a:xfrm>
+          <a:off x="0" y="2740425"/>
+          <a:ext cx="10905066" cy="798524"/>
+        </a:xfrm>
+        <a:prstGeom prst="roundRect">
+          <a:avLst/>
+        </a:prstGeom>
+        <a:solidFill>
+          <a:schemeClr val="accent5">
+            <a:hueOff val="0"/>
+            <a:satOff val="0"/>
+            <a:lumOff val="0"/>
+            <a:alphaOff val="0"/>
+          </a:schemeClr>
+        </a:solidFill>
+        <a:ln w="34925" cap="flat" cmpd="sng" algn="in">
+          <a:solidFill>
+            <a:schemeClr val="lt1">
+              <a:hueOff val="0"/>
+              <a:satOff val="0"/>
+              <a:lumOff val="0"/>
+              <a:alphaOff val="0"/>
+            </a:schemeClr>
+          </a:solidFill>
+          <a:prstDash val="solid"/>
+        </a:ln>
+        <a:effectLst/>
+      </dsp:spPr>
+      <dsp:style>
+        <a:lnRef idx="2">
+          <a:scrgbClr r="0" g="0" b="0"/>
+        </a:lnRef>
+        <a:fillRef idx="1">
+          <a:scrgbClr r="0" g="0" b="0"/>
+        </a:fillRef>
+        <a:effectRef idx="0">
+          <a:scrgbClr r="0" g="0" b="0"/>
+        </a:effectRef>
+        <a:fontRef idx="minor">
+          <a:schemeClr val="lt1"/>
+        </a:fontRef>
+      </dsp:style>
+      <dsp:txBody>
+        <a:bodyPr spcFirstLastPara="0" vert="horz" wrap="square" lIns="133350" tIns="133350" rIns="133350" bIns="133350" numCol="1" spcCol="1270" anchor="ctr" anchorCtr="0">
+          <a:noAutofit/>
+        </a:bodyPr>
+        <a:lstStyle/>
+        <a:p>
+          <a:pPr marL="0" lvl="0" indent="0" algn="l" defTabSz="1555750">
+            <a:lnSpc>
+              <a:spcPct val="90000"/>
+            </a:lnSpc>
+            <a:spcBef>
+              <a:spcPct val="0"/>
+            </a:spcBef>
+            <a:spcAft>
+              <a:spcPct val="35000"/>
+            </a:spcAft>
+            <a:buNone/>
+          </a:pPr>
+          <a:r>
+            <a:rPr lang="en-US" sz="3500" kern="1200" baseline="0"/>
+            <a:t>Inputs can even be entire files, images, urls etc.</a:t>
+          </a:r>
+          <a:endParaRPr lang="en-US" sz="3500" kern="1200"/>
+        </a:p>
+      </dsp:txBody>
+      <dsp:txXfrm>
+        <a:off x="38981" y="2779406"/>
+        <a:ext cx="10827104" cy="720562"/>
+      </dsp:txXfrm>
+    </dsp:sp>
+  </dsp:spTree>
+</dsp:drawing>
+</file>
+
+<file path=ppt/diagrams/layout1.xml><?xml version="1.0" encoding="utf-8"?>
+<dgm:layoutDef xmlns:dgm="http://schemas.openxmlformats.org/drawingml/2006/diagram" xmlns:a="http://schemas.openxmlformats.org/drawingml/2006/main" uniqueId="urn:microsoft.com/office/officeart/2005/8/layout/vList2">
+  <dgm:title val=""/>
+  <dgm:desc val=""/>
+  <dgm:catLst>
+    <dgm:cat type="list" pri="3000"/>
+    <dgm:cat type="convert" pri="1000"/>
+  </dgm:catLst>
+  <dgm:sampData>
+    <dgm:dataModel>
+      <dgm:ptLst>
+        <dgm:pt modelId="0" type="doc"/>
+        <dgm:pt modelId="1">
+          <dgm:prSet phldr="1"/>
+        </dgm:pt>
+        <dgm:pt modelId="11">
+          <dgm:prSet phldr="1"/>
+        </dgm:pt>
+        <dgm:pt modelId="2">
+          <dgm:prSet phldr="1"/>
+        </dgm:pt>
+        <dgm:pt modelId="21">
+          <dgm:prSet phldr="1"/>
+        </dgm:pt>
+      </dgm:ptLst>
+      <dgm:cxnLst>
+        <dgm:cxn modelId="4" srcId="0" destId="1" srcOrd="0" destOrd="0"/>
+        <dgm:cxn modelId="5" srcId="0" destId="2" srcOrd="1" destOrd="0"/>
+        <dgm:cxn modelId="12" srcId="1" destId="11" srcOrd="0" destOrd="0"/>
+        <dgm:cxn modelId="23" srcId="2" destId="21" srcOrd="0" destOrd="0"/>
+      </dgm:cxnLst>
+      <dgm:bg/>
+      <dgm:whole/>
+    </dgm:dataModel>
+  </dgm:sampData>
+  <dgm:styleData>
+    <dgm:dataModel>
+      <dgm:ptLst>
+        <dgm:pt modelId="0" type="doc"/>
+        <dgm:pt modelId="1"/>
+        <dgm:pt modelId="2"/>
+      </dgm:ptLst>
+      <dgm:cxnLst>
+        <dgm:cxn modelId="3" srcId="0" destId="1" srcOrd="0" destOrd="0"/>
+        <dgm:cxn modelId="4" srcId="0" destId="2" srcOrd="1" destOrd="0"/>
+      </dgm:cxnLst>
+      <dgm:bg/>
+      <dgm:whole/>
+    </dgm:dataModel>
+  </dgm:styleData>
+  <dgm:clrData>
+    <dgm:dataModel>
+      <dgm:ptLst>
+        <dgm:pt modelId="0" type="doc"/>
+        <dgm:pt modelId="1"/>
+        <dgm:pt modelId="2"/>
+        <dgm:pt modelId="3"/>
+        <dgm:pt modelId="4"/>
+      </dgm:ptLst>
+      <dgm:cxnLst>
+        <dgm:cxn modelId="5" srcId="0" destId="1" srcOrd="0" destOrd="0"/>
+        <dgm:cxn modelId="6" srcId="0" destId="2" srcOrd="1" destOrd="0"/>
+        <dgm:cxn modelId="7" srcId="0" destId="3" srcOrd="2" destOrd="0"/>
+        <dgm:cxn modelId="8" srcId="0" destId="4" srcOrd="3" destOrd="0"/>
+      </dgm:cxnLst>
+      <dgm:bg/>
+      <dgm:whole/>
+    </dgm:dataModel>
+  </dgm:clrData>
+  <dgm:layoutNode name="linear">
+    <dgm:varLst>
+      <dgm:animLvl val="lvl"/>
+      <dgm:resizeHandles val="exact"/>
+    </dgm:varLst>
+    <dgm:alg type="lin">
+      <dgm:param type="linDir" val="fromT"/>
+      <dgm:param type="vertAlign" val="mid"/>
+    </dgm:alg>
+    <dgm:shape xmlns:r="http://schemas.openxmlformats.org/officeDocument/2006/relationships" r:blip="">
+      <dgm:adjLst/>
+    </dgm:shape>
+    <dgm:presOf/>
+    <dgm:constrLst>
+      <dgm:constr type="w" for="ch" forName="parentText" refType="w"/>
+      <dgm:constr type="h" for="ch" forName="parentText" refType="primFontSz" refFor="ch" refForName="parentText" fact="0.52"/>
+      <dgm:constr type="w" for="ch" forName="childText" refType="w"/>
+      <dgm:constr type="h" for="ch" forName="childText" refType="primFontSz" refFor="ch" refForName="parentText" fact="0.46"/>
+      <dgm:constr type="h" for="ch" forName="parentText" op="equ"/>
+      <dgm:constr type="primFontSz" for="ch" forName="parentText" op="equ" val="65"/>
+      <dgm:constr type="primFontSz" for="ch" forName="childText" refType="primFontSz" refFor="ch" refForName="parentText" op="equ"/>
+      <dgm:constr type="h" for="ch" forName="spacer" refType="primFontSz" refFor="ch" refForName="parentText" fact="0.08"/>
+    </dgm:constrLst>
+    <dgm:ruleLst>
+      <dgm:rule type="primFontSz" for="ch" forName="parentText" val="5" fact="NaN" max="NaN"/>
+    </dgm:ruleLst>
+    <dgm:forEach name="Name0" axis="ch" ptType="node">
+      <dgm:layoutNode name="parentText" styleLbl="node1">
+        <dgm:varLst>
+          <dgm:chMax val="0"/>
+          <dgm:bulletEnabled val="1"/>
+        </dgm:varLst>
+        <dgm:alg type="tx">
+          <dgm:param type="parTxLTRAlign" val="l"/>
+          <dgm:param type="parTxRTLAlign" val="r"/>
+        </dgm:alg>
+        <dgm:shape xmlns:r="http://schemas.openxmlformats.org/officeDocument/2006/relationships" type="roundRect" r:blip="">
+          <dgm:adjLst/>
+        </dgm:shape>
+        <dgm:presOf axis="self"/>
+        <dgm:constrLst>
+          <dgm:constr type="tMarg" refType="primFontSz" fact="0.3"/>
+          <dgm:constr type="bMarg" refType="primFontSz" fact="0.3"/>
+          <dgm:constr type="lMarg" refType="primFontSz" fact="0.3"/>
+          <dgm:constr type="rMarg" refType="primFontSz" fact="0.3"/>
+        </dgm:constrLst>
+        <dgm:ruleLst>
+          <dgm:rule type="h" val="INF" fact="NaN" max="NaN"/>
+        </dgm:ruleLst>
+      </dgm:layoutNode>
+      <dgm:choose name="Name1">
+        <dgm:if name="Name2" axis="ch" ptType="node" func="cnt" op="gte" val="1">
+          <dgm:layoutNode name="childText" styleLbl="revTx">
+            <dgm:varLst>
+              <dgm:bulletEnabled val="1"/>
+            </dgm:varLst>
+            <dgm:alg type="tx">
+              <dgm:param type="stBulletLvl" val="1"/>
+              <dgm:param type="lnSpAfChP" val="20"/>
+            </dgm:alg>
+            <dgm:shape xmlns:r="http://schemas.openxmlformats.org/officeDocument/2006/relationships" type="rect" r:blip="">
+              <dgm:adjLst/>
+            </dgm:shape>
+            <dgm:presOf axis="des" ptType="node"/>
+            <dgm:constrLst>
+              <dgm:constr type="tMarg" refType="primFontSz" fact="0.1"/>
+              <dgm:constr type="bMarg" refType="primFontSz" fact="0.1"/>
+              <dgm:constr type="lMarg" refType="w" fact="0.09"/>
+            </dgm:constrLst>
+            <dgm:ruleLst>
+              <dgm:rule type="h" val="INF" fact="NaN" max="NaN"/>
+            </dgm:ruleLst>
+          </dgm:layoutNode>
+        </dgm:if>
+        <dgm:else name="Name3">
+          <dgm:choose name="Name4">
+            <dgm:if name="Name5" axis="par ch" ptType="doc node" func="cnt" op="gte" val="2">
+              <dgm:forEach name="Name6" axis="followSib" ptType="sibTrans" cnt="1">
+                <dgm:layoutNode name="spacer">
+                  <dgm:alg type="sp"/>
+                  <dgm:shape xmlns:r="http://schemas.openxmlformats.org/officeDocument/2006/relationships" r:blip="">
+                    <dgm:adjLst/>
+                  </dgm:shape>
+                  <dgm:presOf/>
+                  <dgm:constrLst/>
+                  <dgm:ruleLst/>
+                </dgm:layoutNode>
+              </dgm:forEach>
+            </dgm:if>
+            <dgm:else name="Name7"/>
+          </dgm:choose>
+        </dgm:else>
+      </dgm:choose>
+    </dgm:forEach>
+  </dgm:layoutNode>
+</dgm:layoutDef>
+</file>
+
+<file path=ppt/diagrams/quickStyle1.xml><?xml version="1.0" encoding="utf-8"?>
+<dgm:styleDef xmlns:dgm="http://schemas.openxmlformats.org/drawingml/2006/diagram" xmlns:a="http://schemas.openxmlformats.org/drawingml/2006/main" uniqueId="urn:microsoft.com/office/officeart/2005/8/quickstyle/simple1">
+  <dgm:title val=""/>
+  <dgm:desc val=""/>
+  <dgm:catLst>
+    <dgm:cat type="simple" pri="10100"/>
+  </dgm:catLst>
+  <dgm:scene3d>
+    <a:camera prst="orthographicFront"/>
+    <a:lightRig rig="threePt" dir="t"/>
+  </dgm:scene3d>
+  <dgm:styleLbl name="node0">
+    <dgm:scene3d>
+      <a:camera prst="orthographicFront"/>
+      <a:lightRig rig="threePt" dir="t"/>
+    </dgm:scene3d>
+    <dgm:sp3d/>
+    <dgm:txPr/>
+    <dgm:style>
+      <a:lnRef idx="2">
+        <a:scrgbClr r="0" g="0" b="0"/>
+      </a:lnRef>
+      <a:fillRef idx="1">
+        <a:scrgbClr r="0" g="0" b="0"/>
+      </a:fillRef>
+      <a:effectRef idx="0">
+        <a:scrgbClr r="0" g="0" b="0"/>
+      </a:effectRef>
+      <a:fontRef idx="minor">
+        <a:schemeClr val="lt1"/>
+      </a:fontRef>
+    </dgm:style>
+  </dgm:styleLbl>
+  <dgm:styleLbl name="lnNode1">
+    <dgm:scene3d>
+      <a:camera prst="orthographicFront"/>
+      <a:lightRig rig="threePt" dir="t"/>
+    </dgm:scene3d>
+    <dgm:sp3d/>
+    <dgm:txPr/>
+    <dgm:style>
+      <a:lnRef idx="2">
+        <a:scrgbClr r="0" g="0" b="0"/>
+      </a:lnRef>
+      <a:fillRef idx="1">
+        <a:scrgbClr r="0" g="0" b="0"/>
+      </a:fillRef>
+      <a:effectRef idx="0">
+        <a:scrgbClr r="0" g="0" b="0"/>
+      </a:effectRef>
+      <a:fontRef idx="minor">
+        <a:schemeClr val="lt1"/>
+      </a:fontRef>
+    </dgm:style>
+  </dgm:styleLbl>
+  <dgm:styleLbl name="vennNode1">
+    <dgm:scene3d>
+      <a:camera prst="orthographicFront"/>
+      <a:lightRig rig="threePt" dir="t"/>
+    </dgm:scene3d>
+    <dgm:sp3d/>
+    <dgm:txPr/>
+    <dgm:style>
+      <a:lnRef idx="2">
+        <a:scrgbClr r="0" g="0" b="0"/>
+      </a:lnRef>
+      <a:fillRef idx="1">
+        <a:scrgbClr r="0" g="0" b="0"/>
+      </a:fillRef>
+      <a:effectRef idx="0">
+        <a:scrgbClr r="0" g="0" b="0"/>
+      </a:effectRef>
+      <a:fontRef idx="minor">
+        <a:schemeClr val="tx1"/>
+      </a:fontRef>
+    </dgm:style>
+  </dgm:styleLbl>
+  <dgm:styleLbl name="alignNode1">
+    <dgm:scene3d>
+      <a:camera prst="orthographicFront"/>
+      <a:lightRig rig="threePt" dir="t"/>
+    </dgm:scene3d>
+    <dgm:sp3d/>
+    <dgm:txPr/>
+    <dgm:style>
+      <a:lnRef idx="2">
+        <a:scrgbClr r="0" g="0" b="0"/>
+      </a:lnRef>
+      <a:fillRef idx="1">
+        <a:scrgbClr r="0" g="0" b="0"/>
+      </a:fillRef>
+      <a:effectRef idx="0">
+        <a:scrgbClr r="0" g="0" b="0"/>
+      </a:effectRef>
+      <a:fontRef idx="minor">
+        <a:schemeClr val="lt1"/>
+      </a:fontRef>
+    </dgm:style>
+  </dgm:styleLbl>
+  <dgm:styleLbl name="node1">
+    <dgm:scene3d>
+      <a:camera prst="orthographicFront"/>
+      <a:lightRig rig="threePt" dir="t"/>
+    </dgm:scene3d>
+    <dgm:sp3d/>
+    <dgm:txPr/>
+    <dgm:style>
+      <a:lnRef idx="2">
+        <a:scrgbClr r="0" g="0" b="0"/>
+      </a:lnRef>
+      <a:fillRef idx="1">
+        <a:scrgbClr r="0" g="0" b="0"/>
+      </a:fillRef>
+      <a:effectRef idx="0">
+        <a:scrgbClr r="0" g="0" b="0"/>
+      </a:effectRef>
+      <a:fontRef idx="minor">
+        <a:schemeClr val="lt1"/>
+      </a:fontRef>
+    </dgm:style>
+  </dgm:styleLbl>
+  <dgm:styleLbl name="node2">
+    <dgm:scene3d>
+      <a:camera prst="orthographicFront"/>
+      <a:lightRig rig="threePt" dir="t"/>
+    </dgm:scene3d>
+    <dgm:sp3d/>
+    <dgm:txPr/>
+    <dgm:style>
+      <a:lnRef idx="2">
+        <a:scrgbClr r="0" g="0" b="0"/>
+      </a:lnRef>
+      <a:fillRef idx="1">
+        <a:scrgbClr r="0" g="0" b="0"/>
+      </a:fillRef>
+      <a:effectRef idx="0">
+        <a:scrgbClr r="0" g="0" b="0"/>
+      </a:effectRef>
+      <a:fontRef idx="minor">
+        <a:schemeClr val="lt1"/>
+      </a:fontRef>
+    </dgm:style>
+  </dgm:styleLbl>
+  <dgm:styleLbl name="node3">
+    <dgm:scene3d>
+      <a:camera prst="orthographicFront"/>
+      <a:lightRig rig="threePt" dir="t"/>
+    </dgm:scene3d>
+    <dgm:sp3d/>
+    <dgm:txPr/>
+    <dgm:style>
+      <a:lnRef idx="2">
+        <a:scrgbClr r="0" g="0" b="0"/>
+      </a:lnRef>
+      <a:fillRef idx="1">
+        <a:scrgbClr r="0" g="0" b="0"/>
+      </a:fillRef>
+      <a:effectRef idx="0">
+        <a:scrgbClr r="0" g="0" b="0"/>
+      </a:effectRef>
+      <a:fontRef idx="minor">
+        <a:schemeClr val="lt1"/>
+      </a:fontRef>
+    </dgm:style>
+  </dgm:styleLbl>
+  <dgm:styleLbl name="node4">
+    <dgm:scene3d>
+      <a:camera prst="orthographicFront"/>
+      <a:lightRig rig="threePt" dir="t"/>
+    </dgm:scene3d>
+    <dgm:sp3d/>
+    <dgm:txPr/>
+    <dgm:style>
+      <a:lnRef idx="2">
+        <a:scrgbClr r="0" g="0" b="0"/>
+      </a:lnRef>
+      <a:fillRef idx="1">
+        <a:scrgbClr r="0" g="0" b="0"/>
+      </a:fillRef>
+      <a:effectRef idx="0">
+        <a:scrgbClr r="0" g="0" b="0"/>
+      </a:effectRef>
+      <a:fontRef idx="minor">
+        <a:schemeClr val="lt1"/>
+      </a:fontRef>
+    </dgm:style>
+  </dgm:styleLbl>
+  <dgm:styleLbl name="fgImgPlace1">
+    <dgm:scene3d>
+      <a:camera prst="orthographicFront"/>
+      <a:lightRig rig="threePt" dir="t"/>
+    </dgm:scene3d>
+    <dgm:sp3d/>
+    <dgm:txPr/>
+    <dgm:style>
+      <a:lnRef idx="2">
+        <a:scrgbClr r="0" g="0" b="0"/>
+      </a:lnRef>
+      <a:fillRef idx="1">
+        <a:scrgbClr r="0" g="0" b="0"/>
+      </a:fillRef>
+      <a:effectRef idx="0">
+        <a:scrgbClr r="0" g="0" b="0"/>
+      </a:effectRef>
+      <a:fontRef idx="minor"/>
+    </dgm:style>
+  </dgm:styleLbl>
+  <dgm:styleLbl name="alignImgPlace1">
+    <dgm:scene3d>
+      <a:camera prst="orthographicFront"/>
+      <a:lightRig rig="threePt" dir="t"/>
+    </dgm:scene3d>
+    <dgm:sp3d/>
+    <dgm:txPr/>
+    <dgm:style>
+      <a:lnRef idx="2">
+        <a:scrgbClr r="0" g="0" b="0"/>
+      </a:lnRef>
+      <a:fillRef idx="1">
+        <a:scrgbClr r="0" g="0" b="0"/>
+      </a:fillRef>
+      <a:effectRef idx="0">
+        <a:scrgbClr r="0" g="0" b="0"/>
+      </a:effectRef>
+      <a:fontRef idx="minor"/>
+    </dgm:style>
+  </dgm:styleLbl>
+  <dgm:styleLbl name="bgImgPlace1">
+    <dgm:scene3d>
+      <a:camera prst="orthographicFront"/>
+      <a:lightRig rig="threePt" dir="t"/>
+    </dgm:scene3d>
+    <dgm:sp3d/>
+    <dgm:txPr/>
+    <dgm:style>
+      <a:lnRef idx="2">
+        <a:scrgbClr r="0" g="0" b="0"/>
+      </a:lnRef>
+      <a:fillRef idx="1">
+        <a:scrgbClr r="0" g="0" b="0"/>
+      </a:fillRef>
+      <a:effectRef idx="0">
+        <a:scrgbClr r="0" g="0" b="0"/>
+      </a:effectRef>
+      <a:fontRef idx="minor"/>
+    </dgm:style>
+  </dgm:styleLbl>
+  <dgm:styleLbl name="sibTrans2D1">
+    <dgm:scene3d>
+      <a:camera prst="orthographicFront"/>
+      <a:lightRig rig="threePt" dir="t"/>
+    </dgm:scene3d>
+    <dgm:sp3d/>
+    <dgm:txPr/>
+    <dgm:style>
+      <a:lnRef idx="0">
+        <a:scrgbClr r="0" g="0" b="0"/>
+      </a:lnRef>
+      <a:fillRef idx="1">
+        <a:scrgbClr r="0" g="0" b="0"/>
+      </a:fillRef>
+      <a:effectRef idx="0">
+        <a:scrgbClr r="0" g="0" b="0"/>
+      </a:effectRef>
+      <a:fontRef idx="minor">
+        <a:schemeClr val="lt1"/>
+      </a:fontRef>
+    </dgm:style>
+  </dgm:styleLbl>
+  <dgm:styleLbl name="fgSibTrans2D1">
+    <dgm:scene3d>
+      <a:camera prst="orthographicFront"/>
+      <a:lightRig rig="threePt" dir="t"/>
+    </dgm:scene3d>
+    <dgm:sp3d/>
+    <dgm:txPr/>
+    <dgm:style>
+      <a:lnRef idx="0">
+        <a:scrgbClr r="0" g="0" b="0"/>
+      </a:lnRef>
+      <a:fillRef idx="1">
+        <a:scrgbClr r="0" g="0" b="0"/>
+      </a:fillRef>
+      <a:effectRef idx="0">
+        <a:scrgbClr r="0" g="0" b="0"/>
+      </a:effectRef>
+      <a:fontRef idx="minor">
+        <a:schemeClr val="lt1"/>
+      </a:fontRef>
+    </dgm:style>
+  </dgm:styleLbl>
+  <dgm:styleLbl name="bgSibTrans2D1">
+    <dgm:scene3d>
+      <a:camera prst="orthographicFront"/>
+      <a:lightRig rig="threePt" dir="t"/>
+    </dgm:scene3d>
+    <dgm:sp3d/>
+    <dgm:txPr/>
+    <dgm:style>
+      <a:lnRef idx="0">
+        <a:scrgbClr r="0" g="0" b="0"/>
+      </a:lnRef>
+      <a:fillRef idx="1">
+        <a:scrgbClr r="0" g="0" b="0"/>
+      </a:fillRef>
+      <a:effectRef idx="0">
+        <a:scrgbClr r="0" g="0" b="0"/>
+      </a:effectRef>
+      <a:fontRef idx="minor">
+        <a:schemeClr val="lt1"/>
+      </a:fontRef>
+    </dgm:style>
+  </dgm:styleLbl>
+  <dgm:styleLbl name="sibTrans1D1">
+    <dgm:scene3d>
+      <a:camera prst="orthographicFront"/>
+      <a:lightRig rig="threePt" dir="t"/>
+    </dgm:scene3d>
+    <dgm:sp3d/>
+    <dgm:txPr/>
+    <dgm:style>
+      <a:lnRef idx="1">
+        <a:scrgbClr r="0" g="0" b="0"/>
+      </a:lnRef>
+      <a:fillRef idx="0">
+        <a:scrgbClr r="0" g="0" b="0"/>
+      </a:fillRef>
+      <a:effectRef idx="0">
+        <a:scrgbClr r="0" g="0" b="0"/>
+      </a:effectRef>
+      <a:fontRef idx="minor"/>
+    </dgm:style>
+  </dgm:styleLbl>
+  <dgm:styleLbl name="callout">
+    <dgm:scene3d>
+      <a:camera prst="orthographicFront"/>
+      <a:lightRig rig="threePt" dir="t"/>
+    </dgm:scene3d>
+    <dgm:sp3d/>
+    <dgm:txPr/>
+    <dgm:style>
+      <a:lnRef idx="2">
+        <a:scrgbClr r="0" g="0" b="0"/>
+      </a:lnRef>
+      <a:fillRef idx="1">
+        <a:scrgbClr r="0" g="0" b="0"/>
+      </a:fillRef>
+      <a:effectRef idx="0">
+        <a:scrgbClr r="0" g="0" b="0"/>
+      </a:effectRef>
+      <a:fontRef idx="minor"/>
+    </dgm:style>
+  </dgm:styleLbl>
+  <dgm:styleLbl name="asst0">
+    <dgm:scene3d>
+      <a:camera prst="orthographicFront"/>
+      <a:lightRig rig="threePt" dir="t"/>
+    </dgm:scene3d>
+    <dgm:sp3d/>
+    <dgm:txPr/>
+    <dgm:style>
+      <a:lnRef idx="2">
+        <a:scrgbClr r="0" g="0" b="0"/>
+      </a:lnRef>
+      <a:fillRef idx="1">
+        <a:scrgbClr r="0" g="0" b="0"/>
+      </a:fillRef>
+      <a:effectRef idx="0">
+        <a:scrgbClr r="0" g="0" b="0"/>
+      </a:effectRef>
+      <a:fontRef idx="minor">
+        <a:schemeClr val="lt1"/>
+      </a:fontRef>
+    </dgm:style>
+  </dgm:styleLbl>
+  <dgm:styleLbl name="asst1">
+    <dgm:scene3d>
+      <a:camera prst="orthographicFront"/>
+      <a:lightRig rig="threePt" dir="t"/>
+    </dgm:scene3d>
+    <dgm:sp3d/>
+    <dgm:txPr/>
+    <dgm:style>
+      <a:lnRef idx="2">
+        <a:scrgbClr r="0" g="0" b="0"/>
+      </a:lnRef>
+      <a:fillRef idx="1">
+        <a:scrgbClr r="0" g="0" b="0"/>
+      </a:fillRef>
+      <a:effectRef idx="0">
+        <a:scrgbClr r="0" g="0" b="0"/>
+      </a:effectRef>
+      <a:fontRef idx="minor">
+        <a:schemeClr val="lt1"/>
+      </a:fontRef>
+    </dgm:style>
+  </dgm:styleLbl>
+  <dgm:styleLbl name="asst2">
+    <dgm:scene3d>
+      <a:camera prst="orthographicFront"/>
+      <a:lightRig rig="threePt" dir="t"/>
+    </dgm:scene3d>
+    <dgm:sp3d/>
+    <dgm:txPr/>
+    <dgm:style>
+      <a:lnRef idx="2">
+        <a:scrgbClr r="0" g="0" b="0"/>
+      </a:lnRef>
+      <a:fillRef idx="1">
+        <a:scrgbClr r="0" g="0" b="0"/>
+      </a:fillRef>
+      <a:effectRef idx="0">
+        <a:scrgbClr r="0" g="0" b="0"/>
+      </a:effectRef>
+      <a:fontRef idx="minor">
+        <a:schemeClr val="lt1"/>
+      </a:fontRef>
+    </dgm:style>
+  </dgm:styleLbl>
+  <dgm:styleLbl name="asst3">
+    <dgm:scene3d>
+      <a:camera prst="orthographicFront"/>
+      <a:lightRig rig="threePt" dir="t"/>
+    </dgm:scene3d>
+    <dgm:sp3d/>
+    <dgm:txPr/>
+    <dgm:style>
+      <a:lnRef idx="2">
+        <a:scrgbClr r="0" g="0" b="0"/>
+      </a:lnRef>
+      <a:fillRef idx="1">
+        <a:scrgbClr r="0" g="0" b="0"/>
+      </a:fillRef>
+      <a:effectRef idx="0">
+        <a:scrgbClr r="0" g="0" b="0"/>
+      </a:effectRef>
+      <a:fontRef idx="minor">
+        <a:schemeClr val="lt1"/>
+      </a:fontRef>
+    </dgm:style>
+  </dgm:styleLbl>
+  <dgm:styleLbl name="asst4">
+    <dgm:scene3d>
+      <a:camera prst="orthographicFront"/>
+      <a:lightRig rig="threePt" dir="t"/>
+    </dgm:scene3d>
+    <dgm:sp3d/>
+    <dgm:txPr/>
+    <dgm:style>
+      <a:lnRef idx="2">
+        <a:scrgbClr r="0" g="0" b="0"/>
+      </a:lnRef>
+      <a:fillRef idx="1">
+        <a:scrgbClr r="0" g="0" b="0"/>
+      </a:fillRef>
+      <a:effectRef idx="0">
+        <a:scrgbClr r="0" g="0" b="0"/>
+      </a:effectRef>
+      <a:fontRef idx="minor">
+        <a:schemeClr val="lt1"/>
+      </a:fontRef>
+    </dgm:style>
+  </dgm:styleLbl>
+  <dgm:styleLbl name="parChTrans2D1">
+    <dgm:scene3d>
+      <a:camera prst="orthographicFront"/>
+      <a:lightRig rig="threePt" dir="t"/>
+    </dgm:scene3d>
+    <dgm:sp3d/>
+    <dgm:txPr/>
+    <dgm:style>
+      <a:lnRef idx="2">
+        <a:scrgbClr r="0" g="0" b="0"/>
+      </a:lnRef>
+      <a:fillRef idx="1">
+        <a:scrgbClr r="0" g="0" b="0"/>
+      </a:fillRef>
+      <a:effectRef idx="0">
+        <a:scrgbClr r="0" g="0" b="0"/>
+      </a:effectRef>
+      <a:fontRef idx="minor">
+        <a:schemeClr val="lt1"/>
+      </a:fontRef>
+    </dgm:style>
+  </dgm:styleLbl>
+  <dgm:styleLbl name="parChTrans2D2">
+    <dgm:scene3d>
+      <a:camera prst="orthographicFront"/>
+      <a:lightRig rig="threePt" dir="t"/>
+    </dgm:scene3d>
+    <dgm:sp3d/>
+    <dgm:txPr/>
+    <dgm:style>
+      <a:lnRef idx="2">
+        <a:scrgbClr r="0" g="0" b="0"/>
+      </a:lnRef>
+      <a:fillRef idx="1">
+        <a:scrgbClr r="0" g="0" b="0"/>
+      </a:fillRef>
+      <a:effectRef idx="0">
+        <a:scrgbClr r="0" g="0" b="0"/>
+      </a:effectRef>
+      <a:fontRef idx="minor">
+        <a:schemeClr val="lt1"/>
+      </a:fontRef>
+    </dgm:style>
+  </dgm:styleLbl>
+  <dgm:styleLbl name="parChTrans2D3">
+    <dgm:scene3d>
+      <a:camera prst="orthographicFront"/>
+      <a:lightRig rig="threePt" dir="t"/>
+    </dgm:scene3d>
+    <dgm:sp3d/>
+    <dgm:txPr/>
+    <dgm:style>
+      <a:lnRef idx="2">
+        <a:scrgbClr r="0" g="0" b="0"/>
+      </a:lnRef>
+      <a:fillRef idx="1">
+        <a:scrgbClr r="0" g="0" b="0"/>
+      </a:fillRef>
+      <a:effectRef idx="0">
+        <a:scrgbClr r="0" g="0" b="0"/>
+      </a:effectRef>
+      <a:fontRef idx="minor">
+        <a:schemeClr val="lt1"/>
+      </a:fontRef>
+    </dgm:style>
+  </dgm:styleLbl>
+  <dgm:styleLbl name="parChTrans2D4">
+    <dgm:scene3d>
+      <a:camera prst="orthographicFront"/>
+      <a:lightRig rig="threePt" dir="t"/>
+    </dgm:scene3d>
+    <dgm:sp3d/>
+    <dgm:txPr/>
+    <dgm:style>
+      <a:lnRef idx="2">
+        <a:scrgbClr r="0" g="0" b="0"/>
+      </a:lnRef>
+      <a:fillRef idx="1">
+        <a:scrgbClr r="0" g="0" b="0"/>
+      </a:fillRef>
+      <a:effectRef idx="0">
+        <a:scrgbClr r="0" g="0" b="0"/>
+      </a:effectRef>
+      <a:fontRef idx="minor">
+        <a:schemeClr val="lt1"/>
+      </a:fontRef>
+    </dgm:style>
+  </dgm:styleLbl>
+  <dgm:styleLbl name="parChTrans1D1">
+    <dgm:scene3d>
+      <a:camera prst="orthographicFront"/>
+      <a:lightRig rig="threePt" dir="t"/>
+    </dgm:scene3d>
+    <dgm:sp3d/>
+    <dgm:txPr/>
+    <dgm:style>
+      <a:lnRef idx="2">
+        <a:scrgbClr r="0" g="0" b="0"/>
+      </a:lnRef>
+      <a:fillRef idx="0">
+        <a:scrgbClr r="0" g="0" b="0"/>
+      </a:fillRef>
+      <a:effectRef idx="0">
+        <a:scrgbClr r="0" g="0" b="0"/>
+      </a:effectRef>
+      <a:fontRef idx="minor"/>
+    </dgm:style>
+  </dgm:styleLbl>
+  <dgm:styleLbl name="parChTrans1D2">
+    <dgm:scene3d>
+      <a:camera prst="orthographicFront"/>
+      <a:lightRig rig="threePt" dir="t"/>
+    </dgm:scene3d>
+    <dgm:sp3d/>
+    <dgm:txPr/>
+    <dgm:style>
+      <a:lnRef idx="2">
+        <a:scrgbClr r="0" g="0" b="0"/>
+      </a:lnRef>
+      <a:fillRef idx="0">
+        <a:scrgbClr r="0" g="0" b="0"/>
+      </a:fillRef>
+      <a:effectRef idx="0">
+        <a:scrgbClr r="0" g="0" b="0"/>
+      </a:effectRef>
+      <a:fontRef idx="minor"/>
+    </dgm:style>
+  </dgm:styleLbl>
+  <dgm:styleLbl name="parChTrans1D3">
+    <dgm:scene3d>
+      <a:camera prst="orthographicFront"/>
+      <a:lightRig rig="threePt" dir="t"/>
+    </dgm:scene3d>
+    <dgm:sp3d/>
+    <dgm:txPr/>
+    <dgm:style>
+      <a:lnRef idx="2">
+        <a:scrgbClr r="0" g="0" b="0"/>
+      </a:lnRef>
+      <a:fillRef idx="0">
+        <a:scrgbClr r="0" g="0" b="0"/>
+      </a:fillRef>
+      <a:effectRef idx="0">
+        <a:scrgbClr r="0" g="0" b="0"/>
+      </a:effectRef>
+      <a:fontRef idx="minor"/>
+    </dgm:style>
+  </dgm:styleLbl>
+  <dgm:styleLbl name="parChTrans1D4">
+    <dgm:scene3d>
+      <a:camera prst="orthographicFront"/>
+      <a:lightRig rig="threePt" dir="t"/>
+    </dgm:scene3d>
+    <dgm:sp3d/>
+    <dgm:txPr/>
+    <dgm:style>
+      <a:lnRef idx="2">
+        <a:scrgbClr r="0" g="0" b="0"/>
+      </a:lnRef>
+      <a:fillRef idx="0">
+        <a:scrgbClr r="0" g="0" b="0"/>
+      </a:fillRef>
+      <a:effectRef idx="0">
+        <a:scrgbClr r="0" g="0" b="0"/>
+      </a:effectRef>
+      <a:fontRef idx="minor"/>
+    </dgm:style>
+  </dgm:styleLbl>
+  <dgm:styleLbl name="fgAcc1">
+    <dgm:scene3d>
+      <a:camera prst="orthographicFront"/>
+      <a:lightRig rig="threePt" dir="t"/>
+    </dgm:scene3d>
+    <dgm:sp3d/>
+    <dgm:txPr/>
+    <dgm:style>
+      <a:lnRef idx="2">
+        <a:scrgbClr r="0" g="0" b="0"/>
+      </a:lnRef>
+      <a:fillRef idx="1">
+        <a:scrgbClr r="0" g="0" b="0"/>
+      </a:fillRef>
+      <a:effectRef idx="0">
+        <a:scrgbClr r="0" g="0" b="0"/>
+      </a:effectRef>
+      <a:fontRef idx="minor"/>
+    </dgm:style>
+  </dgm:styleLbl>
+  <dgm:styleLbl name="conFgAcc1">
+    <dgm:scene3d>
+      <a:camera prst="orthographicFront"/>
+      <a:lightRig rig="threePt" dir="t"/>
+    </dgm:scene3d>
+    <dgm:sp3d/>
+    <dgm:txPr/>
+    <dgm:style>
+      <a:lnRef idx="2">
+        <a:scrgbClr r="0" g="0" b="0"/>
+      </a:lnRef>
+      <a:fillRef idx="1">
+        <a:scrgbClr r="0" g="0" b="0"/>
+      </a:fillRef>
+      <a:effectRef idx="0">
+        <a:scrgbClr r="0" g="0" b="0"/>
+      </a:effectRef>
+      <a:fontRef idx="minor"/>
+    </dgm:style>
+  </dgm:styleLbl>
+  <dgm:styleLbl name="alignAcc1">
+    <dgm:scene3d>
+      <a:camera prst="orthographicFront"/>
+      <a:lightRig rig="threePt" dir="t"/>
+    </dgm:scene3d>
+    <dgm:sp3d/>
+    <dgm:txPr/>
+    <dgm:style>
+      <a:lnRef idx="2">
+        <a:scrgbClr r="0" g="0" b="0"/>
+      </a:lnRef>
+      <a:fillRef idx="1">
+        <a:scrgbClr r="0" g="0" b="0"/>
+      </a:fillRef>
+      <a:effectRef idx="0">
+        <a:scrgbClr r="0" g="0" b="0"/>
+      </a:effectRef>
+      <a:fontRef idx="minor"/>
+    </dgm:style>
+  </dgm:styleLbl>
+  <dgm:styleLbl name="trAlignAcc1">
+    <dgm:scene3d>
+      <a:camera prst="orthographicFront"/>
+      <a:lightRig rig="threePt" dir="t"/>
+    </dgm:scene3d>
+    <dgm:sp3d/>
+    <dgm:txPr/>
+    <dgm:style>
+      <a:lnRef idx="1">
+        <a:scrgbClr r="0" g="0" b="0"/>
+      </a:lnRef>
+      <a:fillRef idx="1">
+        <a:scrgbClr r="0" g="0" b="0"/>
+      </a:fillRef>
+      <a:effectRef idx="0">
+        <a:scrgbClr r="0" g="0" b="0"/>
+      </a:effectRef>
+      <a:fontRef idx="minor"/>
+    </dgm:style>
+  </dgm:styleLbl>
+  <dgm:styleLbl name="bgAcc1">
+    <dgm:scene3d>
+      <a:camera prst="orthographicFront"/>
+      <a:lightRig rig="threePt" dir="t"/>
+    </dgm:scene3d>
+    <dgm:sp3d/>
+    <dgm:txPr/>
+    <dgm:style>
+      <a:lnRef idx="2">
+        <a:scrgbClr r="0" g="0" b="0"/>
+      </a:lnRef>
+      <a:fillRef idx="1">
+        <a:scrgbClr r="0" g="0" b="0"/>
+      </a:fillRef>
+      <a:effectRef idx="0">
+        <a:scrgbClr r="0" g="0" b="0"/>
+      </a:effectRef>
+      <a:fontRef idx="minor"/>
+    </dgm:style>
+  </dgm:styleLbl>
+  <dgm:styleLbl name="solidFgAcc1">
+    <dgm:scene3d>
+      <a:camera prst="orthographicFront"/>
+      <a:lightRig rig="threePt" dir="t"/>
+    </dgm:scene3d>
+    <dgm:sp3d/>
+    <dgm:txPr/>
+    <dgm:style>
+      <a:lnRef idx="2">
+        <a:scrgbClr r="0" g="0" b="0"/>
+      </a:lnRef>
+      <a:fillRef idx="1">
+        <a:scrgbClr r="0" g="0" b="0"/>
+      </a:fillRef>
+      <a:effectRef idx="0">
+        <a:scrgbClr r="0" g="0" b="0"/>
+      </a:effectRef>
+      <a:fontRef idx="minor"/>
+    </dgm:style>
+  </dgm:styleLbl>
+  <dgm:styleLbl name="solidAlignAcc1">
+    <dgm:scene3d>
+      <a:camera prst="orthographicFront"/>
+      <a:lightRig rig="threePt" dir="t"/>
+    </dgm:scene3d>
+    <dgm:sp3d/>
+    <dgm:txPr/>
+    <dgm:style>
+      <a:lnRef idx="2">
+        <a:scrgbClr r="0" g="0" b="0"/>
+      </a:lnRef>
+      <a:fillRef idx="1">
+        <a:scrgbClr r="0" g="0" b="0"/>
+      </a:fillRef>
+      <a:effectRef idx="0">
+        <a:scrgbClr r="0" g="0" b="0"/>
+      </a:effectRef>
+      <a:fontRef idx="minor"/>
+    </dgm:style>
+  </dgm:styleLbl>
+  <dgm:styleLbl name="solidBgAcc1">
+    <dgm:scene3d>
+      <a:camera prst="orthographicFront"/>
+      <a:lightRig rig="threePt" dir="t"/>
+    </dgm:scene3d>
+    <dgm:sp3d/>
+    <dgm:txPr/>
+    <dgm:style>
+      <a:lnRef idx="2">
+        <a:scrgbClr r="0" g="0" b="0"/>
+      </a:lnRef>
+      <a:fillRef idx="1">
+        <a:scrgbClr r="0" g="0" b="0"/>
+      </a:fillRef>
+      <a:effectRef idx="0">
+        <a:scrgbClr r="0" g="0" b="0"/>
+      </a:effectRef>
+      <a:fontRef idx="minor"/>
+    </dgm:style>
+  </dgm:styleLbl>
+  <dgm:styleLbl name="fgAccFollowNode1">
+    <dgm:scene3d>
+      <a:camera prst="orthographicFront"/>
+      <a:lightRig rig="threePt" dir="t"/>
+    </dgm:scene3d>
+    <dgm:sp3d/>
+    <dgm:txPr/>
+    <dgm:style>
+      <a:lnRef idx="2">
+        <a:scrgbClr r="0" g="0" b="0"/>
+      </a:lnRef>
+      <a:fillRef idx="1">
+        <a:scrgbClr r="0" g="0" b="0"/>
+      </a:fillRef>
+      <a:effectRef idx="0">
+        <a:scrgbClr r="0" g="0" b="0"/>
+      </a:effectRef>
+      <a:fontRef idx="minor"/>
+    </dgm:style>
+  </dgm:styleLbl>
+  <dgm:styleLbl name="alignAccFollowNode1">
+    <dgm:scene3d>
+      <a:camera prst="orthographicFront"/>
+      <a:lightRig rig="threePt" dir="t"/>
+    </dgm:scene3d>
+    <dgm:sp3d/>
+    <dgm:txPr/>
+    <dgm:style>
+      <a:lnRef idx="2">
+        <a:scrgbClr r="0" g="0" b="0"/>
+      </a:lnRef>
+      <a:fillRef idx="1">
+        <a:scrgbClr r="0" g="0" b="0"/>
+      </a:fillRef>
+      <a:effectRef idx="0">
+        <a:scrgbClr r="0" g="0" b="0"/>
+      </a:effectRef>
+      <a:fontRef idx="minor"/>
+    </dgm:style>
+  </dgm:styleLbl>
+  <dgm:styleLbl name="bgAccFollowNode1">
+    <dgm:scene3d>
+      <a:camera prst="orthographicFront"/>
+      <a:lightRig rig="threePt" dir="t"/>
+    </dgm:scene3d>
+    <dgm:sp3d/>
+    <dgm:txPr/>
+    <dgm:style>
+      <a:lnRef idx="2">
+        <a:scrgbClr r="0" g="0" b="0"/>
+      </a:lnRef>
+      <a:fillRef idx="1">
+        <a:scrgbClr r="0" g="0" b="0"/>
+      </a:fillRef>
+      <a:effectRef idx="0">
+        <a:scrgbClr r="0" g="0" b="0"/>
+      </a:effectRef>
+      <a:fontRef idx="minor"/>
+    </dgm:style>
+  </dgm:styleLbl>
+  <dgm:styleLbl name="fgAcc0">
+    <dgm:scene3d>
+      <a:camera prst="orthographicFront"/>
+      <a:lightRig rig="threePt" dir="t"/>
+    </dgm:scene3d>
+    <dgm:sp3d/>
+    <dgm:txPr/>
+    <dgm:style>
+      <a:lnRef idx="2">
+        <a:scrgbClr r="0" g="0" b="0"/>
+      </a:lnRef>
+      <a:fillRef idx="1">
+        <a:scrgbClr r="0" g="0" b="0"/>
+      </a:fillRef>
+      <a:effectRef idx="0">
+        <a:scrgbClr r="0" g="0" b="0"/>
+      </a:effectRef>
+      <a:fontRef idx="minor"/>
+    </dgm:style>
+  </dgm:styleLbl>
+  <dgm:styleLbl name="fgAcc2">
+    <dgm:scene3d>
+      <a:camera prst="orthographicFront"/>
+      <a:lightRig rig="threePt" dir="t"/>
+    </dgm:scene3d>
+    <dgm:sp3d/>
+    <dgm:txPr/>
+    <dgm:style>
+      <a:lnRef idx="2">
+        <a:scrgbClr r="0" g="0" b="0"/>
+      </a:lnRef>
+      <a:fillRef idx="1">
+        <a:scrgbClr r="0" g="0" b="0"/>
+      </a:fillRef>
+      <a:effectRef idx="0">
+        <a:scrgbClr r="0" g="0" b="0"/>
+      </a:effectRef>
+      <a:fontRef idx="minor"/>
+    </dgm:style>
+  </dgm:styleLbl>
+  <dgm:styleLbl name="fgAcc3">
+    <dgm:scene3d>
+      <a:camera prst="orthographicFront"/>
+      <a:lightRig rig="threePt" dir="t"/>
+    </dgm:scene3d>
+    <dgm:sp3d/>
+    <dgm:txPr/>
+    <dgm:style>
+      <a:lnRef idx="2">
+        <a:scrgbClr r="0" g="0" b="0"/>
+      </a:lnRef>
+      <a:fillRef idx="1">
+        <a:scrgbClr r="0" g="0" b="0"/>
+      </a:fillRef>
+      <a:effectRef idx="0">
+        <a:scrgbClr r="0" g="0" b="0"/>
+      </a:effectRef>
+      <a:fontRef idx="minor"/>
+    </dgm:style>
+  </dgm:styleLbl>
+  <dgm:styleLbl name="fgAcc4">
+    <dgm:scene3d>
+      <a:camera prst="orthographicFront"/>
+      <a:lightRig rig="threePt" dir="t"/>
+    </dgm:scene3d>
+    <dgm:sp3d/>
+    <dgm:txPr/>
+    <dgm:style>
+      <a:lnRef idx="2">
+        <a:scrgbClr r="0" g="0" b="0"/>
+      </a:lnRef>
+      <a:fillRef idx="1">
+        <a:scrgbClr r="0" g="0" b="0"/>
+      </a:fillRef>
+      <a:effectRef idx="0">
+        <a:scrgbClr r="0" g="0" b="0"/>
+      </a:effectRef>
+      <a:fontRef idx="minor"/>
+    </dgm:style>
+  </dgm:styleLbl>
+  <dgm:styleLbl name="bgShp">
+    <dgm:scene3d>
+      <a:camera prst="orthographicFront"/>
+      <a:lightRig rig="threePt" dir="t"/>
+    </dgm:scene3d>
+    <dgm:sp3d/>
+    <dgm:txPr/>
+    <dgm:style>
+      <a:lnRef idx="0">
+        <a:scrgbClr r="0" g="0" b="0"/>
+      </a:lnRef>
+      <a:fillRef idx="1">
+        <a:scrgbClr r="0" g="0" b="0"/>
+      </a:fillRef>
+      <a:effectRef idx="0">
+        <a:scrgbClr r="0" g="0" b="0"/>
+      </a:effectRef>
+      <a:fontRef idx="minor"/>
+    </dgm:style>
+  </dgm:styleLbl>
+  <dgm:styleLbl name="dkBgShp">
+    <dgm:scene3d>
+      <a:camera prst="orthographicFront"/>
+      <a:lightRig rig="threePt" dir="t"/>
+    </dgm:scene3d>
+    <dgm:sp3d/>
+    <dgm:txPr/>
+    <dgm:style>
+      <a:lnRef idx="0">
+        <a:scrgbClr r="0" g="0" b="0"/>
+      </a:lnRef>
+      <a:fillRef idx="1">
+        <a:scrgbClr r="0" g="0" b="0"/>
+      </a:fillRef>
+      <a:effectRef idx="0">
+        <a:scrgbClr r="0" g="0" b="0"/>
+      </a:effectRef>
+      <a:fontRef idx="minor"/>
+    </dgm:style>
+  </dgm:styleLbl>
+  <dgm:styleLbl name="trBgShp">
+    <dgm:scene3d>
+      <a:camera prst="orthographicFront"/>
+      <a:lightRig rig="threePt" dir="t"/>
+    </dgm:scene3d>
+    <dgm:sp3d/>
+    <dgm:txPr/>
+    <dgm:style>
+      <a:lnRef idx="0">
+        <a:scrgbClr r="0" g="0" b="0"/>
+      </a:lnRef>
+      <a:fillRef idx="1">
+        <a:scrgbClr r="0" g="0" b="0"/>
+      </a:fillRef>
+      <a:effectRef idx="0">
+        <a:scrgbClr r="0" g="0" b="0"/>
+      </a:effectRef>
+      <a:fontRef idx="minor"/>
+    </dgm:style>
+  </dgm:styleLbl>
+  <dgm:styleLbl name="fgShp">
+    <dgm:scene3d>
+      <a:camera prst="orthographicFront"/>
+      <a:lightRig rig="threePt" dir="t"/>
+    </dgm:scene3d>
+    <dgm:sp3d/>
+    <dgm:txPr/>
+    <dgm:style>
+      <a:lnRef idx="2">
+        <a:scrgbClr r="0" g="0" b="0"/>
+      </a:lnRef>
+      <a:fillRef idx="1">
+        <a:scrgbClr r="0" g="0" b="0"/>
+      </a:fillRef>
+      <a:effectRef idx="0">
+        <a:scrgbClr r="0" g="0" b="0"/>
+      </a:effectRef>
+      <a:fontRef idx="minor"/>
+    </dgm:style>
+  </dgm:styleLbl>
+  <dgm:styleLbl name="revTx">
+    <dgm:scene3d>
+      <a:camera prst="orthographicFront"/>
+      <a:lightRig rig="threePt" dir="t"/>
+    </dgm:scene3d>
+    <dgm:sp3d/>
+    <dgm:txPr/>
+    <dgm:style>
+      <a:lnRef idx="0">
+        <a:scrgbClr r="0" g="0" b="0"/>
+      </a:lnRef>
+      <a:fillRef idx="0">
+        <a:scrgbClr r="0" g="0" b="0"/>
+      </a:fillRef>
+      <a:effectRef idx="0">
+        <a:scrgbClr r="0" g="0" b="0"/>
+      </a:effectRef>
+      <a:fontRef idx="minor"/>
+    </dgm:style>
+  </dgm:styleLbl>
+</dgm:styleDef>
 </file>
 
 <file path=ppt/notesMasters/notesMaster1.xml><?xml version="1.0" encoding="utf-8"?>
@@ -198,7 +2742,7 @@
           <a:p>
             <a:fld id="{3F70B44A-D58A-1947-965D-B8F6A0A7BA33}" type="datetimeFigureOut">
               <a:rPr lang="en-US" smtClean="0"/>
-              <a:t>10/15/17</a:t>
+              <a:t>7/13/18</a:t>
             </a:fld>
             <a:endParaRPr lang="en-US"/>
           </a:p>
@@ -262,38 +2806,37 @@
           <a:p>
             <a:pPr lvl="0"/>
             <a:r>
-              <a:rPr lang="en-US" smtClean="0"/>
+              <a:rPr lang="en-US"/>
               <a:t>Click to edit Master text styles</a:t>
             </a:r>
           </a:p>
           <a:p>
             <a:pPr lvl="1"/>
             <a:r>
-              <a:rPr lang="en-US" smtClean="0"/>
+              <a:rPr lang="en-US"/>
               <a:t>Second level</a:t>
             </a:r>
           </a:p>
           <a:p>
             <a:pPr lvl="2"/>
             <a:r>
-              <a:rPr lang="en-US" smtClean="0"/>
+              <a:rPr lang="en-US"/>
               <a:t>Third level</a:t>
             </a:r>
           </a:p>
           <a:p>
             <a:pPr lvl="3"/>
             <a:r>
-              <a:rPr lang="en-US" smtClean="0"/>
+              <a:rPr lang="en-US"/>
               <a:t>Fourth level</a:t>
             </a:r>
           </a:p>
           <a:p>
             <a:pPr lvl="4"/>
             <a:r>
-              <a:rPr lang="en-US" smtClean="0"/>
+              <a:rPr lang="en-US"/>
               <a:t>Fifth level</a:t>
             </a:r>
-            <a:endParaRPr lang="en-US"/>
           </a:p>
         </p:txBody>
       </p:sp>
@@ -522,7 +3065,7 @@
           </a:lstStyle>
           <a:p>
             <a:r>
-              <a:rPr lang="en-US" smtClean="0"/>
+              <a:rPr lang="en-US"/>
               <a:t>Click to edit Master title style</a:t>
             </a:r>
             <a:endParaRPr lang="en-US" dirty="0"/>
@@ -598,7 +3141,7 @@
           </a:lstStyle>
           <a:p>
             <a:r>
-              <a:rPr lang="en-US" smtClean="0"/>
+              <a:rPr lang="en-US"/>
               <a:t>Click to edit Master subtitle style</a:t>
             </a:r>
             <a:endParaRPr lang="en-US" dirty="0"/>
@@ -636,7 +3179,7 @@
             <a:fld id="{87DE6118-2437-4B30-8E3C-4D2BE6020583}" type="datetimeFigureOut">
               <a:rPr lang="en-US" dirty="0"/>
               <a:pPr/>
-              <a:t>10/15/17</a:t>
+              <a:t>7/13/18</a:t>
             </a:fld>
             <a:endParaRPr lang="en-US" dirty="0"/>
           </a:p>
@@ -881,7 +3424,7 @@
           <a:lstStyle/>
           <a:p>
             <a:r>
-              <a:rPr lang="en-US" smtClean="0"/>
+              <a:rPr lang="en-US"/>
               <a:t>Click to edit Master title style</a:t>
             </a:r>
             <a:endParaRPr lang="en-US" dirty="0"/>
@@ -910,35 +3453,35 @@
           <a:p>
             <a:pPr lvl="0"/>
             <a:r>
-              <a:rPr lang="en-US" smtClean="0"/>
+              <a:rPr lang="en-US"/>
               <a:t>Click to edit Master text styles</a:t>
             </a:r>
           </a:p>
           <a:p>
             <a:pPr lvl="1"/>
             <a:r>
-              <a:rPr lang="en-US" smtClean="0"/>
+              <a:rPr lang="en-US"/>
               <a:t>Second level</a:t>
             </a:r>
           </a:p>
           <a:p>
             <a:pPr lvl="2"/>
             <a:r>
-              <a:rPr lang="en-US" smtClean="0"/>
+              <a:rPr lang="en-US"/>
               <a:t>Third level</a:t>
             </a:r>
           </a:p>
           <a:p>
             <a:pPr lvl="3"/>
             <a:r>
-              <a:rPr lang="en-US" smtClean="0"/>
+              <a:rPr lang="en-US"/>
               <a:t>Fourth level</a:t>
             </a:r>
           </a:p>
           <a:p>
             <a:pPr lvl="4"/>
             <a:r>
-              <a:rPr lang="en-US" smtClean="0"/>
+              <a:rPr lang="en-US"/>
               <a:t>Fifth level</a:t>
             </a:r>
             <a:endParaRPr lang="en-US" dirty="0"/>
@@ -962,7 +3505,7 @@
           <a:p>
             <a:fld id="{87DE6118-2437-4B30-8E3C-4D2BE6020583}" type="datetimeFigureOut">
               <a:rPr lang="en-US" dirty="0"/>
-              <a:t>10/15/17</a:t>
+              <a:t>7/13/18</a:t>
             </a:fld>
             <a:endParaRPr lang="en-US" dirty="0"/>
           </a:p>
@@ -1056,7 +3599,7 @@
           <a:lstStyle/>
           <a:p>
             <a:r>
-              <a:rPr lang="en-US" smtClean="0"/>
+              <a:rPr lang="en-US"/>
               <a:t>Click to edit Master title style</a:t>
             </a:r>
             <a:endParaRPr lang="en-US" dirty="0"/>
@@ -1085,35 +3628,35 @@
           <a:p>
             <a:pPr lvl="0"/>
             <a:r>
-              <a:rPr lang="en-US" smtClean="0"/>
+              <a:rPr lang="en-US"/>
               <a:t>Click to edit Master text styles</a:t>
             </a:r>
           </a:p>
           <a:p>
             <a:pPr lvl="1"/>
             <a:r>
-              <a:rPr lang="en-US" smtClean="0"/>
+              <a:rPr lang="en-US"/>
               <a:t>Second level</a:t>
             </a:r>
           </a:p>
           <a:p>
             <a:pPr lvl="2"/>
             <a:r>
-              <a:rPr lang="en-US" smtClean="0"/>
+              <a:rPr lang="en-US"/>
               <a:t>Third level</a:t>
             </a:r>
           </a:p>
           <a:p>
             <a:pPr lvl="3"/>
             <a:r>
-              <a:rPr lang="en-US" smtClean="0"/>
+              <a:rPr lang="en-US"/>
               <a:t>Fourth level</a:t>
             </a:r>
           </a:p>
           <a:p>
             <a:pPr lvl="4"/>
             <a:r>
-              <a:rPr lang="en-US" smtClean="0"/>
+              <a:rPr lang="en-US"/>
               <a:t>Fifth level</a:t>
             </a:r>
             <a:endParaRPr lang="en-US" dirty="0"/>
@@ -1137,7 +3680,7 @@
           <a:p>
             <a:fld id="{87DE6118-2437-4B30-8E3C-4D2BE6020583}" type="datetimeFigureOut">
               <a:rPr lang="en-US" dirty="0"/>
-              <a:t>10/15/17</a:t>
+              <a:t>7/13/18</a:t>
             </a:fld>
             <a:endParaRPr lang="en-US" dirty="0"/>
           </a:p>
@@ -1226,7 +3769,7 @@
           <a:lstStyle/>
           <a:p>
             <a:r>
-              <a:rPr lang="en-US" smtClean="0"/>
+              <a:rPr lang="en-US"/>
               <a:t>Click to edit Master title style</a:t>
             </a:r>
             <a:endParaRPr lang="en-US" dirty="0"/>
@@ -1250,35 +3793,35 @@
           <a:p>
             <a:pPr lvl="0"/>
             <a:r>
-              <a:rPr lang="en-US" smtClean="0"/>
+              <a:rPr lang="en-US"/>
               <a:t>Click to edit Master text styles</a:t>
             </a:r>
           </a:p>
           <a:p>
             <a:pPr lvl="1"/>
             <a:r>
-              <a:rPr lang="en-US" smtClean="0"/>
+              <a:rPr lang="en-US"/>
               <a:t>Second level</a:t>
             </a:r>
           </a:p>
           <a:p>
             <a:pPr lvl="2"/>
             <a:r>
-              <a:rPr lang="en-US" smtClean="0"/>
+              <a:rPr lang="en-US"/>
               <a:t>Third level</a:t>
             </a:r>
           </a:p>
           <a:p>
             <a:pPr lvl="3"/>
             <a:r>
-              <a:rPr lang="en-US" smtClean="0"/>
+              <a:rPr lang="en-US"/>
               <a:t>Fourth level</a:t>
             </a:r>
           </a:p>
           <a:p>
             <a:pPr lvl="4"/>
             <a:r>
-              <a:rPr lang="en-US" smtClean="0"/>
+              <a:rPr lang="en-US"/>
               <a:t>Fifth level</a:t>
             </a:r>
             <a:endParaRPr lang="en-US" dirty="0"/>
@@ -1302,7 +3845,7 @@
           <a:p>
             <a:fld id="{87DE6118-2437-4B30-8E3C-4D2BE6020583}" type="datetimeFigureOut">
               <a:rPr lang="en-US" dirty="0"/>
-              <a:t>10/15/17</a:t>
+              <a:t>7/13/18</a:t>
             </a:fld>
             <a:endParaRPr lang="en-US" dirty="0"/>
           </a:p>
@@ -1411,7 +3954,7 @@
           </a:lstStyle>
           <a:p>
             <a:r>
-              <a:rPr lang="en-US" smtClean="0"/>
+              <a:rPr lang="en-US"/>
               <a:t>Click to edit Master title style</a:t>
             </a:r>
             <a:endParaRPr lang="en-US" dirty="0"/>
@@ -1538,7 +4081,7 @@
           <a:p>
             <a:pPr lvl="0"/>
             <a:r>
-              <a:rPr lang="en-US" smtClean="0"/>
+              <a:rPr lang="en-US"/>
               <a:t>Click to edit Master text styles</a:t>
             </a:r>
           </a:p>
@@ -1575,7 +4118,7 @@
             <a:fld id="{87DE6118-2437-4B30-8E3C-4D2BE6020583}" type="datetimeFigureOut">
               <a:rPr lang="en-US" dirty="0"/>
               <a:pPr/>
-              <a:t>10/15/17</a:t>
+              <a:t>7/13/18</a:t>
             </a:fld>
             <a:endParaRPr lang="en-US" dirty="0"/>
           </a:p>
@@ -1755,7 +4298,7 @@
           </a:lstStyle>
           <a:p>
             <a:r>
-              <a:rPr lang="en-US" smtClean="0"/>
+              <a:rPr lang="en-US"/>
               <a:t>Click to edit Master title style</a:t>
             </a:r>
             <a:endParaRPr lang="en-US" dirty="0"/>
@@ -1820,35 +4363,35 @@
           <a:p>
             <a:pPr lvl="0"/>
             <a:r>
-              <a:rPr lang="en-US" smtClean="0"/>
+              <a:rPr lang="en-US"/>
               <a:t>Click to edit Master text styles</a:t>
             </a:r>
           </a:p>
           <a:p>
             <a:pPr lvl="1"/>
             <a:r>
-              <a:rPr lang="en-US" smtClean="0"/>
+              <a:rPr lang="en-US"/>
               <a:t>Second level</a:t>
             </a:r>
           </a:p>
           <a:p>
             <a:pPr lvl="2"/>
             <a:r>
-              <a:rPr lang="en-US" smtClean="0"/>
+              <a:rPr lang="en-US"/>
               <a:t>Third level</a:t>
             </a:r>
           </a:p>
           <a:p>
             <a:pPr lvl="3"/>
             <a:r>
-              <a:rPr lang="en-US" smtClean="0"/>
+              <a:rPr lang="en-US"/>
               <a:t>Fourth level</a:t>
             </a:r>
           </a:p>
           <a:p>
             <a:pPr lvl="4"/>
             <a:r>
-              <a:rPr lang="en-US" smtClean="0"/>
+              <a:rPr lang="en-US"/>
               <a:t>Fifth level</a:t>
             </a:r>
             <a:endParaRPr lang="en-US" dirty="0"/>
@@ -1913,35 +4456,35 @@
           <a:p>
             <a:pPr lvl="0"/>
             <a:r>
-              <a:rPr lang="en-US" smtClean="0"/>
+              <a:rPr lang="en-US"/>
               <a:t>Click to edit Master text styles</a:t>
             </a:r>
           </a:p>
           <a:p>
             <a:pPr lvl="1"/>
             <a:r>
-              <a:rPr lang="en-US" smtClean="0"/>
+              <a:rPr lang="en-US"/>
               <a:t>Second level</a:t>
             </a:r>
           </a:p>
           <a:p>
             <a:pPr lvl="2"/>
             <a:r>
-              <a:rPr lang="en-US" smtClean="0"/>
+              <a:rPr lang="en-US"/>
               <a:t>Third level</a:t>
             </a:r>
           </a:p>
           <a:p>
             <a:pPr lvl="3"/>
             <a:r>
-              <a:rPr lang="en-US" smtClean="0"/>
+              <a:rPr lang="en-US"/>
               <a:t>Fourth level</a:t>
             </a:r>
           </a:p>
           <a:p>
             <a:pPr lvl="4"/>
             <a:r>
-              <a:rPr lang="en-US" smtClean="0"/>
+              <a:rPr lang="en-US"/>
               <a:t>Fifth level</a:t>
             </a:r>
             <a:endParaRPr lang="en-US" dirty="0"/>
@@ -1965,7 +4508,7 @@
           <a:p>
             <a:fld id="{87DE6118-2437-4B30-8E3C-4D2BE6020583}" type="datetimeFigureOut">
               <a:rPr lang="en-US" dirty="0"/>
-              <a:t>10/15/17</a:t>
+              <a:t>7/13/18</a:t>
             </a:fld>
             <a:endParaRPr lang="en-US" dirty="0"/>
           </a:p>
@@ -2067,7 +4610,7 @@
           </a:lstStyle>
           <a:p>
             <a:r>
-              <a:rPr lang="en-US" smtClean="0"/>
+              <a:rPr lang="en-US"/>
               <a:t>Click to edit Master title style</a:t>
             </a:r>
             <a:endParaRPr lang="en-US" dirty="0"/>
@@ -2148,7 +4691,7 @@
           <a:p>
             <a:pPr lvl="0"/>
             <a:r>
-              <a:rPr lang="en-US" smtClean="0"/>
+              <a:rPr lang="en-US"/>
               <a:t>Click to edit Master text styles</a:t>
             </a:r>
           </a:p>
@@ -2212,35 +4755,35 @@
           <a:p>
             <a:pPr lvl="0"/>
             <a:r>
-              <a:rPr lang="en-US" smtClean="0"/>
+              <a:rPr lang="en-US"/>
               <a:t>Click to edit Master text styles</a:t>
             </a:r>
           </a:p>
           <a:p>
             <a:pPr lvl="1"/>
             <a:r>
-              <a:rPr lang="en-US" smtClean="0"/>
+              <a:rPr lang="en-US"/>
               <a:t>Second level</a:t>
             </a:r>
           </a:p>
           <a:p>
             <a:pPr lvl="2"/>
             <a:r>
-              <a:rPr lang="en-US" smtClean="0"/>
+              <a:rPr lang="en-US"/>
               <a:t>Third level</a:t>
             </a:r>
           </a:p>
           <a:p>
             <a:pPr lvl="3"/>
             <a:r>
-              <a:rPr lang="en-US" smtClean="0"/>
+              <a:rPr lang="en-US"/>
               <a:t>Fourth level</a:t>
             </a:r>
           </a:p>
           <a:p>
             <a:pPr lvl="4"/>
             <a:r>
-              <a:rPr lang="en-US" smtClean="0"/>
+              <a:rPr lang="en-US"/>
               <a:t>Fifth level</a:t>
             </a:r>
             <a:endParaRPr lang="en-US" dirty="0"/>
@@ -2321,7 +4864,7 @@
           <a:p>
             <a:pPr lvl="0"/>
             <a:r>
-              <a:rPr lang="en-US" smtClean="0"/>
+              <a:rPr lang="en-US"/>
               <a:t>Click to edit Master text styles</a:t>
             </a:r>
           </a:p>
@@ -2385,35 +4928,35 @@
           <a:p>
             <a:pPr lvl="0"/>
             <a:r>
-              <a:rPr lang="en-US" smtClean="0"/>
+              <a:rPr lang="en-US"/>
               <a:t>Click to edit Master text styles</a:t>
             </a:r>
           </a:p>
           <a:p>
             <a:pPr lvl="1"/>
             <a:r>
-              <a:rPr lang="en-US" smtClean="0"/>
+              <a:rPr lang="en-US"/>
               <a:t>Second level</a:t>
             </a:r>
           </a:p>
           <a:p>
             <a:pPr lvl="2"/>
             <a:r>
-              <a:rPr lang="en-US" smtClean="0"/>
+              <a:rPr lang="en-US"/>
               <a:t>Third level</a:t>
             </a:r>
           </a:p>
           <a:p>
             <a:pPr lvl="3"/>
             <a:r>
-              <a:rPr lang="en-US" smtClean="0"/>
+              <a:rPr lang="en-US"/>
               <a:t>Fourth level</a:t>
             </a:r>
           </a:p>
           <a:p>
             <a:pPr lvl="4"/>
             <a:r>
-              <a:rPr lang="en-US" smtClean="0"/>
+              <a:rPr lang="en-US"/>
               <a:t>Fifth level</a:t>
             </a:r>
             <a:endParaRPr lang="en-US" dirty="0"/>
@@ -2437,7 +4980,7 @@
           <a:p>
             <a:fld id="{87DE6118-2437-4B30-8E3C-4D2BE6020583}" type="datetimeFigureOut">
               <a:rPr lang="en-US" dirty="0"/>
-              <a:t>10/15/17</a:t>
+              <a:t>7/13/18</a:t>
             </a:fld>
             <a:endParaRPr lang="en-US" dirty="0"/>
           </a:p>
@@ -2526,7 +5069,7 @@
           <a:lstStyle/>
           <a:p>
             <a:r>
-              <a:rPr lang="en-US" smtClean="0"/>
+              <a:rPr lang="en-US"/>
               <a:t>Click to edit Master title style</a:t>
             </a:r>
             <a:endParaRPr lang="en-US" dirty="0"/>
@@ -2550,7 +5093,7 @@
           <a:p>
             <a:fld id="{87DE6118-2437-4B30-8E3C-4D2BE6020583}" type="datetimeFigureOut">
               <a:rPr lang="en-US" dirty="0"/>
-              <a:t>10/15/17</a:t>
+              <a:t>7/13/18</a:t>
             </a:fld>
             <a:endParaRPr lang="en-US" dirty="0"/>
           </a:p>
@@ -2640,7 +5183,7 @@
           <a:p>
             <a:fld id="{87DE6118-2437-4B30-8E3C-4D2BE6020583}" type="datetimeFigureOut">
               <a:rPr lang="en-US" dirty="0"/>
-              <a:t>10/15/17</a:t>
+              <a:t>7/13/18</a:t>
             </a:fld>
             <a:endParaRPr lang="en-US" dirty="0"/>
           </a:p>
@@ -2785,7 +5328,7 @@
           </a:lstStyle>
           <a:p>
             <a:r>
-              <a:rPr lang="en-US" smtClean="0"/>
+              <a:rPr lang="en-US"/>
               <a:t>Click to edit Master title style</a:t>
             </a:r>
             <a:endParaRPr lang="en-US" dirty="0"/>
@@ -2842,35 +5385,35 @@
           <a:p>
             <a:pPr lvl="0"/>
             <a:r>
-              <a:rPr lang="en-US" smtClean="0"/>
+              <a:rPr lang="en-US"/>
               <a:t>Click to edit Master text styles</a:t>
             </a:r>
           </a:p>
           <a:p>
             <a:pPr lvl="1"/>
             <a:r>
-              <a:rPr lang="en-US" smtClean="0"/>
+              <a:rPr lang="en-US"/>
               <a:t>Second level</a:t>
             </a:r>
           </a:p>
           <a:p>
             <a:pPr lvl="2"/>
             <a:r>
-              <a:rPr lang="en-US" smtClean="0"/>
+              <a:rPr lang="en-US"/>
               <a:t>Third level</a:t>
             </a:r>
           </a:p>
           <a:p>
             <a:pPr lvl="3"/>
             <a:r>
-              <a:rPr lang="en-US" smtClean="0"/>
+              <a:rPr lang="en-US"/>
               <a:t>Fourth level</a:t>
             </a:r>
           </a:p>
           <a:p>
             <a:pPr lvl="4"/>
             <a:r>
-              <a:rPr lang="en-US" smtClean="0"/>
+              <a:rPr lang="en-US"/>
               <a:t>Fifth level</a:t>
             </a:r>
             <a:endParaRPr lang="en-US" dirty="0"/>
@@ -2945,7 +5488,7 @@
           <a:p>
             <a:pPr lvl="0"/>
             <a:r>
-              <a:rPr lang="en-US" smtClean="0"/>
+              <a:rPr lang="en-US"/>
               <a:t>Click to edit Master text styles</a:t>
             </a:r>
           </a:p>
@@ -2982,7 +5525,7 @@
             <a:fld id="{87DE6118-2437-4B30-8E3C-4D2BE6020583}" type="datetimeFigureOut">
               <a:rPr lang="en-US" dirty="0"/>
               <a:pPr/>
-              <a:t>10/15/17</a:t>
+              <a:t>7/13/18</a:t>
             </a:fld>
             <a:endParaRPr lang="en-US" dirty="0"/>
           </a:p>
@@ -3188,7 +5731,7 @@
           </a:lstStyle>
           <a:p>
             <a:r>
-              <a:rPr lang="en-US" smtClean="0"/>
+              <a:rPr lang="en-US"/>
               <a:t>Click to edit Master title style</a:t>
             </a:r>
             <a:endParaRPr lang="en-US" dirty="0"/>
@@ -3255,7 +5798,7 @@
           </a:lstStyle>
           <a:p>
             <a:r>
-              <a:rPr lang="en-US" smtClean="0"/>
+              <a:rPr lang="en-US"/>
               <a:t>Drag picture to placeholder or click icon to add</a:t>
             </a:r>
             <a:endParaRPr lang="en-US" dirty="0"/>
@@ -3330,7 +5873,7 @@
           <a:p>
             <a:pPr lvl="0"/>
             <a:r>
-              <a:rPr lang="en-US" smtClean="0"/>
+              <a:rPr lang="en-US"/>
               <a:t>Click to edit Master text styles</a:t>
             </a:r>
           </a:p>
@@ -3367,7 +5910,7 @@
             <a:fld id="{87DE6118-2437-4B30-8E3C-4D2BE6020583}" type="datetimeFigureOut">
               <a:rPr lang="en-US" dirty="0"/>
               <a:pPr/>
-              <a:t>10/15/17</a:t>
+              <a:t>7/13/18</a:t>
             </a:fld>
             <a:endParaRPr lang="en-US" dirty="0"/>
           </a:p>
@@ -3539,7 +6082,7 @@
           <a:lstStyle/>
           <a:p>
             <a:r>
-              <a:rPr lang="en-US" smtClean="0"/>
+              <a:rPr lang="en-US"/>
               <a:t>Click to edit Master title style</a:t>
             </a:r>
             <a:endParaRPr lang="en-US" dirty="0"/>
@@ -3573,35 +6116,35 @@
           <a:p>
             <a:pPr lvl="0"/>
             <a:r>
-              <a:rPr lang="en-US" smtClean="0"/>
+              <a:rPr lang="en-US"/>
               <a:t>Click to edit Master text styles</a:t>
             </a:r>
           </a:p>
           <a:p>
             <a:pPr lvl="1"/>
             <a:r>
-              <a:rPr lang="en-US" smtClean="0"/>
+              <a:rPr lang="en-US"/>
               <a:t>Second level</a:t>
             </a:r>
           </a:p>
           <a:p>
             <a:pPr lvl="2"/>
             <a:r>
-              <a:rPr lang="en-US" smtClean="0"/>
+              <a:rPr lang="en-US"/>
               <a:t>Third level</a:t>
             </a:r>
           </a:p>
           <a:p>
             <a:pPr lvl="3"/>
             <a:r>
-              <a:rPr lang="en-US" smtClean="0"/>
+              <a:rPr lang="en-US"/>
               <a:t>Fourth level</a:t>
             </a:r>
           </a:p>
           <a:p>
             <a:pPr lvl="4"/>
             <a:r>
-              <a:rPr lang="en-US" smtClean="0"/>
+              <a:rPr lang="en-US"/>
               <a:t>Fifth level</a:t>
             </a:r>
             <a:endParaRPr lang="en-US" dirty="0"/>
@@ -3642,7 +6185,7 @@
             <a:fld id="{87DE6118-2437-4B30-8E3C-4D2BE6020583}" type="datetimeFigureOut">
               <a:rPr lang="en-US" dirty="0"/>
               <a:pPr/>
-              <a:t>10/15/17</a:t>
+              <a:t>7/13/18</a:t>
             </a:fld>
             <a:endParaRPr lang="en-US" dirty="0"/>
           </a:p>
@@ -4157,7 +6700,7 @@
             <a:spLocks noGrp="1"/>
           </p:cNvSpPr>
           <p:nvPr>
-            <p:ph type="ctrTitle"/>
+            <p:ph type="title"/>
           </p:nvPr>
         </p:nvSpPr>
         <p:spPr/>
@@ -4166,21 +6709,20 @@
           <a:lstStyle/>
           <a:p>
             <a:r>
-              <a:rPr lang="en-US" dirty="0" smtClean="0"/>
-              <a:t>Updates inputs and more</a:t>
-            </a:r>
-            <a:endParaRPr lang="en-US" dirty="0"/>
+              <a:rPr lang="en-US" dirty="0"/>
+              <a:t>Bookmarking</a:t>
+            </a:r>
           </a:p>
         </p:txBody>
       </p:sp>
       <p:sp>
         <p:nvSpPr>
-          <p:cNvPr id="3" name="Subtitle 2"/>
+          <p:cNvPr id="3" name="Text Placeholder 2"/>
           <p:cNvSpPr>
             <a:spLocks noGrp="1"/>
           </p:cNvSpPr>
           <p:nvPr>
-            <p:ph type="subTitle" idx="1"/>
+            <p:ph type="body" idx="1"/>
           </p:nvPr>
         </p:nvSpPr>
         <p:spPr/>
@@ -4188,18 +6730,2032 @@
           <a:bodyPr/>
           <a:lstStyle/>
           <a:p>
-            <a:r>
-              <a:rPr lang="en-US" dirty="0" smtClean="0"/>
-              <a:t>Week 3</a:t>
-            </a:r>
-            <a:endParaRPr lang="en-US" dirty="0"/>
+            <a:endParaRPr lang="en-US"/>
           </a:p>
         </p:txBody>
       </p:sp>
     </p:spTree>
     <p:extLst>
       <p:ext uri="{BB962C8B-B14F-4D97-AF65-F5344CB8AC3E}">
-        <p14:creationId xmlns:p14="http://schemas.microsoft.com/office/powerpoint/2010/main" val="2109549389"/>
+        <p14:creationId xmlns:p14="http://schemas.microsoft.com/office/powerpoint/2010/main" val="1132841038"/>
+      </p:ext>
+    </p:extLst>
+  </p:cSld>
+  <p:clrMapOvr>
+    <a:masterClrMapping/>
+  </p:clrMapOvr>
+</p:sld>
+</file>
+
+<file path=ppt/slides/slide10.xml><?xml version="1.0" encoding="utf-8"?>
+<p:sld xmlns:a="http://schemas.openxmlformats.org/drawingml/2006/main" xmlns:r="http://schemas.openxmlformats.org/officeDocument/2006/relationships" xmlns:p="http://schemas.openxmlformats.org/presentationml/2006/main">
+  <p:cSld>
+    <p:bg>
+      <p:bgPr>
+        <a:solidFill>
+          <a:schemeClr val="bg2"/>
+        </a:solidFill>
+        <a:effectLst/>
+      </p:bgPr>
+    </p:bg>
+    <p:spTree>
+      <p:nvGrpSpPr>
+        <p:cNvPr id="1" name=""/>
+        <p:cNvGrpSpPr/>
+        <p:nvPr/>
+      </p:nvGrpSpPr>
+      <p:grpSpPr>
+        <a:xfrm>
+          <a:off x="0" y="0"/>
+          <a:ext cx="0" cy="0"/>
+          <a:chOff x="0" y="0"/>
+          <a:chExt cx="0" cy="0"/>
+        </a:xfrm>
+      </p:grpSpPr>
+      <p:sp>
+        <p:nvSpPr>
+          <p:cNvPr id="2" name="Title 1"/>
+          <p:cNvSpPr>
+            <a:spLocks noGrp="1"/>
+          </p:cNvSpPr>
+          <p:nvPr>
+            <p:ph type="title"/>
+          </p:nvPr>
+        </p:nvSpPr>
+        <p:spPr>
+          <a:xfrm>
+            <a:off x="1023562" y="685800"/>
+            <a:ext cx="10493524" cy="1485900"/>
+          </a:xfrm>
+        </p:spPr>
+        <p:txBody>
+          <a:bodyPr>
+            <a:normAutofit/>
+          </a:bodyPr>
+          <a:lstStyle/>
+          <a:p>
+            <a:r>
+              <a:rPr lang="en-US" dirty="0"/>
+              <a:t>Select input</a:t>
+            </a:r>
+          </a:p>
+        </p:txBody>
+      </p:sp>
+      <p:sp>
+        <p:nvSpPr>
+          <p:cNvPr id="14" name="Rectangle 13">
+            <a:extLst>
+              <a:ext uri="{FF2B5EF4-FFF2-40B4-BE49-F238E27FC236}">
+                <a16:creationId xmlns:a16="http://schemas.microsoft.com/office/drawing/2014/main" id="{B9F89C22-0475-4427-B7C8-0269AD40E3EC}"/>
+              </a:ext>
+              <a:ext uri="{C183D7F6-B498-43B3-948B-1728B52AA6E4}">
+                <adec:decorative xmlns:adec="http://schemas.microsoft.com/office/drawing/2017/decorative" val="1"/>
+              </a:ext>
+            </a:extLst>
+          </p:cNvPr>
+          <p:cNvSpPr>
+            <a:spLocks noGrp="1" noRot="1" noChangeAspect="1" noMove="1" noResize="1" noEditPoints="1" noAdjustHandles="1" noChangeArrowheads="1" noChangeShapeType="1" noTextEdit="1"/>
+          </p:cNvSpPr>
+          <p:nvPr>
+            <p:extLst>
+              <p:ext uri="{386F3935-93C4-4BCD-93E2-E3B085C9AB24}">
+                <p16:designElem xmlns:p16="http://schemas.microsoft.com/office/powerpoint/2015/main" val="1"/>
+              </p:ext>
+            </p:extLst>
+          </p:nvPr>
+        </p:nvSpPr>
+        <p:spPr>
+          <a:xfrm>
+            <a:off x="478095" y="376"/>
+            <a:ext cx="228600" cy="6858000"/>
+          </a:xfrm>
+          <a:prstGeom prst="rect">
+            <a:avLst/>
+          </a:prstGeom>
+          <a:solidFill>
+            <a:schemeClr val="tx2"/>
+          </a:solidFill>
+          <a:ln>
+            <a:noFill/>
+          </a:ln>
+        </p:spPr>
+        <p:style>
+          <a:lnRef idx="2">
+            <a:schemeClr val="accent1">
+              <a:shade val="50000"/>
+            </a:schemeClr>
+          </a:lnRef>
+          <a:fillRef idx="1">
+            <a:schemeClr val="accent1"/>
+          </a:fillRef>
+          <a:effectRef idx="0">
+            <a:schemeClr val="accent1"/>
+          </a:effectRef>
+          <a:fontRef idx="minor">
+            <a:schemeClr val="lt1"/>
+          </a:fontRef>
+        </p:style>
+      </p:sp>
+      <p:sp>
+        <p:nvSpPr>
+          <p:cNvPr id="9" name="Content Placeholder 8"/>
+          <p:cNvSpPr>
+            <a:spLocks noGrp="1"/>
+          </p:cNvSpPr>
+          <p:nvPr>
+            <p:ph idx="1"/>
+          </p:nvPr>
+        </p:nvSpPr>
+        <p:spPr>
+          <a:xfrm>
+            <a:off x="1023562" y="2286000"/>
+            <a:ext cx="5072437" cy="3581400"/>
+          </a:xfrm>
+        </p:spPr>
+        <p:txBody>
+          <a:bodyPr>
+            <a:normAutofit/>
+          </a:bodyPr>
+          <a:lstStyle/>
+          <a:p>
+            <a:r>
+              <a:rPr lang="en-US" sz="1800"/>
+              <a:t>Can be set to only one selected option or multiple</a:t>
+            </a:r>
+          </a:p>
+          <a:p>
+            <a:r>
+              <a:rPr lang="en-US" sz="1800"/>
+              <a:t>Value can be dictated in your code, but will default to the value of the text in the choices field</a:t>
+            </a:r>
+          </a:p>
+          <a:p>
+            <a:r>
+              <a:rPr lang="en-US" sz="1800"/>
+              <a:t>Stored either as a single object or as a list</a:t>
+            </a:r>
+          </a:p>
+        </p:txBody>
+      </p:sp>
+      <p:pic>
+        <p:nvPicPr>
+          <p:cNvPr id="7" name="Content Placeholder 3"/>
+          <p:cNvPicPr>
+            <a:picLocks noChangeAspect="1"/>
+          </p:cNvPicPr>
+          <p:nvPr/>
+        </p:nvPicPr>
+        <p:blipFill>
+          <a:blip r:embed="rId2">
+            <a:extLst>
+              <a:ext uri="{28A0092B-C50C-407E-A947-70E740481C1C}">
+                <a14:useLocalDpi xmlns:a14="http://schemas.microsoft.com/office/drawing/2010/main" val="0"/>
+              </a:ext>
+            </a:extLst>
+          </a:blip>
+          <a:stretch>
+            <a:fillRect/>
+          </a:stretch>
+        </p:blipFill>
+        <p:spPr>
+          <a:xfrm>
+            <a:off x="6411641" y="2805910"/>
+            <a:ext cx="5105445" cy="2631267"/>
+          </a:xfrm>
+          <a:prstGeom prst="rect">
+            <a:avLst/>
+          </a:prstGeom>
+        </p:spPr>
+      </p:pic>
+    </p:spTree>
+    <p:extLst>
+      <p:ext uri="{BB962C8B-B14F-4D97-AF65-F5344CB8AC3E}">
+        <p14:creationId xmlns:p14="http://schemas.microsoft.com/office/powerpoint/2010/main" val="986184212"/>
+      </p:ext>
+    </p:extLst>
+  </p:cSld>
+  <p:clrMapOvr>
+    <a:masterClrMapping/>
+  </p:clrMapOvr>
+</p:sld>
+</file>
+
+<file path=ppt/slides/slide11.xml><?xml version="1.0" encoding="utf-8"?>
+<p:sld xmlns:a="http://schemas.openxmlformats.org/drawingml/2006/main" xmlns:r="http://schemas.openxmlformats.org/officeDocument/2006/relationships" xmlns:p="http://schemas.openxmlformats.org/presentationml/2006/main">
+  <p:cSld>
+    <p:bg>
+      <p:bgPr>
+        <a:solidFill>
+          <a:schemeClr val="bg2"/>
+        </a:solidFill>
+        <a:effectLst/>
+      </p:bgPr>
+    </p:bg>
+    <p:spTree>
+      <p:nvGrpSpPr>
+        <p:cNvPr id="1" name=""/>
+        <p:cNvGrpSpPr/>
+        <p:nvPr/>
+      </p:nvGrpSpPr>
+      <p:grpSpPr>
+        <a:xfrm>
+          <a:off x="0" y="0"/>
+          <a:ext cx="0" cy="0"/>
+          <a:chOff x="0" y="0"/>
+          <a:chExt cx="0" cy="0"/>
+        </a:xfrm>
+      </p:grpSpPr>
+      <p:sp>
+        <p:nvSpPr>
+          <p:cNvPr id="2" name="Title 1"/>
+          <p:cNvSpPr>
+            <a:spLocks noGrp="1"/>
+          </p:cNvSpPr>
+          <p:nvPr>
+            <p:ph type="title"/>
+          </p:nvPr>
+        </p:nvSpPr>
+        <p:spPr>
+          <a:xfrm>
+            <a:off x="7860667" y="685800"/>
+            <a:ext cx="3656419" cy="1485900"/>
+          </a:xfrm>
+        </p:spPr>
+        <p:txBody>
+          <a:bodyPr>
+            <a:normAutofit/>
+          </a:bodyPr>
+          <a:lstStyle/>
+          <a:p>
+            <a:r>
+              <a:rPr lang="en-US"/>
+              <a:t>Checkbox Group</a:t>
+            </a:r>
+            <a:endParaRPr lang="en-US" dirty="0"/>
+          </a:p>
+        </p:txBody>
+      </p:sp>
+      <p:sp>
+        <p:nvSpPr>
+          <p:cNvPr id="16" name="Rectangle 13">
+            <a:extLst>
+              <a:ext uri="{FF2B5EF4-FFF2-40B4-BE49-F238E27FC236}">
+                <a16:creationId xmlns:a16="http://schemas.microsoft.com/office/drawing/2014/main" id="{BEC9E7FA-3295-45ED-8253-D23F9E44E1DA}"/>
+              </a:ext>
+              <a:ext uri="{C183D7F6-B498-43B3-948B-1728B52AA6E4}">
+                <adec:decorative xmlns:adec="http://schemas.microsoft.com/office/drawing/2017/decorative" val="1"/>
+              </a:ext>
+            </a:extLst>
+          </p:cNvPr>
+          <p:cNvSpPr>
+            <a:spLocks noGrp="1" noRot="1" noChangeAspect="1" noMove="1" noResize="1" noEditPoints="1" noAdjustHandles="1" noChangeArrowheads="1" noChangeShapeType="1" noTextEdit="1"/>
+          </p:cNvSpPr>
+          <p:nvPr>
+            <p:extLst>
+              <p:ext uri="{386F3935-93C4-4BCD-93E2-E3B085C9AB24}">
+                <p16:designElem xmlns:p16="http://schemas.microsoft.com/office/powerpoint/2015/main" val="1"/>
+              </p:ext>
+            </p:extLst>
+          </p:nvPr>
+        </p:nvSpPr>
+        <p:spPr>
+          <a:xfrm>
+            <a:off x="478095" y="376"/>
+            <a:ext cx="228600" cy="6858000"/>
+          </a:xfrm>
+          <a:prstGeom prst="rect">
+            <a:avLst/>
+          </a:prstGeom>
+          <a:solidFill>
+            <a:schemeClr val="tx2"/>
+          </a:solidFill>
+          <a:ln>
+            <a:noFill/>
+          </a:ln>
+        </p:spPr>
+        <p:style>
+          <a:lnRef idx="2">
+            <a:schemeClr val="accent1">
+              <a:shade val="50000"/>
+            </a:schemeClr>
+          </a:lnRef>
+          <a:fillRef idx="1">
+            <a:schemeClr val="accent1"/>
+          </a:fillRef>
+          <a:effectRef idx="0">
+            <a:schemeClr val="accent1"/>
+          </a:effectRef>
+          <a:fontRef idx="minor">
+            <a:schemeClr val="lt1"/>
+          </a:fontRef>
+        </p:style>
+      </p:sp>
+      <p:pic>
+        <p:nvPicPr>
+          <p:cNvPr id="7" name="Content Placeholder 3"/>
+          <p:cNvPicPr>
+            <a:picLocks noChangeAspect="1"/>
+          </p:cNvPicPr>
+          <p:nvPr/>
+        </p:nvPicPr>
+        <p:blipFill>
+          <a:blip r:embed="rId2">
+            <a:extLst>
+              <a:ext uri="{28A0092B-C50C-407E-A947-70E740481C1C}">
+                <a14:useLocalDpi xmlns:a14="http://schemas.microsoft.com/office/drawing/2010/main" val="0"/>
+              </a:ext>
+            </a:extLst>
+          </a:blip>
+          <a:stretch>
+            <a:fillRect/>
+          </a:stretch>
+        </p:blipFill>
+        <p:spPr>
+          <a:xfrm>
+            <a:off x="1023561" y="1305505"/>
+            <a:ext cx="6517065" cy="3926949"/>
+          </a:xfrm>
+          <a:prstGeom prst="rect">
+            <a:avLst/>
+          </a:prstGeom>
+        </p:spPr>
+      </p:pic>
+      <p:sp>
+        <p:nvSpPr>
+          <p:cNvPr id="9" name="Content Placeholder 8"/>
+          <p:cNvSpPr>
+            <a:spLocks noGrp="1"/>
+          </p:cNvSpPr>
+          <p:nvPr>
+            <p:ph idx="1"/>
+          </p:nvPr>
+        </p:nvSpPr>
+        <p:spPr>
+          <a:xfrm>
+            <a:off x="7860667" y="2286000"/>
+            <a:ext cx="3656419" cy="3581400"/>
+          </a:xfrm>
+        </p:spPr>
+        <p:txBody>
+          <a:bodyPr>
+            <a:normAutofit/>
+          </a:bodyPr>
+          <a:lstStyle/>
+          <a:p>
+            <a:r>
+              <a:rPr lang="en-US"/>
+              <a:t>Multiple can be selected</a:t>
+            </a:r>
+          </a:p>
+          <a:p>
+            <a:r>
+              <a:rPr lang="en-US"/>
+              <a:t>Value can be dictated in your code, but will default to the value of the text in the choices field</a:t>
+            </a:r>
+          </a:p>
+          <a:p>
+            <a:r>
+              <a:rPr lang="en-US"/>
+              <a:t>Stored either as a single object or as a list</a:t>
+            </a:r>
+            <a:endParaRPr lang="en-US" dirty="0"/>
+          </a:p>
+        </p:txBody>
+      </p:sp>
+    </p:spTree>
+    <p:extLst>
+      <p:ext uri="{BB962C8B-B14F-4D97-AF65-F5344CB8AC3E}">
+        <p14:creationId xmlns:p14="http://schemas.microsoft.com/office/powerpoint/2010/main" val="1866897542"/>
+      </p:ext>
+    </p:extLst>
+  </p:cSld>
+  <p:clrMapOvr>
+    <a:masterClrMapping/>
+  </p:clrMapOvr>
+</p:sld>
+</file>
+
+<file path=ppt/slides/slide12.xml><?xml version="1.0" encoding="utf-8"?>
+<p:sld xmlns:a="http://schemas.openxmlformats.org/drawingml/2006/main" xmlns:r="http://schemas.openxmlformats.org/officeDocument/2006/relationships" xmlns:p="http://schemas.openxmlformats.org/presentationml/2006/main">
+  <p:cSld>
+    <p:spTree>
+      <p:nvGrpSpPr>
+        <p:cNvPr id="1" name=""/>
+        <p:cNvGrpSpPr/>
+        <p:nvPr/>
+      </p:nvGrpSpPr>
+      <p:grpSpPr>
+        <a:xfrm>
+          <a:off x="0" y="0"/>
+          <a:ext cx="0" cy="0"/>
+          <a:chOff x="0" y="0"/>
+          <a:chExt cx="0" cy="0"/>
+        </a:xfrm>
+      </p:grpSpPr>
+      <p:sp>
+        <p:nvSpPr>
+          <p:cNvPr id="2" name="Title 1"/>
+          <p:cNvSpPr>
+            <a:spLocks noGrp="1"/>
+          </p:cNvSpPr>
+          <p:nvPr>
+            <p:ph type="title"/>
+          </p:nvPr>
+        </p:nvSpPr>
+        <p:spPr/>
+        <p:txBody>
+          <a:bodyPr/>
+          <a:lstStyle/>
+          <a:p>
+            <a:r>
+              <a:rPr lang="en-US" dirty="0"/>
+              <a:t>Other Inputs</a:t>
+            </a:r>
+          </a:p>
+        </p:txBody>
+      </p:sp>
+    </p:spTree>
+    <p:extLst>
+      <p:ext uri="{BB962C8B-B14F-4D97-AF65-F5344CB8AC3E}">
+        <p14:creationId xmlns:p14="http://schemas.microsoft.com/office/powerpoint/2010/main" val="704996023"/>
+      </p:ext>
+    </p:extLst>
+  </p:cSld>
+  <p:clrMapOvr>
+    <a:masterClrMapping/>
+  </p:clrMapOvr>
+</p:sld>
+</file>
+
+<file path=ppt/slides/slide13.xml><?xml version="1.0" encoding="utf-8"?>
+<p:sld xmlns:a="http://schemas.openxmlformats.org/drawingml/2006/main" xmlns:r="http://schemas.openxmlformats.org/officeDocument/2006/relationships" xmlns:p="http://schemas.openxmlformats.org/presentationml/2006/main">
+  <p:cSld>
+    <p:spTree>
+      <p:nvGrpSpPr>
+        <p:cNvPr id="1" name=""/>
+        <p:cNvGrpSpPr/>
+        <p:nvPr/>
+      </p:nvGrpSpPr>
+      <p:grpSpPr>
+        <a:xfrm>
+          <a:off x="0" y="0"/>
+          <a:ext cx="0" cy="0"/>
+          <a:chOff x="0" y="0"/>
+          <a:chExt cx="0" cy="0"/>
+        </a:xfrm>
+      </p:grpSpPr>
+      <p:pic>
+        <p:nvPicPr>
+          <p:cNvPr id="7" name="Content Placeholder 3"/>
+          <p:cNvPicPr>
+            <a:picLocks noChangeAspect="1"/>
+          </p:cNvPicPr>
+          <p:nvPr/>
+        </p:nvPicPr>
+        <p:blipFill>
+          <a:blip r:embed="rId2">
+            <a:extLst>
+              <a:ext uri="{28A0092B-C50C-407E-A947-70E740481C1C}">
+                <a14:useLocalDpi xmlns:a14="http://schemas.microsoft.com/office/drawing/2010/main" val="0"/>
+              </a:ext>
+            </a:extLst>
+          </a:blip>
+          <a:stretch>
+            <a:fillRect/>
+          </a:stretch>
+        </p:blipFill>
+        <p:spPr>
+          <a:xfrm>
+            <a:off x="1495008" y="2003414"/>
+            <a:ext cx="5574170" cy="2531128"/>
+          </a:xfrm>
+          <a:prstGeom prst="rect">
+            <a:avLst/>
+          </a:prstGeom>
+        </p:spPr>
+      </p:pic>
+      <p:sp>
+        <p:nvSpPr>
+          <p:cNvPr id="2" name="Title 1"/>
+          <p:cNvSpPr>
+            <a:spLocks noGrp="1"/>
+          </p:cNvSpPr>
+          <p:nvPr>
+            <p:ph type="title"/>
+          </p:nvPr>
+        </p:nvSpPr>
+        <p:spPr>
+          <a:xfrm>
+            <a:off x="7860667" y="685800"/>
+            <a:ext cx="3656419" cy="1485900"/>
+          </a:xfrm>
+        </p:spPr>
+        <p:txBody>
+          <a:bodyPr>
+            <a:normAutofit/>
+          </a:bodyPr>
+          <a:lstStyle/>
+          <a:p>
+            <a:r>
+              <a:rPr lang="en-US" dirty="0"/>
+              <a:t>Single Checkbox</a:t>
+            </a:r>
+          </a:p>
+        </p:txBody>
+      </p:sp>
+      <p:sp>
+        <p:nvSpPr>
+          <p:cNvPr id="9" name="Content Placeholder 8"/>
+          <p:cNvSpPr>
+            <a:spLocks noGrp="1"/>
+          </p:cNvSpPr>
+          <p:nvPr>
+            <p:ph idx="1"/>
+          </p:nvPr>
+        </p:nvSpPr>
+        <p:spPr>
+          <a:xfrm>
+            <a:off x="7860667" y="2286000"/>
+            <a:ext cx="3656419" cy="3581400"/>
+          </a:xfrm>
+        </p:spPr>
+        <p:txBody>
+          <a:bodyPr>
+            <a:normAutofit/>
+          </a:bodyPr>
+          <a:lstStyle/>
+          <a:p>
+            <a:r>
+              <a:rPr lang="en-US" dirty="0"/>
+              <a:t>Boolean</a:t>
+            </a:r>
+          </a:p>
+        </p:txBody>
+      </p:sp>
+    </p:spTree>
+    <p:extLst>
+      <p:ext uri="{BB962C8B-B14F-4D97-AF65-F5344CB8AC3E}">
+        <p14:creationId xmlns:p14="http://schemas.microsoft.com/office/powerpoint/2010/main" val="343164721"/>
+      </p:ext>
+    </p:extLst>
+  </p:cSld>
+  <p:clrMapOvr>
+    <a:masterClrMapping/>
+  </p:clrMapOvr>
+</p:sld>
+</file>
+
+<file path=ppt/slides/slide14.xml><?xml version="1.0" encoding="utf-8"?>
+<p:sld xmlns:a="http://schemas.openxmlformats.org/drawingml/2006/main" xmlns:r="http://schemas.openxmlformats.org/officeDocument/2006/relationships" xmlns:p="http://schemas.openxmlformats.org/presentationml/2006/main">
+  <p:cSld>
+    <p:bg>
+      <p:bgPr>
+        <a:solidFill>
+          <a:schemeClr val="bg2"/>
+        </a:solidFill>
+        <a:effectLst/>
+      </p:bgPr>
+    </p:bg>
+    <p:spTree>
+      <p:nvGrpSpPr>
+        <p:cNvPr id="1" name=""/>
+        <p:cNvGrpSpPr/>
+        <p:nvPr/>
+      </p:nvGrpSpPr>
+      <p:grpSpPr>
+        <a:xfrm>
+          <a:off x="0" y="0"/>
+          <a:ext cx="0" cy="0"/>
+          <a:chOff x="0" y="0"/>
+          <a:chExt cx="0" cy="0"/>
+        </a:xfrm>
+      </p:grpSpPr>
+      <p:sp>
+        <p:nvSpPr>
+          <p:cNvPr id="14" name="Rectangle 13">
+            <a:extLst>
+              <a:ext uri="{FF2B5EF4-FFF2-40B4-BE49-F238E27FC236}">
+                <a16:creationId xmlns:a16="http://schemas.microsoft.com/office/drawing/2014/main" id="{8E2B8A2D-F46F-4DA5-8AFF-BC57461C281A}"/>
+              </a:ext>
+              <a:ext uri="{C183D7F6-B498-43B3-948B-1728B52AA6E4}">
+                <adec:decorative xmlns:adec="http://schemas.microsoft.com/office/drawing/2017/decorative" val="1"/>
+              </a:ext>
+            </a:extLst>
+          </p:cNvPr>
+          <p:cNvSpPr>
+            <a:spLocks noGrp="1" noRot="1" noChangeAspect="1" noMove="1" noResize="1" noEditPoints="1" noAdjustHandles="1" noChangeArrowheads="1" noChangeShapeType="1" noTextEdit="1"/>
+          </p:cNvSpPr>
+          <p:nvPr>
+            <p:extLst>
+              <p:ext uri="{386F3935-93C4-4BCD-93E2-E3B085C9AB24}">
+                <p16:designElem xmlns:p16="http://schemas.microsoft.com/office/powerpoint/2015/main" val="1"/>
+              </p:ext>
+            </p:extLst>
+          </p:nvPr>
+        </p:nvSpPr>
+        <p:spPr>
+          <a:xfrm>
+            <a:off x="0" y="0"/>
+            <a:ext cx="12192000" cy="6858000"/>
+          </a:xfrm>
+          <a:prstGeom prst="rect">
+            <a:avLst/>
+          </a:prstGeom>
+          <a:solidFill>
+            <a:schemeClr val="bg2"/>
+          </a:solidFill>
+          <a:ln>
+            <a:noFill/>
+          </a:ln>
+        </p:spPr>
+        <p:style>
+          <a:lnRef idx="2">
+            <a:schemeClr val="accent1">
+              <a:shade val="50000"/>
+            </a:schemeClr>
+          </a:lnRef>
+          <a:fillRef idx="1">
+            <a:schemeClr val="accent1"/>
+          </a:fillRef>
+          <a:effectRef idx="0">
+            <a:schemeClr val="accent1"/>
+          </a:effectRef>
+          <a:fontRef idx="minor">
+            <a:schemeClr val="lt1"/>
+          </a:fontRef>
+        </p:style>
+        <p:txBody>
+          <a:bodyPr rtlCol="0" anchor="ctr"/>
+          <a:lstStyle/>
+          <a:p>
+            <a:pPr algn="ctr"/>
+            <a:endParaRPr lang="en-US"/>
+          </a:p>
+        </p:txBody>
+      </p:sp>
+      <p:sp>
+        <p:nvSpPr>
+          <p:cNvPr id="2" name="Title 1"/>
+          <p:cNvSpPr>
+            <a:spLocks noGrp="1"/>
+          </p:cNvSpPr>
+          <p:nvPr>
+            <p:ph type="title"/>
+          </p:nvPr>
+        </p:nvSpPr>
+        <p:spPr>
+          <a:xfrm>
+            <a:off x="784743" y="685800"/>
+            <a:ext cx="5793475" cy="1485900"/>
+          </a:xfrm>
+        </p:spPr>
+        <p:txBody>
+          <a:bodyPr>
+            <a:normAutofit/>
+          </a:bodyPr>
+          <a:lstStyle/>
+          <a:p>
+            <a:r>
+              <a:rPr lang="en-US" dirty="0"/>
+              <a:t>Date/Range</a:t>
+            </a:r>
+          </a:p>
+        </p:txBody>
+      </p:sp>
+      <p:sp>
+        <p:nvSpPr>
+          <p:cNvPr id="9" name="Content Placeholder 8"/>
+          <p:cNvSpPr>
+            <a:spLocks noGrp="1"/>
+          </p:cNvSpPr>
+          <p:nvPr>
+            <p:ph idx="1"/>
+          </p:nvPr>
+        </p:nvSpPr>
+        <p:spPr>
+          <a:xfrm>
+            <a:off x="784743" y="2286000"/>
+            <a:ext cx="5793475" cy="3581400"/>
+          </a:xfrm>
+        </p:spPr>
+        <p:txBody>
+          <a:bodyPr>
+            <a:normAutofit/>
+          </a:bodyPr>
+          <a:lstStyle/>
+          <a:p>
+            <a:r>
+              <a:rPr lang="en-US"/>
+              <a:t>Either a single integer or list of 2 called separately by input$“inputId”[1] and input$“inputId”[2]</a:t>
+            </a:r>
+          </a:p>
+          <a:p>
+            <a:r>
+              <a:rPr lang="en-US"/>
+              <a:t>R will see these as Dates</a:t>
+            </a:r>
+          </a:p>
+          <a:p>
+            <a:endParaRPr lang="en-US" dirty="0"/>
+          </a:p>
+        </p:txBody>
+      </p:sp>
+      <p:sp>
+        <p:nvSpPr>
+          <p:cNvPr id="16" name="Rectangle 15">
+            <a:extLst>
+              <a:ext uri="{FF2B5EF4-FFF2-40B4-BE49-F238E27FC236}">
+                <a16:creationId xmlns:a16="http://schemas.microsoft.com/office/drawing/2014/main" id="{292BAD85-00E4-4D0A-993C-8372E78E1ADD}"/>
+              </a:ext>
+              <a:ext uri="{C183D7F6-B498-43B3-948B-1728B52AA6E4}">
+                <adec:decorative xmlns:adec="http://schemas.microsoft.com/office/drawing/2017/decorative" val="1"/>
+              </a:ext>
+            </a:extLst>
+          </p:cNvPr>
+          <p:cNvSpPr>
+            <a:spLocks noGrp="1" noRot="1" noChangeAspect="1" noMove="1" noResize="1" noEditPoints="1" noAdjustHandles="1" noChangeArrowheads="1" noChangeShapeType="1" noTextEdit="1"/>
+          </p:cNvSpPr>
+          <p:nvPr>
+            <p:extLst>
+              <p:ext uri="{386F3935-93C4-4BCD-93E2-E3B085C9AB24}">
+                <p16:designElem xmlns:p16="http://schemas.microsoft.com/office/powerpoint/2015/main" val="1"/>
+              </p:ext>
+            </p:extLst>
+          </p:nvPr>
+        </p:nvSpPr>
+        <p:spPr>
+          <a:xfrm>
+            <a:off x="7383661" y="0"/>
+            <a:ext cx="228600" cy="6858000"/>
+          </a:xfrm>
+          <a:prstGeom prst="rect">
+            <a:avLst/>
+          </a:prstGeom>
+          <a:solidFill>
+            <a:schemeClr val="tx2"/>
+          </a:solidFill>
+          <a:ln>
+            <a:noFill/>
+          </a:ln>
+        </p:spPr>
+        <p:style>
+          <a:lnRef idx="2">
+            <a:schemeClr val="accent1">
+              <a:shade val="50000"/>
+            </a:schemeClr>
+          </a:lnRef>
+          <a:fillRef idx="1">
+            <a:schemeClr val="accent1"/>
+          </a:fillRef>
+          <a:effectRef idx="0">
+            <a:schemeClr val="accent1"/>
+          </a:effectRef>
+          <a:fontRef idx="minor">
+            <a:schemeClr val="lt1"/>
+          </a:fontRef>
+        </p:style>
+      </p:sp>
+      <p:pic>
+        <p:nvPicPr>
+          <p:cNvPr id="7" name="Content Placeholder 3"/>
+          <p:cNvPicPr>
+            <a:picLocks noChangeAspect="1"/>
+          </p:cNvPicPr>
+          <p:nvPr/>
+        </p:nvPicPr>
+        <p:blipFill>
+          <a:blip r:embed="rId2">
+            <a:extLst>
+              <a:ext uri="{28A0092B-C50C-407E-A947-70E740481C1C}">
+                <a14:useLocalDpi xmlns:a14="http://schemas.microsoft.com/office/drawing/2010/main" val="0"/>
+              </a:ext>
+            </a:extLst>
+          </a:blip>
+          <a:stretch>
+            <a:fillRect/>
+          </a:stretch>
+        </p:blipFill>
+        <p:spPr>
+          <a:xfrm>
+            <a:off x="8037090" y="1053982"/>
+            <a:ext cx="3730079" cy="1884070"/>
+          </a:xfrm>
+          <a:prstGeom prst="rect">
+            <a:avLst/>
+          </a:prstGeom>
+          <a:ln>
+            <a:noFill/>
+          </a:ln>
+          <a:effectLst/>
+        </p:spPr>
+      </p:pic>
+      <p:pic>
+        <p:nvPicPr>
+          <p:cNvPr id="8" name="Picture 7"/>
+          <p:cNvPicPr>
+            <a:picLocks noChangeAspect="1"/>
+          </p:cNvPicPr>
+          <p:nvPr/>
+        </p:nvPicPr>
+        <p:blipFill>
+          <a:blip r:embed="rId3">
+            <a:extLst>
+              <a:ext uri="{28A0092B-C50C-407E-A947-70E740481C1C}">
+                <a14:useLocalDpi xmlns:a14="http://schemas.microsoft.com/office/drawing/2010/main" val="0"/>
+              </a:ext>
+            </a:extLst>
+          </a:blip>
+          <a:stretch>
+            <a:fillRect/>
+          </a:stretch>
+        </p:blipFill>
+        <p:spPr>
+          <a:xfrm>
+            <a:off x="8037090" y="3924607"/>
+            <a:ext cx="3730079" cy="1874753"/>
+          </a:xfrm>
+          <a:prstGeom prst="rect">
+            <a:avLst/>
+          </a:prstGeom>
+          <a:ln>
+            <a:noFill/>
+          </a:ln>
+          <a:effectLst/>
+        </p:spPr>
+      </p:pic>
+    </p:spTree>
+    <p:extLst>
+      <p:ext uri="{BB962C8B-B14F-4D97-AF65-F5344CB8AC3E}">
+        <p14:creationId xmlns:p14="http://schemas.microsoft.com/office/powerpoint/2010/main" val="1914944277"/>
+      </p:ext>
+    </p:extLst>
+  </p:cSld>
+  <p:clrMapOvr>
+    <a:masterClrMapping/>
+  </p:clrMapOvr>
+</p:sld>
+</file>
+
+<file path=ppt/slides/slide15.xml><?xml version="1.0" encoding="utf-8"?>
+<p:sld xmlns:a="http://schemas.openxmlformats.org/drawingml/2006/main" xmlns:r="http://schemas.openxmlformats.org/officeDocument/2006/relationships" xmlns:p="http://schemas.openxmlformats.org/presentationml/2006/main">
+  <p:cSld>
+    <p:bg>
+      <p:bgPr>
+        <a:solidFill>
+          <a:schemeClr val="bg2"/>
+        </a:solidFill>
+        <a:effectLst/>
+      </p:bgPr>
+    </p:bg>
+    <p:spTree>
+      <p:nvGrpSpPr>
+        <p:cNvPr id="1" name=""/>
+        <p:cNvGrpSpPr/>
+        <p:nvPr/>
+      </p:nvGrpSpPr>
+      <p:grpSpPr>
+        <a:xfrm>
+          <a:off x="0" y="0"/>
+          <a:ext cx="0" cy="0"/>
+          <a:chOff x="0" y="0"/>
+          <a:chExt cx="0" cy="0"/>
+        </a:xfrm>
+      </p:grpSpPr>
+      <p:grpSp>
+        <p:nvGrpSpPr>
+          <p:cNvPr id="14" name="Group 13">
+            <a:extLst>
+              <a:ext uri="{FF2B5EF4-FFF2-40B4-BE49-F238E27FC236}">
+                <a16:creationId xmlns:a16="http://schemas.microsoft.com/office/drawing/2014/main" id="{449BC34D-9C23-4D6D-8213-1F471AF85B3F}"/>
+              </a:ext>
+              <a:ext uri="{C183D7F6-B498-43B3-948B-1728B52AA6E4}">
+                <adec:decorative xmlns:adec="http://schemas.microsoft.com/office/drawing/2017/decorative" val="1"/>
+              </a:ext>
+            </a:extLst>
+          </p:cNvPr>
+          <p:cNvGrpSpPr>
+            <a:grpSpLocks noGrp="1" noUngrp="1" noRot="1" noChangeAspect="1" noMove="1" noResize="1"/>
+          </p:cNvGrpSpPr>
+          <p:nvPr>
+            <p:extLst>
+              <p:ext uri="{386F3935-93C4-4BCD-93E2-E3B085C9AB24}">
+                <p16:designElem xmlns:p16="http://schemas.microsoft.com/office/powerpoint/2015/main" val="1"/>
+              </p:ext>
+            </p:extLst>
+          </p:nvPr>
+        </p:nvGrpSpPr>
+        <p:grpSpPr>
+          <a:xfrm>
+            <a:off x="752858" y="744469"/>
+            <a:ext cx="10674117" cy="5349671"/>
+            <a:chOff x="752858" y="744469"/>
+            <a:chExt cx="10674117" cy="5349671"/>
+          </a:xfrm>
+        </p:grpSpPr>
+        <p:sp>
+          <p:nvSpPr>
+            <p:cNvPr id="15" name="Freeform 6">
+              <a:extLst>
+                <a:ext uri="{FF2B5EF4-FFF2-40B4-BE49-F238E27FC236}">
+                  <a16:creationId xmlns:a16="http://schemas.microsoft.com/office/drawing/2014/main" id="{FA0F5D6C-5025-4D7E-82DD-C2C6FDA1E759}"/>
+                </a:ext>
+                <a:ext uri="{C183D7F6-B498-43B3-948B-1728B52AA6E4}">
+                  <adec:decorative xmlns:adec="http://schemas.microsoft.com/office/drawing/2017/decorative" val="1"/>
+                </a:ext>
+              </a:extLst>
+            </p:cNvPr>
+            <p:cNvSpPr/>
+            <p:nvPr>
+              <p:extLst>
+                <p:ext uri="{386F3935-93C4-4BCD-93E2-E3B085C9AB24}">
+                  <p16:designElem xmlns:p16="http://schemas.microsoft.com/office/powerpoint/2015/main" val="1"/>
+                </p:ext>
+              </p:extLst>
+            </p:nvPr>
+          </p:nvSpPr>
+          <p:spPr bwMode="auto">
+            <a:xfrm>
+              <a:off x="8151962" y="1685652"/>
+              <a:ext cx="3275013" cy="4408488"/>
+            </a:xfrm>
+            <a:custGeom>
+              <a:avLst/>
+              <a:gdLst/>
+              <a:ahLst/>
+              <a:cxnLst/>
+              <a:rect l="l" t="t" r="r" b="b"/>
+              <a:pathLst>
+                <a:path w="10000" h="10000">
+                  <a:moveTo>
+                    <a:pt x="8761" y="0"/>
+                  </a:moveTo>
+                  <a:lnTo>
+                    <a:pt x="10000" y="0"/>
+                  </a:lnTo>
+                  <a:lnTo>
+                    <a:pt x="10000" y="10000"/>
+                  </a:lnTo>
+                  <a:lnTo>
+                    <a:pt x="0" y="10000"/>
+                  </a:lnTo>
+                  <a:lnTo>
+                    <a:pt x="0" y="9126"/>
+                  </a:lnTo>
+                  <a:lnTo>
+                    <a:pt x="8761" y="9127"/>
+                  </a:lnTo>
+                  <a:lnTo>
+                    <a:pt x="8761" y="0"/>
+                  </a:lnTo>
+                  <a:close/>
+                </a:path>
+              </a:pathLst>
+            </a:custGeom>
+            <a:solidFill>
+              <a:schemeClr val="tx2"/>
+            </a:solidFill>
+            <a:ln w="0">
+              <a:noFill/>
+              <a:prstDash val="solid"/>
+              <a:round/>
+              <a:headEnd/>
+              <a:tailEnd/>
+            </a:ln>
+          </p:spPr>
+        </p:sp>
+        <p:sp>
+          <p:nvSpPr>
+            <p:cNvPr id="16" name="Freeform 6">
+              <a:extLst>
+                <a:ext uri="{FF2B5EF4-FFF2-40B4-BE49-F238E27FC236}">
+                  <a16:creationId xmlns:a16="http://schemas.microsoft.com/office/drawing/2014/main" id="{E2AF2C17-4AB4-4402-B84B-129EF95D161C}"/>
+                </a:ext>
+                <a:ext uri="{C183D7F6-B498-43B3-948B-1728B52AA6E4}">
+                  <adec:decorative xmlns:adec="http://schemas.microsoft.com/office/drawing/2017/decorative" val="1"/>
+                </a:ext>
+              </a:extLst>
+            </p:cNvPr>
+            <p:cNvSpPr/>
+            <p:nvPr>
+              <p:extLst>
+                <p:ext uri="{386F3935-93C4-4BCD-93E2-E3B085C9AB24}">
+                  <p16:designElem xmlns:p16="http://schemas.microsoft.com/office/powerpoint/2015/main" val="1"/>
+                </p:ext>
+              </p:extLst>
+            </p:nvPr>
+          </p:nvSpPr>
+          <p:spPr bwMode="auto">
+            <a:xfrm flipH="1" flipV="1">
+              <a:off x="752858" y="744469"/>
+              <a:ext cx="3275668" cy="4408488"/>
+            </a:xfrm>
+            <a:custGeom>
+              <a:avLst/>
+              <a:gdLst/>
+              <a:ahLst/>
+              <a:cxnLst/>
+              <a:rect l="l" t="t" r="r" b="b"/>
+              <a:pathLst>
+                <a:path w="10002" h="10000">
+                  <a:moveTo>
+                    <a:pt x="8763" y="0"/>
+                  </a:moveTo>
+                  <a:lnTo>
+                    <a:pt x="10002" y="0"/>
+                  </a:lnTo>
+                  <a:lnTo>
+                    <a:pt x="10002" y="10000"/>
+                  </a:lnTo>
+                  <a:lnTo>
+                    <a:pt x="2" y="10000"/>
+                  </a:lnTo>
+                  <a:cubicBezTo>
+                    <a:pt x="-2" y="9698"/>
+                    <a:pt x="4" y="9427"/>
+                    <a:pt x="0" y="9125"/>
+                  </a:cubicBezTo>
+                  <a:lnTo>
+                    <a:pt x="8763" y="9128"/>
+                  </a:lnTo>
+                  <a:lnTo>
+                    <a:pt x="8763" y="0"/>
+                  </a:lnTo>
+                  <a:close/>
+                </a:path>
+              </a:pathLst>
+            </a:custGeom>
+            <a:solidFill>
+              <a:schemeClr val="tx2"/>
+            </a:solidFill>
+            <a:ln w="0">
+              <a:noFill/>
+              <a:prstDash val="solid"/>
+              <a:round/>
+              <a:headEnd/>
+              <a:tailEnd/>
+            </a:ln>
+          </p:spPr>
+        </p:sp>
+      </p:grpSp>
+      <p:sp useBgFill="1">
+        <p:nvSpPr>
+          <p:cNvPr id="18" name="Rectangle 17">
+            <a:extLst>
+              <a:ext uri="{FF2B5EF4-FFF2-40B4-BE49-F238E27FC236}">
+                <a16:creationId xmlns:a16="http://schemas.microsoft.com/office/drawing/2014/main" id="{CB73C468-D875-4A8E-A540-E43BF8232DD4}"/>
+              </a:ext>
+              <a:ext uri="{C183D7F6-B498-43B3-948B-1728B52AA6E4}">
+                <adec:decorative xmlns:adec="http://schemas.microsoft.com/office/drawing/2017/decorative" val="1"/>
+              </a:ext>
+            </a:extLst>
+          </p:cNvPr>
+          <p:cNvSpPr>
+            <a:spLocks noGrp="1" noRot="1" noChangeAspect="1" noMove="1" noResize="1" noEditPoints="1" noAdjustHandles="1" noChangeArrowheads="1" noChangeShapeType="1" noTextEdit="1"/>
+          </p:cNvSpPr>
+          <p:nvPr>
+            <p:extLst>
+              <p:ext uri="{386F3935-93C4-4BCD-93E2-E3B085C9AB24}">
+                <p16:designElem xmlns:p16="http://schemas.microsoft.com/office/powerpoint/2015/main" val="1"/>
+              </p:ext>
+            </p:extLst>
+          </p:nvPr>
+        </p:nvSpPr>
+        <p:spPr>
+          <a:xfrm>
+            <a:off x="0" y="0"/>
+            <a:ext cx="12192000" cy="6858000"/>
+          </a:xfrm>
+          <a:prstGeom prst="rect">
+            <a:avLst/>
+          </a:prstGeom>
+          <a:ln>
+            <a:noFill/>
+          </a:ln>
+        </p:spPr>
+        <p:style>
+          <a:lnRef idx="2">
+            <a:schemeClr val="accent1">
+              <a:shade val="50000"/>
+            </a:schemeClr>
+          </a:lnRef>
+          <a:fillRef idx="1001">
+            <a:schemeClr val="lt2"/>
+          </a:fillRef>
+          <a:effectRef idx="0">
+            <a:schemeClr val="accent1"/>
+          </a:effectRef>
+          <a:fontRef idx="minor">
+            <a:schemeClr val="lt1"/>
+          </a:fontRef>
+        </p:style>
+        <p:txBody>
+          <a:bodyPr rtlCol="0" anchor="ctr"/>
+          <a:lstStyle/>
+          <a:p>
+            <a:pPr algn="ctr"/>
+            <a:endParaRPr lang="en-US"/>
+          </a:p>
+        </p:txBody>
+      </p:sp>
+      <p:sp>
+        <p:nvSpPr>
+          <p:cNvPr id="2" name="Title 1"/>
+          <p:cNvSpPr>
+            <a:spLocks noGrp="1"/>
+          </p:cNvSpPr>
+          <p:nvPr>
+            <p:ph type="title"/>
+          </p:nvPr>
+        </p:nvSpPr>
+        <p:spPr>
+          <a:xfrm>
+            <a:off x="6711885" y="634028"/>
+            <a:ext cx="4798243" cy="3732835"/>
+          </a:xfrm>
+        </p:spPr>
+        <p:txBody>
+          <a:bodyPr vert="horz" lIns="91440" tIns="45720" rIns="91440" bIns="45720" rtlCol="0" anchor="b">
+            <a:normAutofit/>
+          </a:bodyPr>
+          <a:lstStyle/>
+          <a:p>
+            <a:pPr algn="ctr"/>
+            <a:r>
+              <a:rPr lang="en-US" sz="7200" cap="all"/>
+              <a:t>Single Checkbox</a:t>
+            </a:r>
+          </a:p>
+        </p:txBody>
+      </p:sp>
+      <p:sp>
+        <p:nvSpPr>
+          <p:cNvPr id="9" name="Content Placeholder 8"/>
+          <p:cNvSpPr>
+            <a:spLocks noGrp="1"/>
+          </p:cNvSpPr>
+          <p:nvPr>
+            <p:ph idx="1"/>
+          </p:nvPr>
+        </p:nvSpPr>
+        <p:spPr>
+          <a:xfrm>
+            <a:off x="6711885" y="4436462"/>
+            <a:ext cx="4798243" cy="1794656"/>
+          </a:xfrm>
+        </p:spPr>
+        <p:txBody>
+          <a:bodyPr vert="horz" lIns="91440" tIns="45720" rIns="91440" bIns="45720" rtlCol="0">
+            <a:normAutofit/>
+          </a:bodyPr>
+          <a:lstStyle/>
+          <a:p>
+            <a:pPr marL="0" indent="0" algn="ctr">
+              <a:lnSpc>
+                <a:spcPct val="112000"/>
+              </a:lnSpc>
+              <a:spcBef>
+                <a:spcPts val="0"/>
+              </a:spcBef>
+              <a:spcAft>
+                <a:spcPts val="600"/>
+              </a:spcAft>
+              <a:buNone/>
+            </a:pPr>
+            <a:r>
+              <a:rPr lang="en-US" sz="2300"/>
+              <a:t>Boolean</a:t>
+            </a:r>
+          </a:p>
+        </p:txBody>
+      </p:sp>
+      <p:sp>
+        <p:nvSpPr>
+          <p:cNvPr id="20" name="Freeform 6">
+            <a:extLst>
+              <a:ext uri="{FF2B5EF4-FFF2-40B4-BE49-F238E27FC236}">
+                <a16:creationId xmlns:a16="http://schemas.microsoft.com/office/drawing/2014/main" id="{B4734F2F-19FC-4D35-9BDE-5CEAD57D9B55}"/>
+              </a:ext>
+              <a:ext uri="{C183D7F6-B498-43B3-948B-1728B52AA6E4}">
+                <adec:decorative xmlns:adec="http://schemas.microsoft.com/office/drawing/2017/decorative" val="1"/>
+              </a:ext>
+            </a:extLst>
+          </p:cNvPr>
+          <p:cNvSpPr>
+            <a:spLocks noGrp="1" noRot="1" noChangeAspect="1" noMove="1" noResize="1" noEditPoints="1" noAdjustHandles="1" noChangeArrowheads="1" noChangeShapeType="1" noTextEdit="1"/>
+          </p:cNvSpPr>
+          <p:nvPr>
+            <p:extLst>
+              <p:ext uri="{386F3935-93C4-4BCD-93E2-E3B085C9AB24}">
+                <p16:designElem xmlns:p16="http://schemas.microsoft.com/office/powerpoint/2015/main" val="1"/>
+              </p:ext>
+            </p:extLst>
+          </p:nvPr>
+        </p:nvSpPr>
+        <p:spPr bwMode="auto">
+          <a:xfrm>
+            <a:off x="3027878" y="2016617"/>
+            <a:ext cx="3275013" cy="4408488"/>
+          </a:xfrm>
+          <a:custGeom>
+            <a:avLst/>
+            <a:gdLst/>
+            <a:ahLst/>
+            <a:cxnLst/>
+            <a:rect l="l" t="t" r="r" b="b"/>
+            <a:pathLst>
+              <a:path w="10000" h="10000">
+                <a:moveTo>
+                  <a:pt x="8761" y="0"/>
+                </a:moveTo>
+                <a:lnTo>
+                  <a:pt x="10000" y="0"/>
+                </a:lnTo>
+                <a:lnTo>
+                  <a:pt x="10000" y="10000"/>
+                </a:lnTo>
+                <a:lnTo>
+                  <a:pt x="0" y="10000"/>
+                </a:lnTo>
+                <a:lnTo>
+                  <a:pt x="0" y="9126"/>
+                </a:lnTo>
+                <a:lnTo>
+                  <a:pt x="8761" y="9127"/>
+                </a:lnTo>
+                <a:lnTo>
+                  <a:pt x="8761" y="0"/>
+                </a:lnTo>
+                <a:close/>
+              </a:path>
+            </a:pathLst>
+          </a:custGeom>
+          <a:solidFill>
+            <a:schemeClr val="tx2"/>
+          </a:solidFill>
+          <a:ln w="0">
+            <a:noFill/>
+            <a:prstDash val="solid"/>
+            <a:round/>
+            <a:headEnd/>
+            <a:tailEnd/>
+          </a:ln>
+        </p:spPr>
+      </p:sp>
+      <p:sp>
+        <p:nvSpPr>
+          <p:cNvPr id="22" name="Freeform 6">
+            <a:extLst>
+              <a:ext uri="{FF2B5EF4-FFF2-40B4-BE49-F238E27FC236}">
+                <a16:creationId xmlns:a16="http://schemas.microsoft.com/office/drawing/2014/main" id="{D97A8A26-FD96-4968-A34A-727382AC7E46}"/>
+              </a:ext>
+              <a:ext uri="{C183D7F6-B498-43B3-948B-1728B52AA6E4}">
+                <adec:decorative xmlns:adec="http://schemas.microsoft.com/office/drawing/2017/decorative" val="1"/>
+              </a:ext>
+            </a:extLst>
+          </p:cNvPr>
+          <p:cNvSpPr>
+            <a:spLocks noGrp="1" noRot="1" noChangeAspect="1" noMove="1" noResize="1" noEditPoints="1" noAdjustHandles="1" noChangeArrowheads="1" noChangeShapeType="1" noTextEdit="1"/>
+          </p:cNvSpPr>
+          <p:nvPr>
+            <p:extLst>
+              <p:ext uri="{386F3935-93C4-4BCD-93E2-E3B085C9AB24}">
+                <p16:designElem xmlns:p16="http://schemas.microsoft.com/office/powerpoint/2015/main" val="1"/>
+              </p:ext>
+            </p:extLst>
+          </p:nvPr>
+        </p:nvSpPr>
+        <p:spPr bwMode="auto">
+          <a:xfrm flipH="1" flipV="1">
+            <a:off x="649163" y="634028"/>
+            <a:ext cx="3275668" cy="4408488"/>
+          </a:xfrm>
+          <a:custGeom>
+            <a:avLst/>
+            <a:gdLst/>
+            <a:ahLst/>
+            <a:cxnLst/>
+            <a:rect l="l" t="t" r="r" b="b"/>
+            <a:pathLst>
+              <a:path w="10002" h="10000">
+                <a:moveTo>
+                  <a:pt x="8763" y="0"/>
+                </a:moveTo>
+                <a:lnTo>
+                  <a:pt x="10002" y="0"/>
+                </a:lnTo>
+                <a:lnTo>
+                  <a:pt x="10002" y="10000"/>
+                </a:lnTo>
+                <a:lnTo>
+                  <a:pt x="2" y="10000"/>
+                </a:lnTo>
+                <a:cubicBezTo>
+                  <a:pt x="-2" y="9698"/>
+                  <a:pt x="4" y="9427"/>
+                  <a:pt x="0" y="9125"/>
+                </a:cubicBezTo>
+                <a:lnTo>
+                  <a:pt x="8763" y="9128"/>
+                </a:lnTo>
+                <a:lnTo>
+                  <a:pt x="8763" y="0"/>
+                </a:lnTo>
+                <a:close/>
+              </a:path>
+            </a:pathLst>
+          </a:custGeom>
+          <a:solidFill>
+            <a:schemeClr val="tx2"/>
+          </a:solidFill>
+          <a:ln w="0">
+            <a:noFill/>
+            <a:prstDash val="solid"/>
+            <a:round/>
+            <a:headEnd/>
+            <a:tailEnd/>
+          </a:ln>
+        </p:spPr>
+      </p:sp>
+      <p:pic>
+        <p:nvPicPr>
+          <p:cNvPr id="7" name="Content Placeholder 3"/>
+          <p:cNvPicPr>
+            <a:picLocks noChangeAspect="1"/>
+          </p:cNvPicPr>
+          <p:nvPr/>
+        </p:nvPicPr>
+        <p:blipFill>
+          <a:blip r:embed="rId2">
+            <a:extLst>
+              <a:ext uri="{28A0092B-C50C-407E-A947-70E740481C1C}">
+                <a14:useLocalDpi xmlns:a14="http://schemas.microsoft.com/office/drawing/2010/main" val="0"/>
+              </a:ext>
+            </a:extLst>
+          </a:blip>
+          <a:stretch>
+            <a:fillRect/>
+          </a:stretch>
+        </p:blipFill>
+        <p:spPr>
+          <a:xfrm>
+            <a:off x="1371403" y="2573695"/>
+            <a:ext cx="4207669" cy="1910625"/>
+          </a:xfrm>
+          <a:prstGeom prst="rect">
+            <a:avLst/>
+          </a:prstGeom>
+        </p:spPr>
+      </p:pic>
+    </p:spTree>
+    <p:extLst>
+      <p:ext uri="{BB962C8B-B14F-4D97-AF65-F5344CB8AC3E}">
+        <p14:creationId xmlns:p14="http://schemas.microsoft.com/office/powerpoint/2010/main" val="3519962134"/>
+      </p:ext>
+    </p:extLst>
+  </p:cSld>
+  <p:clrMapOvr>
+    <a:masterClrMapping/>
+  </p:clrMapOvr>
+</p:sld>
+</file>
+
+<file path=ppt/slides/slide16.xml><?xml version="1.0" encoding="utf-8"?>
+<p:sld xmlns:a="http://schemas.openxmlformats.org/drawingml/2006/main" xmlns:r="http://schemas.openxmlformats.org/officeDocument/2006/relationships" xmlns:p="http://schemas.openxmlformats.org/presentationml/2006/main">
+  <p:cSld>
+    <p:bg>
+      <p:bgPr>
+        <a:solidFill>
+          <a:schemeClr val="bg2"/>
+        </a:solidFill>
+        <a:effectLst/>
+      </p:bgPr>
+    </p:bg>
+    <p:spTree>
+      <p:nvGrpSpPr>
+        <p:cNvPr id="1" name=""/>
+        <p:cNvGrpSpPr/>
+        <p:nvPr/>
+      </p:nvGrpSpPr>
+      <p:grpSpPr>
+        <a:xfrm>
+          <a:off x="0" y="0"/>
+          <a:ext cx="0" cy="0"/>
+          <a:chOff x="0" y="0"/>
+          <a:chExt cx="0" cy="0"/>
+        </a:xfrm>
+      </p:grpSpPr>
+      <p:sp>
+        <p:nvSpPr>
+          <p:cNvPr id="18" name="Rectangle 13">
+            <a:extLst>
+              <a:ext uri="{FF2B5EF4-FFF2-40B4-BE49-F238E27FC236}">
+                <a16:creationId xmlns:a16="http://schemas.microsoft.com/office/drawing/2014/main" id="{825E602A-53EB-4CB1-9633-3EC058740ACD}"/>
+              </a:ext>
+              <a:ext uri="{C183D7F6-B498-43B3-948B-1728B52AA6E4}">
+                <adec:decorative xmlns:adec="http://schemas.microsoft.com/office/drawing/2017/decorative" val="1"/>
+              </a:ext>
+            </a:extLst>
+          </p:cNvPr>
+          <p:cNvSpPr>
+            <a:spLocks noGrp="1" noRot="1" noChangeAspect="1" noMove="1" noResize="1" noEditPoints="1" noAdjustHandles="1" noChangeArrowheads="1" noChangeShapeType="1" noTextEdit="1"/>
+          </p:cNvSpPr>
+          <p:nvPr>
+            <p:extLst>
+              <p:ext uri="{386F3935-93C4-4BCD-93E2-E3B085C9AB24}">
+                <p16:designElem xmlns:p16="http://schemas.microsoft.com/office/powerpoint/2015/main" val="1"/>
+              </p:ext>
+            </p:extLst>
+          </p:nvPr>
+        </p:nvSpPr>
+        <p:spPr>
+          <a:xfrm>
+            <a:off x="0" y="0"/>
+            <a:ext cx="12192000" cy="6858000"/>
+          </a:xfrm>
+          <a:prstGeom prst="rect">
+            <a:avLst/>
+          </a:prstGeom>
+          <a:solidFill>
+            <a:schemeClr val="bg2"/>
+          </a:solidFill>
+          <a:ln>
+            <a:noFill/>
+          </a:ln>
+        </p:spPr>
+        <p:style>
+          <a:lnRef idx="2">
+            <a:schemeClr val="accent1">
+              <a:shade val="50000"/>
+            </a:schemeClr>
+          </a:lnRef>
+          <a:fillRef idx="1">
+            <a:schemeClr val="accent1"/>
+          </a:fillRef>
+          <a:effectRef idx="0">
+            <a:schemeClr val="accent1"/>
+          </a:effectRef>
+          <a:fontRef idx="minor">
+            <a:schemeClr val="lt1"/>
+          </a:fontRef>
+        </p:style>
+        <p:txBody>
+          <a:bodyPr rtlCol="0" anchor="ctr"/>
+          <a:lstStyle/>
+          <a:p>
+            <a:pPr algn="ctr"/>
+            <a:endParaRPr lang="en-US"/>
+          </a:p>
+        </p:txBody>
+      </p:sp>
+      <p:sp>
+        <p:nvSpPr>
+          <p:cNvPr id="2" name="Title 1"/>
+          <p:cNvSpPr>
+            <a:spLocks noGrp="1"/>
+          </p:cNvSpPr>
+          <p:nvPr>
+            <p:ph type="title"/>
+          </p:nvPr>
+        </p:nvSpPr>
+        <p:spPr>
+          <a:xfrm>
+            <a:off x="5100824" y="685800"/>
+            <a:ext cx="6176776" cy="1485900"/>
+          </a:xfrm>
+        </p:spPr>
+        <p:txBody>
+          <a:bodyPr>
+            <a:normAutofit/>
+          </a:bodyPr>
+          <a:lstStyle/>
+          <a:p>
+            <a:r>
+              <a:rPr lang="en-US" dirty="0"/>
+              <a:t>File Input</a:t>
+            </a:r>
+          </a:p>
+        </p:txBody>
+      </p:sp>
+      <p:pic>
+        <p:nvPicPr>
+          <p:cNvPr id="8" name="Picture 7"/>
+          <p:cNvPicPr>
+            <a:picLocks noChangeAspect="1"/>
+          </p:cNvPicPr>
+          <p:nvPr/>
+        </p:nvPicPr>
+        <p:blipFill>
+          <a:blip r:embed="rId2">
+            <a:extLst>
+              <a:ext uri="{28A0092B-C50C-407E-A947-70E740481C1C}">
+                <a14:useLocalDpi xmlns:a14="http://schemas.microsoft.com/office/drawing/2010/main" val="0"/>
+              </a:ext>
+            </a:extLst>
+          </a:blip>
+          <a:stretch>
+            <a:fillRect/>
+          </a:stretch>
+        </p:blipFill>
+        <p:spPr>
+          <a:xfrm>
+            <a:off x="321733" y="891340"/>
+            <a:ext cx="3730079" cy="2209354"/>
+          </a:xfrm>
+          <a:prstGeom prst="rect">
+            <a:avLst/>
+          </a:prstGeom>
+          <a:ln>
+            <a:noFill/>
+          </a:ln>
+          <a:effectLst/>
+        </p:spPr>
+      </p:pic>
+      <p:pic>
+        <p:nvPicPr>
+          <p:cNvPr id="7" name="Content Placeholder 3"/>
+          <p:cNvPicPr>
+            <a:picLocks noChangeAspect="1"/>
+          </p:cNvPicPr>
+          <p:nvPr/>
+        </p:nvPicPr>
+        <p:blipFill>
+          <a:blip r:embed="rId3">
+            <a:extLst>
+              <a:ext uri="{28A0092B-C50C-407E-A947-70E740481C1C}">
+                <a14:useLocalDpi xmlns:a14="http://schemas.microsoft.com/office/drawing/2010/main" val="0"/>
+              </a:ext>
+            </a:extLst>
+          </a:blip>
+          <a:stretch>
+            <a:fillRect/>
+          </a:stretch>
+        </p:blipFill>
+        <p:spPr>
+          <a:xfrm>
+            <a:off x="321733" y="3827470"/>
+            <a:ext cx="3730079" cy="2069028"/>
+          </a:xfrm>
+          <a:prstGeom prst="rect">
+            <a:avLst/>
+          </a:prstGeom>
+          <a:ln>
+            <a:noFill/>
+          </a:ln>
+          <a:effectLst/>
+        </p:spPr>
+      </p:pic>
+      <p:sp>
+        <p:nvSpPr>
+          <p:cNvPr id="19" name="Rectangle 15">
+            <a:extLst>
+              <a:ext uri="{FF2B5EF4-FFF2-40B4-BE49-F238E27FC236}">
+                <a16:creationId xmlns:a16="http://schemas.microsoft.com/office/drawing/2014/main" id="{E832F3F2-2294-4A8D-ABDC-234B853C7CF9}"/>
+              </a:ext>
+              <a:ext uri="{C183D7F6-B498-43B3-948B-1728B52AA6E4}">
+                <adec:decorative xmlns:adec="http://schemas.microsoft.com/office/drawing/2017/decorative" val="1"/>
+              </a:ext>
+            </a:extLst>
+          </p:cNvPr>
+          <p:cNvSpPr>
+            <a:spLocks noGrp="1" noRot="1" noChangeAspect="1" noMove="1" noResize="1" noEditPoints="1" noAdjustHandles="1" noChangeArrowheads="1" noChangeShapeType="1" noTextEdit="1"/>
+          </p:cNvSpPr>
+          <p:nvPr>
+            <p:extLst>
+              <p:ext uri="{386F3935-93C4-4BCD-93E2-E3B085C9AB24}">
+                <p16:designElem xmlns:p16="http://schemas.microsoft.com/office/powerpoint/2015/main" val="1"/>
+              </p:ext>
+            </p:extLst>
+          </p:nvPr>
+        </p:nvSpPr>
+        <p:spPr>
+          <a:xfrm>
+            <a:off x="4373545" y="376"/>
+            <a:ext cx="228600" cy="6858000"/>
+          </a:xfrm>
+          <a:prstGeom prst="rect">
+            <a:avLst/>
+          </a:prstGeom>
+          <a:solidFill>
+            <a:schemeClr val="tx2"/>
+          </a:solidFill>
+          <a:ln>
+            <a:noFill/>
+          </a:ln>
+        </p:spPr>
+        <p:style>
+          <a:lnRef idx="2">
+            <a:schemeClr val="accent1">
+              <a:shade val="50000"/>
+            </a:schemeClr>
+          </a:lnRef>
+          <a:fillRef idx="1">
+            <a:schemeClr val="accent1"/>
+          </a:fillRef>
+          <a:effectRef idx="0">
+            <a:schemeClr val="accent1"/>
+          </a:effectRef>
+          <a:fontRef idx="minor">
+            <a:schemeClr val="lt1"/>
+          </a:fontRef>
+        </p:style>
+      </p:sp>
+      <p:sp>
+        <p:nvSpPr>
+          <p:cNvPr id="9" name="Content Placeholder 8"/>
+          <p:cNvSpPr>
+            <a:spLocks noGrp="1"/>
+          </p:cNvSpPr>
+          <p:nvPr>
+            <p:ph idx="1"/>
+          </p:nvPr>
+        </p:nvSpPr>
+        <p:spPr>
+          <a:xfrm>
+            <a:off x="5100824" y="2286000"/>
+            <a:ext cx="6176776" cy="3581400"/>
+          </a:xfrm>
+        </p:spPr>
+        <p:txBody>
+          <a:bodyPr>
+            <a:normAutofit/>
+          </a:bodyPr>
+          <a:lstStyle/>
+          <a:p>
+            <a:r>
+              <a:rPr lang="en-US" dirty="0"/>
+              <a:t>You should make sure your code checks the format and end of the file</a:t>
+            </a:r>
+          </a:p>
+          <a:p>
+            <a:endParaRPr lang="en-US" dirty="0"/>
+          </a:p>
+          <a:p>
+            <a:pPr marL="0" indent="0">
+              <a:buNone/>
+            </a:pPr>
+            <a:endParaRPr lang="en-US" dirty="0"/>
+          </a:p>
+          <a:p>
+            <a:r>
+              <a:rPr lang="en-US" dirty="0"/>
+              <a:t>All input references:</a:t>
+            </a:r>
+          </a:p>
+          <a:p>
+            <a:pPr lvl="1"/>
+            <a:r>
+              <a:rPr lang="en-US" dirty="0">
+                <a:hlinkClick r:id="rId4"/>
+              </a:rPr>
+              <a:t>https://</a:t>
+            </a:r>
+            <a:r>
+              <a:rPr lang="en-US" dirty="0" err="1">
+                <a:hlinkClick r:id="rId4"/>
+              </a:rPr>
+              <a:t>shiny.rstudio.com</a:t>
+            </a:r>
+            <a:r>
+              <a:rPr lang="en-US" dirty="0">
+                <a:hlinkClick r:id="rId4"/>
+              </a:rPr>
+              <a:t>/tutorial/written-tutorial/lesson3/</a:t>
+            </a:r>
+            <a:endParaRPr lang="en-US" dirty="0"/>
+          </a:p>
+        </p:txBody>
+      </p:sp>
+    </p:spTree>
+    <p:extLst>
+      <p:ext uri="{BB962C8B-B14F-4D97-AF65-F5344CB8AC3E}">
+        <p14:creationId xmlns:p14="http://schemas.microsoft.com/office/powerpoint/2010/main" val="1481534197"/>
+      </p:ext>
+    </p:extLst>
+  </p:cSld>
+  <p:clrMapOvr>
+    <a:masterClrMapping/>
+  </p:clrMapOvr>
+</p:sld>
+</file>
+
+<file path=ppt/slides/slide17.xml><?xml version="1.0" encoding="utf-8"?>
+<p:sld xmlns:a="http://schemas.openxmlformats.org/drawingml/2006/main" xmlns:r="http://schemas.openxmlformats.org/officeDocument/2006/relationships" xmlns:p="http://schemas.openxmlformats.org/presentationml/2006/main">
+  <p:cSld>
+    <p:spTree>
+      <p:nvGrpSpPr>
+        <p:cNvPr id="1" name=""/>
+        <p:cNvGrpSpPr/>
+        <p:nvPr/>
+      </p:nvGrpSpPr>
+      <p:grpSpPr>
+        <a:xfrm>
+          <a:off x="0" y="0"/>
+          <a:ext cx="0" cy="0"/>
+          <a:chOff x="0" y="0"/>
+          <a:chExt cx="0" cy="0"/>
+        </a:xfrm>
+      </p:grpSpPr>
+      <p:pic>
+        <p:nvPicPr>
+          <p:cNvPr id="6" name="Picture 5">
+            <a:extLst>
+              <a:ext uri="{FF2B5EF4-FFF2-40B4-BE49-F238E27FC236}">
+                <a16:creationId xmlns:a16="http://schemas.microsoft.com/office/drawing/2014/main" id="{5D403427-E279-BF49-8554-CEA8947389F4}"/>
+              </a:ext>
+            </a:extLst>
+          </p:cNvPr>
+          <p:cNvPicPr>
+            <a:picLocks noChangeAspect="1"/>
+          </p:cNvPicPr>
+          <p:nvPr/>
+        </p:nvPicPr>
+        <p:blipFill>
+          <a:blip r:embed="rId2"/>
+          <a:stretch>
+            <a:fillRect/>
+          </a:stretch>
+        </p:blipFill>
+        <p:spPr>
+          <a:xfrm>
+            <a:off x="843099" y="4559643"/>
+            <a:ext cx="10695758" cy="1463379"/>
+          </a:xfrm>
+          <a:prstGeom prst="rect">
+            <a:avLst/>
+          </a:prstGeom>
+        </p:spPr>
+      </p:pic>
+      <p:sp>
+        <p:nvSpPr>
+          <p:cNvPr id="2" name="Title 1">
+            <a:extLst>
+              <a:ext uri="{FF2B5EF4-FFF2-40B4-BE49-F238E27FC236}">
+                <a16:creationId xmlns:a16="http://schemas.microsoft.com/office/drawing/2014/main" id="{70C53277-55DF-F441-B779-3505D143A17D}"/>
+              </a:ext>
+            </a:extLst>
+          </p:cNvPr>
+          <p:cNvSpPr>
+            <a:spLocks noGrp="1"/>
+          </p:cNvSpPr>
+          <p:nvPr>
+            <p:ph type="title"/>
+          </p:nvPr>
+        </p:nvSpPr>
+        <p:spPr>
+          <a:xfrm>
+            <a:off x="881744" y="631372"/>
+            <a:ext cx="3135086" cy="5606142"/>
+          </a:xfrm>
+        </p:spPr>
+        <p:txBody>
+          <a:bodyPr>
+            <a:normAutofit/>
+          </a:bodyPr>
+          <a:lstStyle/>
+          <a:p>
+            <a:r>
+              <a:rPr lang="en-US" dirty="0"/>
+              <a:t>How are inputs stored?</a:t>
+            </a:r>
+          </a:p>
+        </p:txBody>
+      </p:sp>
+      <p:sp>
+        <p:nvSpPr>
+          <p:cNvPr id="3" name="Content Placeholder 2">
+            <a:extLst>
+              <a:ext uri="{FF2B5EF4-FFF2-40B4-BE49-F238E27FC236}">
+                <a16:creationId xmlns:a16="http://schemas.microsoft.com/office/drawing/2014/main" id="{D7CB1B98-99BA-2D44-A80C-64DBF58E7BA1}"/>
+              </a:ext>
+            </a:extLst>
+          </p:cNvPr>
+          <p:cNvSpPr>
+            <a:spLocks noGrp="1"/>
+          </p:cNvSpPr>
+          <p:nvPr>
+            <p:ph idx="1"/>
+          </p:nvPr>
+        </p:nvSpPr>
+        <p:spPr>
+          <a:xfrm>
+            <a:off x="4741595" y="1388533"/>
+            <a:ext cx="6797262" cy="2987523"/>
+          </a:xfrm>
+        </p:spPr>
+        <p:txBody>
+          <a:bodyPr>
+            <a:normAutofit/>
+          </a:bodyPr>
+          <a:lstStyle/>
+          <a:p>
+            <a:r>
+              <a:rPr lang="en-US" dirty="0"/>
+              <a:t>Inputs are stored as a list of lists</a:t>
+            </a:r>
+          </a:p>
+          <a:p>
+            <a:r>
+              <a:rPr lang="en-US" dirty="0"/>
+              <a:t>For example:</a:t>
+            </a:r>
+          </a:p>
+          <a:p>
+            <a:pPr lvl="1"/>
+            <a:r>
+              <a:rPr lang="en-US" dirty="0"/>
+              <a:t>Below the input is called using: </a:t>
+            </a:r>
+            <a:r>
+              <a:rPr lang="en-US" dirty="0" err="1"/>
+              <a:t>input$char_select</a:t>
+            </a:r>
+            <a:endParaRPr lang="en-US" dirty="0"/>
+          </a:p>
+          <a:p>
+            <a:pPr lvl="1"/>
+            <a:r>
+              <a:rPr lang="en-US" dirty="0"/>
+              <a:t>Since multiple values can be selected, it has a length equal to the number of characters selected.</a:t>
+            </a:r>
+          </a:p>
+          <a:p>
+            <a:pPr lvl="2"/>
+            <a:r>
+              <a:rPr lang="en-US" dirty="0" err="1"/>
+              <a:t>input$char_select</a:t>
+            </a:r>
+            <a:r>
+              <a:rPr lang="en-US" dirty="0"/>
+              <a:t>[1] returns “Luke Skywalker”</a:t>
+            </a:r>
+          </a:p>
+          <a:p>
+            <a:pPr lvl="1"/>
+            <a:r>
+              <a:rPr lang="en-US" dirty="0"/>
+              <a:t>Therefore A date range or two sided slide bar input is always a length 2</a:t>
+            </a:r>
+          </a:p>
+        </p:txBody>
+      </p:sp>
+    </p:spTree>
+    <p:extLst>
+      <p:ext uri="{BB962C8B-B14F-4D97-AF65-F5344CB8AC3E}">
+        <p14:creationId xmlns:p14="http://schemas.microsoft.com/office/powerpoint/2010/main" val="2781022267"/>
+      </p:ext>
+    </p:extLst>
+  </p:cSld>
+  <p:clrMapOvr>
+    <a:masterClrMapping/>
+  </p:clrMapOvr>
+</p:sld>
+</file>
+
+<file path=ppt/slides/slide18.xml><?xml version="1.0" encoding="utf-8"?>
+<p:sld xmlns:a="http://schemas.openxmlformats.org/drawingml/2006/main" xmlns:r="http://schemas.openxmlformats.org/officeDocument/2006/relationships" xmlns:p="http://schemas.openxmlformats.org/presentationml/2006/main">
+  <p:cSld>
+    <p:bg>
+      <p:bgPr>
+        <a:solidFill>
+          <a:schemeClr val="bg2"/>
+        </a:solidFill>
+        <a:effectLst/>
+      </p:bgPr>
+    </p:bg>
+    <p:spTree>
+      <p:nvGrpSpPr>
+        <p:cNvPr id="1" name=""/>
+        <p:cNvGrpSpPr/>
+        <p:nvPr/>
+      </p:nvGrpSpPr>
+      <p:grpSpPr>
+        <a:xfrm>
+          <a:off x="0" y="0"/>
+          <a:ext cx="0" cy="0"/>
+          <a:chOff x="0" y="0"/>
+          <a:chExt cx="0" cy="0"/>
+        </a:xfrm>
+      </p:grpSpPr>
+      <p:sp useBgFill="1">
+        <p:nvSpPr>
+          <p:cNvPr id="14" name="Rectangle 9">
+            <a:extLst>
+              <a:ext uri="{FF2B5EF4-FFF2-40B4-BE49-F238E27FC236}">
+                <a16:creationId xmlns:a16="http://schemas.microsoft.com/office/drawing/2014/main" id="{843FBEE9-5F5A-4EFB-898C-5D1770B31C5D}"/>
+              </a:ext>
+              <a:ext uri="{C183D7F6-B498-43B3-948B-1728B52AA6E4}">
+                <adec:decorative xmlns:adec="http://schemas.microsoft.com/office/drawing/2017/decorative" val="1"/>
+              </a:ext>
+            </a:extLst>
+          </p:cNvPr>
+          <p:cNvSpPr>
+            <a:spLocks noGrp="1" noRot="1" noChangeAspect="1" noMove="1" noResize="1" noEditPoints="1" noAdjustHandles="1" noChangeArrowheads="1" noChangeShapeType="1" noTextEdit="1"/>
+          </p:cNvSpPr>
+          <p:nvPr>
+            <p:extLst>
+              <p:ext uri="{386F3935-93C4-4BCD-93E2-E3B085C9AB24}">
+                <p16:designElem xmlns:p16="http://schemas.microsoft.com/office/powerpoint/2015/main" val="1"/>
+              </p:ext>
+            </p:extLst>
+          </p:nvPr>
+        </p:nvSpPr>
+        <p:spPr>
+          <a:xfrm>
+            <a:off x="0" y="0"/>
+            <a:ext cx="12192000" cy="6858000"/>
+          </a:xfrm>
+          <a:prstGeom prst="rect">
+            <a:avLst/>
+          </a:prstGeom>
+          <a:ln>
+            <a:noFill/>
+          </a:ln>
+        </p:spPr>
+        <p:style>
+          <a:lnRef idx="2">
+            <a:schemeClr val="accent1">
+              <a:shade val="50000"/>
+            </a:schemeClr>
+          </a:lnRef>
+          <a:fillRef idx="1001">
+            <a:schemeClr val="lt2"/>
+          </a:fillRef>
+          <a:effectRef idx="0">
+            <a:schemeClr val="accent1"/>
+          </a:effectRef>
+          <a:fontRef idx="minor">
+            <a:schemeClr val="lt1"/>
+          </a:fontRef>
+        </p:style>
+        <p:txBody>
+          <a:bodyPr rtlCol="0" anchor="ctr"/>
+          <a:lstStyle/>
+          <a:p>
+            <a:pPr algn="ctr"/>
+            <a:endParaRPr lang="en-US"/>
+          </a:p>
+        </p:txBody>
+      </p:sp>
+      <p:sp>
+        <p:nvSpPr>
+          <p:cNvPr id="2" name="Title 1"/>
+          <p:cNvSpPr>
+            <a:spLocks noGrp="1"/>
+          </p:cNvSpPr>
+          <p:nvPr>
+            <p:ph type="title"/>
+          </p:nvPr>
+        </p:nvSpPr>
+        <p:spPr>
+          <a:xfrm>
+            <a:off x="643467" y="4728633"/>
+            <a:ext cx="10905066" cy="1485900"/>
+          </a:xfrm>
+          <a:noFill/>
+        </p:spPr>
+        <p:txBody>
+          <a:bodyPr>
+            <a:normAutofit/>
+          </a:bodyPr>
+          <a:lstStyle/>
+          <a:p>
+            <a:pPr algn="ctr"/>
+            <a:r>
+              <a:rPr lang="en-US"/>
+              <a:t>How do Input Widgets Work?</a:t>
+            </a:r>
+          </a:p>
+        </p:txBody>
+      </p:sp>
+      <p:graphicFrame>
+        <p:nvGraphicFramePr>
+          <p:cNvPr id="5" name="Content Placeholder 2"/>
+          <p:cNvGraphicFramePr>
+            <a:graphicFrameLocks noGrp="1"/>
+          </p:cNvGraphicFramePr>
+          <p:nvPr>
+            <p:ph idx="1"/>
+            <p:extLst>
+              <p:ext uri="{D42A27DB-BD31-4B8C-83A1-F6EECF244321}">
+                <p14:modId xmlns:p14="http://schemas.microsoft.com/office/powerpoint/2010/main" val="1319657329"/>
+              </p:ext>
+            </p:extLst>
+          </p:nvPr>
+        </p:nvGraphicFramePr>
+        <p:xfrm>
+          <a:off x="643467" y="643467"/>
+          <a:ext cx="10905066" cy="3581400"/>
+        </p:xfrm>
+        <a:graphic>
+          <a:graphicData uri="http://schemas.openxmlformats.org/drawingml/2006/diagram">
+            <dgm:relIds xmlns:dgm="http://schemas.openxmlformats.org/drawingml/2006/diagram" xmlns:r="http://schemas.openxmlformats.org/officeDocument/2006/relationships" r:dm="rId2" r:lo="rId3" r:qs="rId4" r:cs="rId5"/>
+          </a:graphicData>
+        </a:graphic>
+      </p:graphicFrame>
+    </p:spTree>
+    <p:extLst>
+      <p:ext uri="{BB962C8B-B14F-4D97-AF65-F5344CB8AC3E}">
+        <p14:creationId xmlns:p14="http://schemas.microsoft.com/office/powerpoint/2010/main" val="1843078485"/>
       </p:ext>
     </p:extLst>
   </p:cSld>
@@ -4233,7 +8789,7 @@
             <a:spLocks noGrp="1"/>
           </p:cNvSpPr>
           <p:nvPr>
-            <p:ph type="title"/>
+            <p:ph type="ctrTitle"/>
           </p:nvPr>
         </p:nvSpPr>
         <p:spPr/>
@@ -4242,8 +8798,12 @@
           <a:lstStyle/>
           <a:p>
             <a:r>
-              <a:rPr lang="en-US" dirty="0" smtClean="0"/>
-              <a:t>Updates</a:t>
+              <a:rPr lang="en-US" dirty="0"/>
+              <a:t>Input </a:t>
+            </a:r>
+            <a:r>
+              <a:rPr lang="en-US" dirty="0" err="1"/>
+              <a:t>WidgetS</a:t>
             </a:r>
             <a:endParaRPr lang="en-US" dirty="0"/>
           </a:p>
@@ -4251,12 +8811,12 @@
       </p:sp>
       <p:sp>
         <p:nvSpPr>
-          <p:cNvPr id="3" name="Text Placeholder 2"/>
+          <p:cNvPr id="4" name="Subtitle 3"/>
           <p:cNvSpPr>
             <a:spLocks noGrp="1"/>
           </p:cNvSpPr>
           <p:nvPr>
-            <p:ph type="body" idx="1"/>
+            <p:ph type="subTitle" idx="1"/>
           </p:nvPr>
         </p:nvSpPr>
         <p:spPr/>
@@ -4264,14 +8824,26 @@
           <a:bodyPr/>
           <a:lstStyle/>
           <a:p>
-            <a:endParaRPr lang="en-US"/>
+            <a:r>
+              <a:rPr lang="en-US" dirty="0">
+                <a:hlinkClick r:id="rId2"/>
+              </a:rPr>
+              <a:t>https://shiny.rstudio.com/gallery/widget-gallery.html</a:t>
+            </a:r>
+            <a:endParaRPr lang="en-US" dirty="0"/>
+          </a:p>
+          <a:p>
+            <a:r>
+              <a:rPr lang="en-US" dirty="0"/>
+              <a:t>Section 4</a:t>
+            </a:r>
           </a:p>
         </p:txBody>
       </p:sp>
     </p:spTree>
     <p:extLst>
       <p:ext uri="{BB962C8B-B14F-4D97-AF65-F5344CB8AC3E}">
-        <p14:creationId xmlns:p14="http://schemas.microsoft.com/office/powerpoint/2010/main" val="1518639136"/>
+        <p14:creationId xmlns:p14="http://schemas.microsoft.com/office/powerpoint/2010/main" val="4090733200"/>
       </p:ext>
     </p:extLst>
   </p:cSld>
@@ -4300,7 +8872,7 @@
       </p:grpSpPr>
       <p:sp>
         <p:nvSpPr>
-          <p:cNvPr id="4" name="Title 3"/>
+          <p:cNvPr id="2" name="Title 1"/>
           <p:cNvSpPr>
             <a:spLocks noGrp="1"/>
           </p:cNvSpPr>
@@ -4314,98 +8886,16 @@
           <a:lstStyle/>
           <a:p>
             <a:r>
-              <a:rPr lang="en-US" dirty="0" smtClean="0"/>
-              <a:t>Updates &amp; Observe Events</a:t>
-            </a:r>
-            <a:endParaRPr lang="en-US" dirty="0"/>
-          </a:p>
-        </p:txBody>
-      </p:sp>
-      <p:sp>
-        <p:nvSpPr>
-          <p:cNvPr id="5" name="Content Placeholder 4"/>
-          <p:cNvSpPr>
-            <a:spLocks noGrp="1"/>
-          </p:cNvSpPr>
-          <p:nvPr>
-            <p:ph idx="1"/>
-          </p:nvPr>
-        </p:nvSpPr>
-        <p:spPr/>
-        <p:txBody>
-          <a:bodyPr/>
-          <a:lstStyle/>
-          <a:p>
-            <a:r>
-              <a:rPr lang="en-US" dirty="0" smtClean="0"/>
-              <a:t>Any time you wish to update part of your UI you will need to include an event observer. </a:t>
-            </a:r>
-          </a:p>
-          <a:p>
-            <a:r>
-              <a:rPr lang="en-US" dirty="0" smtClean="0"/>
-              <a:t>Here you will be observing an input that your user can interact with</a:t>
-            </a:r>
-          </a:p>
-          <a:p>
-            <a:r>
-              <a:rPr lang="en-US" dirty="0" smtClean="0"/>
-              <a:t>Observers can be done in one of two ways. Event observers or generic observer function</a:t>
-            </a:r>
-          </a:p>
-          <a:p>
-            <a:pPr lvl="1"/>
-            <a:r>
-              <a:rPr lang="en-US" dirty="0" err="1" smtClean="0"/>
-              <a:t>observeEvent</a:t>
-            </a:r>
-            <a:r>
-              <a:rPr lang="en-US" dirty="0" smtClean="0"/>
-              <a:t>() when you are observing a particular input</a:t>
-            </a:r>
-          </a:p>
-          <a:p>
-            <a:pPr lvl="1"/>
-            <a:r>
-              <a:rPr lang="en-US" dirty="0" smtClean="0"/>
-              <a:t>observe() </a:t>
-            </a:r>
-            <a:r>
               <a:rPr lang="en-US" dirty="0"/>
-              <a:t>works </a:t>
-            </a:r>
-            <a:r>
-              <a:rPr lang="en-US" dirty="0" smtClean="0"/>
-              <a:t>if you want to observe multiple things, or non-input based </a:t>
-            </a:r>
-            <a:r>
-              <a:rPr lang="en-US" smtClean="0"/>
-              <a:t>object such as </a:t>
-            </a:r>
-            <a:r>
-              <a:rPr lang="en-US" dirty="0" smtClean="0"/>
-              <a:t>the </a:t>
-            </a:r>
-            <a:r>
-              <a:rPr lang="en-US" smtClean="0"/>
-              <a:t>output or content of </a:t>
-            </a:r>
-            <a:r>
-              <a:rPr lang="en-US" dirty="0" smtClean="0"/>
-              <a:t>a </a:t>
-            </a:r>
-            <a:r>
-              <a:rPr lang="en-US" smtClean="0"/>
-              <a:t>reactive function.</a:t>
-            </a:r>
-            <a:endParaRPr lang="en-US" dirty="0"/>
+              <a:t>Numeric Inputs</a:t>
+            </a:r>
           </a:p>
         </p:txBody>
       </p:sp>
     </p:spTree>
     <p:extLst>
       <p:ext uri="{BB962C8B-B14F-4D97-AF65-F5344CB8AC3E}">
-        <p14:creationId xmlns:p14="http://schemas.microsoft.com/office/powerpoint/2010/main" val="188239516"/>
+        <p14:creationId xmlns:p14="http://schemas.microsoft.com/office/powerpoint/2010/main" val="3145558333"/>
       </p:ext>
     </p:extLst>
   </p:cSld>
@@ -4418,6 +8908,14 @@
 <file path=ppt/slides/slide4.xml><?xml version="1.0" encoding="utf-8"?>
 <p:sld xmlns:a="http://schemas.openxmlformats.org/drawingml/2006/main" xmlns:r="http://schemas.openxmlformats.org/officeDocument/2006/relationships" xmlns:p="http://schemas.openxmlformats.org/presentationml/2006/main">
   <p:cSld>
+    <p:bg>
+      <p:bgPr>
+        <a:solidFill>
+          <a:schemeClr val="bg2"/>
+        </a:solidFill>
+        <a:effectLst/>
+      </p:bgPr>
+    </p:bg>
     <p:spTree>
       <p:nvGrpSpPr>
         <p:cNvPr id="1" name=""/>
@@ -4442,51 +8940,546 @@
             <p:ph type="title"/>
           </p:nvPr>
         </p:nvSpPr>
-        <p:spPr/>
+        <p:spPr>
+          <a:xfrm>
+            <a:off x="7860667" y="685800"/>
+            <a:ext cx="3656419" cy="1485900"/>
+          </a:xfrm>
+        </p:spPr>
         <p:txBody>
-          <a:bodyPr/>
+          <a:bodyPr>
+            <a:normAutofit/>
+          </a:bodyPr>
           <a:lstStyle/>
           <a:p>
             <a:r>
-              <a:rPr lang="en-US" dirty="0" smtClean="0"/>
-              <a:t>Event Observer Example</a:t>
-            </a:r>
-            <a:endParaRPr lang="en-US" dirty="0"/>
+              <a:rPr lang="en-US" dirty="0"/>
+              <a:t>Numeric Input</a:t>
+            </a:r>
           </a:p>
         </p:txBody>
       </p:sp>
       <p:sp>
         <p:nvSpPr>
-          <p:cNvPr id="3" name="Content Placeholder 2"/>
-          <p:cNvSpPr>
-            <a:spLocks noGrp="1"/>
-          </p:cNvSpPr>
-          <p:nvPr>
-            <p:ph sz="half" idx="1"/>
-          </p:nvPr>
-        </p:nvSpPr>
-        <p:spPr/>
-        <p:txBody>
-          <a:bodyPr/>
-          <a:lstStyle/>
-          <a:p>
-            <a:r>
-              <a:rPr lang="en-US" dirty="0" smtClean="0"/>
-              <a:t>Here we will look at how I use this in the Burgh’s Eye View </a:t>
-            </a:r>
-            <a:endParaRPr lang="en-US" dirty="0"/>
-          </a:p>
-        </p:txBody>
+          <p:cNvPr id="14" name="Rectangle 13">
+            <a:extLst>
+              <a:ext uri="{FF2B5EF4-FFF2-40B4-BE49-F238E27FC236}">
+                <a16:creationId xmlns:a16="http://schemas.microsoft.com/office/drawing/2014/main" id="{BEC9E7FA-3295-45ED-8253-D23F9E44E1DA}"/>
+              </a:ext>
+              <a:ext uri="{C183D7F6-B498-43B3-948B-1728B52AA6E4}">
+                <adec:decorative xmlns:adec="http://schemas.microsoft.com/office/drawing/2017/decorative" val="1"/>
+              </a:ext>
+            </a:extLst>
+          </p:cNvPr>
+          <p:cNvSpPr>
+            <a:spLocks noGrp="1" noRot="1" noChangeAspect="1" noMove="1" noResize="1" noEditPoints="1" noAdjustHandles="1" noChangeArrowheads="1" noChangeShapeType="1" noTextEdit="1"/>
+          </p:cNvSpPr>
+          <p:nvPr>
+            <p:extLst>
+              <p:ext uri="{386F3935-93C4-4BCD-93E2-E3B085C9AB24}">
+                <p16:designElem xmlns:p16="http://schemas.microsoft.com/office/powerpoint/2015/main" val="1"/>
+              </p:ext>
+            </p:extLst>
+          </p:nvPr>
+        </p:nvSpPr>
+        <p:spPr>
+          <a:xfrm>
+            <a:off x="478095" y="376"/>
+            <a:ext cx="228600" cy="6858000"/>
+          </a:xfrm>
+          <a:prstGeom prst="rect">
+            <a:avLst/>
+          </a:prstGeom>
+          <a:solidFill>
+            <a:schemeClr val="tx2"/>
+          </a:solidFill>
+          <a:ln>
+            <a:noFill/>
+          </a:ln>
+        </p:spPr>
+        <p:style>
+          <a:lnRef idx="2">
+            <a:schemeClr val="accent1">
+              <a:shade val="50000"/>
+            </a:schemeClr>
+          </a:lnRef>
+          <a:fillRef idx="1">
+            <a:schemeClr val="accent1"/>
+          </a:fillRef>
+          <a:effectRef idx="0">
+            <a:schemeClr val="accent1"/>
+          </a:effectRef>
+          <a:fontRef idx="minor">
+            <a:schemeClr val="lt1"/>
+          </a:fontRef>
+        </p:style>
       </p:sp>
       <p:pic>
         <p:nvPicPr>
-          <p:cNvPr id="5" name="Content Placeholder 4"/>
+          <p:cNvPr id="7" name="Content Placeholder 3"/>
           <p:cNvPicPr>
-            <a:picLocks noGrp="1" noChangeAspect="1"/>
+            <a:picLocks noChangeAspect="1"/>
           </p:cNvPicPr>
-          <p:nvPr>
-            <p:ph sz="half" idx="2"/>
-          </p:nvPr>
+          <p:nvPr/>
+        </p:nvPicPr>
+        <p:blipFill rotWithShape="1">
+          <a:blip r:embed="rId2">
+            <a:extLst>
+              <a:ext uri="{28A0092B-C50C-407E-A947-70E740481C1C}">
+                <a14:useLocalDpi xmlns:a14="http://schemas.microsoft.com/office/drawing/2010/main" val="0"/>
+              </a:ext>
+            </a:extLst>
+          </a:blip>
+          <a:srcRect t="9707" b="17993"/>
+          <a:stretch/>
+        </p:blipFill>
+        <p:spPr>
+          <a:xfrm>
+            <a:off x="1023561" y="1582701"/>
+            <a:ext cx="6517065" cy="3372557"/>
+          </a:xfrm>
+          <a:prstGeom prst="rect">
+            <a:avLst/>
+          </a:prstGeom>
+        </p:spPr>
+      </p:pic>
+      <p:sp>
+        <p:nvSpPr>
+          <p:cNvPr id="9" name="Content Placeholder 8"/>
+          <p:cNvSpPr>
+            <a:spLocks noGrp="1"/>
+          </p:cNvSpPr>
+          <p:nvPr>
+            <p:ph idx="1"/>
+          </p:nvPr>
+        </p:nvSpPr>
+        <p:spPr>
+          <a:xfrm>
+            <a:off x="7860667" y="2286000"/>
+            <a:ext cx="3656419" cy="3581400"/>
+          </a:xfrm>
+        </p:spPr>
+        <p:txBody>
+          <a:bodyPr>
+            <a:normAutofit/>
+          </a:bodyPr>
+          <a:lstStyle/>
+          <a:p>
+            <a:r>
+              <a:rPr lang="en-US" dirty="0"/>
+              <a:t>Goes up and down based off clicks</a:t>
+            </a:r>
+          </a:p>
+          <a:p>
+            <a:r>
+              <a:rPr lang="en-US" dirty="0"/>
+              <a:t>Stored as single numeric input</a:t>
+            </a:r>
+          </a:p>
+        </p:txBody>
+      </p:sp>
+    </p:spTree>
+    <p:extLst>
+      <p:ext uri="{BB962C8B-B14F-4D97-AF65-F5344CB8AC3E}">
+        <p14:creationId xmlns:p14="http://schemas.microsoft.com/office/powerpoint/2010/main" val="1435806285"/>
+      </p:ext>
+    </p:extLst>
+  </p:cSld>
+  <p:clrMapOvr>
+    <a:masterClrMapping/>
+  </p:clrMapOvr>
+</p:sld>
+</file>
+
+<file path=ppt/slides/slide5.xml><?xml version="1.0" encoding="utf-8"?>
+<p:sld xmlns:a="http://schemas.openxmlformats.org/drawingml/2006/main" xmlns:r="http://schemas.openxmlformats.org/officeDocument/2006/relationships" xmlns:p="http://schemas.openxmlformats.org/presentationml/2006/main">
+  <p:cSld>
+    <p:bg>
+      <p:bgPr>
+        <a:solidFill>
+          <a:schemeClr val="bg2"/>
+        </a:solidFill>
+        <a:effectLst/>
+      </p:bgPr>
+    </p:bg>
+    <p:spTree>
+      <p:nvGrpSpPr>
+        <p:cNvPr id="1" name=""/>
+        <p:cNvGrpSpPr/>
+        <p:nvPr/>
+      </p:nvGrpSpPr>
+      <p:grpSpPr>
+        <a:xfrm>
+          <a:off x="0" y="0"/>
+          <a:ext cx="0" cy="0"/>
+          <a:chOff x="0" y="0"/>
+          <a:chExt cx="0" cy="0"/>
+        </a:xfrm>
+      </p:grpSpPr>
+      <p:sp>
+        <p:nvSpPr>
+          <p:cNvPr id="2" name="Title 1"/>
+          <p:cNvSpPr>
+            <a:spLocks noGrp="1"/>
+          </p:cNvSpPr>
+          <p:nvPr>
+            <p:ph type="title"/>
+          </p:nvPr>
+        </p:nvSpPr>
+        <p:spPr>
+          <a:xfrm>
+            <a:off x="7860667" y="685800"/>
+            <a:ext cx="3656419" cy="1485900"/>
+          </a:xfrm>
+        </p:spPr>
+        <p:txBody>
+          <a:bodyPr>
+            <a:normAutofit/>
+          </a:bodyPr>
+          <a:lstStyle/>
+          <a:p>
+            <a:r>
+              <a:rPr lang="en-US" dirty="0"/>
+              <a:t>Action Button</a:t>
+            </a:r>
+          </a:p>
+        </p:txBody>
+      </p:sp>
+      <p:sp>
+        <p:nvSpPr>
+          <p:cNvPr id="16" name="Rectangle 13">
+            <a:extLst>
+              <a:ext uri="{FF2B5EF4-FFF2-40B4-BE49-F238E27FC236}">
+                <a16:creationId xmlns:a16="http://schemas.microsoft.com/office/drawing/2014/main" id="{BEC9E7FA-3295-45ED-8253-D23F9E44E1DA}"/>
+              </a:ext>
+              <a:ext uri="{C183D7F6-B498-43B3-948B-1728B52AA6E4}">
+                <adec:decorative xmlns:adec="http://schemas.microsoft.com/office/drawing/2017/decorative" val="1"/>
+              </a:ext>
+            </a:extLst>
+          </p:cNvPr>
+          <p:cNvSpPr>
+            <a:spLocks noGrp="1" noRot="1" noChangeAspect="1" noMove="1" noResize="1" noEditPoints="1" noAdjustHandles="1" noChangeArrowheads="1" noChangeShapeType="1" noTextEdit="1"/>
+          </p:cNvSpPr>
+          <p:nvPr>
+            <p:extLst>
+              <p:ext uri="{386F3935-93C4-4BCD-93E2-E3B085C9AB24}">
+                <p16:designElem xmlns:p16="http://schemas.microsoft.com/office/powerpoint/2015/main" val="1"/>
+              </p:ext>
+            </p:extLst>
+          </p:nvPr>
+        </p:nvSpPr>
+        <p:spPr>
+          <a:xfrm>
+            <a:off x="478095" y="376"/>
+            <a:ext cx="228600" cy="6858000"/>
+          </a:xfrm>
+          <a:prstGeom prst="rect">
+            <a:avLst/>
+          </a:prstGeom>
+          <a:solidFill>
+            <a:schemeClr val="tx2"/>
+          </a:solidFill>
+          <a:ln>
+            <a:noFill/>
+          </a:ln>
+        </p:spPr>
+        <p:style>
+          <a:lnRef idx="2">
+            <a:schemeClr val="accent1">
+              <a:shade val="50000"/>
+            </a:schemeClr>
+          </a:lnRef>
+          <a:fillRef idx="1">
+            <a:schemeClr val="accent1"/>
+          </a:fillRef>
+          <a:effectRef idx="0">
+            <a:schemeClr val="accent1"/>
+          </a:effectRef>
+          <a:fontRef idx="minor">
+            <a:schemeClr val="lt1"/>
+          </a:fontRef>
+        </p:style>
+      </p:sp>
+      <p:pic>
+        <p:nvPicPr>
+          <p:cNvPr id="7" name="Content Placeholder 3"/>
+          <p:cNvPicPr>
+            <a:picLocks noChangeAspect="1"/>
+          </p:cNvPicPr>
+          <p:nvPr/>
+        </p:nvPicPr>
+        <p:blipFill rotWithShape="1">
+          <a:blip r:embed="rId2">
+            <a:extLst>
+              <a:ext uri="{28A0092B-C50C-407E-A947-70E740481C1C}">
+                <a14:useLocalDpi xmlns:a14="http://schemas.microsoft.com/office/drawing/2010/main" val="0"/>
+              </a:ext>
+            </a:extLst>
+          </a:blip>
+          <a:srcRect b="16377"/>
+          <a:stretch/>
+        </p:blipFill>
+        <p:spPr>
+          <a:xfrm>
+            <a:off x="1023561" y="1117022"/>
+            <a:ext cx="6517065" cy="4303915"/>
+          </a:xfrm>
+          <a:prstGeom prst="rect">
+            <a:avLst/>
+          </a:prstGeom>
+        </p:spPr>
+      </p:pic>
+      <p:sp>
+        <p:nvSpPr>
+          <p:cNvPr id="9" name="Content Placeholder 8"/>
+          <p:cNvSpPr>
+            <a:spLocks noGrp="1"/>
+          </p:cNvSpPr>
+          <p:nvPr>
+            <p:ph idx="1"/>
+          </p:nvPr>
+        </p:nvSpPr>
+        <p:spPr>
+          <a:xfrm>
+            <a:off x="7860667" y="2286000"/>
+            <a:ext cx="3656419" cy="3581400"/>
+          </a:xfrm>
+        </p:spPr>
+        <p:txBody>
+          <a:bodyPr>
+            <a:normAutofit/>
+          </a:bodyPr>
+          <a:lstStyle/>
+          <a:p>
+            <a:r>
+              <a:rPr lang="en-US" dirty="0"/>
+              <a:t>+1 each time it is clicked</a:t>
+            </a:r>
+          </a:p>
+          <a:p>
+            <a:r>
+              <a:rPr lang="en-US" dirty="0"/>
+              <a:t>Stored as single numeric input</a:t>
+            </a:r>
+          </a:p>
+        </p:txBody>
+      </p:sp>
+    </p:spTree>
+    <p:extLst>
+      <p:ext uri="{BB962C8B-B14F-4D97-AF65-F5344CB8AC3E}">
+        <p14:creationId xmlns:p14="http://schemas.microsoft.com/office/powerpoint/2010/main" val="988920668"/>
+      </p:ext>
+    </p:extLst>
+  </p:cSld>
+  <p:clrMapOvr>
+    <a:masterClrMapping/>
+  </p:clrMapOvr>
+</p:sld>
+</file>
+
+<file path=ppt/slides/slide6.xml><?xml version="1.0" encoding="utf-8"?>
+<p:sld xmlns:a="http://schemas.openxmlformats.org/drawingml/2006/main" xmlns:r="http://schemas.openxmlformats.org/officeDocument/2006/relationships" xmlns:p="http://schemas.openxmlformats.org/presentationml/2006/main">
+  <p:cSld>
+    <p:bg>
+      <p:bgPr>
+        <a:solidFill>
+          <a:schemeClr val="bg2"/>
+        </a:solidFill>
+        <a:effectLst/>
+      </p:bgPr>
+    </p:bg>
+    <p:spTree>
+      <p:nvGrpSpPr>
+        <p:cNvPr id="1" name=""/>
+        <p:cNvGrpSpPr/>
+        <p:nvPr/>
+      </p:nvGrpSpPr>
+      <p:grpSpPr>
+        <a:xfrm>
+          <a:off x="0" y="0"/>
+          <a:ext cx="0" cy="0"/>
+          <a:chOff x="0" y="0"/>
+          <a:chExt cx="0" cy="0"/>
+        </a:xfrm>
+      </p:grpSpPr>
+      <p:sp>
+        <p:nvSpPr>
+          <p:cNvPr id="18" name="Rectangle 13">
+            <a:extLst>
+              <a:ext uri="{FF2B5EF4-FFF2-40B4-BE49-F238E27FC236}">
+                <a16:creationId xmlns:a16="http://schemas.microsoft.com/office/drawing/2014/main" id="{6D7D7F0C-622D-4D84-A68D-C1AF54B6347B}"/>
+              </a:ext>
+              <a:ext uri="{C183D7F6-B498-43B3-948B-1728B52AA6E4}">
+                <adec:decorative xmlns:adec="http://schemas.microsoft.com/office/drawing/2017/decorative" val="1"/>
+              </a:ext>
+            </a:extLst>
+          </p:cNvPr>
+          <p:cNvSpPr>
+            <a:spLocks noGrp="1" noRot="1" noChangeAspect="1" noMove="1" noResize="1" noEditPoints="1" noAdjustHandles="1" noChangeArrowheads="1" noChangeShapeType="1" noTextEdit="1"/>
+          </p:cNvSpPr>
+          <p:nvPr>
+            <p:extLst>
+              <p:ext uri="{386F3935-93C4-4BCD-93E2-E3B085C9AB24}">
+                <p16:designElem xmlns:p16="http://schemas.microsoft.com/office/powerpoint/2015/main" val="1"/>
+              </p:ext>
+            </p:extLst>
+          </p:nvPr>
+        </p:nvSpPr>
+        <p:spPr>
+          <a:xfrm>
+            <a:off x="0" y="376"/>
+            <a:ext cx="5303520" cy="6857624"/>
+          </a:xfrm>
+          <a:prstGeom prst="rect">
+            <a:avLst/>
+          </a:prstGeom>
+          <a:solidFill>
+            <a:schemeClr val="accent1"/>
+          </a:solidFill>
+          <a:ln>
+            <a:noFill/>
+          </a:ln>
+        </p:spPr>
+        <p:style>
+          <a:lnRef idx="2">
+            <a:schemeClr val="accent1">
+              <a:shade val="50000"/>
+            </a:schemeClr>
+          </a:lnRef>
+          <a:fillRef idx="1">
+            <a:schemeClr val="accent1"/>
+          </a:fillRef>
+          <a:effectRef idx="0">
+            <a:schemeClr val="accent1"/>
+          </a:effectRef>
+          <a:fontRef idx="minor">
+            <a:schemeClr val="lt1"/>
+          </a:fontRef>
+        </p:style>
+      </p:sp>
+      <p:sp>
+        <p:nvSpPr>
+          <p:cNvPr id="2" name="Title 1"/>
+          <p:cNvSpPr>
+            <a:spLocks noGrp="1"/>
+          </p:cNvSpPr>
+          <p:nvPr>
+            <p:ph type="title"/>
+          </p:nvPr>
+        </p:nvSpPr>
+        <p:spPr>
+          <a:xfrm>
+            <a:off x="640081" y="631373"/>
+            <a:ext cx="4018839" cy="2035628"/>
+          </a:xfrm>
+        </p:spPr>
+        <p:txBody>
+          <a:bodyPr>
+            <a:normAutofit/>
+          </a:bodyPr>
+          <a:lstStyle/>
+          <a:p>
+            <a:r>
+              <a:rPr lang="en-US" dirty="0"/>
+              <a:t>Slider/Range</a:t>
+            </a:r>
+          </a:p>
+        </p:txBody>
+      </p:sp>
+      <p:sp>
+        <p:nvSpPr>
+          <p:cNvPr id="9" name="Content Placeholder 8"/>
+          <p:cNvSpPr>
+            <a:spLocks noGrp="1"/>
+          </p:cNvSpPr>
+          <p:nvPr>
+            <p:ph idx="1"/>
+          </p:nvPr>
+        </p:nvSpPr>
+        <p:spPr>
+          <a:xfrm>
+            <a:off x="640081" y="2764971"/>
+            <a:ext cx="4010296" cy="3472543"/>
+          </a:xfrm>
+        </p:spPr>
+        <p:txBody>
+          <a:bodyPr>
+            <a:normAutofit/>
+          </a:bodyPr>
+          <a:lstStyle/>
+          <a:p>
+            <a:r>
+              <a:rPr lang="en-US" sz="1500"/>
+              <a:t>Either a single integer or list of 2 called separately by input$“inputId”[1] and input$“inputId”[2]</a:t>
+            </a:r>
+          </a:p>
+          <a:p>
+            <a:endParaRPr lang="en-US" sz="1500"/>
+          </a:p>
+        </p:txBody>
+      </p:sp>
+      <p:sp>
+        <p:nvSpPr>
+          <p:cNvPr id="19" name="Rectangle 15">
+            <a:extLst>
+              <a:ext uri="{FF2B5EF4-FFF2-40B4-BE49-F238E27FC236}">
+                <a16:creationId xmlns:a16="http://schemas.microsoft.com/office/drawing/2014/main" id="{02A2E7B6-CE50-4B96-A981-2A0250732818}"/>
+              </a:ext>
+              <a:ext uri="{C183D7F6-B498-43B3-948B-1728B52AA6E4}">
+                <adec:decorative xmlns:adec="http://schemas.microsoft.com/office/drawing/2017/decorative" val="1"/>
+              </a:ext>
+            </a:extLst>
+          </p:cNvPr>
+          <p:cNvSpPr>
+            <a:spLocks noGrp="1" noRot="1" noChangeAspect="1" noMove="1" noResize="1" noEditPoints="1" noAdjustHandles="1" noChangeArrowheads="1" noChangeShapeType="1" noTextEdit="1"/>
+          </p:cNvSpPr>
+          <p:nvPr>
+            <p:extLst>
+              <p:ext uri="{386F3935-93C4-4BCD-93E2-E3B085C9AB24}">
+                <p16:designElem xmlns:p16="http://schemas.microsoft.com/office/powerpoint/2015/main" val="1"/>
+              </p:ext>
+            </p:extLst>
+          </p:nvPr>
+        </p:nvSpPr>
+        <p:spPr>
+          <a:xfrm>
+            <a:off x="5303520" y="376"/>
+            <a:ext cx="228600" cy="6858000"/>
+          </a:xfrm>
+          <a:prstGeom prst="rect">
+            <a:avLst/>
+          </a:prstGeom>
+          <a:solidFill>
+            <a:schemeClr val="tx2"/>
+          </a:solidFill>
+          <a:ln>
+            <a:noFill/>
+          </a:ln>
+        </p:spPr>
+        <p:style>
+          <a:lnRef idx="2">
+            <a:schemeClr val="accent1">
+              <a:shade val="50000"/>
+            </a:schemeClr>
+          </a:lnRef>
+          <a:fillRef idx="1">
+            <a:schemeClr val="accent1"/>
+          </a:fillRef>
+          <a:effectRef idx="0">
+            <a:schemeClr val="accent1"/>
+          </a:effectRef>
+          <a:fontRef idx="minor">
+            <a:schemeClr val="lt1"/>
+          </a:fontRef>
+        </p:style>
+      </p:sp>
+      <p:pic>
+        <p:nvPicPr>
+          <p:cNvPr id="7" name="Content Placeholder 3"/>
+          <p:cNvPicPr>
+            <a:picLocks noChangeAspect="1"/>
+          </p:cNvPicPr>
+          <p:nvPr/>
         </p:nvPicPr>
         <p:blipFill>
           <a:blip r:embed="rId2">
@@ -4502,116 +9495,21 @@
         </p:blipFill>
         <p:spPr>
           <a:xfrm>
-            <a:off x="1979075" y="3444657"/>
-            <a:ext cx="8805835" cy="2813435"/>
-          </a:xfrm>
-        </p:spPr>
-      </p:pic>
-    </p:spTree>
-    <p:extLst>
-      <p:ext uri="{BB962C8B-B14F-4D97-AF65-F5344CB8AC3E}">
-        <p14:creationId xmlns:p14="http://schemas.microsoft.com/office/powerpoint/2010/main" val="704936667"/>
-      </p:ext>
-    </p:extLst>
-  </p:cSld>
-  <p:clrMapOvr>
-    <a:masterClrMapping/>
-  </p:clrMapOvr>
-</p:sld>
-</file>
-
-<file path=ppt/slides/slide5.xml><?xml version="1.0" encoding="utf-8"?>
-<p:sld xmlns:a="http://schemas.openxmlformats.org/drawingml/2006/main" xmlns:r="http://schemas.openxmlformats.org/officeDocument/2006/relationships" xmlns:p="http://schemas.openxmlformats.org/presentationml/2006/main">
-  <p:cSld>
-    <p:spTree>
-      <p:nvGrpSpPr>
-        <p:cNvPr id="1" name=""/>
-        <p:cNvGrpSpPr/>
-        <p:nvPr/>
-      </p:nvGrpSpPr>
-      <p:grpSpPr>
-        <a:xfrm>
-          <a:off x="0" y="0"/>
-          <a:ext cx="0" cy="0"/>
-          <a:chOff x="0" y="0"/>
-          <a:chExt cx="0" cy="0"/>
-        </a:xfrm>
-      </p:grpSpPr>
-      <p:sp>
-        <p:nvSpPr>
-          <p:cNvPr id="2" name="Title 1"/>
-          <p:cNvSpPr>
-            <a:spLocks noGrp="1"/>
-          </p:cNvSpPr>
-          <p:nvPr>
-            <p:ph type="title"/>
-          </p:nvPr>
-        </p:nvSpPr>
-        <p:spPr/>
-        <p:txBody>
-          <a:bodyPr numCol="2"/>
-          <a:lstStyle/>
-          <a:p>
-            <a:r>
-              <a:rPr lang="en-US" dirty="0" smtClean="0"/>
-              <a:t>Before:</a:t>
-            </a:r>
-            <a:br>
-              <a:rPr lang="en-US" dirty="0" smtClean="0"/>
-            </a:br>
-            <a:r>
-              <a:rPr lang="en-US" dirty="0"/>
-              <a:t/>
-            </a:r>
-            <a:br>
-              <a:rPr lang="en-US" dirty="0"/>
-            </a:br>
-            <a:r>
-              <a:rPr lang="en-US" dirty="0" smtClean="0"/>
-              <a:t>After:</a:t>
-            </a:r>
-            <a:endParaRPr lang="en-US" dirty="0"/>
-          </a:p>
-        </p:txBody>
-      </p:sp>
-      <p:pic>
-        <p:nvPicPr>
-          <p:cNvPr id="5" name="Content Placeholder 4"/>
-          <p:cNvPicPr>
-            <a:picLocks noGrp="1" noChangeAspect="1"/>
-          </p:cNvPicPr>
-          <p:nvPr>
-            <p:ph sz="half" idx="1"/>
-          </p:nvPr>
-        </p:nvPicPr>
-        <p:blipFill>
-          <a:blip r:embed="rId2">
-            <a:extLst>
-              <a:ext uri="{28A0092B-C50C-407E-A947-70E740481C1C}">
-                <a14:useLocalDpi xmlns:a14="http://schemas.microsoft.com/office/drawing/2010/main" val="0"/>
-              </a:ext>
-            </a:extLst>
-          </a:blip>
-          <a:stretch>
-            <a:fillRect/>
-          </a:stretch>
-        </p:blipFill>
-        <p:spPr>
-          <a:xfrm>
-            <a:off x="1371600" y="2306251"/>
-            <a:ext cx="4448175" cy="3540898"/>
-          </a:xfrm>
+            <a:off x="6493417" y="639705"/>
+            <a:ext cx="4732606" cy="2713196"/>
+          </a:xfrm>
+          <a:prstGeom prst="rect">
+            <a:avLst/>
+          </a:prstGeom>
         </p:spPr>
       </p:pic>
       <p:pic>
         <p:nvPicPr>
-          <p:cNvPr id="6" name="Content Placeholder 5"/>
+          <p:cNvPr id="8" name="Picture 7"/>
           <p:cNvPicPr>
-            <a:picLocks noGrp="1" noChangeAspect="1"/>
+            <a:picLocks noChangeAspect="1"/>
           </p:cNvPicPr>
-          <p:nvPr>
-            <p:ph sz="half" idx="2"/>
-          </p:nvPr>
+          <p:nvPr/>
         </p:nvPicPr>
         <p:blipFill>
           <a:blip r:embed="rId3">
@@ -4627,87 +9525,18 @@
         </p:blipFill>
         <p:spPr>
           <a:xfrm>
-            <a:off x="6524625" y="2314923"/>
-            <a:ext cx="4448175" cy="3523554"/>
-          </a:xfrm>
+            <a:off x="6490362" y="3513767"/>
+            <a:ext cx="4738715" cy="2713196"/>
+          </a:xfrm>
+          <a:prstGeom prst="rect">
+            <a:avLst/>
+          </a:prstGeom>
         </p:spPr>
       </p:pic>
     </p:spTree>
     <p:extLst>
       <p:ext uri="{BB962C8B-B14F-4D97-AF65-F5344CB8AC3E}">
-        <p14:creationId xmlns:p14="http://schemas.microsoft.com/office/powerpoint/2010/main" val="790178118"/>
-      </p:ext>
-    </p:extLst>
-  </p:cSld>
-  <p:clrMapOvr>
-    <a:masterClrMapping/>
-  </p:clrMapOvr>
-</p:sld>
-</file>
-
-<file path=ppt/slides/slide6.xml><?xml version="1.0" encoding="utf-8"?>
-<p:sld xmlns:a="http://schemas.openxmlformats.org/drawingml/2006/main" xmlns:r="http://schemas.openxmlformats.org/officeDocument/2006/relationships" xmlns:p="http://schemas.openxmlformats.org/presentationml/2006/main">
-  <p:cSld>
-    <p:spTree>
-      <p:nvGrpSpPr>
-        <p:cNvPr id="1" name=""/>
-        <p:cNvGrpSpPr/>
-        <p:nvPr/>
-      </p:nvGrpSpPr>
-      <p:grpSpPr>
-        <a:xfrm>
-          <a:off x="0" y="0"/>
-          <a:ext cx="0" cy="0"/>
-          <a:chOff x="0" y="0"/>
-          <a:chExt cx="0" cy="0"/>
-        </a:xfrm>
-      </p:grpSpPr>
-      <p:sp>
-        <p:nvSpPr>
-          <p:cNvPr id="2" name="Title 1"/>
-          <p:cNvSpPr>
-            <a:spLocks noGrp="1"/>
-          </p:cNvSpPr>
-          <p:nvPr>
-            <p:ph type="title"/>
-          </p:nvPr>
-        </p:nvSpPr>
-        <p:spPr/>
-        <p:txBody>
-          <a:bodyPr/>
-          <a:lstStyle/>
-          <a:p>
-            <a:r>
-              <a:rPr lang="en-US" dirty="0" smtClean="0"/>
-              <a:t>Notifications</a:t>
-            </a:r>
-            <a:endParaRPr lang="en-US" dirty="0"/>
-          </a:p>
-        </p:txBody>
-      </p:sp>
-      <p:sp>
-        <p:nvSpPr>
-          <p:cNvPr id="3" name="Text Placeholder 2"/>
-          <p:cNvSpPr>
-            <a:spLocks noGrp="1"/>
-          </p:cNvSpPr>
-          <p:nvPr>
-            <p:ph type="body" idx="1"/>
-          </p:nvPr>
-        </p:nvSpPr>
-        <p:spPr/>
-        <p:txBody>
-          <a:bodyPr/>
-          <a:lstStyle/>
-          <a:p>
-            <a:endParaRPr lang="en-US"/>
-          </a:p>
-        </p:txBody>
-      </p:sp>
-    </p:spTree>
-    <p:extLst>
-      <p:ext uri="{BB962C8B-B14F-4D97-AF65-F5344CB8AC3E}">
-        <p14:creationId xmlns:p14="http://schemas.microsoft.com/office/powerpoint/2010/main" val="184229439"/>
+        <p14:creationId xmlns:p14="http://schemas.microsoft.com/office/powerpoint/2010/main" val="849599434"/>
       </p:ext>
     </p:extLst>
   </p:cSld>
@@ -4750,36 +9579,728 @@
           <a:lstStyle/>
           <a:p>
             <a:r>
-              <a:rPr lang="en-US" dirty="0" smtClean="0"/>
-              <a:t>Bookmarking</a:t>
-            </a:r>
-            <a:endParaRPr lang="en-US" dirty="0"/>
-          </a:p>
-        </p:txBody>
-      </p:sp>
-      <p:sp>
-        <p:nvSpPr>
-          <p:cNvPr id="3" name="Text Placeholder 2"/>
-          <p:cNvSpPr>
-            <a:spLocks noGrp="1"/>
-          </p:cNvSpPr>
-          <p:nvPr>
-            <p:ph type="body" idx="1"/>
-          </p:nvPr>
-        </p:nvSpPr>
-        <p:spPr/>
-        <p:txBody>
-          <a:bodyPr/>
-          <a:lstStyle/>
-          <a:p>
-            <a:endParaRPr lang="en-US"/>
+              <a:rPr lang="en-US" dirty="0"/>
+              <a:t>Text Inputs</a:t>
+            </a:r>
           </a:p>
         </p:txBody>
       </p:sp>
     </p:spTree>
     <p:extLst>
       <p:ext uri="{BB962C8B-B14F-4D97-AF65-F5344CB8AC3E}">
-        <p14:creationId xmlns:p14="http://schemas.microsoft.com/office/powerpoint/2010/main" val="1132841038"/>
+        <p14:creationId xmlns:p14="http://schemas.microsoft.com/office/powerpoint/2010/main" val="4058577444"/>
+      </p:ext>
+    </p:extLst>
+  </p:cSld>
+  <p:clrMapOvr>
+    <a:masterClrMapping/>
+  </p:clrMapOvr>
+</p:sld>
+</file>
+
+<file path=ppt/slides/slide8.xml><?xml version="1.0" encoding="utf-8"?>
+<p:sld xmlns:a="http://schemas.openxmlformats.org/drawingml/2006/main" xmlns:r="http://schemas.openxmlformats.org/officeDocument/2006/relationships" xmlns:p="http://schemas.openxmlformats.org/presentationml/2006/main">
+  <p:cSld>
+    <p:bg>
+      <p:bgPr>
+        <a:solidFill>
+          <a:schemeClr val="bg2"/>
+        </a:solidFill>
+        <a:effectLst/>
+      </p:bgPr>
+    </p:bg>
+    <p:spTree>
+      <p:nvGrpSpPr>
+        <p:cNvPr id="1" name=""/>
+        <p:cNvGrpSpPr/>
+        <p:nvPr/>
+      </p:nvGrpSpPr>
+      <p:grpSpPr>
+        <a:xfrm>
+          <a:off x="0" y="0"/>
+          <a:ext cx="0" cy="0"/>
+          <a:chOff x="0" y="0"/>
+          <a:chExt cx="0" cy="0"/>
+        </a:xfrm>
+      </p:grpSpPr>
+      <p:grpSp>
+        <p:nvGrpSpPr>
+          <p:cNvPr id="24" name="Group 13">
+            <a:extLst>
+              <a:ext uri="{FF2B5EF4-FFF2-40B4-BE49-F238E27FC236}">
+                <a16:creationId xmlns:a16="http://schemas.microsoft.com/office/drawing/2014/main" id="{449BC34D-9C23-4D6D-8213-1F471AF85B3F}"/>
+              </a:ext>
+              <a:ext uri="{C183D7F6-B498-43B3-948B-1728B52AA6E4}">
+                <adec:decorative xmlns:adec="http://schemas.microsoft.com/office/drawing/2017/decorative" val="1"/>
+              </a:ext>
+            </a:extLst>
+          </p:cNvPr>
+          <p:cNvGrpSpPr>
+            <a:grpSpLocks noGrp="1" noUngrp="1" noRot="1" noChangeAspect="1" noMove="1" noResize="1"/>
+          </p:cNvGrpSpPr>
+          <p:nvPr>
+            <p:extLst>
+              <p:ext uri="{386F3935-93C4-4BCD-93E2-E3B085C9AB24}">
+                <p16:designElem xmlns:p16="http://schemas.microsoft.com/office/powerpoint/2015/main" val="1"/>
+              </p:ext>
+            </p:extLst>
+          </p:nvPr>
+        </p:nvGrpSpPr>
+        <p:grpSpPr>
+          <a:xfrm>
+            <a:off x="752858" y="744469"/>
+            <a:ext cx="10674117" cy="5349671"/>
+            <a:chOff x="752858" y="744469"/>
+            <a:chExt cx="10674117" cy="5349671"/>
+          </a:xfrm>
+        </p:grpSpPr>
+        <p:sp>
+          <p:nvSpPr>
+            <p:cNvPr id="15" name="Freeform 6">
+              <a:extLst>
+                <a:ext uri="{FF2B5EF4-FFF2-40B4-BE49-F238E27FC236}">
+                  <a16:creationId xmlns:a16="http://schemas.microsoft.com/office/drawing/2014/main" id="{FA0F5D6C-5025-4D7E-82DD-C2C6FDA1E759}"/>
+                </a:ext>
+                <a:ext uri="{C183D7F6-B498-43B3-948B-1728B52AA6E4}">
+                  <adec:decorative xmlns:adec="http://schemas.microsoft.com/office/drawing/2017/decorative" val="1"/>
+                </a:ext>
+              </a:extLst>
+            </p:cNvPr>
+            <p:cNvSpPr/>
+            <p:nvPr>
+              <p:extLst>
+                <p:ext uri="{386F3935-93C4-4BCD-93E2-E3B085C9AB24}">
+                  <p16:designElem xmlns:p16="http://schemas.microsoft.com/office/powerpoint/2015/main" val="1"/>
+                </p:ext>
+              </p:extLst>
+            </p:nvPr>
+          </p:nvSpPr>
+          <p:spPr bwMode="auto">
+            <a:xfrm>
+              <a:off x="8151962" y="1685652"/>
+              <a:ext cx="3275013" cy="4408488"/>
+            </a:xfrm>
+            <a:custGeom>
+              <a:avLst/>
+              <a:gdLst/>
+              <a:ahLst/>
+              <a:cxnLst/>
+              <a:rect l="l" t="t" r="r" b="b"/>
+              <a:pathLst>
+                <a:path w="10000" h="10000">
+                  <a:moveTo>
+                    <a:pt x="8761" y="0"/>
+                  </a:moveTo>
+                  <a:lnTo>
+                    <a:pt x="10000" y="0"/>
+                  </a:lnTo>
+                  <a:lnTo>
+                    <a:pt x="10000" y="10000"/>
+                  </a:lnTo>
+                  <a:lnTo>
+                    <a:pt x="0" y="10000"/>
+                  </a:lnTo>
+                  <a:lnTo>
+                    <a:pt x="0" y="9126"/>
+                  </a:lnTo>
+                  <a:lnTo>
+                    <a:pt x="8761" y="9127"/>
+                  </a:lnTo>
+                  <a:lnTo>
+                    <a:pt x="8761" y="0"/>
+                  </a:lnTo>
+                  <a:close/>
+                </a:path>
+              </a:pathLst>
+            </a:custGeom>
+            <a:solidFill>
+              <a:schemeClr val="tx2"/>
+            </a:solidFill>
+            <a:ln w="0">
+              <a:noFill/>
+              <a:prstDash val="solid"/>
+              <a:round/>
+              <a:headEnd/>
+              <a:tailEnd/>
+            </a:ln>
+          </p:spPr>
+        </p:sp>
+        <p:sp>
+          <p:nvSpPr>
+            <p:cNvPr id="16" name="Freeform 6">
+              <a:extLst>
+                <a:ext uri="{FF2B5EF4-FFF2-40B4-BE49-F238E27FC236}">
+                  <a16:creationId xmlns:a16="http://schemas.microsoft.com/office/drawing/2014/main" id="{E2AF2C17-4AB4-4402-B84B-129EF95D161C}"/>
+                </a:ext>
+                <a:ext uri="{C183D7F6-B498-43B3-948B-1728B52AA6E4}">
+                  <adec:decorative xmlns:adec="http://schemas.microsoft.com/office/drawing/2017/decorative" val="1"/>
+                </a:ext>
+              </a:extLst>
+            </p:cNvPr>
+            <p:cNvSpPr/>
+            <p:nvPr>
+              <p:extLst>
+                <p:ext uri="{386F3935-93C4-4BCD-93E2-E3B085C9AB24}">
+                  <p16:designElem xmlns:p16="http://schemas.microsoft.com/office/powerpoint/2015/main" val="1"/>
+                </p:ext>
+              </p:extLst>
+            </p:nvPr>
+          </p:nvSpPr>
+          <p:spPr bwMode="auto">
+            <a:xfrm flipH="1" flipV="1">
+              <a:off x="752858" y="744469"/>
+              <a:ext cx="3275668" cy="4408488"/>
+            </a:xfrm>
+            <a:custGeom>
+              <a:avLst/>
+              <a:gdLst/>
+              <a:ahLst/>
+              <a:cxnLst/>
+              <a:rect l="l" t="t" r="r" b="b"/>
+              <a:pathLst>
+                <a:path w="10002" h="10000">
+                  <a:moveTo>
+                    <a:pt x="8763" y="0"/>
+                  </a:moveTo>
+                  <a:lnTo>
+                    <a:pt x="10002" y="0"/>
+                  </a:lnTo>
+                  <a:lnTo>
+                    <a:pt x="10002" y="10000"/>
+                  </a:lnTo>
+                  <a:lnTo>
+                    <a:pt x="2" y="10000"/>
+                  </a:lnTo>
+                  <a:cubicBezTo>
+                    <a:pt x="-2" y="9698"/>
+                    <a:pt x="4" y="9427"/>
+                    <a:pt x="0" y="9125"/>
+                  </a:cubicBezTo>
+                  <a:lnTo>
+                    <a:pt x="8763" y="9128"/>
+                  </a:lnTo>
+                  <a:lnTo>
+                    <a:pt x="8763" y="0"/>
+                  </a:lnTo>
+                  <a:close/>
+                </a:path>
+              </a:pathLst>
+            </a:custGeom>
+            <a:solidFill>
+              <a:schemeClr val="tx2"/>
+            </a:solidFill>
+            <a:ln w="0">
+              <a:noFill/>
+              <a:prstDash val="solid"/>
+              <a:round/>
+              <a:headEnd/>
+              <a:tailEnd/>
+            </a:ln>
+          </p:spPr>
+        </p:sp>
+      </p:grpSp>
+      <p:sp useBgFill="1">
+        <p:nvSpPr>
+          <p:cNvPr id="25" name="Rectangle 17">
+            <a:extLst>
+              <a:ext uri="{FF2B5EF4-FFF2-40B4-BE49-F238E27FC236}">
+                <a16:creationId xmlns:a16="http://schemas.microsoft.com/office/drawing/2014/main" id="{1F9A0C1C-8ABC-401B-8FE9-AC9327C4C587}"/>
+              </a:ext>
+              <a:ext uri="{C183D7F6-B498-43B3-948B-1728B52AA6E4}">
+                <adec:decorative xmlns:adec="http://schemas.microsoft.com/office/drawing/2017/decorative" val="1"/>
+              </a:ext>
+            </a:extLst>
+          </p:cNvPr>
+          <p:cNvSpPr>
+            <a:spLocks noGrp="1" noRot="1" noChangeAspect="1" noMove="1" noResize="1" noEditPoints="1" noAdjustHandles="1" noChangeArrowheads="1" noChangeShapeType="1" noTextEdit="1"/>
+          </p:cNvSpPr>
+          <p:nvPr>
+            <p:extLst>
+              <p:ext uri="{386F3935-93C4-4BCD-93E2-E3B085C9AB24}">
+                <p16:designElem xmlns:p16="http://schemas.microsoft.com/office/powerpoint/2015/main" val="1"/>
+              </p:ext>
+            </p:extLst>
+          </p:nvPr>
+        </p:nvSpPr>
+        <p:spPr>
+          <a:xfrm>
+            <a:off x="0" y="0"/>
+            <a:ext cx="12192000" cy="6858000"/>
+          </a:xfrm>
+          <a:prstGeom prst="rect">
+            <a:avLst/>
+          </a:prstGeom>
+          <a:ln>
+            <a:noFill/>
+          </a:ln>
+        </p:spPr>
+        <p:style>
+          <a:lnRef idx="2">
+            <a:schemeClr val="accent1">
+              <a:shade val="50000"/>
+            </a:schemeClr>
+          </a:lnRef>
+          <a:fillRef idx="1001">
+            <a:schemeClr val="lt2"/>
+          </a:fillRef>
+          <a:effectRef idx="0">
+            <a:schemeClr val="accent1"/>
+          </a:effectRef>
+          <a:fontRef idx="minor">
+            <a:schemeClr val="lt1"/>
+          </a:fontRef>
+        </p:style>
+        <p:txBody>
+          <a:bodyPr rtlCol="0" anchor="ctr"/>
+          <a:lstStyle/>
+          <a:p>
+            <a:pPr algn="ctr"/>
+            <a:endParaRPr lang="en-US"/>
+          </a:p>
+        </p:txBody>
+      </p:sp>
+      <p:sp>
+        <p:nvSpPr>
+          <p:cNvPr id="2" name="Title 1"/>
+          <p:cNvSpPr>
+            <a:spLocks noGrp="1"/>
+          </p:cNvSpPr>
+          <p:nvPr>
+            <p:ph type="title"/>
+          </p:nvPr>
+        </p:nvSpPr>
+        <p:spPr>
+          <a:xfrm>
+            <a:off x="8154186" y="634028"/>
+            <a:ext cx="3355942" cy="3732835"/>
+          </a:xfrm>
+        </p:spPr>
+        <p:txBody>
+          <a:bodyPr vert="horz" lIns="91440" tIns="45720" rIns="91440" bIns="45720" rtlCol="0" anchor="b">
+            <a:normAutofit/>
+          </a:bodyPr>
+          <a:lstStyle/>
+          <a:p>
+            <a:pPr algn="ctr"/>
+            <a:r>
+              <a:rPr lang="en-US" sz="6600" cap="all"/>
+              <a:t>Text Input</a:t>
+            </a:r>
+          </a:p>
+        </p:txBody>
+      </p:sp>
+      <p:sp>
+        <p:nvSpPr>
+          <p:cNvPr id="9" name="Content Placeholder 8"/>
+          <p:cNvSpPr>
+            <a:spLocks noGrp="1"/>
+          </p:cNvSpPr>
+          <p:nvPr>
+            <p:ph idx="1"/>
+          </p:nvPr>
+        </p:nvSpPr>
+        <p:spPr>
+          <a:xfrm>
+            <a:off x="8154186" y="4436462"/>
+            <a:ext cx="3355942" cy="1794656"/>
+          </a:xfrm>
+        </p:spPr>
+        <p:txBody>
+          <a:bodyPr vert="horz" lIns="91440" tIns="45720" rIns="91440" bIns="45720" rtlCol="0">
+            <a:normAutofit/>
+          </a:bodyPr>
+          <a:lstStyle/>
+          <a:p>
+            <a:pPr marL="0" indent="0" algn="ctr">
+              <a:lnSpc>
+                <a:spcPct val="112000"/>
+              </a:lnSpc>
+              <a:spcBef>
+                <a:spcPts val="0"/>
+              </a:spcBef>
+              <a:spcAft>
+                <a:spcPts val="600"/>
+              </a:spcAft>
+              <a:buNone/>
+            </a:pPr>
+            <a:r>
+              <a:rPr lang="en-US" sz="2300"/>
+              <a:t>Can be tied to action button or enter to initialize input.</a:t>
+            </a:r>
+          </a:p>
+        </p:txBody>
+      </p:sp>
+      <p:sp>
+        <p:nvSpPr>
+          <p:cNvPr id="26" name="Freeform 6">
+            <a:extLst>
+              <a:ext uri="{FF2B5EF4-FFF2-40B4-BE49-F238E27FC236}">
+                <a16:creationId xmlns:a16="http://schemas.microsoft.com/office/drawing/2014/main" id="{BA5783C3-2F96-40A7-A24F-30CB07AA3928}"/>
+              </a:ext>
+              <a:ext uri="{C183D7F6-B498-43B3-948B-1728B52AA6E4}">
+                <adec:decorative xmlns:adec="http://schemas.microsoft.com/office/drawing/2017/decorative" val="1"/>
+              </a:ext>
+            </a:extLst>
+          </p:cNvPr>
+          <p:cNvSpPr>
+            <a:spLocks noGrp="1" noRot="1" noChangeAspect="1" noMove="1" noResize="1" noEditPoints="1" noAdjustHandles="1" noChangeArrowheads="1" noChangeShapeType="1" noTextEdit="1"/>
+          </p:cNvSpPr>
+          <p:nvPr>
+            <p:extLst>
+              <p:ext uri="{386F3935-93C4-4BCD-93E2-E3B085C9AB24}">
+                <p16:designElem xmlns:p16="http://schemas.microsoft.com/office/powerpoint/2015/main" val="1"/>
+              </p:ext>
+            </p:extLst>
+          </p:nvPr>
+        </p:nvSpPr>
+        <p:spPr bwMode="auto">
+          <a:xfrm flipH="1" flipV="1">
+            <a:off x="649163" y="634028"/>
+            <a:ext cx="3275668" cy="4408488"/>
+          </a:xfrm>
+          <a:custGeom>
+            <a:avLst/>
+            <a:gdLst/>
+            <a:ahLst/>
+            <a:cxnLst/>
+            <a:rect l="l" t="t" r="r" b="b"/>
+            <a:pathLst>
+              <a:path w="10002" h="10000">
+                <a:moveTo>
+                  <a:pt x="8763" y="0"/>
+                </a:moveTo>
+                <a:lnTo>
+                  <a:pt x="10002" y="0"/>
+                </a:lnTo>
+                <a:lnTo>
+                  <a:pt x="10002" y="10000"/>
+                </a:lnTo>
+                <a:lnTo>
+                  <a:pt x="2" y="10000"/>
+                </a:lnTo>
+                <a:cubicBezTo>
+                  <a:pt x="-2" y="9698"/>
+                  <a:pt x="4" y="9427"/>
+                  <a:pt x="0" y="9125"/>
+                </a:cubicBezTo>
+                <a:lnTo>
+                  <a:pt x="8763" y="9128"/>
+                </a:lnTo>
+                <a:lnTo>
+                  <a:pt x="8763" y="0"/>
+                </a:lnTo>
+                <a:close/>
+              </a:path>
+            </a:pathLst>
+          </a:custGeom>
+          <a:solidFill>
+            <a:schemeClr val="tx2"/>
+          </a:solidFill>
+          <a:ln w="0">
+            <a:noFill/>
+            <a:prstDash val="solid"/>
+            <a:round/>
+            <a:headEnd/>
+            <a:tailEnd/>
+          </a:ln>
+        </p:spPr>
+      </p:sp>
+      <p:sp>
+        <p:nvSpPr>
+          <p:cNvPr id="27" name="Freeform 6">
+            <a:extLst>
+              <a:ext uri="{FF2B5EF4-FFF2-40B4-BE49-F238E27FC236}">
+                <a16:creationId xmlns:a16="http://schemas.microsoft.com/office/drawing/2014/main" id="{A9D08DBA-0326-4C4E-ACFB-576F3ABDD2D0}"/>
+              </a:ext>
+              <a:ext uri="{C183D7F6-B498-43B3-948B-1728B52AA6E4}">
+                <adec:decorative xmlns:adec="http://schemas.microsoft.com/office/drawing/2017/decorative" val="1"/>
+              </a:ext>
+            </a:extLst>
+          </p:cNvPr>
+          <p:cNvSpPr>
+            <a:spLocks noGrp="1" noRot="1" noChangeAspect="1" noMove="1" noResize="1" noEditPoints="1" noAdjustHandles="1" noChangeArrowheads="1" noChangeShapeType="1" noTextEdit="1"/>
+          </p:cNvSpPr>
+          <p:nvPr>
+            <p:extLst>
+              <p:ext uri="{386F3935-93C4-4BCD-93E2-E3B085C9AB24}">
+                <p16:designElem xmlns:p16="http://schemas.microsoft.com/office/powerpoint/2015/main" val="1"/>
+              </p:ext>
+            </p:extLst>
+          </p:nvPr>
+        </p:nvSpPr>
+        <p:spPr bwMode="auto">
+          <a:xfrm>
+            <a:off x="4494670" y="2016617"/>
+            <a:ext cx="3275013" cy="4408488"/>
+          </a:xfrm>
+          <a:custGeom>
+            <a:avLst/>
+            <a:gdLst/>
+            <a:ahLst/>
+            <a:cxnLst/>
+            <a:rect l="l" t="t" r="r" b="b"/>
+            <a:pathLst>
+              <a:path w="10000" h="10000">
+                <a:moveTo>
+                  <a:pt x="8761" y="0"/>
+                </a:moveTo>
+                <a:lnTo>
+                  <a:pt x="10000" y="0"/>
+                </a:lnTo>
+                <a:lnTo>
+                  <a:pt x="10000" y="10000"/>
+                </a:lnTo>
+                <a:lnTo>
+                  <a:pt x="0" y="10000"/>
+                </a:lnTo>
+                <a:lnTo>
+                  <a:pt x="0" y="9126"/>
+                </a:lnTo>
+                <a:lnTo>
+                  <a:pt x="8761" y="9127"/>
+                </a:lnTo>
+                <a:lnTo>
+                  <a:pt x="8761" y="0"/>
+                </a:lnTo>
+                <a:close/>
+              </a:path>
+            </a:pathLst>
+          </a:custGeom>
+          <a:solidFill>
+            <a:schemeClr val="tx2"/>
+          </a:solidFill>
+          <a:ln w="0">
+            <a:noFill/>
+            <a:prstDash val="solid"/>
+            <a:round/>
+            <a:headEnd/>
+            <a:tailEnd/>
+          </a:ln>
+        </p:spPr>
+      </p:sp>
+      <p:pic>
+        <p:nvPicPr>
+          <p:cNvPr id="7" name="Content Placeholder 3"/>
+          <p:cNvPicPr>
+            <a:picLocks noChangeAspect="1"/>
+          </p:cNvPicPr>
+          <p:nvPr/>
+        </p:nvPicPr>
+        <p:blipFill>
+          <a:blip r:embed="rId2">
+            <a:extLst>
+              <a:ext uri="{28A0092B-C50C-407E-A947-70E740481C1C}">
+                <a14:useLocalDpi xmlns:a14="http://schemas.microsoft.com/office/drawing/2010/main" val="0"/>
+              </a:ext>
+            </a:extLst>
+          </a:blip>
+          <a:stretch>
+            <a:fillRect/>
+          </a:stretch>
+        </p:blipFill>
+        <p:spPr>
+          <a:xfrm>
+            <a:off x="1379023" y="2041334"/>
+            <a:ext cx="5659222" cy="2974523"/>
+          </a:xfrm>
+          <a:prstGeom prst="rect">
+            <a:avLst/>
+          </a:prstGeom>
+        </p:spPr>
+      </p:pic>
+    </p:spTree>
+    <p:extLst>
+      <p:ext uri="{BB962C8B-B14F-4D97-AF65-F5344CB8AC3E}">
+        <p14:creationId xmlns:p14="http://schemas.microsoft.com/office/powerpoint/2010/main" val="1644834709"/>
+      </p:ext>
+    </p:extLst>
+  </p:cSld>
+  <p:clrMapOvr>
+    <a:masterClrMapping/>
+  </p:clrMapOvr>
+</p:sld>
+</file>
+
+<file path=ppt/slides/slide9.xml><?xml version="1.0" encoding="utf-8"?>
+<p:sld xmlns:a="http://schemas.openxmlformats.org/drawingml/2006/main" xmlns:r="http://schemas.openxmlformats.org/officeDocument/2006/relationships" xmlns:p="http://schemas.openxmlformats.org/presentationml/2006/main">
+  <p:cSld>
+    <p:bg>
+      <p:bgPr>
+        <a:solidFill>
+          <a:schemeClr val="bg2"/>
+        </a:solidFill>
+        <a:effectLst/>
+      </p:bgPr>
+    </p:bg>
+    <p:spTree>
+      <p:nvGrpSpPr>
+        <p:cNvPr id="1" name=""/>
+        <p:cNvGrpSpPr/>
+        <p:nvPr/>
+      </p:nvGrpSpPr>
+      <p:grpSpPr>
+        <a:xfrm>
+          <a:off x="0" y="0"/>
+          <a:ext cx="0" cy="0"/>
+          <a:chOff x="0" y="0"/>
+          <a:chExt cx="0" cy="0"/>
+        </a:xfrm>
+      </p:grpSpPr>
+      <p:sp>
+        <p:nvSpPr>
+          <p:cNvPr id="2" name="Title 1"/>
+          <p:cNvSpPr>
+            <a:spLocks noGrp="1"/>
+          </p:cNvSpPr>
+          <p:nvPr>
+            <p:ph type="title"/>
+          </p:nvPr>
+        </p:nvSpPr>
+        <p:spPr>
+          <a:xfrm>
+            <a:off x="7860667" y="685800"/>
+            <a:ext cx="3656419" cy="1485900"/>
+          </a:xfrm>
+        </p:spPr>
+        <p:txBody>
+          <a:bodyPr>
+            <a:normAutofit/>
+          </a:bodyPr>
+          <a:lstStyle/>
+          <a:p>
+            <a:r>
+              <a:rPr lang="en-US"/>
+              <a:t>Radio Buttons</a:t>
+            </a:r>
+            <a:endParaRPr lang="en-US" dirty="0"/>
+          </a:p>
+        </p:txBody>
+      </p:sp>
+      <p:sp>
+        <p:nvSpPr>
+          <p:cNvPr id="14" name="Rectangle 13">
+            <a:extLst>
+              <a:ext uri="{FF2B5EF4-FFF2-40B4-BE49-F238E27FC236}">
+                <a16:creationId xmlns:a16="http://schemas.microsoft.com/office/drawing/2014/main" id="{BEC9E7FA-3295-45ED-8253-D23F9E44E1DA}"/>
+              </a:ext>
+              <a:ext uri="{C183D7F6-B498-43B3-948B-1728B52AA6E4}">
+                <adec:decorative xmlns:adec="http://schemas.microsoft.com/office/drawing/2017/decorative" val="1"/>
+              </a:ext>
+            </a:extLst>
+          </p:cNvPr>
+          <p:cNvSpPr>
+            <a:spLocks noGrp="1" noRot="1" noChangeAspect="1" noMove="1" noResize="1" noEditPoints="1" noAdjustHandles="1" noChangeArrowheads="1" noChangeShapeType="1" noTextEdit="1"/>
+          </p:cNvSpPr>
+          <p:nvPr>
+            <p:extLst>
+              <p:ext uri="{386F3935-93C4-4BCD-93E2-E3B085C9AB24}">
+                <p16:designElem xmlns:p16="http://schemas.microsoft.com/office/powerpoint/2015/main" val="1"/>
+              </p:ext>
+            </p:extLst>
+          </p:nvPr>
+        </p:nvSpPr>
+        <p:spPr>
+          <a:xfrm>
+            <a:off x="478095" y="376"/>
+            <a:ext cx="228600" cy="6858000"/>
+          </a:xfrm>
+          <a:prstGeom prst="rect">
+            <a:avLst/>
+          </a:prstGeom>
+          <a:solidFill>
+            <a:schemeClr val="tx2"/>
+          </a:solidFill>
+          <a:ln>
+            <a:noFill/>
+          </a:ln>
+        </p:spPr>
+        <p:style>
+          <a:lnRef idx="2">
+            <a:schemeClr val="accent1">
+              <a:shade val="50000"/>
+            </a:schemeClr>
+          </a:lnRef>
+          <a:fillRef idx="1">
+            <a:schemeClr val="accent1"/>
+          </a:fillRef>
+          <a:effectRef idx="0">
+            <a:schemeClr val="accent1"/>
+          </a:effectRef>
+          <a:fontRef idx="minor">
+            <a:schemeClr val="lt1"/>
+          </a:fontRef>
+        </p:style>
+      </p:sp>
+      <p:pic>
+        <p:nvPicPr>
+          <p:cNvPr id="7" name="Content Placeholder 3"/>
+          <p:cNvPicPr>
+            <a:picLocks noChangeAspect="1"/>
+          </p:cNvPicPr>
+          <p:nvPr/>
+        </p:nvPicPr>
+        <p:blipFill>
+          <a:blip r:embed="rId2">
+            <a:extLst>
+              <a:ext uri="{28A0092B-C50C-407E-A947-70E740481C1C}">
+                <a14:useLocalDpi xmlns:a14="http://schemas.microsoft.com/office/drawing/2010/main" val="0"/>
+              </a:ext>
+            </a:extLst>
+          </a:blip>
+          <a:stretch>
+            <a:fillRect/>
+          </a:stretch>
+        </p:blipFill>
+        <p:spPr>
+          <a:xfrm>
+            <a:off x="1023561" y="1193047"/>
+            <a:ext cx="6517065" cy="4151863"/>
+          </a:xfrm>
+          <a:prstGeom prst="rect">
+            <a:avLst/>
+          </a:prstGeom>
+        </p:spPr>
+      </p:pic>
+      <p:sp>
+        <p:nvSpPr>
+          <p:cNvPr id="9" name="Content Placeholder 8"/>
+          <p:cNvSpPr>
+            <a:spLocks noGrp="1"/>
+          </p:cNvSpPr>
+          <p:nvPr>
+            <p:ph idx="1"/>
+          </p:nvPr>
+        </p:nvSpPr>
+        <p:spPr>
+          <a:xfrm>
+            <a:off x="7860667" y="2286000"/>
+            <a:ext cx="3656419" cy="3581400"/>
+          </a:xfrm>
+        </p:spPr>
+        <p:txBody>
+          <a:bodyPr>
+            <a:normAutofit/>
+          </a:bodyPr>
+          <a:lstStyle/>
+          <a:p>
+            <a:r>
+              <a:rPr lang="en-US"/>
+              <a:t>Only one option</a:t>
+            </a:r>
+          </a:p>
+          <a:p>
+            <a:r>
+              <a:rPr lang="en-US"/>
+              <a:t>Value can be dictated in your code, but will default to the value of the text in the choices field</a:t>
+            </a:r>
+            <a:endParaRPr lang="en-US" dirty="0"/>
+          </a:p>
+        </p:txBody>
+      </p:sp>
+    </p:spTree>
+    <p:extLst>
+      <p:ext uri="{BB962C8B-B14F-4D97-AF65-F5344CB8AC3E}">
+        <p14:creationId xmlns:p14="http://schemas.microsoft.com/office/powerpoint/2010/main" val="3123657217"/>
       </p:ext>
     </p:extLst>
   </p:cSld>

--- a/Class_4.pptx
+++ b/Class_4.pptx
@@ -5,27 +5,29 @@
     <p:sldMasterId id="2147483648" r:id="rId1"/>
   </p:sldMasterIdLst>
   <p:notesMasterIdLst>
-    <p:notesMasterId r:id="rId20"/>
+    <p:notesMasterId r:id="rId22"/>
   </p:notesMasterIdLst>
   <p:sldIdLst>
-    <p:sldId id="260" r:id="rId2"/>
-    <p:sldId id="292" r:id="rId3"/>
-    <p:sldId id="294" r:id="rId4"/>
-    <p:sldId id="295" r:id="rId5"/>
-    <p:sldId id="296" r:id="rId6"/>
-    <p:sldId id="297" r:id="rId7"/>
-    <p:sldId id="298" r:id="rId8"/>
-    <p:sldId id="299" r:id="rId9"/>
-    <p:sldId id="300" r:id="rId10"/>
-    <p:sldId id="301" r:id="rId11"/>
-    <p:sldId id="302" r:id="rId12"/>
-    <p:sldId id="303" r:id="rId13"/>
-    <p:sldId id="304" r:id="rId14"/>
-    <p:sldId id="305" r:id="rId15"/>
-    <p:sldId id="306" r:id="rId16"/>
-    <p:sldId id="307" r:id="rId17"/>
-    <p:sldId id="350" r:id="rId18"/>
-    <p:sldId id="293" r:id="rId19"/>
+    <p:sldId id="292" r:id="rId2"/>
+    <p:sldId id="294" r:id="rId3"/>
+    <p:sldId id="295" r:id="rId4"/>
+    <p:sldId id="296" r:id="rId5"/>
+    <p:sldId id="297" r:id="rId6"/>
+    <p:sldId id="298" r:id="rId7"/>
+    <p:sldId id="299" r:id="rId8"/>
+    <p:sldId id="300" r:id="rId9"/>
+    <p:sldId id="301" r:id="rId10"/>
+    <p:sldId id="302" r:id="rId11"/>
+    <p:sldId id="303" r:id="rId12"/>
+    <p:sldId id="304" r:id="rId13"/>
+    <p:sldId id="305" r:id="rId14"/>
+    <p:sldId id="306" r:id="rId15"/>
+    <p:sldId id="307" r:id="rId16"/>
+    <p:sldId id="350" r:id="rId17"/>
+    <p:sldId id="293" r:id="rId18"/>
+    <p:sldId id="308" r:id="rId19"/>
+    <p:sldId id="309" r:id="rId20"/>
+    <p:sldId id="310" r:id="rId21"/>
   </p:sldIdLst>
   <p:sldSz cx="12192000" cy="6858000"/>
   <p:notesSz cx="6858000" cy="9144000"/>
@@ -2742,7 +2744,7 @@
           <a:p>
             <a:fld id="{3F70B44A-D58A-1947-965D-B8F6A0A7BA33}" type="datetimeFigureOut">
               <a:rPr lang="en-US" smtClean="0"/>
-              <a:t>7/13/18</a:t>
+              <a:t>7/15/18</a:t>
             </a:fld>
             <a:endParaRPr lang="en-US"/>
           </a:p>
@@ -3179,7 +3181,7 @@
             <a:fld id="{87DE6118-2437-4B30-8E3C-4D2BE6020583}" type="datetimeFigureOut">
               <a:rPr lang="en-US" dirty="0"/>
               <a:pPr/>
-              <a:t>7/13/18</a:t>
+              <a:t>7/15/18</a:t>
             </a:fld>
             <a:endParaRPr lang="en-US" dirty="0"/>
           </a:p>
@@ -3505,7 +3507,7 @@
           <a:p>
             <a:fld id="{87DE6118-2437-4B30-8E3C-4D2BE6020583}" type="datetimeFigureOut">
               <a:rPr lang="en-US" dirty="0"/>
-              <a:t>7/13/18</a:t>
+              <a:t>7/15/18</a:t>
             </a:fld>
             <a:endParaRPr lang="en-US" dirty="0"/>
           </a:p>
@@ -3680,7 +3682,7 @@
           <a:p>
             <a:fld id="{87DE6118-2437-4B30-8E3C-4D2BE6020583}" type="datetimeFigureOut">
               <a:rPr lang="en-US" dirty="0"/>
-              <a:t>7/13/18</a:t>
+              <a:t>7/15/18</a:t>
             </a:fld>
             <a:endParaRPr lang="en-US" dirty="0"/>
           </a:p>
@@ -3845,7 +3847,7 @@
           <a:p>
             <a:fld id="{87DE6118-2437-4B30-8E3C-4D2BE6020583}" type="datetimeFigureOut">
               <a:rPr lang="en-US" dirty="0"/>
-              <a:t>7/13/18</a:t>
+              <a:t>7/15/18</a:t>
             </a:fld>
             <a:endParaRPr lang="en-US" dirty="0"/>
           </a:p>
@@ -4118,7 +4120,7 @@
             <a:fld id="{87DE6118-2437-4B30-8E3C-4D2BE6020583}" type="datetimeFigureOut">
               <a:rPr lang="en-US" dirty="0"/>
               <a:pPr/>
-              <a:t>7/13/18</a:t>
+              <a:t>7/15/18</a:t>
             </a:fld>
             <a:endParaRPr lang="en-US" dirty="0"/>
           </a:p>
@@ -4508,7 +4510,7 @@
           <a:p>
             <a:fld id="{87DE6118-2437-4B30-8E3C-4D2BE6020583}" type="datetimeFigureOut">
               <a:rPr lang="en-US" dirty="0"/>
-              <a:t>7/13/18</a:t>
+              <a:t>7/15/18</a:t>
             </a:fld>
             <a:endParaRPr lang="en-US" dirty="0"/>
           </a:p>
@@ -4980,7 +4982,7 @@
           <a:p>
             <a:fld id="{87DE6118-2437-4B30-8E3C-4D2BE6020583}" type="datetimeFigureOut">
               <a:rPr lang="en-US" dirty="0"/>
-              <a:t>7/13/18</a:t>
+              <a:t>7/15/18</a:t>
             </a:fld>
             <a:endParaRPr lang="en-US" dirty="0"/>
           </a:p>
@@ -5093,7 +5095,7 @@
           <a:p>
             <a:fld id="{87DE6118-2437-4B30-8E3C-4D2BE6020583}" type="datetimeFigureOut">
               <a:rPr lang="en-US" dirty="0"/>
-              <a:t>7/13/18</a:t>
+              <a:t>7/15/18</a:t>
             </a:fld>
             <a:endParaRPr lang="en-US" dirty="0"/>
           </a:p>
@@ -5183,7 +5185,7 @@
           <a:p>
             <a:fld id="{87DE6118-2437-4B30-8E3C-4D2BE6020583}" type="datetimeFigureOut">
               <a:rPr lang="en-US" dirty="0"/>
-              <a:t>7/13/18</a:t>
+              <a:t>7/15/18</a:t>
             </a:fld>
             <a:endParaRPr lang="en-US" dirty="0"/>
           </a:p>
@@ -5525,7 +5527,7 @@
             <a:fld id="{87DE6118-2437-4B30-8E3C-4D2BE6020583}" type="datetimeFigureOut">
               <a:rPr lang="en-US" dirty="0"/>
               <a:pPr/>
-              <a:t>7/13/18</a:t>
+              <a:t>7/15/18</a:t>
             </a:fld>
             <a:endParaRPr lang="en-US" dirty="0"/>
           </a:p>
@@ -5910,7 +5912,7 @@
             <a:fld id="{87DE6118-2437-4B30-8E3C-4D2BE6020583}" type="datetimeFigureOut">
               <a:rPr lang="en-US" dirty="0"/>
               <a:pPr/>
-              <a:t>7/13/18</a:t>
+              <a:t>7/15/18</a:t>
             </a:fld>
             <a:endParaRPr lang="en-US" dirty="0"/>
           </a:p>
@@ -6185,7 +6187,7 @@
             <a:fld id="{87DE6118-2437-4B30-8E3C-4D2BE6020583}" type="datetimeFigureOut">
               <a:rPr lang="en-US" dirty="0"/>
               <a:pPr/>
-              <a:t>7/13/18</a:t>
+              <a:t>7/15/18</a:t>
             </a:fld>
             <a:endParaRPr lang="en-US" dirty="0"/>
           </a:p>
@@ -6700,7 +6702,7 @@
             <a:spLocks noGrp="1"/>
           </p:cNvSpPr>
           <p:nvPr>
-            <p:ph type="title"/>
+            <p:ph type="ctrTitle"/>
           </p:nvPr>
         </p:nvSpPr>
         <p:spPr/>
@@ -6710,19 +6712,19 @@
           <a:p>
             <a:r>
               <a:rPr lang="en-US" dirty="0"/>
-              <a:t>Bookmarking</a:t>
+              <a:t>Input Widgets</a:t>
             </a:r>
           </a:p>
         </p:txBody>
       </p:sp>
       <p:sp>
         <p:nvSpPr>
-          <p:cNvPr id="3" name="Text Placeholder 2"/>
+          <p:cNvPr id="4" name="Subtitle 3"/>
           <p:cNvSpPr>
             <a:spLocks noGrp="1"/>
           </p:cNvSpPr>
           <p:nvPr>
-            <p:ph type="body" idx="1"/>
+            <p:ph type="subTitle" idx="1"/>
           </p:nvPr>
         </p:nvSpPr>
         <p:spPr/>
@@ -6730,14 +6732,26 @@
           <a:bodyPr/>
           <a:lstStyle/>
           <a:p>
-            <a:endParaRPr lang="en-US"/>
+            <a:r>
+              <a:rPr lang="en-US" dirty="0">
+                <a:hlinkClick r:id="rId2"/>
+              </a:rPr>
+              <a:t>https://shiny.rstudio.com/gallery/widget-gallery.html</a:t>
+            </a:r>
+            <a:endParaRPr lang="en-US" dirty="0"/>
+          </a:p>
+          <a:p>
+            <a:r>
+              <a:rPr lang="en-US" dirty="0"/>
+              <a:t>Section 4</a:t>
+            </a:r>
           </a:p>
         </p:txBody>
       </p:sp>
     </p:spTree>
     <p:extLst>
       <p:ext uri="{BB962C8B-B14F-4D97-AF65-F5344CB8AC3E}">
-        <p14:creationId xmlns:p14="http://schemas.microsoft.com/office/powerpoint/2010/main" val="1132841038"/>
+        <p14:creationId xmlns:p14="http://schemas.microsoft.com/office/powerpoint/2010/main" val="4090733200"/>
       </p:ext>
     </p:extLst>
   </p:cSld>
@@ -6784,8 +6798,8 @@
         </p:nvSpPr>
         <p:spPr>
           <a:xfrm>
-            <a:off x="1023562" y="685800"/>
-            <a:ext cx="10493524" cy="1485900"/>
+            <a:off x="7860667" y="685800"/>
+            <a:ext cx="3656419" cy="1485900"/>
           </a:xfrm>
         </p:spPr>
         <p:txBody>
@@ -6795,18 +6809,19 @@
           <a:lstStyle/>
           <a:p>
             <a:r>
-              <a:rPr lang="en-US" dirty="0"/>
-              <a:t>Select input</a:t>
-            </a:r>
+              <a:rPr lang="en-US"/>
+              <a:t>Checkbox Group</a:t>
+            </a:r>
+            <a:endParaRPr lang="en-US" dirty="0"/>
           </a:p>
         </p:txBody>
       </p:sp>
       <p:sp>
         <p:nvSpPr>
-          <p:cNvPr id="14" name="Rectangle 13">
+          <p:cNvPr id="16" name="Rectangle 13">
             <a:extLst>
               <a:ext uri="{FF2B5EF4-FFF2-40B4-BE49-F238E27FC236}">
-                <a16:creationId xmlns:a16="http://schemas.microsoft.com/office/drawing/2014/main" id="{B9F89C22-0475-4427-B7C8-0269AD40E3EC}"/>
+                <a16:creationId xmlns:a16="http://schemas.microsoft.com/office/drawing/2014/main" id="{BEC9E7FA-3295-45ED-8253-D23F9E44E1DA}"/>
               </a:ext>
               <a:ext uri="{C183D7F6-B498-43B3-948B-1728B52AA6E4}">
                 <adec:decorative xmlns:adec="http://schemas.microsoft.com/office/drawing/2017/decorative" val="1"/>
@@ -6856,47 +6871,6 @@
           </a:fontRef>
         </p:style>
       </p:sp>
-      <p:sp>
-        <p:nvSpPr>
-          <p:cNvPr id="9" name="Content Placeholder 8"/>
-          <p:cNvSpPr>
-            <a:spLocks noGrp="1"/>
-          </p:cNvSpPr>
-          <p:nvPr>
-            <p:ph idx="1"/>
-          </p:nvPr>
-        </p:nvSpPr>
-        <p:spPr>
-          <a:xfrm>
-            <a:off x="1023562" y="2286000"/>
-            <a:ext cx="5072437" cy="3581400"/>
-          </a:xfrm>
-        </p:spPr>
-        <p:txBody>
-          <a:bodyPr>
-            <a:normAutofit/>
-          </a:bodyPr>
-          <a:lstStyle/>
-          <a:p>
-            <a:r>
-              <a:rPr lang="en-US" sz="1800"/>
-              <a:t>Can be set to only one selected option or multiple</a:t>
-            </a:r>
-          </a:p>
-          <a:p>
-            <a:r>
-              <a:rPr lang="en-US" sz="1800"/>
-              <a:t>Value can be dictated in your code, but will default to the value of the text in the choices field</a:t>
-            </a:r>
-          </a:p>
-          <a:p>
-            <a:r>
-              <a:rPr lang="en-US" sz="1800"/>
-              <a:t>Stored either as a single object or as a list</a:t>
-            </a:r>
-          </a:p>
-        </p:txBody>
-      </p:sp>
       <p:pic>
         <p:nvPicPr>
           <p:cNvPr id="7" name="Content Placeholder 3"/>
@@ -6919,159 +6893,6 @@
         </p:blipFill>
         <p:spPr>
           <a:xfrm>
-            <a:off x="6411641" y="2805910"/>
-            <a:ext cx="5105445" cy="2631267"/>
-          </a:xfrm>
-          <a:prstGeom prst="rect">
-            <a:avLst/>
-          </a:prstGeom>
-        </p:spPr>
-      </p:pic>
-    </p:spTree>
-    <p:extLst>
-      <p:ext uri="{BB962C8B-B14F-4D97-AF65-F5344CB8AC3E}">
-        <p14:creationId xmlns:p14="http://schemas.microsoft.com/office/powerpoint/2010/main" val="986184212"/>
-      </p:ext>
-    </p:extLst>
-  </p:cSld>
-  <p:clrMapOvr>
-    <a:masterClrMapping/>
-  </p:clrMapOvr>
-</p:sld>
-</file>
-
-<file path=ppt/slides/slide11.xml><?xml version="1.0" encoding="utf-8"?>
-<p:sld xmlns:a="http://schemas.openxmlformats.org/drawingml/2006/main" xmlns:r="http://schemas.openxmlformats.org/officeDocument/2006/relationships" xmlns:p="http://schemas.openxmlformats.org/presentationml/2006/main">
-  <p:cSld>
-    <p:bg>
-      <p:bgPr>
-        <a:solidFill>
-          <a:schemeClr val="bg2"/>
-        </a:solidFill>
-        <a:effectLst/>
-      </p:bgPr>
-    </p:bg>
-    <p:spTree>
-      <p:nvGrpSpPr>
-        <p:cNvPr id="1" name=""/>
-        <p:cNvGrpSpPr/>
-        <p:nvPr/>
-      </p:nvGrpSpPr>
-      <p:grpSpPr>
-        <a:xfrm>
-          <a:off x="0" y="0"/>
-          <a:ext cx="0" cy="0"/>
-          <a:chOff x="0" y="0"/>
-          <a:chExt cx="0" cy="0"/>
-        </a:xfrm>
-      </p:grpSpPr>
-      <p:sp>
-        <p:nvSpPr>
-          <p:cNvPr id="2" name="Title 1"/>
-          <p:cNvSpPr>
-            <a:spLocks noGrp="1"/>
-          </p:cNvSpPr>
-          <p:nvPr>
-            <p:ph type="title"/>
-          </p:nvPr>
-        </p:nvSpPr>
-        <p:spPr>
-          <a:xfrm>
-            <a:off x="7860667" y="685800"/>
-            <a:ext cx="3656419" cy="1485900"/>
-          </a:xfrm>
-        </p:spPr>
-        <p:txBody>
-          <a:bodyPr>
-            <a:normAutofit/>
-          </a:bodyPr>
-          <a:lstStyle/>
-          <a:p>
-            <a:r>
-              <a:rPr lang="en-US"/>
-              <a:t>Checkbox Group</a:t>
-            </a:r>
-            <a:endParaRPr lang="en-US" dirty="0"/>
-          </a:p>
-        </p:txBody>
-      </p:sp>
-      <p:sp>
-        <p:nvSpPr>
-          <p:cNvPr id="16" name="Rectangle 13">
-            <a:extLst>
-              <a:ext uri="{FF2B5EF4-FFF2-40B4-BE49-F238E27FC236}">
-                <a16:creationId xmlns:a16="http://schemas.microsoft.com/office/drawing/2014/main" id="{BEC9E7FA-3295-45ED-8253-D23F9E44E1DA}"/>
-              </a:ext>
-              <a:ext uri="{C183D7F6-B498-43B3-948B-1728B52AA6E4}">
-                <adec:decorative xmlns:adec="http://schemas.microsoft.com/office/drawing/2017/decorative" val="1"/>
-              </a:ext>
-            </a:extLst>
-          </p:cNvPr>
-          <p:cNvSpPr>
-            <a:spLocks noGrp="1" noRot="1" noChangeAspect="1" noMove="1" noResize="1" noEditPoints="1" noAdjustHandles="1" noChangeArrowheads="1" noChangeShapeType="1" noTextEdit="1"/>
-          </p:cNvSpPr>
-          <p:nvPr>
-            <p:extLst>
-              <p:ext uri="{386F3935-93C4-4BCD-93E2-E3B085C9AB24}">
-                <p16:designElem xmlns:p16="http://schemas.microsoft.com/office/powerpoint/2015/main" val="1"/>
-              </p:ext>
-            </p:extLst>
-          </p:nvPr>
-        </p:nvSpPr>
-        <p:spPr>
-          <a:xfrm>
-            <a:off x="478095" y="376"/>
-            <a:ext cx="228600" cy="6858000"/>
-          </a:xfrm>
-          <a:prstGeom prst="rect">
-            <a:avLst/>
-          </a:prstGeom>
-          <a:solidFill>
-            <a:schemeClr val="tx2"/>
-          </a:solidFill>
-          <a:ln>
-            <a:noFill/>
-          </a:ln>
-        </p:spPr>
-        <p:style>
-          <a:lnRef idx="2">
-            <a:schemeClr val="accent1">
-              <a:shade val="50000"/>
-            </a:schemeClr>
-          </a:lnRef>
-          <a:fillRef idx="1">
-            <a:schemeClr val="accent1"/>
-          </a:fillRef>
-          <a:effectRef idx="0">
-            <a:schemeClr val="accent1"/>
-          </a:effectRef>
-          <a:fontRef idx="minor">
-            <a:schemeClr val="lt1"/>
-          </a:fontRef>
-        </p:style>
-      </p:sp>
-      <p:pic>
-        <p:nvPicPr>
-          <p:cNvPr id="7" name="Content Placeholder 3"/>
-          <p:cNvPicPr>
-            <a:picLocks noChangeAspect="1"/>
-          </p:cNvPicPr>
-          <p:nvPr/>
-        </p:nvPicPr>
-        <p:blipFill>
-          <a:blip r:embed="rId2">
-            <a:extLst>
-              <a:ext uri="{28A0092B-C50C-407E-A947-70E740481C1C}">
-                <a14:useLocalDpi xmlns:a14="http://schemas.microsoft.com/office/drawing/2010/main" val="0"/>
-              </a:ext>
-            </a:extLst>
-          </a:blip>
-          <a:stretch>
-            <a:fillRect/>
-          </a:stretch>
-        </p:blipFill>
-        <p:spPr>
-          <a:xfrm>
             <a:off x="1023561" y="1305505"/>
             <a:ext cx="6517065" cy="3926949"/>
           </a:xfrm>
@@ -7135,7 +6956,7 @@
 </p:sld>
 </file>
 
-<file path=ppt/slides/slide12.xml><?xml version="1.0" encoding="utf-8"?>
+<file path=ppt/slides/slide11.xml><?xml version="1.0" encoding="utf-8"?>
 <p:sld xmlns:a="http://schemas.openxmlformats.org/drawingml/2006/main" xmlns:r="http://schemas.openxmlformats.org/officeDocument/2006/relationships" xmlns:p="http://schemas.openxmlformats.org/presentationml/2006/main">
   <p:cSld>
     <p:spTree>
@@ -7187,7 +7008,7 @@
 </p:sld>
 </file>
 
-<file path=ppt/slides/slide13.xml><?xml version="1.0" encoding="utf-8"?>
+<file path=ppt/slides/slide12.xml><?xml version="1.0" encoding="utf-8"?>
 <p:sld xmlns:a="http://schemas.openxmlformats.org/drawingml/2006/main" xmlns:r="http://schemas.openxmlformats.org/officeDocument/2006/relationships" xmlns:p="http://schemas.openxmlformats.org/presentationml/2006/main">
   <p:cSld>
     <p:spTree>
@@ -7305,7 +7126,7 @@
 </p:sld>
 </file>
 
-<file path=ppt/slides/slide14.xml><?xml version="1.0" encoding="utf-8"?>
+<file path=ppt/slides/slide13.xml><?xml version="1.0" encoding="utf-8"?>
 <p:sld xmlns:a="http://schemas.openxmlformats.org/drawingml/2006/main" xmlns:r="http://schemas.openxmlformats.org/officeDocument/2006/relationships" xmlns:p="http://schemas.openxmlformats.org/presentationml/2006/main">
   <p:cSld>
     <p:bg>
@@ -7596,7 +7417,7 @@
 </p:sld>
 </file>
 
-<file path=ppt/slides/slide15.xml><?xml version="1.0" encoding="utf-8"?>
+<file path=ppt/slides/slide14.xml><?xml version="1.0" encoding="utf-8"?>
 <p:sld xmlns:a="http://schemas.openxmlformats.org/drawingml/2006/main" xmlns:r="http://schemas.openxmlformats.org/officeDocument/2006/relationships" xmlns:p="http://schemas.openxmlformats.org/presentationml/2006/main">
   <p:cSld>
     <p:bg>
@@ -8119,7 +7940,7 @@
 </p:sld>
 </file>
 
-<file path=ppt/slides/slide16.xml><?xml version="1.0" encoding="utf-8"?>
+<file path=ppt/slides/slide15.xml><?xml version="1.0" encoding="utf-8"?>
 <p:sld xmlns:a="http://schemas.openxmlformats.org/drawingml/2006/main" xmlns:r="http://schemas.openxmlformats.org/officeDocument/2006/relationships" xmlns:p="http://schemas.openxmlformats.org/presentationml/2006/main">
   <p:cSld>
     <p:bg>
@@ -8438,7 +8259,7 @@
 </p:sld>
 </file>
 
-<file path=ppt/slides/slide17.xml><?xml version="1.0" encoding="utf-8"?>
+<file path=ppt/slides/slide16.xml><?xml version="1.0" encoding="utf-8"?>
 <p:sld xmlns:a="http://schemas.openxmlformats.org/drawingml/2006/main" xmlns:r="http://schemas.openxmlformats.org/officeDocument/2006/relationships" xmlns:p="http://schemas.openxmlformats.org/presentationml/2006/main">
   <p:cSld>
     <p:spTree>
@@ -8611,7 +8432,7 @@
 </p:sld>
 </file>
 
-<file path=ppt/slides/slide18.xml><?xml version="1.0" encoding="utf-8"?>
+<file path=ppt/slides/slide17.xml><?xml version="1.0" encoding="utf-8"?>
 <p:sld xmlns:a="http://schemas.openxmlformats.org/drawingml/2006/main" xmlns:r="http://schemas.openxmlformats.org/officeDocument/2006/relationships" xmlns:p="http://schemas.openxmlformats.org/presentationml/2006/main">
   <p:cSld>
     <p:bg>
@@ -8765,6 +8586,224 @@
 </p:sld>
 </file>
 
+<file path=ppt/slides/slide18.xml><?xml version="1.0" encoding="utf-8"?>
+<p:sld xmlns:a="http://schemas.openxmlformats.org/drawingml/2006/main" xmlns:r="http://schemas.openxmlformats.org/officeDocument/2006/relationships" xmlns:p="http://schemas.openxmlformats.org/presentationml/2006/main">
+  <p:cSld>
+    <p:spTree>
+      <p:nvGrpSpPr>
+        <p:cNvPr id="1" name=""/>
+        <p:cNvGrpSpPr/>
+        <p:nvPr/>
+      </p:nvGrpSpPr>
+      <p:grpSpPr>
+        <a:xfrm>
+          <a:off x="0" y="0"/>
+          <a:ext cx="0" cy="0"/>
+          <a:chOff x="0" y="0"/>
+          <a:chExt cx="0" cy="0"/>
+        </a:xfrm>
+      </p:grpSpPr>
+      <p:sp>
+        <p:nvSpPr>
+          <p:cNvPr id="2" name="Title 1"/>
+          <p:cNvSpPr>
+            <a:spLocks noGrp="1"/>
+          </p:cNvSpPr>
+          <p:nvPr>
+            <p:ph type="title"/>
+          </p:nvPr>
+        </p:nvSpPr>
+        <p:spPr/>
+        <p:txBody>
+          <a:bodyPr/>
+          <a:lstStyle/>
+          <a:p>
+            <a:r>
+              <a:rPr lang="en-US" dirty="0"/>
+              <a:t>reactive</a:t>
+            </a:r>
+          </a:p>
+        </p:txBody>
+      </p:sp>
+      <p:pic>
+        <p:nvPicPr>
+          <p:cNvPr id="4" name="Picture 3"/>
+          <p:cNvPicPr>
+            <a:picLocks noChangeAspect="1"/>
+          </p:cNvPicPr>
+          <p:nvPr/>
+        </p:nvPicPr>
+        <p:blipFill>
+          <a:blip r:embed="rId2">
+            <a:clrChange>
+              <a:clrFrom>
+                <a:srgbClr val="FFFFFF">
+                  <a:alpha val="0"/>
+                </a:srgbClr>
+              </a:clrFrom>
+              <a:clrTo>
+                <a:srgbClr val="FFFFFF">
+                  <a:alpha val="0"/>
+                </a:srgbClr>
+              </a:clrTo>
+            </a:clrChange>
+          </a:blip>
+          <a:stretch>
+            <a:fillRect/>
+          </a:stretch>
+        </p:blipFill>
+        <p:spPr>
+          <a:xfrm>
+            <a:off x="1826161" y="1877093"/>
+            <a:ext cx="3251200" cy="3251200"/>
+          </a:xfrm>
+          <a:prstGeom prst="rect">
+            <a:avLst/>
+          </a:prstGeom>
+          <a:solidFill>
+            <a:schemeClr val="tx1"/>
+          </a:solidFill>
+        </p:spPr>
+      </p:pic>
+    </p:spTree>
+    <p:extLst>
+      <p:ext uri="{BB962C8B-B14F-4D97-AF65-F5344CB8AC3E}">
+        <p14:creationId xmlns:p14="http://schemas.microsoft.com/office/powerpoint/2010/main" val="1758737090"/>
+      </p:ext>
+    </p:extLst>
+  </p:cSld>
+  <p:clrMapOvr>
+    <a:masterClrMapping/>
+  </p:clrMapOvr>
+</p:sld>
+</file>
+
+<file path=ppt/slides/slide19.xml><?xml version="1.0" encoding="utf-8"?>
+<p:sld xmlns:a="http://schemas.openxmlformats.org/drawingml/2006/main" xmlns:r="http://schemas.openxmlformats.org/officeDocument/2006/relationships" xmlns:p="http://schemas.openxmlformats.org/presentationml/2006/main">
+  <p:cSld>
+    <p:spTree>
+      <p:nvGrpSpPr>
+        <p:cNvPr id="1" name=""/>
+        <p:cNvGrpSpPr/>
+        <p:nvPr/>
+      </p:nvGrpSpPr>
+      <p:grpSpPr>
+        <a:xfrm>
+          <a:off x="0" y="0"/>
+          <a:ext cx="0" cy="0"/>
+          <a:chOff x="0" y="0"/>
+          <a:chExt cx="0" cy="0"/>
+        </a:xfrm>
+      </p:grpSpPr>
+      <p:sp>
+        <p:nvSpPr>
+          <p:cNvPr id="2" name="Title 1"/>
+          <p:cNvSpPr>
+            <a:spLocks noGrp="1"/>
+          </p:cNvSpPr>
+          <p:nvPr>
+            <p:ph type="title"/>
+          </p:nvPr>
+        </p:nvSpPr>
+        <p:spPr/>
+        <p:txBody>
+          <a:bodyPr/>
+          <a:lstStyle/>
+          <a:p>
+            <a:r>
+              <a:rPr lang="en-US" dirty="0"/>
+              <a:t>Everything in R is a Function</a:t>
+            </a:r>
+          </a:p>
+        </p:txBody>
+      </p:sp>
+      <p:sp>
+        <p:nvSpPr>
+          <p:cNvPr id="3" name="Content Placeholder 2"/>
+          <p:cNvSpPr>
+            <a:spLocks noGrp="1"/>
+          </p:cNvSpPr>
+          <p:nvPr>
+            <p:ph idx="1"/>
+          </p:nvPr>
+        </p:nvSpPr>
+        <p:spPr>
+          <a:xfrm>
+            <a:off x="1371600" y="2286000"/>
+            <a:ext cx="9601200" cy="4186052"/>
+          </a:xfrm>
+        </p:spPr>
+        <p:txBody>
+          <a:bodyPr>
+            <a:normAutofit/>
+          </a:bodyPr>
+          <a:lstStyle/>
+          <a:p>
+            <a:r>
+              <a:rPr lang="en-US" dirty="0"/>
+              <a:t>Reactive Datasets are a functions you can call whenever you need a set of actions to occur based off of filters in your application</a:t>
+            </a:r>
+          </a:p>
+          <a:p>
+            <a:r>
+              <a:rPr lang="en-US" dirty="0"/>
+              <a:t>They should be used whenever you are using the same inputs/filters on the same data for multiple outputs/visuals.</a:t>
+            </a:r>
+          </a:p>
+          <a:p>
+            <a:r>
+              <a:rPr lang="en-US" dirty="0"/>
+              <a:t>You can call reactive functions within other reactive functions for simple</a:t>
+            </a:r>
+          </a:p>
+          <a:p>
+            <a:r>
+              <a:rPr lang="en-US" dirty="0"/>
+              <a:t>These go in the server function/files</a:t>
+            </a:r>
+          </a:p>
+          <a:p>
+            <a:r>
+              <a:rPr lang="en-US" dirty="0"/>
+              <a:t>They are called as any function but with no arguments</a:t>
+            </a:r>
+          </a:p>
+          <a:p>
+            <a:r>
+              <a:rPr lang="en-US" dirty="0"/>
+              <a:t>Caches results to speed up loading</a:t>
+            </a:r>
+          </a:p>
+          <a:p>
+            <a:r>
+              <a:rPr lang="en-US" dirty="0"/>
+              <a:t>Ensures your visuals are all showing the same information</a:t>
+            </a:r>
+          </a:p>
+          <a:p>
+            <a:r>
+              <a:rPr lang="en-US" dirty="0"/>
+              <a:t>Shorter more legible code</a:t>
+            </a:r>
+          </a:p>
+          <a:p>
+            <a:endParaRPr lang="en-US" dirty="0"/>
+          </a:p>
+        </p:txBody>
+      </p:sp>
+    </p:spTree>
+    <p:extLst>
+      <p:ext uri="{BB962C8B-B14F-4D97-AF65-F5344CB8AC3E}">
+        <p14:creationId xmlns:p14="http://schemas.microsoft.com/office/powerpoint/2010/main" val="693563108"/>
+      </p:ext>
+    </p:extLst>
+  </p:cSld>
+  <p:clrMapOvr>
+    <a:masterClrMapping/>
+  </p:clrMapOvr>
+</p:sld>
+</file>
+
 <file path=ppt/slides/slide2.xml><?xml version="1.0" encoding="utf-8"?>
 <p:sld xmlns:a="http://schemas.openxmlformats.org/drawingml/2006/main" xmlns:r="http://schemas.openxmlformats.org/officeDocument/2006/relationships" xmlns:p="http://schemas.openxmlformats.org/presentationml/2006/main">
   <p:cSld>
@@ -8789,7 +8828,7 @@
             <a:spLocks noGrp="1"/>
           </p:cNvSpPr>
           <p:nvPr>
-            <p:ph type="ctrTitle"/>
+            <p:ph type="title"/>
           </p:nvPr>
         </p:nvSpPr>
         <p:spPr/>
@@ -8799,43 +8838,7 @@
           <a:p>
             <a:r>
               <a:rPr lang="en-US" dirty="0"/>
-              <a:t>Input </a:t>
-            </a:r>
-            <a:r>
-              <a:rPr lang="en-US" dirty="0" err="1"/>
-              <a:t>WidgetS</a:t>
-            </a:r>
-            <a:endParaRPr lang="en-US" dirty="0"/>
-          </a:p>
-        </p:txBody>
-      </p:sp>
-      <p:sp>
-        <p:nvSpPr>
-          <p:cNvPr id="4" name="Subtitle 3"/>
-          <p:cNvSpPr>
-            <a:spLocks noGrp="1"/>
-          </p:cNvSpPr>
-          <p:nvPr>
-            <p:ph type="subTitle" idx="1"/>
-          </p:nvPr>
-        </p:nvSpPr>
-        <p:spPr/>
-        <p:txBody>
-          <a:bodyPr/>
-          <a:lstStyle/>
-          <a:p>
-            <a:r>
-              <a:rPr lang="en-US" dirty="0">
-                <a:hlinkClick r:id="rId2"/>
-              </a:rPr>
-              <a:t>https://shiny.rstudio.com/gallery/widget-gallery.html</a:t>
-            </a:r>
-            <a:endParaRPr lang="en-US" dirty="0"/>
-          </a:p>
-          <a:p>
-            <a:r>
-              <a:rPr lang="en-US" dirty="0"/>
-              <a:t>Section 4</a:t>
+              <a:t>Numeric Inputs</a:t>
             </a:r>
           </a:p>
         </p:txBody>
@@ -8843,7 +8846,7 @@
     </p:spTree>
     <p:extLst>
       <p:ext uri="{BB962C8B-B14F-4D97-AF65-F5344CB8AC3E}">
-        <p14:creationId xmlns:p14="http://schemas.microsoft.com/office/powerpoint/2010/main" val="4090733200"/>
+        <p14:creationId xmlns:p14="http://schemas.microsoft.com/office/powerpoint/2010/main" val="3145558333"/>
       </p:ext>
     </p:extLst>
   </p:cSld>
@@ -8853,7 +8856,7 @@
 </p:sld>
 </file>
 
-<file path=ppt/slides/slide3.xml><?xml version="1.0" encoding="utf-8"?>
+<file path=ppt/slides/slide20.xml><?xml version="1.0" encoding="utf-8"?>
 <p:sld xmlns:a="http://schemas.openxmlformats.org/drawingml/2006/main" xmlns:r="http://schemas.openxmlformats.org/officeDocument/2006/relationships" xmlns:p="http://schemas.openxmlformats.org/presentationml/2006/main">
   <p:cSld>
     <p:spTree>
@@ -8887,15 +8890,284 @@
           <a:p>
             <a:r>
               <a:rPr lang="en-US" dirty="0"/>
-              <a:t>Numeric Inputs</a:t>
+              <a:t>Reactive Example</a:t>
             </a:r>
           </a:p>
         </p:txBody>
       </p:sp>
+      <p:sp>
+        <p:nvSpPr>
+          <p:cNvPr id="3" name="Content Placeholder 2"/>
+          <p:cNvSpPr>
+            <a:spLocks noGrp="1"/>
+          </p:cNvSpPr>
+          <p:nvPr>
+            <p:ph sz="half" idx="1"/>
+          </p:nvPr>
+        </p:nvSpPr>
+        <p:spPr>
+          <a:xfrm>
+            <a:off x="1371600" y="2286000"/>
+            <a:ext cx="5181600" cy="2226624"/>
+          </a:xfrm>
+        </p:spPr>
+        <p:txBody>
+          <a:bodyPr/>
+          <a:lstStyle/>
+          <a:p>
+            <a:r>
+              <a:rPr lang="en-US" dirty="0"/>
+              <a:t>Using our Shiny Dashboard from last week we have a bunch of plots and info boxes using the same data and filters.</a:t>
+            </a:r>
+          </a:p>
+          <a:p>
+            <a:r>
+              <a:rPr lang="en-US" dirty="0"/>
+              <a:t>If we add reactive functions we can call the filtered data automatically in each output.</a:t>
+            </a:r>
+          </a:p>
+          <a:p>
+            <a:endParaRPr lang="en-US" dirty="0"/>
+          </a:p>
+        </p:txBody>
+      </p:sp>
+      <p:pic>
+        <p:nvPicPr>
+          <p:cNvPr id="5" name="Content Placeholder 4"/>
+          <p:cNvPicPr>
+            <a:picLocks noGrp="1" noChangeAspect="1"/>
+          </p:cNvPicPr>
+          <p:nvPr>
+            <p:ph sz="half" idx="2"/>
+          </p:nvPr>
+        </p:nvPicPr>
+        <p:blipFill>
+          <a:blip r:embed="rId2"/>
+          <a:stretch>
+            <a:fillRect/>
+          </a:stretch>
+        </p:blipFill>
+        <p:spPr>
+          <a:xfrm>
+            <a:off x="6727825" y="1977081"/>
+            <a:ext cx="5098194" cy="1141201"/>
+          </a:xfrm>
+        </p:spPr>
+      </p:pic>
+      <p:pic>
+        <p:nvPicPr>
+          <p:cNvPr id="6" name="Picture 5"/>
+          <p:cNvPicPr>
+            <a:picLocks noChangeAspect="1"/>
+          </p:cNvPicPr>
+          <p:nvPr/>
+        </p:nvPicPr>
+        <p:blipFill>
+          <a:blip r:embed="rId3"/>
+          <a:stretch>
+            <a:fillRect/>
+          </a:stretch>
+        </p:blipFill>
+        <p:spPr>
+          <a:xfrm>
+            <a:off x="1783034" y="4617212"/>
+            <a:ext cx="9889582" cy="1936710"/>
+          </a:xfrm>
+          <a:prstGeom prst="rect">
+            <a:avLst/>
+          </a:prstGeom>
+        </p:spPr>
+      </p:pic>
     </p:spTree>
     <p:extLst>
       <p:ext uri="{BB962C8B-B14F-4D97-AF65-F5344CB8AC3E}">
-        <p14:creationId xmlns:p14="http://schemas.microsoft.com/office/powerpoint/2010/main" val="3145558333"/>
+        <p14:creationId xmlns:p14="http://schemas.microsoft.com/office/powerpoint/2010/main" val="902660911"/>
+      </p:ext>
+    </p:extLst>
+  </p:cSld>
+  <p:clrMapOvr>
+    <a:masterClrMapping/>
+  </p:clrMapOvr>
+</p:sld>
+</file>
+
+<file path=ppt/slides/slide3.xml><?xml version="1.0" encoding="utf-8"?>
+<p:sld xmlns:a="http://schemas.openxmlformats.org/drawingml/2006/main" xmlns:r="http://schemas.openxmlformats.org/officeDocument/2006/relationships" xmlns:p="http://schemas.openxmlformats.org/presentationml/2006/main">
+  <p:cSld>
+    <p:bg>
+      <p:bgPr>
+        <a:solidFill>
+          <a:schemeClr val="bg2"/>
+        </a:solidFill>
+        <a:effectLst/>
+      </p:bgPr>
+    </p:bg>
+    <p:spTree>
+      <p:nvGrpSpPr>
+        <p:cNvPr id="1" name=""/>
+        <p:cNvGrpSpPr/>
+        <p:nvPr/>
+      </p:nvGrpSpPr>
+      <p:grpSpPr>
+        <a:xfrm>
+          <a:off x="0" y="0"/>
+          <a:ext cx="0" cy="0"/>
+          <a:chOff x="0" y="0"/>
+          <a:chExt cx="0" cy="0"/>
+        </a:xfrm>
+      </p:grpSpPr>
+      <p:sp>
+        <p:nvSpPr>
+          <p:cNvPr id="2" name="Title 1"/>
+          <p:cNvSpPr>
+            <a:spLocks noGrp="1"/>
+          </p:cNvSpPr>
+          <p:nvPr>
+            <p:ph type="title"/>
+          </p:nvPr>
+        </p:nvSpPr>
+        <p:spPr>
+          <a:xfrm>
+            <a:off x="7860667" y="685800"/>
+            <a:ext cx="3656419" cy="1485900"/>
+          </a:xfrm>
+        </p:spPr>
+        <p:txBody>
+          <a:bodyPr>
+            <a:normAutofit/>
+          </a:bodyPr>
+          <a:lstStyle/>
+          <a:p>
+            <a:r>
+              <a:rPr lang="en-US" dirty="0"/>
+              <a:t>Numeric Input</a:t>
+            </a:r>
+          </a:p>
+        </p:txBody>
+      </p:sp>
+      <p:sp>
+        <p:nvSpPr>
+          <p:cNvPr id="14" name="Rectangle 13">
+            <a:extLst>
+              <a:ext uri="{FF2B5EF4-FFF2-40B4-BE49-F238E27FC236}">
+                <a16:creationId xmlns:a16="http://schemas.microsoft.com/office/drawing/2014/main" id="{BEC9E7FA-3295-45ED-8253-D23F9E44E1DA}"/>
+              </a:ext>
+              <a:ext uri="{C183D7F6-B498-43B3-948B-1728B52AA6E4}">
+                <adec:decorative xmlns:adec="http://schemas.microsoft.com/office/drawing/2017/decorative" val="1"/>
+              </a:ext>
+            </a:extLst>
+          </p:cNvPr>
+          <p:cNvSpPr>
+            <a:spLocks noGrp="1" noRot="1" noChangeAspect="1" noMove="1" noResize="1" noEditPoints="1" noAdjustHandles="1" noChangeArrowheads="1" noChangeShapeType="1" noTextEdit="1"/>
+          </p:cNvSpPr>
+          <p:nvPr>
+            <p:extLst>
+              <p:ext uri="{386F3935-93C4-4BCD-93E2-E3B085C9AB24}">
+                <p16:designElem xmlns:p16="http://schemas.microsoft.com/office/powerpoint/2015/main" val="1"/>
+              </p:ext>
+            </p:extLst>
+          </p:nvPr>
+        </p:nvSpPr>
+        <p:spPr>
+          <a:xfrm>
+            <a:off x="478095" y="376"/>
+            <a:ext cx="228600" cy="6858000"/>
+          </a:xfrm>
+          <a:prstGeom prst="rect">
+            <a:avLst/>
+          </a:prstGeom>
+          <a:solidFill>
+            <a:schemeClr val="tx2"/>
+          </a:solidFill>
+          <a:ln>
+            <a:noFill/>
+          </a:ln>
+        </p:spPr>
+        <p:style>
+          <a:lnRef idx="2">
+            <a:schemeClr val="accent1">
+              <a:shade val="50000"/>
+            </a:schemeClr>
+          </a:lnRef>
+          <a:fillRef idx="1">
+            <a:schemeClr val="accent1"/>
+          </a:fillRef>
+          <a:effectRef idx="0">
+            <a:schemeClr val="accent1"/>
+          </a:effectRef>
+          <a:fontRef idx="minor">
+            <a:schemeClr val="lt1"/>
+          </a:fontRef>
+        </p:style>
+      </p:sp>
+      <p:pic>
+        <p:nvPicPr>
+          <p:cNvPr id="7" name="Content Placeholder 3"/>
+          <p:cNvPicPr>
+            <a:picLocks noChangeAspect="1"/>
+          </p:cNvPicPr>
+          <p:nvPr/>
+        </p:nvPicPr>
+        <p:blipFill rotWithShape="1">
+          <a:blip r:embed="rId2">
+            <a:extLst>
+              <a:ext uri="{28A0092B-C50C-407E-A947-70E740481C1C}">
+                <a14:useLocalDpi xmlns:a14="http://schemas.microsoft.com/office/drawing/2010/main" val="0"/>
+              </a:ext>
+            </a:extLst>
+          </a:blip>
+          <a:srcRect t="9707" b="17993"/>
+          <a:stretch/>
+        </p:blipFill>
+        <p:spPr>
+          <a:xfrm>
+            <a:off x="1023561" y="1582701"/>
+            <a:ext cx="6517065" cy="3372557"/>
+          </a:xfrm>
+          <a:prstGeom prst="rect">
+            <a:avLst/>
+          </a:prstGeom>
+        </p:spPr>
+      </p:pic>
+      <p:sp>
+        <p:nvSpPr>
+          <p:cNvPr id="9" name="Content Placeholder 8"/>
+          <p:cNvSpPr>
+            <a:spLocks noGrp="1"/>
+          </p:cNvSpPr>
+          <p:nvPr>
+            <p:ph idx="1"/>
+          </p:nvPr>
+        </p:nvSpPr>
+        <p:spPr>
+          <a:xfrm>
+            <a:off x="7860667" y="2286000"/>
+            <a:ext cx="3656419" cy="3581400"/>
+          </a:xfrm>
+        </p:spPr>
+        <p:txBody>
+          <a:bodyPr>
+            <a:normAutofit/>
+          </a:bodyPr>
+          <a:lstStyle/>
+          <a:p>
+            <a:r>
+              <a:rPr lang="en-US" dirty="0"/>
+              <a:t>Goes up and down based off clicks</a:t>
+            </a:r>
+          </a:p>
+          <a:p>
+            <a:r>
+              <a:rPr lang="en-US" dirty="0"/>
+              <a:t>Stored as single numeric input</a:t>
+            </a:r>
+          </a:p>
+        </p:txBody>
+      </p:sp>
+    </p:spTree>
+    <p:extLst>
+      <p:ext uri="{BB962C8B-B14F-4D97-AF65-F5344CB8AC3E}">
+        <p14:creationId xmlns:p14="http://schemas.microsoft.com/office/powerpoint/2010/main" val="1435806285"/>
       </p:ext>
     </p:extLst>
   </p:cSld>
@@ -8954,14 +9226,14 @@
           <a:p>
             <a:r>
               <a:rPr lang="en-US" dirty="0"/>
-              <a:t>Numeric Input</a:t>
+              <a:t>Action Button</a:t>
             </a:r>
           </a:p>
         </p:txBody>
       </p:sp>
       <p:sp>
         <p:nvSpPr>
-          <p:cNvPr id="14" name="Rectangle 13">
+          <p:cNvPr id="16" name="Rectangle 13">
             <a:extLst>
               <a:ext uri="{FF2B5EF4-FFF2-40B4-BE49-F238E27FC236}">
                 <a16:creationId xmlns:a16="http://schemas.microsoft.com/office/drawing/2014/main" id="{BEC9E7FA-3295-45ED-8253-D23F9E44E1DA}"/>
@@ -9030,13 +9302,13 @@
               </a:ext>
             </a:extLst>
           </a:blip>
-          <a:srcRect t="9707" b="17993"/>
+          <a:srcRect b="16377"/>
           <a:stretch/>
         </p:blipFill>
         <p:spPr>
           <a:xfrm>
-            <a:off x="1023561" y="1582701"/>
-            <a:ext cx="6517065" cy="3372557"/>
+            <a:off x="1023561" y="1117022"/>
+            <a:ext cx="6517065" cy="4303915"/>
           </a:xfrm>
           <a:prstGeom prst="rect">
             <a:avLst/>
@@ -9067,7 +9339,7 @@
           <a:p>
             <a:r>
               <a:rPr lang="en-US" dirty="0"/>
-              <a:t>Goes up and down based off clicks</a:t>
+              <a:t>+1 each time it is clicked</a:t>
             </a:r>
           </a:p>
           <a:p>
@@ -9081,7 +9353,7 @@
     </p:spTree>
     <p:extLst>
       <p:ext uri="{BB962C8B-B14F-4D97-AF65-F5344CB8AC3E}">
-        <p14:creationId xmlns:p14="http://schemas.microsoft.com/office/powerpoint/2010/main" val="1435806285"/>
+        <p14:creationId xmlns:p14="http://schemas.microsoft.com/office/powerpoint/2010/main" val="988920668"/>
       </p:ext>
     </p:extLst>
   </p:cSld>
@@ -9118,6 +9390,61 @@
       </p:grpSpPr>
       <p:sp>
         <p:nvSpPr>
+          <p:cNvPr id="18" name="Rectangle 13">
+            <a:extLst>
+              <a:ext uri="{FF2B5EF4-FFF2-40B4-BE49-F238E27FC236}">
+                <a16:creationId xmlns:a16="http://schemas.microsoft.com/office/drawing/2014/main" id="{6D7D7F0C-622D-4D84-A68D-C1AF54B6347B}"/>
+              </a:ext>
+              <a:ext uri="{C183D7F6-B498-43B3-948B-1728B52AA6E4}">
+                <adec:decorative xmlns:adec="http://schemas.microsoft.com/office/drawing/2017/decorative" val="1"/>
+              </a:ext>
+            </a:extLst>
+          </p:cNvPr>
+          <p:cNvSpPr>
+            <a:spLocks noGrp="1" noRot="1" noChangeAspect="1" noMove="1" noResize="1" noEditPoints="1" noAdjustHandles="1" noChangeArrowheads="1" noChangeShapeType="1" noTextEdit="1"/>
+          </p:cNvSpPr>
+          <p:nvPr>
+            <p:extLst>
+              <p:ext uri="{386F3935-93C4-4BCD-93E2-E3B085C9AB24}">
+                <p16:designElem xmlns:p16="http://schemas.microsoft.com/office/powerpoint/2015/main" val="1"/>
+              </p:ext>
+            </p:extLst>
+          </p:nvPr>
+        </p:nvSpPr>
+        <p:spPr>
+          <a:xfrm>
+            <a:off x="0" y="376"/>
+            <a:ext cx="5303520" cy="6857624"/>
+          </a:xfrm>
+          <a:prstGeom prst="rect">
+            <a:avLst/>
+          </a:prstGeom>
+          <a:solidFill>
+            <a:schemeClr val="accent1"/>
+          </a:solidFill>
+          <a:ln>
+            <a:noFill/>
+          </a:ln>
+        </p:spPr>
+        <p:style>
+          <a:lnRef idx="2">
+            <a:schemeClr val="accent1">
+              <a:shade val="50000"/>
+            </a:schemeClr>
+          </a:lnRef>
+          <a:fillRef idx="1">
+            <a:schemeClr val="accent1"/>
+          </a:fillRef>
+          <a:effectRef idx="0">
+            <a:schemeClr val="accent1"/>
+          </a:effectRef>
+          <a:fontRef idx="minor">
+            <a:schemeClr val="lt1"/>
+          </a:fontRef>
+        </p:style>
+      </p:sp>
+      <p:sp>
+        <p:nvSpPr>
           <p:cNvPr id="2" name="Title 1"/>
           <p:cNvSpPr>
             <a:spLocks noGrp="1"/>
@@ -9128,8 +9455,8 @@
         </p:nvSpPr>
         <p:spPr>
           <a:xfrm>
-            <a:off x="7860667" y="685800"/>
-            <a:ext cx="3656419" cy="1485900"/>
+            <a:off x="640081" y="631373"/>
+            <a:ext cx="4018839" cy="2035628"/>
           </a:xfrm>
         </p:spPr>
         <p:txBody>
@@ -9140,17 +9467,49 @@
           <a:p>
             <a:r>
               <a:rPr lang="en-US" dirty="0"/>
-              <a:t>Action Button</a:t>
+              <a:t>Slider/Range</a:t>
             </a:r>
           </a:p>
         </p:txBody>
       </p:sp>
       <p:sp>
         <p:nvSpPr>
-          <p:cNvPr id="16" name="Rectangle 13">
+          <p:cNvPr id="9" name="Content Placeholder 8"/>
+          <p:cNvSpPr>
+            <a:spLocks noGrp="1"/>
+          </p:cNvSpPr>
+          <p:nvPr>
+            <p:ph idx="1"/>
+          </p:nvPr>
+        </p:nvSpPr>
+        <p:spPr>
+          <a:xfrm>
+            <a:off x="640081" y="2764971"/>
+            <a:ext cx="4010296" cy="3472543"/>
+          </a:xfrm>
+        </p:spPr>
+        <p:txBody>
+          <a:bodyPr>
+            <a:normAutofit/>
+          </a:bodyPr>
+          <a:lstStyle/>
+          <a:p>
+            <a:r>
+              <a:rPr lang="en-US" sz="1500"/>
+              <a:t>Either a single integer or list of 2 called separately by input$“inputId”[1] and input$“inputId”[2]</a:t>
+            </a:r>
+          </a:p>
+          <a:p>
+            <a:endParaRPr lang="en-US" sz="1500"/>
+          </a:p>
+        </p:txBody>
+      </p:sp>
+      <p:sp>
+        <p:nvSpPr>
+          <p:cNvPr id="19" name="Rectangle 15">
             <a:extLst>
               <a:ext uri="{FF2B5EF4-FFF2-40B4-BE49-F238E27FC236}">
-                <a16:creationId xmlns:a16="http://schemas.microsoft.com/office/drawing/2014/main" id="{BEC9E7FA-3295-45ED-8253-D23F9E44E1DA}"/>
+                <a16:creationId xmlns:a16="http://schemas.microsoft.com/office/drawing/2014/main" id="{02A2E7B6-CE50-4B96-A981-2A0250732818}"/>
               </a:ext>
               <a:ext uri="{C183D7F6-B498-43B3-948B-1728B52AA6E4}">
                 <adec:decorative xmlns:adec="http://schemas.microsoft.com/office/drawing/2017/decorative" val="1"/>
@@ -9170,7 +9529,7 @@
         </p:nvSpPr>
         <p:spPr>
           <a:xfrm>
-            <a:off x="478095" y="376"/>
+            <a:off x="5303520" y="376"/>
             <a:ext cx="228600" cy="6858000"/>
           </a:xfrm>
           <a:prstGeom prst="rect">
@@ -9208,279 +9567,6 @@
           </p:cNvPicPr>
           <p:nvPr/>
         </p:nvPicPr>
-        <p:blipFill rotWithShape="1">
-          <a:blip r:embed="rId2">
-            <a:extLst>
-              <a:ext uri="{28A0092B-C50C-407E-A947-70E740481C1C}">
-                <a14:useLocalDpi xmlns:a14="http://schemas.microsoft.com/office/drawing/2010/main" val="0"/>
-              </a:ext>
-            </a:extLst>
-          </a:blip>
-          <a:srcRect b="16377"/>
-          <a:stretch/>
-        </p:blipFill>
-        <p:spPr>
-          <a:xfrm>
-            <a:off x="1023561" y="1117022"/>
-            <a:ext cx="6517065" cy="4303915"/>
-          </a:xfrm>
-          <a:prstGeom prst="rect">
-            <a:avLst/>
-          </a:prstGeom>
-        </p:spPr>
-      </p:pic>
-      <p:sp>
-        <p:nvSpPr>
-          <p:cNvPr id="9" name="Content Placeholder 8"/>
-          <p:cNvSpPr>
-            <a:spLocks noGrp="1"/>
-          </p:cNvSpPr>
-          <p:nvPr>
-            <p:ph idx="1"/>
-          </p:nvPr>
-        </p:nvSpPr>
-        <p:spPr>
-          <a:xfrm>
-            <a:off x="7860667" y="2286000"/>
-            <a:ext cx="3656419" cy="3581400"/>
-          </a:xfrm>
-        </p:spPr>
-        <p:txBody>
-          <a:bodyPr>
-            <a:normAutofit/>
-          </a:bodyPr>
-          <a:lstStyle/>
-          <a:p>
-            <a:r>
-              <a:rPr lang="en-US" dirty="0"/>
-              <a:t>+1 each time it is clicked</a:t>
-            </a:r>
-          </a:p>
-          <a:p>
-            <a:r>
-              <a:rPr lang="en-US" dirty="0"/>
-              <a:t>Stored as single numeric input</a:t>
-            </a:r>
-          </a:p>
-        </p:txBody>
-      </p:sp>
-    </p:spTree>
-    <p:extLst>
-      <p:ext uri="{BB962C8B-B14F-4D97-AF65-F5344CB8AC3E}">
-        <p14:creationId xmlns:p14="http://schemas.microsoft.com/office/powerpoint/2010/main" val="988920668"/>
-      </p:ext>
-    </p:extLst>
-  </p:cSld>
-  <p:clrMapOvr>
-    <a:masterClrMapping/>
-  </p:clrMapOvr>
-</p:sld>
-</file>
-
-<file path=ppt/slides/slide6.xml><?xml version="1.0" encoding="utf-8"?>
-<p:sld xmlns:a="http://schemas.openxmlformats.org/drawingml/2006/main" xmlns:r="http://schemas.openxmlformats.org/officeDocument/2006/relationships" xmlns:p="http://schemas.openxmlformats.org/presentationml/2006/main">
-  <p:cSld>
-    <p:bg>
-      <p:bgPr>
-        <a:solidFill>
-          <a:schemeClr val="bg2"/>
-        </a:solidFill>
-        <a:effectLst/>
-      </p:bgPr>
-    </p:bg>
-    <p:spTree>
-      <p:nvGrpSpPr>
-        <p:cNvPr id="1" name=""/>
-        <p:cNvGrpSpPr/>
-        <p:nvPr/>
-      </p:nvGrpSpPr>
-      <p:grpSpPr>
-        <a:xfrm>
-          <a:off x="0" y="0"/>
-          <a:ext cx="0" cy="0"/>
-          <a:chOff x="0" y="0"/>
-          <a:chExt cx="0" cy="0"/>
-        </a:xfrm>
-      </p:grpSpPr>
-      <p:sp>
-        <p:nvSpPr>
-          <p:cNvPr id="18" name="Rectangle 13">
-            <a:extLst>
-              <a:ext uri="{FF2B5EF4-FFF2-40B4-BE49-F238E27FC236}">
-                <a16:creationId xmlns:a16="http://schemas.microsoft.com/office/drawing/2014/main" id="{6D7D7F0C-622D-4D84-A68D-C1AF54B6347B}"/>
-              </a:ext>
-              <a:ext uri="{C183D7F6-B498-43B3-948B-1728B52AA6E4}">
-                <adec:decorative xmlns:adec="http://schemas.microsoft.com/office/drawing/2017/decorative" val="1"/>
-              </a:ext>
-            </a:extLst>
-          </p:cNvPr>
-          <p:cNvSpPr>
-            <a:spLocks noGrp="1" noRot="1" noChangeAspect="1" noMove="1" noResize="1" noEditPoints="1" noAdjustHandles="1" noChangeArrowheads="1" noChangeShapeType="1" noTextEdit="1"/>
-          </p:cNvSpPr>
-          <p:nvPr>
-            <p:extLst>
-              <p:ext uri="{386F3935-93C4-4BCD-93E2-E3B085C9AB24}">
-                <p16:designElem xmlns:p16="http://schemas.microsoft.com/office/powerpoint/2015/main" val="1"/>
-              </p:ext>
-            </p:extLst>
-          </p:nvPr>
-        </p:nvSpPr>
-        <p:spPr>
-          <a:xfrm>
-            <a:off x="0" y="376"/>
-            <a:ext cx="5303520" cy="6857624"/>
-          </a:xfrm>
-          <a:prstGeom prst="rect">
-            <a:avLst/>
-          </a:prstGeom>
-          <a:solidFill>
-            <a:schemeClr val="accent1"/>
-          </a:solidFill>
-          <a:ln>
-            <a:noFill/>
-          </a:ln>
-        </p:spPr>
-        <p:style>
-          <a:lnRef idx="2">
-            <a:schemeClr val="accent1">
-              <a:shade val="50000"/>
-            </a:schemeClr>
-          </a:lnRef>
-          <a:fillRef idx="1">
-            <a:schemeClr val="accent1"/>
-          </a:fillRef>
-          <a:effectRef idx="0">
-            <a:schemeClr val="accent1"/>
-          </a:effectRef>
-          <a:fontRef idx="minor">
-            <a:schemeClr val="lt1"/>
-          </a:fontRef>
-        </p:style>
-      </p:sp>
-      <p:sp>
-        <p:nvSpPr>
-          <p:cNvPr id="2" name="Title 1"/>
-          <p:cNvSpPr>
-            <a:spLocks noGrp="1"/>
-          </p:cNvSpPr>
-          <p:nvPr>
-            <p:ph type="title"/>
-          </p:nvPr>
-        </p:nvSpPr>
-        <p:spPr>
-          <a:xfrm>
-            <a:off x="640081" y="631373"/>
-            <a:ext cx="4018839" cy="2035628"/>
-          </a:xfrm>
-        </p:spPr>
-        <p:txBody>
-          <a:bodyPr>
-            <a:normAutofit/>
-          </a:bodyPr>
-          <a:lstStyle/>
-          <a:p>
-            <a:r>
-              <a:rPr lang="en-US" dirty="0"/>
-              <a:t>Slider/Range</a:t>
-            </a:r>
-          </a:p>
-        </p:txBody>
-      </p:sp>
-      <p:sp>
-        <p:nvSpPr>
-          <p:cNvPr id="9" name="Content Placeholder 8"/>
-          <p:cNvSpPr>
-            <a:spLocks noGrp="1"/>
-          </p:cNvSpPr>
-          <p:nvPr>
-            <p:ph idx="1"/>
-          </p:nvPr>
-        </p:nvSpPr>
-        <p:spPr>
-          <a:xfrm>
-            <a:off x="640081" y="2764971"/>
-            <a:ext cx="4010296" cy="3472543"/>
-          </a:xfrm>
-        </p:spPr>
-        <p:txBody>
-          <a:bodyPr>
-            <a:normAutofit/>
-          </a:bodyPr>
-          <a:lstStyle/>
-          <a:p>
-            <a:r>
-              <a:rPr lang="en-US" sz="1500"/>
-              <a:t>Either a single integer or list of 2 called separately by input$“inputId”[1] and input$“inputId”[2]</a:t>
-            </a:r>
-          </a:p>
-          <a:p>
-            <a:endParaRPr lang="en-US" sz="1500"/>
-          </a:p>
-        </p:txBody>
-      </p:sp>
-      <p:sp>
-        <p:nvSpPr>
-          <p:cNvPr id="19" name="Rectangle 15">
-            <a:extLst>
-              <a:ext uri="{FF2B5EF4-FFF2-40B4-BE49-F238E27FC236}">
-                <a16:creationId xmlns:a16="http://schemas.microsoft.com/office/drawing/2014/main" id="{02A2E7B6-CE50-4B96-A981-2A0250732818}"/>
-              </a:ext>
-              <a:ext uri="{C183D7F6-B498-43B3-948B-1728B52AA6E4}">
-                <adec:decorative xmlns:adec="http://schemas.microsoft.com/office/drawing/2017/decorative" val="1"/>
-              </a:ext>
-            </a:extLst>
-          </p:cNvPr>
-          <p:cNvSpPr>
-            <a:spLocks noGrp="1" noRot="1" noChangeAspect="1" noMove="1" noResize="1" noEditPoints="1" noAdjustHandles="1" noChangeArrowheads="1" noChangeShapeType="1" noTextEdit="1"/>
-          </p:cNvSpPr>
-          <p:nvPr>
-            <p:extLst>
-              <p:ext uri="{386F3935-93C4-4BCD-93E2-E3B085C9AB24}">
-                <p16:designElem xmlns:p16="http://schemas.microsoft.com/office/powerpoint/2015/main" val="1"/>
-              </p:ext>
-            </p:extLst>
-          </p:nvPr>
-        </p:nvSpPr>
-        <p:spPr>
-          <a:xfrm>
-            <a:off x="5303520" y="376"/>
-            <a:ext cx="228600" cy="6858000"/>
-          </a:xfrm>
-          <a:prstGeom prst="rect">
-            <a:avLst/>
-          </a:prstGeom>
-          <a:solidFill>
-            <a:schemeClr val="tx2"/>
-          </a:solidFill>
-          <a:ln>
-            <a:noFill/>
-          </a:ln>
-        </p:spPr>
-        <p:style>
-          <a:lnRef idx="2">
-            <a:schemeClr val="accent1">
-              <a:shade val="50000"/>
-            </a:schemeClr>
-          </a:lnRef>
-          <a:fillRef idx="1">
-            <a:schemeClr val="accent1"/>
-          </a:fillRef>
-          <a:effectRef idx="0">
-            <a:schemeClr val="accent1"/>
-          </a:effectRef>
-          <a:fontRef idx="minor">
-            <a:schemeClr val="lt1"/>
-          </a:fontRef>
-        </p:style>
-      </p:sp>
-      <p:pic>
-        <p:nvPicPr>
-          <p:cNvPr id="7" name="Content Placeholder 3"/>
-          <p:cNvPicPr>
-            <a:picLocks noChangeAspect="1"/>
-          </p:cNvPicPr>
-          <p:nvPr/>
-        </p:nvPicPr>
         <p:blipFill>
           <a:blip r:embed="rId2">
             <a:extLst>
@@ -9546,7 +9632,7 @@
 </p:sld>
 </file>
 
-<file path=ppt/slides/slide7.xml><?xml version="1.0" encoding="utf-8"?>
+<file path=ppt/slides/slide6.xml><?xml version="1.0" encoding="utf-8"?>
 <p:sld xmlns:a="http://schemas.openxmlformats.org/drawingml/2006/main" xmlns:r="http://schemas.openxmlformats.org/officeDocument/2006/relationships" xmlns:p="http://schemas.openxmlformats.org/presentationml/2006/main">
   <p:cSld>
     <p:spTree>
@@ -9598,7 +9684,7 @@
 </p:sld>
 </file>
 
-<file path=ppt/slides/slide8.xml><?xml version="1.0" encoding="utf-8"?>
+<file path=ppt/slides/slide7.xml><?xml version="1.0" encoding="utf-8"?>
 <p:sld xmlns:a="http://schemas.openxmlformats.org/drawingml/2006/main" xmlns:r="http://schemas.openxmlformats.org/officeDocument/2006/relationships" xmlns:p="http://schemas.openxmlformats.org/presentationml/2006/main">
   <p:cSld>
     <p:bg>
@@ -10121,7 +10207,7 @@
 </p:sld>
 </file>
 
-<file path=ppt/slides/slide9.xml><?xml version="1.0" encoding="utf-8"?>
+<file path=ppt/slides/slide8.xml><?xml version="1.0" encoding="utf-8"?>
 <p:sld xmlns:a="http://schemas.openxmlformats.org/drawingml/2006/main" xmlns:r="http://schemas.openxmlformats.org/officeDocument/2006/relationships" xmlns:p="http://schemas.openxmlformats.org/presentationml/2006/main">
   <p:cSld>
     <p:bg>
@@ -10301,6 +10387,199 @@
     <p:extLst>
       <p:ext uri="{BB962C8B-B14F-4D97-AF65-F5344CB8AC3E}">
         <p14:creationId xmlns:p14="http://schemas.microsoft.com/office/powerpoint/2010/main" val="3123657217"/>
+      </p:ext>
+    </p:extLst>
+  </p:cSld>
+  <p:clrMapOvr>
+    <a:masterClrMapping/>
+  </p:clrMapOvr>
+</p:sld>
+</file>
+
+<file path=ppt/slides/slide9.xml><?xml version="1.0" encoding="utf-8"?>
+<p:sld xmlns:a="http://schemas.openxmlformats.org/drawingml/2006/main" xmlns:r="http://schemas.openxmlformats.org/officeDocument/2006/relationships" xmlns:p="http://schemas.openxmlformats.org/presentationml/2006/main">
+  <p:cSld>
+    <p:bg>
+      <p:bgPr>
+        <a:solidFill>
+          <a:schemeClr val="bg2"/>
+        </a:solidFill>
+        <a:effectLst/>
+      </p:bgPr>
+    </p:bg>
+    <p:spTree>
+      <p:nvGrpSpPr>
+        <p:cNvPr id="1" name=""/>
+        <p:cNvGrpSpPr/>
+        <p:nvPr/>
+      </p:nvGrpSpPr>
+      <p:grpSpPr>
+        <a:xfrm>
+          <a:off x="0" y="0"/>
+          <a:ext cx="0" cy="0"/>
+          <a:chOff x="0" y="0"/>
+          <a:chExt cx="0" cy="0"/>
+        </a:xfrm>
+      </p:grpSpPr>
+      <p:sp>
+        <p:nvSpPr>
+          <p:cNvPr id="2" name="Title 1"/>
+          <p:cNvSpPr>
+            <a:spLocks noGrp="1"/>
+          </p:cNvSpPr>
+          <p:nvPr>
+            <p:ph type="title"/>
+          </p:nvPr>
+        </p:nvSpPr>
+        <p:spPr>
+          <a:xfrm>
+            <a:off x="1023562" y="685800"/>
+            <a:ext cx="10493524" cy="1485900"/>
+          </a:xfrm>
+        </p:spPr>
+        <p:txBody>
+          <a:bodyPr>
+            <a:normAutofit/>
+          </a:bodyPr>
+          <a:lstStyle/>
+          <a:p>
+            <a:r>
+              <a:rPr lang="en-US" dirty="0"/>
+              <a:t>Select input</a:t>
+            </a:r>
+          </a:p>
+        </p:txBody>
+      </p:sp>
+      <p:sp>
+        <p:nvSpPr>
+          <p:cNvPr id="14" name="Rectangle 13">
+            <a:extLst>
+              <a:ext uri="{FF2B5EF4-FFF2-40B4-BE49-F238E27FC236}">
+                <a16:creationId xmlns:a16="http://schemas.microsoft.com/office/drawing/2014/main" id="{B9F89C22-0475-4427-B7C8-0269AD40E3EC}"/>
+              </a:ext>
+              <a:ext uri="{C183D7F6-B498-43B3-948B-1728B52AA6E4}">
+                <adec:decorative xmlns:adec="http://schemas.microsoft.com/office/drawing/2017/decorative" val="1"/>
+              </a:ext>
+            </a:extLst>
+          </p:cNvPr>
+          <p:cNvSpPr>
+            <a:spLocks noGrp="1" noRot="1" noChangeAspect="1" noMove="1" noResize="1" noEditPoints="1" noAdjustHandles="1" noChangeArrowheads="1" noChangeShapeType="1" noTextEdit="1"/>
+          </p:cNvSpPr>
+          <p:nvPr>
+            <p:extLst>
+              <p:ext uri="{386F3935-93C4-4BCD-93E2-E3B085C9AB24}">
+                <p16:designElem xmlns:p16="http://schemas.microsoft.com/office/powerpoint/2015/main" val="1"/>
+              </p:ext>
+            </p:extLst>
+          </p:nvPr>
+        </p:nvSpPr>
+        <p:spPr>
+          <a:xfrm>
+            <a:off x="478095" y="376"/>
+            <a:ext cx="228600" cy="6858000"/>
+          </a:xfrm>
+          <a:prstGeom prst="rect">
+            <a:avLst/>
+          </a:prstGeom>
+          <a:solidFill>
+            <a:schemeClr val="tx2"/>
+          </a:solidFill>
+          <a:ln>
+            <a:noFill/>
+          </a:ln>
+        </p:spPr>
+        <p:style>
+          <a:lnRef idx="2">
+            <a:schemeClr val="accent1">
+              <a:shade val="50000"/>
+            </a:schemeClr>
+          </a:lnRef>
+          <a:fillRef idx="1">
+            <a:schemeClr val="accent1"/>
+          </a:fillRef>
+          <a:effectRef idx="0">
+            <a:schemeClr val="accent1"/>
+          </a:effectRef>
+          <a:fontRef idx="minor">
+            <a:schemeClr val="lt1"/>
+          </a:fontRef>
+        </p:style>
+      </p:sp>
+      <p:sp>
+        <p:nvSpPr>
+          <p:cNvPr id="9" name="Content Placeholder 8"/>
+          <p:cNvSpPr>
+            <a:spLocks noGrp="1"/>
+          </p:cNvSpPr>
+          <p:nvPr>
+            <p:ph idx="1"/>
+          </p:nvPr>
+        </p:nvSpPr>
+        <p:spPr>
+          <a:xfrm>
+            <a:off x="1023562" y="2286000"/>
+            <a:ext cx="5072437" cy="3581400"/>
+          </a:xfrm>
+        </p:spPr>
+        <p:txBody>
+          <a:bodyPr>
+            <a:normAutofit/>
+          </a:bodyPr>
+          <a:lstStyle/>
+          <a:p>
+            <a:r>
+              <a:rPr lang="en-US" sz="1800"/>
+              <a:t>Can be set to only one selected option or multiple</a:t>
+            </a:r>
+          </a:p>
+          <a:p>
+            <a:r>
+              <a:rPr lang="en-US" sz="1800"/>
+              <a:t>Value can be dictated in your code, but will default to the value of the text in the choices field</a:t>
+            </a:r>
+          </a:p>
+          <a:p>
+            <a:r>
+              <a:rPr lang="en-US" sz="1800"/>
+              <a:t>Stored either as a single object or as a list</a:t>
+            </a:r>
+          </a:p>
+        </p:txBody>
+      </p:sp>
+      <p:pic>
+        <p:nvPicPr>
+          <p:cNvPr id="7" name="Content Placeholder 3"/>
+          <p:cNvPicPr>
+            <a:picLocks noChangeAspect="1"/>
+          </p:cNvPicPr>
+          <p:nvPr/>
+        </p:nvPicPr>
+        <p:blipFill>
+          <a:blip r:embed="rId2">
+            <a:extLst>
+              <a:ext uri="{28A0092B-C50C-407E-A947-70E740481C1C}">
+                <a14:useLocalDpi xmlns:a14="http://schemas.microsoft.com/office/drawing/2010/main" val="0"/>
+              </a:ext>
+            </a:extLst>
+          </a:blip>
+          <a:stretch>
+            <a:fillRect/>
+          </a:stretch>
+        </p:blipFill>
+        <p:spPr>
+          <a:xfrm>
+            <a:off x="6411641" y="2805910"/>
+            <a:ext cx="5105445" cy="2631267"/>
+          </a:xfrm>
+          <a:prstGeom prst="rect">
+            <a:avLst/>
+          </a:prstGeom>
+        </p:spPr>
+      </p:pic>
+    </p:spTree>
+    <p:extLst>
+      <p:ext uri="{BB962C8B-B14F-4D97-AF65-F5344CB8AC3E}">
+        <p14:creationId xmlns:p14="http://schemas.microsoft.com/office/powerpoint/2010/main" val="986184212"/>
       </p:ext>
     </p:extLst>
   </p:cSld>

--- a/Class_4.pptx
+++ b/Class_4.pptx
@@ -5,7 +5,7 @@
     <p:sldMasterId id="2147483648" r:id="rId1"/>
   </p:sldMasterIdLst>
   <p:notesMasterIdLst>
-    <p:notesMasterId r:id="rId22"/>
+    <p:notesMasterId r:id="rId23"/>
   </p:notesMasterIdLst>
   <p:sldIdLst>
     <p:sldId id="292" r:id="rId2"/>
@@ -15,19 +15,20 @@
     <p:sldId id="297" r:id="rId6"/>
     <p:sldId id="298" r:id="rId7"/>
     <p:sldId id="299" r:id="rId8"/>
-    <p:sldId id="300" r:id="rId9"/>
-    <p:sldId id="301" r:id="rId10"/>
-    <p:sldId id="302" r:id="rId11"/>
-    <p:sldId id="303" r:id="rId12"/>
-    <p:sldId id="304" r:id="rId13"/>
-    <p:sldId id="305" r:id="rId14"/>
-    <p:sldId id="306" r:id="rId15"/>
-    <p:sldId id="307" r:id="rId16"/>
-    <p:sldId id="350" r:id="rId17"/>
-    <p:sldId id="293" r:id="rId18"/>
-    <p:sldId id="308" r:id="rId19"/>
-    <p:sldId id="309" r:id="rId20"/>
-    <p:sldId id="310" r:id="rId21"/>
+    <p:sldId id="351" r:id="rId9"/>
+    <p:sldId id="300" r:id="rId10"/>
+    <p:sldId id="301" r:id="rId11"/>
+    <p:sldId id="302" r:id="rId12"/>
+    <p:sldId id="303" r:id="rId13"/>
+    <p:sldId id="304" r:id="rId14"/>
+    <p:sldId id="305" r:id="rId15"/>
+    <p:sldId id="306" r:id="rId16"/>
+    <p:sldId id="307" r:id="rId17"/>
+    <p:sldId id="350" r:id="rId18"/>
+    <p:sldId id="293" r:id="rId19"/>
+    <p:sldId id="308" r:id="rId20"/>
+    <p:sldId id="309" r:id="rId21"/>
+    <p:sldId id="310" r:id="rId22"/>
   </p:sldIdLst>
   <p:sldSz cx="12192000" cy="6858000"/>
   <p:notesSz cx="6858000" cy="9144000"/>
@@ -2744,7 +2745,7 @@
           <a:p>
             <a:fld id="{3F70B44A-D58A-1947-965D-B8F6A0A7BA33}" type="datetimeFigureOut">
               <a:rPr lang="en-US" smtClean="0"/>
-              <a:t>7/15/18</a:t>
+              <a:t>8/23/18</a:t>
             </a:fld>
             <a:endParaRPr lang="en-US"/>
           </a:p>
@@ -3181,7 +3182,7 @@
             <a:fld id="{87DE6118-2437-4B30-8E3C-4D2BE6020583}" type="datetimeFigureOut">
               <a:rPr lang="en-US" dirty="0"/>
               <a:pPr/>
-              <a:t>7/15/18</a:t>
+              <a:t>8/23/18</a:t>
             </a:fld>
             <a:endParaRPr lang="en-US" dirty="0"/>
           </a:p>
@@ -3507,7 +3508,7 @@
           <a:p>
             <a:fld id="{87DE6118-2437-4B30-8E3C-4D2BE6020583}" type="datetimeFigureOut">
               <a:rPr lang="en-US" dirty="0"/>
-              <a:t>7/15/18</a:t>
+              <a:t>8/23/18</a:t>
             </a:fld>
             <a:endParaRPr lang="en-US" dirty="0"/>
           </a:p>
@@ -3682,7 +3683,7 @@
           <a:p>
             <a:fld id="{87DE6118-2437-4B30-8E3C-4D2BE6020583}" type="datetimeFigureOut">
               <a:rPr lang="en-US" dirty="0"/>
-              <a:t>7/15/18</a:t>
+              <a:t>8/23/18</a:t>
             </a:fld>
             <a:endParaRPr lang="en-US" dirty="0"/>
           </a:p>
@@ -3847,7 +3848,7 @@
           <a:p>
             <a:fld id="{87DE6118-2437-4B30-8E3C-4D2BE6020583}" type="datetimeFigureOut">
               <a:rPr lang="en-US" dirty="0"/>
-              <a:t>7/15/18</a:t>
+              <a:t>8/23/18</a:t>
             </a:fld>
             <a:endParaRPr lang="en-US" dirty="0"/>
           </a:p>
@@ -4120,7 +4121,7 @@
             <a:fld id="{87DE6118-2437-4B30-8E3C-4D2BE6020583}" type="datetimeFigureOut">
               <a:rPr lang="en-US" dirty="0"/>
               <a:pPr/>
-              <a:t>7/15/18</a:t>
+              <a:t>8/23/18</a:t>
             </a:fld>
             <a:endParaRPr lang="en-US" dirty="0"/>
           </a:p>
@@ -4510,7 +4511,7 @@
           <a:p>
             <a:fld id="{87DE6118-2437-4B30-8E3C-4D2BE6020583}" type="datetimeFigureOut">
               <a:rPr lang="en-US" dirty="0"/>
-              <a:t>7/15/18</a:t>
+              <a:t>8/23/18</a:t>
             </a:fld>
             <a:endParaRPr lang="en-US" dirty="0"/>
           </a:p>
@@ -4982,7 +4983,7 @@
           <a:p>
             <a:fld id="{87DE6118-2437-4B30-8E3C-4D2BE6020583}" type="datetimeFigureOut">
               <a:rPr lang="en-US" dirty="0"/>
-              <a:t>7/15/18</a:t>
+              <a:t>8/23/18</a:t>
             </a:fld>
             <a:endParaRPr lang="en-US" dirty="0"/>
           </a:p>
@@ -5095,7 +5096,7 @@
           <a:p>
             <a:fld id="{87DE6118-2437-4B30-8E3C-4D2BE6020583}" type="datetimeFigureOut">
               <a:rPr lang="en-US" dirty="0"/>
-              <a:t>7/15/18</a:t>
+              <a:t>8/23/18</a:t>
             </a:fld>
             <a:endParaRPr lang="en-US" dirty="0"/>
           </a:p>
@@ -5185,7 +5186,7 @@
           <a:p>
             <a:fld id="{87DE6118-2437-4B30-8E3C-4D2BE6020583}" type="datetimeFigureOut">
               <a:rPr lang="en-US" dirty="0"/>
-              <a:t>7/15/18</a:t>
+              <a:t>8/23/18</a:t>
             </a:fld>
             <a:endParaRPr lang="en-US" dirty="0"/>
           </a:p>
@@ -5527,7 +5528,7 @@
             <a:fld id="{87DE6118-2437-4B30-8E3C-4D2BE6020583}" type="datetimeFigureOut">
               <a:rPr lang="en-US" dirty="0"/>
               <a:pPr/>
-              <a:t>7/15/18</a:t>
+              <a:t>8/23/18</a:t>
             </a:fld>
             <a:endParaRPr lang="en-US" dirty="0"/>
           </a:p>
@@ -5912,7 +5913,7 @@
             <a:fld id="{87DE6118-2437-4B30-8E3C-4D2BE6020583}" type="datetimeFigureOut">
               <a:rPr lang="en-US" dirty="0"/>
               <a:pPr/>
-              <a:t>7/15/18</a:t>
+              <a:t>8/23/18</a:t>
             </a:fld>
             <a:endParaRPr lang="en-US" dirty="0"/>
           </a:p>
@@ -6187,7 +6188,7 @@
             <a:fld id="{87DE6118-2437-4B30-8E3C-4D2BE6020583}" type="datetimeFigureOut">
               <a:rPr lang="en-US" dirty="0"/>
               <a:pPr/>
-              <a:t>7/15/18</a:t>
+              <a:t>8/23/18</a:t>
             </a:fld>
             <a:endParaRPr lang="en-US" dirty="0"/>
           </a:p>
@@ -6798,8 +6799,8 @@
         </p:nvSpPr>
         <p:spPr>
           <a:xfrm>
-            <a:off x="7860667" y="685800"/>
-            <a:ext cx="3656419" cy="1485900"/>
+            <a:off x="1023562" y="685800"/>
+            <a:ext cx="10493524" cy="1485900"/>
           </a:xfrm>
         </p:spPr>
         <p:txBody>
@@ -6809,19 +6810,18 @@
           <a:lstStyle/>
           <a:p>
             <a:r>
-              <a:rPr lang="en-US"/>
-              <a:t>Checkbox Group</a:t>
-            </a:r>
-            <a:endParaRPr lang="en-US" dirty="0"/>
+              <a:rPr lang="en-US" dirty="0"/>
+              <a:t>Select input</a:t>
+            </a:r>
           </a:p>
         </p:txBody>
       </p:sp>
       <p:sp>
         <p:nvSpPr>
-          <p:cNvPr id="16" name="Rectangle 13">
+          <p:cNvPr id="14" name="Rectangle 13">
             <a:extLst>
               <a:ext uri="{FF2B5EF4-FFF2-40B4-BE49-F238E27FC236}">
-                <a16:creationId xmlns:a16="http://schemas.microsoft.com/office/drawing/2014/main" id="{BEC9E7FA-3295-45ED-8253-D23F9E44E1DA}"/>
+                <a16:creationId xmlns:a16="http://schemas.microsoft.com/office/drawing/2014/main" id="{B9F89C22-0475-4427-B7C8-0269AD40E3EC}"/>
               </a:ext>
               <a:ext uri="{C183D7F6-B498-43B3-948B-1728B52AA6E4}">
                 <adec:decorative xmlns:adec="http://schemas.microsoft.com/office/drawing/2017/decorative" val="1"/>
@@ -6870,6 +6870,47 @@
             <a:schemeClr val="lt1"/>
           </a:fontRef>
         </p:style>
+      </p:sp>
+      <p:sp>
+        <p:nvSpPr>
+          <p:cNvPr id="9" name="Content Placeholder 8"/>
+          <p:cNvSpPr>
+            <a:spLocks noGrp="1"/>
+          </p:cNvSpPr>
+          <p:nvPr>
+            <p:ph idx="1"/>
+          </p:nvPr>
+        </p:nvSpPr>
+        <p:spPr>
+          <a:xfrm>
+            <a:off x="1023562" y="2286000"/>
+            <a:ext cx="5072437" cy="3581400"/>
+          </a:xfrm>
+        </p:spPr>
+        <p:txBody>
+          <a:bodyPr>
+            <a:normAutofit/>
+          </a:bodyPr>
+          <a:lstStyle/>
+          <a:p>
+            <a:r>
+              <a:rPr lang="en-US" sz="1800"/>
+              <a:t>Can be set to only one selected option or multiple</a:t>
+            </a:r>
+          </a:p>
+          <a:p>
+            <a:r>
+              <a:rPr lang="en-US" sz="1800"/>
+              <a:t>Value can be dictated in your code, but will default to the value of the text in the choices field</a:t>
+            </a:r>
+          </a:p>
+          <a:p>
+            <a:r>
+              <a:rPr lang="en-US" sz="1800"/>
+              <a:t>Stored either as a single object or as a list</a:t>
+            </a:r>
+          </a:p>
+        </p:txBody>
       </p:sp>
       <p:pic>
         <p:nvPicPr>
@@ -6893,6 +6934,159 @@
         </p:blipFill>
         <p:spPr>
           <a:xfrm>
+            <a:off x="6411641" y="2805910"/>
+            <a:ext cx="5105445" cy="2631267"/>
+          </a:xfrm>
+          <a:prstGeom prst="rect">
+            <a:avLst/>
+          </a:prstGeom>
+        </p:spPr>
+      </p:pic>
+    </p:spTree>
+    <p:extLst>
+      <p:ext uri="{BB962C8B-B14F-4D97-AF65-F5344CB8AC3E}">
+        <p14:creationId xmlns:p14="http://schemas.microsoft.com/office/powerpoint/2010/main" val="986184212"/>
+      </p:ext>
+    </p:extLst>
+  </p:cSld>
+  <p:clrMapOvr>
+    <a:masterClrMapping/>
+  </p:clrMapOvr>
+</p:sld>
+</file>
+
+<file path=ppt/slides/slide11.xml><?xml version="1.0" encoding="utf-8"?>
+<p:sld xmlns:a="http://schemas.openxmlformats.org/drawingml/2006/main" xmlns:r="http://schemas.openxmlformats.org/officeDocument/2006/relationships" xmlns:p="http://schemas.openxmlformats.org/presentationml/2006/main">
+  <p:cSld>
+    <p:bg>
+      <p:bgPr>
+        <a:solidFill>
+          <a:schemeClr val="bg2"/>
+        </a:solidFill>
+        <a:effectLst/>
+      </p:bgPr>
+    </p:bg>
+    <p:spTree>
+      <p:nvGrpSpPr>
+        <p:cNvPr id="1" name=""/>
+        <p:cNvGrpSpPr/>
+        <p:nvPr/>
+      </p:nvGrpSpPr>
+      <p:grpSpPr>
+        <a:xfrm>
+          <a:off x="0" y="0"/>
+          <a:ext cx="0" cy="0"/>
+          <a:chOff x="0" y="0"/>
+          <a:chExt cx="0" cy="0"/>
+        </a:xfrm>
+      </p:grpSpPr>
+      <p:sp>
+        <p:nvSpPr>
+          <p:cNvPr id="2" name="Title 1"/>
+          <p:cNvSpPr>
+            <a:spLocks noGrp="1"/>
+          </p:cNvSpPr>
+          <p:nvPr>
+            <p:ph type="title"/>
+          </p:nvPr>
+        </p:nvSpPr>
+        <p:spPr>
+          <a:xfrm>
+            <a:off x="7860667" y="685800"/>
+            <a:ext cx="3656419" cy="1485900"/>
+          </a:xfrm>
+        </p:spPr>
+        <p:txBody>
+          <a:bodyPr>
+            <a:normAutofit/>
+          </a:bodyPr>
+          <a:lstStyle/>
+          <a:p>
+            <a:r>
+              <a:rPr lang="en-US"/>
+              <a:t>Checkbox Group</a:t>
+            </a:r>
+            <a:endParaRPr lang="en-US" dirty="0"/>
+          </a:p>
+        </p:txBody>
+      </p:sp>
+      <p:sp>
+        <p:nvSpPr>
+          <p:cNvPr id="16" name="Rectangle 13">
+            <a:extLst>
+              <a:ext uri="{FF2B5EF4-FFF2-40B4-BE49-F238E27FC236}">
+                <a16:creationId xmlns:a16="http://schemas.microsoft.com/office/drawing/2014/main" id="{BEC9E7FA-3295-45ED-8253-D23F9E44E1DA}"/>
+              </a:ext>
+              <a:ext uri="{C183D7F6-B498-43B3-948B-1728B52AA6E4}">
+                <adec:decorative xmlns:adec="http://schemas.microsoft.com/office/drawing/2017/decorative" val="1"/>
+              </a:ext>
+            </a:extLst>
+          </p:cNvPr>
+          <p:cNvSpPr>
+            <a:spLocks noGrp="1" noRot="1" noChangeAspect="1" noMove="1" noResize="1" noEditPoints="1" noAdjustHandles="1" noChangeArrowheads="1" noChangeShapeType="1" noTextEdit="1"/>
+          </p:cNvSpPr>
+          <p:nvPr>
+            <p:extLst>
+              <p:ext uri="{386F3935-93C4-4BCD-93E2-E3B085C9AB24}">
+                <p16:designElem xmlns:p16="http://schemas.microsoft.com/office/powerpoint/2015/main" val="1"/>
+              </p:ext>
+            </p:extLst>
+          </p:nvPr>
+        </p:nvSpPr>
+        <p:spPr>
+          <a:xfrm>
+            <a:off x="478095" y="376"/>
+            <a:ext cx="228600" cy="6858000"/>
+          </a:xfrm>
+          <a:prstGeom prst="rect">
+            <a:avLst/>
+          </a:prstGeom>
+          <a:solidFill>
+            <a:schemeClr val="tx2"/>
+          </a:solidFill>
+          <a:ln>
+            <a:noFill/>
+          </a:ln>
+        </p:spPr>
+        <p:style>
+          <a:lnRef idx="2">
+            <a:schemeClr val="accent1">
+              <a:shade val="50000"/>
+            </a:schemeClr>
+          </a:lnRef>
+          <a:fillRef idx="1">
+            <a:schemeClr val="accent1"/>
+          </a:fillRef>
+          <a:effectRef idx="0">
+            <a:schemeClr val="accent1"/>
+          </a:effectRef>
+          <a:fontRef idx="minor">
+            <a:schemeClr val="lt1"/>
+          </a:fontRef>
+        </p:style>
+      </p:sp>
+      <p:pic>
+        <p:nvPicPr>
+          <p:cNvPr id="7" name="Content Placeholder 3"/>
+          <p:cNvPicPr>
+            <a:picLocks noChangeAspect="1"/>
+          </p:cNvPicPr>
+          <p:nvPr/>
+        </p:nvPicPr>
+        <p:blipFill>
+          <a:blip r:embed="rId2">
+            <a:extLst>
+              <a:ext uri="{28A0092B-C50C-407E-A947-70E740481C1C}">
+                <a14:useLocalDpi xmlns:a14="http://schemas.microsoft.com/office/drawing/2010/main" val="0"/>
+              </a:ext>
+            </a:extLst>
+          </a:blip>
+          <a:stretch>
+            <a:fillRect/>
+          </a:stretch>
+        </p:blipFill>
+        <p:spPr>
+          <a:xfrm>
             <a:off x="1023561" y="1305505"/>
             <a:ext cx="6517065" cy="3926949"/>
           </a:xfrm>
@@ -6956,7 +7150,7 @@
 </p:sld>
 </file>
 
-<file path=ppt/slides/slide11.xml><?xml version="1.0" encoding="utf-8"?>
+<file path=ppt/slides/slide12.xml><?xml version="1.0" encoding="utf-8"?>
 <p:sld xmlns:a="http://schemas.openxmlformats.org/drawingml/2006/main" xmlns:r="http://schemas.openxmlformats.org/officeDocument/2006/relationships" xmlns:p="http://schemas.openxmlformats.org/presentationml/2006/main">
   <p:cSld>
     <p:spTree>
@@ -7008,7 +7202,7 @@
 </p:sld>
 </file>
 
-<file path=ppt/slides/slide12.xml><?xml version="1.0" encoding="utf-8"?>
+<file path=ppt/slides/slide13.xml><?xml version="1.0" encoding="utf-8"?>
 <p:sld xmlns:a="http://schemas.openxmlformats.org/drawingml/2006/main" xmlns:r="http://schemas.openxmlformats.org/officeDocument/2006/relationships" xmlns:p="http://schemas.openxmlformats.org/presentationml/2006/main">
   <p:cSld>
     <p:spTree>
@@ -7126,7 +7320,7 @@
 </p:sld>
 </file>
 
-<file path=ppt/slides/slide13.xml><?xml version="1.0" encoding="utf-8"?>
+<file path=ppt/slides/slide14.xml><?xml version="1.0" encoding="utf-8"?>
 <p:sld xmlns:a="http://schemas.openxmlformats.org/drawingml/2006/main" xmlns:r="http://schemas.openxmlformats.org/officeDocument/2006/relationships" xmlns:p="http://schemas.openxmlformats.org/presentationml/2006/main">
   <p:cSld>
     <p:bg>
@@ -7417,7 +7611,7 @@
 </p:sld>
 </file>
 
-<file path=ppt/slides/slide14.xml><?xml version="1.0" encoding="utf-8"?>
+<file path=ppt/slides/slide15.xml><?xml version="1.0" encoding="utf-8"?>
 <p:sld xmlns:a="http://schemas.openxmlformats.org/drawingml/2006/main" xmlns:r="http://schemas.openxmlformats.org/officeDocument/2006/relationships" xmlns:p="http://schemas.openxmlformats.org/presentationml/2006/main">
   <p:cSld>
     <p:bg>
@@ -7940,7 +8134,7 @@
 </p:sld>
 </file>
 
-<file path=ppt/slides/slide15.xml><?xml version="1.0" encoding="utf-8"?>
+<file path=ppt/slides/slide16.xml><?xml version="1.0" encoding="utf-8"?>
 <p:sld xmlns:a="http://schemas.openxmlformats.org/drawingml/2006/main" xmlns:r="http://schemas.openxmlformats.org/officeDocument/2006/relationships" xmlns:p="http://schemas.openxmlformats.org/presentationml/2006/main">
   <p:cSld>
     <p:bg>
@@ -8259,7 +8453,7 @@
 </p:sld>
 </file>
 
-<file path=ppt/slides/slide16.xml><?xml version="1.0" encoding="utf-8"?>
+<file path=ppt/slides/slide17.xml><?xml version="1.0" encoding="utf-8"?>
 <p:sld xmlns:a="http://schemas.openxmlformats.org/drawingml/2006/main" xmlns:r="http://schemas.openxmlformats.org/officeDocument/2006/relationships" xmlns:p="http://schemas.openxmlformats.org/presentationml/2006/main">
   <p:cSld>
     <p:spTree>
@@ -8432,7 +8626,7 @@
 </p:sld>
 </file>
 
-<file path=ppt/slides/slide17.xml><?xml version="1.0" encoding="utf-8"?>
+<file path=ppt/slides/slide18.xml><?xml version="1.0" encoding="utf-8"?>
 <p:sld xmlns:a="http://schemas.openxmlformats.org/drawingml/2006/main" xmlns:r="http://schemas.openxmlformats.org/officeDocument/2006/relationships" xmlns:p="http://schemas.openxmlformats.org/presentationml/2006/main">
   <p:cSld>
     <p:bg>
@@ -8586,7 +8780,7 @@
 </p:sld>
 </file>
 
-<file path=ppt/slides/slide18.xml><?xml version="1.0" encoding="utf-8"?>
+<file path=ppt/slides/slide19.xml><?xml version="1.0" encoding="utf-8"?>
 <p:sld xmlns:a="http://schemas.openxmlformats.org/drawingml/2006/main" xmlns:r="http://schemas.openxmlformats.org/officeDocument/2006/relationships" xmlns:p="http://schemas.openxmlformats.org/presentationml/2006/main">
   <p:cSld>
     <p:spTree>
@@ -8678,132 +8872,6 @@
 </p:sld>
 </file>
 
-<file path=ppt/slides/slide19.xml><?xml version="1.0" encoding="utf-8"?>
-<p:sld xmlns:a="http://schemas.openxmlformats.org/drawingml/2006/main" xmlns:r="http://schemas.openxmlformats.org/officeDocument/2006/relationships" xmlns:p="http://schemas.openxmlformats.org/presentationml/2006/main">
-  <p:cSld>
-    <p:spTree>
-      <p:nvGrpSpPr>
-        <p:cNvPr id="1" name=""/>
-        <p:cNvGrpSpPr/>
-        <p:nvPr/>
-      </p:nvGrpSpPr>
-      <p:grpSpPr>
-        <a:xfrm>
-          <a:off x="0" y="0"/>
-          <a:ext cx="0" cy="0"/>
-          <a:chOff x="0" y="0"/>
-          <a:chExt cx="0" cy="0"/>
-        </a:xfrm>
-      </p:grpSpPr>
-      <p:sp>
-        <p:nvSpPr>
-          <p:cNvPr id="2" name="Title 1"/>
-          <p:cNvSpPr>
-            <a:spLocks noGrp="1"/>
-          </p:cNvSpPr>
-          <p:nvPr>
-            <p:ph type="title"/>
-          </p:nvPr>
-        </p:nvSpPr>
-        <p:spPr/>
-        <p:txBody>
-          <a:bodyPr/>
-          <a:lstStyle/>
-          <a:p>
-            <a:r>
-              <a:rPr lang="en-US" dirty="0"/>
-              <a:t>Everything in R is a Function</a:t>
-            </a:r>
-          </a:p>
-        </p:txBody>
-      </p:sp>
-      <p:sp>
-        <p:nvSpPr>
-          <p:cNvPr id="3" name="Content Placeholder 2"/>
-          <p:cNvSpPr>
-            <a:spLocks noGrp="1"/>
-          </p:cNvSpPr>
-          <p:nvPr>
-            <p:ph idx="1"/>
-          </p:nvPr>
-        </p:nvSpPr>
-        <p:spPr>
-          <a:xfrm>
-            <a:off x="1371600" y="2286000"/>
-            <a:ext cx="9601200" cy="4186052"/>
-          </a:xfrm>
-        </p:spPr>
-        <p:txBody>
-          <a:bodyPr>
-            <a:normAutofit/>
-          </a:bodyPr>
-          <a:lstStyle/>
-          <a:p>
-            <a:r>
-              <a:rPr lang="en-US" dirty="0"/>
-              <a:t>Reactive Datasets are a functions you can call whenever you need a set of actions to occur based off of filters in your application</a:t>
-            </a:r>
-          </a:p>
-          <a:p>
-            <a:r>
-              <a:rPr lang="en-US" dirty="0"/>
-              <a:t>They should be used whenever you are using the same inputs/filters on the same data for multiple outputs/visuals.</a:t>
-            </a:r>
-          </a:p>
-          <a:p>
-            <a:r>
-              <a:rPr lang="en-US" dirty="0"/>
-              <a:t>You can call reactive functions within other reactive functions for simple</a:t>
-            </a:r>
-          </a:p>
-          <a:p>
-            <a:r>
-              <a:rPr lang="en-US" dirty="0"/>
-              <a:t>These go in the server function/files</a:t>
-            </a:r>
-          </a:p>
-          <a:p>
-            <a:r>
-              <a:rPr lang="en-US" dirty="0"/>
-              <a:t>They are called as any function but with no arguments</a:t>
-            </a:r>
-          </a:p>
-          <a:p>
-            <a:r>
-              <a:rPr lang="en-US" dirty="0"/>
-              <a:t>Caches results to speed up loading</a:t>
-            </a:r>
-          </a:p>
-          <a:p>
-            <a:r>
-              <a:rPr lang="en-US" dirty="0"/>
-              <a:t>Ensures your visuals are all showing the same information</a:t>
-            </a:r>
-          </a:p>
-          <a:p>
-            <a:r>
-              <a:rPr lang="en-US" dirty="0"/>
-              <a:t>Shorter more legible code</a:t>
-            </a:r>
-          </a:p>
-          <a:p>
-            <a:endParaRPr lang="en-US" dirty="0"/>
-          </a:p>
-        </p:txBody>
-      </p:sp>
-    </p:spTree>
-    <p:extLst>
-      <p:ext uri="{BB962C8B-B14F-4D97-AF65-F5344CB8AC3E}">
-        <p14:creationId xmlns:p14="http://schemas.microsoft.com/office/powerpoint/2010/main" val="693563108"/>
-      </p:ext>
-    </p:extLst>
-  </p:cSld>
-  <p:clrMapOvr>
-    <a:masterClrMapping/>
-  </p:clrMapOvr>
-</p:sld>
-</file>
-
 <file path=ppt/slides/slide2.xml><?xml version="1.0" encoding="utf-8"?>
 <p:sld xmlns:a="http://schemas.openxmlformats.org/drawingml/2006/main" xmlns:r="http://schemas.openxmlformats.org/officeDocument/2006/relationships" xmlns:p="http://schemas.openxmlformats.org/presentationml/2006/main">
   <p:cSld>
@@ -8857,6 +8925,132 @@
 </file>
 
 <file path=ppt/slides/slide20.xml><?xml version="1.0" encoding="utf-8"?>
+<p:sld xmlns:a="http://schemas.openxmlformats.org/drawingml/2006/main" xmlns:r="http://schemas.openxmlformats.org/officeDocument/2006/relationships" xmlns:p="http://schemas.openxmlformats.org/presentationml/2006/main">
+  <p:cSld>
+    <p:spTree>
+      <p:nvGrpSpPr>
+        <p:cNvPr id="1" name=""/>
+        <p:cNvGrpSpPr/>
+        <p:nvPr/>
+      </p:nvGrpSpPr>
+      <p:grpSpPr>
+        <a:xfrm>
+          <a:off x="0" y="0"/>
+          <a:ext cx="0" cy="0"/>
+          <a:chOff x="0" y="0"/>
+          <a:chExt cx="0" cy="0"/>
+        </a:xfrm>
+      </p:grpSpPr>
+      <p:sp>
+        <p:nvSpPr>
+          <p:cNvPr id="2" name="Title 1"/>
+          <p:cNvSpPr>
+            <a:spLocks noGrp="1"/>
+          </p:cNvSpPr>
+          <p:nvPr>
+            <p:ph type="title"/>
+          </p:nvPr>
+        </p:nvSpPr>
+        <p:spPr/>
+        <p:txBody>
+          <a:bodyPr/>
+          <a:lstStyle/>
+          <a:p>
+            <a:r>
+              <a:rPr lang="en-US" dirty="0"/>
+              <a:t>Everything in R is a Function</a:t>
+            </a:r>
+          </a:p>
+        </p:txBody>
+      </p:sp>
+      <p:sp>
+        <p:nvSpPr>
+          <p:cNvPr id="3" name="Content Placeholder 2"/>
+          <p:cNvSpPr>
+            <a:spLocks noGrp="1"/>
+          </p:cNvSpPr>
+          <p:nvPr>
+            <p:ph idx="1"/>
+          </p:nvPr>
+        </p:nvSpPr>
+        <p:spPr>
+          <a:xfrm>
+            <a:off x="1371600" y="2286000"/>
+            <a:ext cx="9601200" cy="4186052"/>
+          </a:xfrm>
+        </p:spPr>
+        <p:txBody>
+          <a:bodyPr>
+            <a:normAutofit/>
+          </a:bodyPr>
+          <a:lstStyle/>
+          <a:p>
+            <a:r>
+              <a:rPr lang="en-US" dirty="0"/>
+              <a:t>Reactive Datasets are a functions you can call whenever you need a set of actions to occur based off of filters in your application</a:t>
+            </a:r>
+          </a:p>
+          <a:p>
+            <a:r>
+              <a:rPr lang="en-US" dirty="0"/>
+              <a:t>They should be used whenever you are using the same inputs/filters on the same data for multiple outputs/visuals.</a:t>
+            </a:r>
+          </a:p>
+          <a:p>
+            <a:r>
+              <a:rPr lang="en-US" dirty="0"/>
+              <a:t>You can call reactive functions within other reactive functions for simple</a:t>
+            </a:r>
+          </a:p>
+          <a:p>
+            <a:r>
+              <a:rPr lang="en-US" dirty="0"/>
+              <a:t>These go in the server function/files</a:t>
+            </a:r>
+          </a:p>
+          <a:p>
+            <a:r>
+              <a:rPr lang="en-US" dirty="0"/>
+              <a:t>They are called as any function but with no arguments</a:t>
+            </a:r>
+          </a:p>
+          <a:p>
+            <a:r>
+              <a:rPr lang="en-US" dirty="0"/>
+              <a:t>Caches results to speed up loading</a:t>
+            </a:r>
+          </a:p>
+          <a:p>
+            <a:r>
+              <a:rPr lang="en-US" dirty="0"/>
+              <a:t>Ensures your visuals are all showing the same information</a:t>
+            </a:r>
+          </a:p>
+          <a:p>
+            <a:r>
+              <a:rPr lang="en-US" dirty="0"/>
+              <a:t>Shorter more legible code</a:t>
+            </a:r>
+          </a:p>
+          <a:p>
+            <a:endParaRPr lang="en-US" dirty="0"/>
+          </a:p>
+        </p:txBody>
+      </p:sp>
+    </p:spTree>
+    <p:extLst>
+      <p:ext uri="{BB962C8B-B14F-4D97-AF65-F5344CB8AC3E}">
+        <p14:creationId xmlns:p14="http://schemas.microsoft.com/office/powerpoint/2010/main" val="693563108"/>
+      </p:ext>
+    </p:extLst>
+  </p:cSld>
+  <p:clrMapOvr>
+    <a:masterClrMapping/>
+  </p:clrMapOvr>
+</p:sld>
+</file>
+
+<file path=ppt/slides/slide21.xml><?xml version="1.0" encoding="utf-8"?>
 <p:sld xmlns:a="http://schemas.openxmlformats.org/drawingml/2006/main" xmlns:r="http://schemas.openxmlformats.org/officeDocument/2006/relationships" xmlns:p="http://schemas.openxmlformats.org/presentationml/2006/main">
   <p:cSld>
     <p:spTree>
@@ -10232,51 +10426,21 @@
           <a:chExt cx="0" cy="0"/>
         </a:xfrm>
       </p:grpSpPr>
-      <p:sp>
-        <p:nvSpPr>
-          <p:cNvPr id="2" name="Title 1"/>
-          <p:cNvSpPr>
-            <a:spLocks noGrp="1"/>
-          </p:cNvSpPr>
-          <p:nvPr>
-            <p:ph type="title"/>
-          </p:nvPr>
-        </p:nvSpPr>
-        <p:spPr>
-          <a:xfrm>
-            <a:off x="7860667" y="685800"/>
-            <a:ext cx="3656419" cy="1485900"/>
-          </a:xfrm>
-        </p:spPr>
-        <p:txBody>
-          <a:bodyPr>
-            <a:normAutofit/>
-          </a:bodyPr>
-          <a:lstStyle/>
-          <a:p>
-            <a:r>
-              <a:rPr lang="en-US"/>
-              <a:t>Radio Buttons</a:t>
-            </a:r>
-            <a:endParaRPr lang="en-US" dirty="0"/>
-          </a:p>
-        </p:txBody>
-      </p:sp>
-      <p:sp>
-        <p:nvSpPr>
-          <p:cNvPr id="14" name="Rectangle 13">
+      <p:grpSp>
+        <p:nvGrpSpPr>
+          <p:cNvPr id="23" name="Group 13">
             <a:extLst>
               <a:ext uri="{FF2B5EF4-FFF2-40B4-BE49-F238E27FC236}">
-                <a16:creationId xmlns:a16="http://schemas.microsoft.com/office/drawing/2014/main" id="{BEC9E7FA-3295-45ED-8253-D23F9E44E1DA}"/>
+                <a16:creationId xmlns:a16="http://schemas.microsoft.com/office/drawing/2014/main" id="{57500303-A207-4812-BEB9-51E132FEB73F}"/>
               </a:ext>
               <a:ext uri="{C183D7F6-B498-43B3-948B-1728B52AA6E4}">
                 <adec:decorative xmlns:adec="http://schemas.microsoft.com/office/drawing/2017/decorative" val="1"/>
               </a:ext>
             </a:extLst>
           </p:cNvPr>
-          <p:cNvSpPr>
-            <a:spLocks noGrp="1" noRot="1" noChangeAspect="1" noMove="1" noResize="1" noEditPoints="1" noAdjustHandles="1" noChangeArrowheads="1" noChangeShapeType="1" noTextEdit="1"/>
-          </p:cNvSpPr>
+          <p:cNvGrpSpPr>
+            <a:grpSpLocks noGrp="1" noUngrp="1" noRot="1" noChangeAspect="1" noMove="1" noResize="1"/>
+          </p:cNvGrpSpPr>
           <p:nvPr>
             <p:extLst>
               <p:ext uri="{386F3935-93C4-4BCD-93E2-E3B085C9AB24}">
@@ -10284,18 +10448,191 @@
               </p:ext>
             </p:extLst>
           </p:nvPr>
+        </p:nvGrpSpPr>
+        <p:grpSpPr>
+          <a:xfrm>
+            <a:off x="752858" y="744469"/>
+            <a:ext cx="10674117" cy="5349671"/>
+            <a:chOff x="752858" y="744469"/>
+            <a:chExt cx="10674117" cy="5349671"/>
+          </a:xfrm>
+        </p:grpSpPr>
+        <p:sp>
+          <p:nvSpPr>
+            <p:cNvPr id="15" name="Freeform 6">
+              <a:extLst>
+                <a:ext uri="{FF2B5EF4-FFF2-40B4-BE49-F238E27FC236}">
+                  <a16:creationId xmlns:a16="http://schemas.microsoft.com/office/drawing/2014/main" id="{10118C91-C025-4776-BE95-E9926378E790}"/>
+                </a:ext>
+                <a:ext uri="{C183D7F6-B498-43B3-948B-1728B52AA6E4}">
+                  <adec:decorative xmlns:adec="http://schemas.microsoft.com/office/drawing/2017/decorative" val="1"/>
+                </a:ext>
+              </a:extLst>
+            </p:cNvPr>
+            <p:cNvSpPr/>
+            <p:nvPr>
+              <p:extLst>
+                <p:ext uri="{386F3935-93C4-4BCD-93E2-E3B085C9AB24}">
+                  <p16:designElem xmlns:p16="http://schemas.microsoft.com/office/powerpoint/2015/main" val="1"/>
+                </p:ext>
+              </p:extLst>
+            </p:nvPr>
+          </p:nvSpPr>
+          <p:spPr bwMode="auto">
+            <a:xfrm>
+              <a:off x="8151962" y="1685652"/>
+              <a:ext cx="3275013" cy="4408488"/>
+            </a:xfrm>
+            <a:custGeom>
+              <a:avLst/>
+              <a:gdLst/>
+              <a:ahLst/>
+              <a:cxnLst/>
+              <a:rect l="l" t="t" r="r" b="b"/>
+              <a:pathLst>
+                <a:path w="10000" h="10000">
+                  <a:moveTo>
+                    <a:pt x="8761" y="0"/>
+                  </a:moveTo>
+                  <a:lnTo>
+                    <a:pt x="10000" y="0"/>
+                  </a:lnTo>
+                  <a:lnTo>
+                    <a:pt x="10000" y="10000"/>
+                  </a:lnTo>
+                  <a:lnTo>
+                    <a:pt x="0" y="10000"/>
+                  </a:lnTo>
+                  <a:lnTo>
+                    <a:pt x="0" y="9126"/>
+                  </a:lnTo>
+                  <a:lnTo>
+                    <a:pt x="8761" y="9127"/>
+                  </a:lnTo>
+                  <a:lnTo>
+                    <a:pt x="8761" y="0"/>
+                  </a:lnTo>
+                  <a:close/>
+                </a:path>
+              </a:pathLst>
+            </a:custGeom>
+            <a:solidFill>
+              <a:schemeClr val="tx2"/>
+            </a:solidFill>
+            <a:ln w="0">
+              <a:noFill/>
+              <a:prstDash val="solid"/>
+              <a:round/>
+              <a:headEnd/>
+              <a:tailEnd/>
+            </a:ln>
+          </p:spPr>
+        </p:sp>
+        <p:sp>
+          <p:nvSpPr>
+            <p:cNvPr id="16" name="Freeform 6">
+              <a:extLst>
+                <a:ext uri="{FF2B5EF4-FFF2-40B4-BE49-F238E27FC236}">
+                  <a16:creationId xmlns:a16="http://schemas.microsoft.com/office/drawing/2014/main" id="{339174D0-30E8-4BBF-BF81-5DDAC33C0C0E}"/>
+                </a:ext>
+                <a:ext uri="{C183D7F6-B498-43B3-948B-1728B52AA6E4}">
+                  <adec:decorative xmlns:adec="http://schemas.microsoft.com/office/drawing/2017/decorative" val="1"/>
+                </a:ext>
+              </a:extLst>
+            </p:cNvPr>
+            <p:cNvSpPr/>
+            <p:nvPr>
+              <p:extLst>
+                <p:ext uri="{386F3935-93C4-4BCD-93E2-E3B085C9AB24}">
+                  <p16:designElem xmlns:p16="http://schemas.microsoft.com/office/powerpoint/2015/main" val="1"/>
+                </p:ext>
+              </p:extLst>
+            </p:nvPr>
+          </p:nvSpPr>
+          <p:spPr bwMode="auto">
+            <a:xfrm flipH="1" flipV="1">
+              <a:off x="752858" y="744469"/>
+              <a:ext cx="3275668" cy="4408488"/>
+            </a:xfrm>
+            <a:custGeom>
+              <a:avLst/>
+              <a:gdLst/>
+              <a:ahLst/>
+              <a:cxnLst/>
+              <a:rect l="l" t="t" r="r" b="b"/>
+              <a:pathLst>
+                <a:path w="10002" h="10000">
+                  <a:moveTo>
+                    <a:pt x="8763" y="0"/>
+                  </a:moveTo>
+                  <a:lnTo>
+                    <a:pt x="10002" y="0"/>
+                  </a:lnTo>
+                  <a:lnTo>
+                    <a:pt x="10002" y="10000"/>
+                  </a:lnTo>
+                  <a:lnTo>
+                    <a:pt x="2" y="10000"/>
+                  </a:lnTo>
+                  <a:cubicBezTo>
+                    <a:pt x="-2" y="9698"/>
+                    <a:pt x="4" y="9427"/>
+                    <a:pt x="0" y="9125"/>
+                  </a:cubicBezTo>
+                  <a:lnTo>
+                    <a:pt x="8763" y="9128"/>
+                  </a:lnTo>
+                  <a:lnTo>
+                    <a:pt x="8763" y="0"/>
+                  </a:lnTo>
+                  <a:close/>
+                </a:path>
+              </a:pathLst>
+            </a:custGeom>
+            <a:solidFill>
+              <a:schemeClr val="tx2"/>
+            </a:solidFill>
+            <a:ln w="0">
+              <a:noFill/>
+              <a:prstDash val="solid"/>
+              <a:round/>
+              <a:headEnd/>
+              <a:tailEnd/>
+            </a:ln>
+          </p:spPr>
+        </p:sp>
+      </p:grpSp>
+      <p:sp useBgFill="1">
+        <p:nvSpPr>
+          <p:cNvPr id="24" name="Rectangle 17">
+            <a:extLst>
+              <a:ext uri="{FF2B5EF4-FFF2-40B4-BE49-F238E27FC236}">
+                <a16:creationId xmlns:a16="http://schemas.microsoft.com/office/drawing/2014/main" id="{AAC11200-8B97-4CB4-99EF-7C0FA210F2C4}"/>
+              </a:ext>
+              <a:ext uri="{C183D7F6-B498-43B3-948B-1728B52AA6E4}">
+                <adec:decorative xmlns:adec="http://schemas.microsoft.com/office/drawing/2017/decorative" val="1"/>
+              </a:ext>
+            </a:extLst>
+          </p:cNvPr>
+          <p:cNvSpPr>
+            <a:spLocks noGrp="1" noRot="1" noChangeAspect="1" noMove="1" noResize="1" noEditPoints="1" noAdjustHandles="1" noChangeArrowheads="1" noChangeShapeType="1" noTextEdit="1"/>
+          </p:cNvSpPr>
+          <p:nvPr>
+            <p:extLst>
+              <p:ext uri="{386F3935-93C4-4BCD-93E2-E3B085C9AB24}">
+                <p16:designElem xmlns:p16="http://schemas.microsoft.com/office/powerpoint/2015/main" val="1"/>
+              </p:ext>
+            </p:extLst>
+          </p:nvPr>
         </p:nvSpPr>
         <p:spPr>
           <a:xfrm>
-            <a:off x="478095" y="376"/>
-            <a:ext cx="228600" cy="6858000"/>
+            <a:off x="0" y="0"/>
+            <a:ext cx="12192000" cy="6858000"/>
           </a:xfrm>
           <a:prstGeom prst="rect">
             <a:avLst/>
           </a:prstGeom>
-          <a:solidFill>
-            <a:schemeClr val="tx2"/>
-          </a:solidFill>
           <a:ln>
             <a:noFill/>
           </a:ln>
@@ -10306,8 +10643,8 @@
               <a:shade val="50000"/>
             </a:schemeClr>
           </a:lnRef>
-          <a:fillRef idx="1">
-            <a:schemeClr val="accent1"/>
+          <a:fillRef idx="1001">
+            <a:schemeClr val="lt2"/>
           </a:fillRef>
           <a:effectRef idx="0">
             <a:schemeClr val="accent1"/>
@@ -10316,31 +10653,207 @@
             <a:schemeClr val="lt1"/>
           </a:fontRef>
         </p:style>
+        <p:txBody>
+          <a:bodyPr rtlCol="0" anchor="ctr"/>
+          <a:lstStyle/>
+          <a:p>
+            <a:pPr algn="ctr"/>
+            <a:endParaRPr lang="en-US"/>
+          </a:p>
+        </p:txBody>
+      </p:sp>
+      <p:sp>
+        <p:nvSpPr>
+          <p:cNvPr id="2" name="Title 1"/>
+          <p:cNvSpPr>
+            <a:spLocks noGrp="1"/>
+          </p:cNvSpPr>
+          <p:nvPr>
+            <p:ph type="title"/>
+          </p:nvPr>
+        </p:nvSpPr>
+        <p:spPr>
+          <a:xfrm>
+            <a:off x="659230" y="4484772"/>
+            <a:ext cx="10869750" cy="1237298"/>
+          </a:xfrm>
+        </p:spPr>
+        <p:txBody>
+          <a:bodyPr vert="horz" lIns="91440" tIns="45720" rIns="91440" bIns="45720" rtlCol="0" anchor="b">
+            <a:normAutofit/>
+          </a:bodyPr>
+          <a:lstStyle/>
+          <a:p>
+            <a:pPr algn="ctr"/>
+            <a:r>
+              <a:rPr lang="en-US" sz="7200" cap="all"/>
+              <a:t>Input Password</a:t>
+            </a:r>
+          </a:p>
+        </p:txBody>
+      </p:sp>
+      <p:sp>
+        <p:nvSpPr>
+          <p:cNvPr id="9" name="Content Placeholder 8"/>
+          <p:cNvSpPr>
+            <a:spLocks noGrp="1"/>
+          </p:cNvSpPr>
+          <p:nvPr>
+            <p:ph idx="1"/>
+          </p:nvPr>
+        </p:nvSpPr>
+        <p:spPr>
+          <a:xfrm>
+            <a:off x="659230" y="5722070"/>
+            <a:ext cx="10869750" cy="509048"/>
+          </a:xfrm>
+        </p:spPr>
+        <p:txBody>
+          <a:bodyPr vert="horz" lIns="91440" tIns="45720" rIns="91440" bIns="45720" rtlCol="0">
+            <a:normAutofit fontScale="70000" lnSpcReduction="20000"/>
+          </a:bodyPr>
+          <a:lstStyle/>
+          <a:p>
+            <a:pPr marL="0" indent="0" algn="ctr">
+              <a:lnSpc>
+                <a:spcPct val="102000"/>
+              </a:lnSpc>
+              <a:spcBef>
+                <a:spcPts val="0"/>
+              </a:spcBef>
+              <a:spcAft>
+                <a:spcPts val="600"/>
+              </a:spcAft>
+              <a:buNone/>
+            </a:pPr>
+            <a:r>
+              <a:rPr lang="en-US" sz="1300" dirty="0"/>
+              <a:t>Never stored in bookmarks</a:t>
+            </a:r>
+          </a:p>
+          <a:p>
+            <a:pPr marL="0" indent="0" algn="ctr">
+              <a:lnSpc>
+                <a:spcPct val="102000"/>
+              </a:lnSpc>
+              <a:spcBef>
+                <a:spcPts val="0"/>
+              </a:spcBef>
+              <a:spcAft>
+                <a:spcPts val="600"/>
+              </a:spcAft>
+              <a:buNone/>
+            </a:pPr>
+            <a:r>
+              <a:rPr lang="en-US" sz="1300" dirty="0"/>
+              <a:t>Works like Text Input</a:t>
+            </a:r>
+            <a:br>
+              <a:rPr lang="en-US" sz="1300" dirty="0"/>
+            </a:br>
+            <a:endParaRPr lang="en-US" sz="1300" dirty="0"/>
+          </a:p>
+        </p:txBody>
+      </p:sp>
+      <p:sp>
+        <p:nvSpPr>
+          <p:cNvPr id="25" name="Freeform 6">
+            <a:extLst>
+              <a:ext uri="{FF2B5EF4-FFF2-40B4-BE49-F238E27FC236}">
+                <a16:creationId xmlns:a16="http://schemas.microsoft.com/office/drawing/2014/main" id="{BB502E7E-3C82-47F3-B817-7507C01A1FCD}"/>
+              </a:ext>
+              <a:ext uri="{C183D7F6-B498-43B3-948B-1728B52AA6E4}">
+                <adec:decorative xmlns:adec="http://schemas.microsoft.com/office/drawing/2017/decorative" val="1"/>
+              </a:ext>
+            </a:extLst>
+          </p:cNvPr>
+          <p:cNvSpPr>
+            <a:spLocks noGrp="1" noRot="1" noChangeAspect="1" noMove="1" noResize="1" noEditPoints="1" noAdjustHandles="1" noChangeArrowheads="1" noChangeShapeType="1" noTextEdit="1"/>
+          </p:cNvSpPr>
+          <p:nvPr>
+            <p:extLst>
+              <p:ext uri="{386F3935-93C4-4BCD-93E2-E3B085C9AB24}">
+                <p16:designElem xmlns:p16="http://schemas.microsoft.com/office/powerpoint/2015/main" val="1"/>
+              </p:ext>
+            </p:extLst>
+          </p:nvPr>
+        </p:nvSpPr>
+        <p:spPr bwMode="auto">
+          <a:xfrm rot="5400000" flipH="1">
+            <a:off x="1046527" y="-133294"/>
+            <a:ext cx="3275668" cy="4408488"/>
+          </a:xfrm>
+          <a:custGeom>
+            <a:avLst/>
+            <a:gdLst/>
+            <a:ahLst/>
+            <a:cxnLst/>
+            <a:rect l="l" t="t" r="r" b="b"/>
+            <a:pathLst>
+              <a:path w="10002" h="10000">
+                <a:moveTo>
+                  <a:pt x="8763" y="0"/>
+                </a:moveTo>
+                <a:lnTo>
+                  <a:pt x="10002" y="0"/>
+                </a:lnTo>
+                <a:lnTo>
+                  <a:pt x="10002" y="10000"/>
+                </a:lnTo>
+                <a:lnTo>
+                  <a:pt x="2" y="10000"/>
+                </a:lnTo>
+                <a:cubicBezTo>
+                  <a:pt x="-2" y="9698"/>
+                  <a:pt x="4" y="9427"/>
+                  <a:pt x="0" y="9125"/>
+                </a:cubicBezTo>
+                <a:lnTo>
+                  <a:pt x="8763" y="9128"/>
+                </a:lnTo>
+                <a:lnTo>
+                  <a:pt x="8763" y="0"/>
+                </a:lnTo>
+                <a:close/>
+              </a:path>
+            </a:pathLst>
+          </a:custGeom>
+          <a:solidFill>
+            <a:schemeClr val="tx2"/>
+          </a:solidFill>
+          <a:ln w="0">
+            <a:noFill/>
+            <a:prstDash val="solid"/>
+            <a:round/>
+            <a:headEnd/>
+            <a:tailEnd/>
+          </a:ln>
+        </p:spPr>
       </p:sp>
       <p:pic>
         <p:nvPicPr>
-          <p:cNvPr id="7" name="Content Placeholder 3"/>
+          <p:cNvPr id="4" name="Picture 3">
+            <a:extLst>
+              <a:ext uri="{FF2B5EF4-FFF2-40B4-BE49-F238E27FC236}">
+                <a16:creationId xmlns:a16="http://schemas.microsoft.com/office/drawing/2014/main" id="{E1F82279-CECA-AE43-A8DD-2FDBA34AA88D}"/>
+              </a:ext>
+            </a:extLst>
+          </p:cNvPr>
           <p:cNvPicPr>
             <a:picLocks noChangeAspect="1"/>
           </p:cNvPicPr>
           <p:nvPr/>
         </p:nvPicPr>
         <p:blipFill>
-          <a:blip r:embed="rId2">
-            <a:extLst>
-              <a:ext uri="{28A0092B-C50C-407E-A947-70E740481C1C}">
-                <a14:useLocalDpi xmlns:a14="http://schemas.microsoft.com/office/drawing/2010/main" val="0"/>
-              </a:ext>
-            </a:extLst>
-          </a:blip>
+          <a:blip r:embed="rId2"/>
           <a:stretch>
             <a:fillRect/>
           </a:stretch>
         </p:blipFill>
         <p:spPr>
           <a:xfrm>
-            <a:off x="1023561" y="1193047"/>
-            <a:ext cx="6517065" cy="4151863"/>
+            <a:off x="1182863" y="1792891"/>
+            <a:ext cx="4815608" cy="1300214"/>
           </a:xfrm>
           <a:prstGeom prst="rect">
             <a:avLst/>
@@ -10349,44 +10862,111 @@
       </p:pic>
       <p:sp>
         <p:nvSpPr>
-          <p:cNvPr id="9" name="Content Placeholder 8"/>
-          <p:cNvSpPr>
-            <a:spLocks noGrp="1"/>
-          </p:cNvSpPr>
-          <p:nvPr>
-            <p:ph idx="1"/>
-          </p:nvPr>
-        </p:nvSpPr>
+          <p:cNvPr id="22" name="Freeform 6">
+            <a:extLst>
+              <a:ext uri="{FF2B5EF4-FFF2-40B4-BE49-F238E27FC236}">
+                <a16:creationId xmlns:a16="http://schemas.microsoft.com/office/drawing/2014/main" id="{3E5C639E-7A0B-46B2-9273-986E8BE7F119}"/>
+              </a:ext>
+              <a:ext uri="{C183D7F6-B498-43B3-948B-1728B52AA6E4}">
+                <adec:decorative xmlns:adec="http://schemas.microsoft.com/office/drawing/2017/decorative" val="1"/>
+              </a:ext>
+            </a:extLst>
+          </p:cNvPr>
+          <p:cNvSpPr>
+            <a:spLocks noGrp="1" noRot="1" noChangeAspect="1" noMove="1" noResize="1" noEditPoints="1" noAdjustHandles="1" noChangeArrowheads="1" noChangeShapeType="1" noTextEdit="1"/>
+          </p:cNvSpPr>
+          <p:nvPr>
+            <p:extLst>
+              <p:ext uri="{386F3935-93C4-4BCD-93E2-E3B085C9AB24}">
+                <p16:designElem xmlns:p16="http://schemas.microsoft.com/office/powerpoint/2015/main" val="1"/>
+              </p:ext>
+            </p:extLst>
+          </p:nvPr>
+        </p:nvSpPr>
+        <p:spPr bwMode="auto">
+          <a:xfrm rot="5400000" flipV="1">
+            <a:off x="7838485" y="614084"/>
+            <a:ext cx="3275013" cy="4408488"/>
+          </a:xfrm>
+          <a:custGeom>
+            <a:avLst/>
+            <a:gdLst/>
+            <a:ahLst/>
+            <a:cxnLst/>
+            <a:rect l="l" t="t" r="r" b="b"/>
+            <a:pathLst>
+              <a:path w="10000" h="10000">
+                <a:moveTo>
+                  <a:pt x="8761" y="0"/>
+                </a:moveTo>
+                <a:lnTo>
+                  <a:pt x="10000" y="0"/>
+                </a:lnTo>
+                <a:lnTo>
+                  <a:pt x="10000" y="10000"/>
+                </a:lnTo>
+                <a:lnTo>
+                  <a:pt x="0" y="10000"/>
+                </a:lnTo>
+                <a:lnTo>
+                  <a:pt x="0" y="9126"/>
+                </a:lnTo>
+                <a:lnTo>
+                  <a:pt x="8761" y="9127"/>
+                </a:lnTo>
+                <a:lnTo>
+                  <a:pt x="8761" y="0"/>
+                </a:lnTo>
+                <a:close/>
+              </a:path>
+            </a:pathLst>
+          </a:custGeom>
+          <a:solidFill>
+            <a:schemeClr val="tx2"/>
+          </a:solidFill>
+          <a:ln w="0">
+            <a:noFill/>
+            <a:prstDash val="solid"/>
+            <a:round/>
+            <a:headEnd/>
+            <a:tailEnd/>
+          </a:ln>
+        </p:spPr>
+      </p:sp>
+      <p:pic>
+        <p:nvPicPr>
+          <p:cNvPr id="6" name="Picture 5">
+            <a:extLst>
+              <a:ext uri="{FF2B5EF4-FFF2-40B4-BE49-F238E27FC236}">
+                <a16:creationId xmlns:a16="http://schemas.microsoft.com/office/drawing/2014/main" id="{2C85EDD0-EC2C-E540-B4DD-C63BB19238C5}"/>
+              </a:ext>
+            </a:extLst>
+          </p:cNvPr>
+          <p:cNvPicPr>
+            <a:picLocks noChangeAspect="1"/>
+          </p:cNvPicPr>
+          <p:nvPr/>
+        </p:nvPicPr>
+        <p:blipFill>
+          <a:blip r:embed="rId3"/>
+          <a:stretch>
+            <a:fillRect/>
+          </a:stretch>
+        </p:blipFill>
         <p:spPr>
           <a:xfrm>
-            <a:off x="7860667" y="2286000"/>
-            <a:ext cx="3656419" cy="3581400"/>
-          </a:xfrm>
-        </p:spPr>
-        <p:txBody>
-          <a:bodyPr>
-            <a:normAutofit/>
-          </a:bodyPr>
-          <a:lstStyle/>
-          <a:p>
-            <a:r>
-              <a:rPr lang="en-US"/>
-              <a:t>Only one option</a:t>
-            </a:r>
-          </a:p>
-          <a:p>
-            <a:r>
-              <a:rPr lang="en-US"/>
-              <a:t>Value can be dictated in your code, but will default to the value of the text in the choices field</a:t>
-            </a:r>
-            <a:endParaRPr lang="en-US" dirty="0"/>
-          </a:p>
-        </p:txBody>
-      </p:sp>
+            <a:off x="6161882" y="1822661"/>
+            <a:ext cx="4818153" cy="1240673"/>
+          </a:xfrm>
+          <a:prstGeom prst="rect">
+            <a:avLst/>
+          </a:prstGeom>
+        </p:spPr>
+      </p:pic>
     </p:spTree>
     <p:extLst>
       <p:ext uri="{BB962C8B-B14F-4D97-AF65-F5344CB8AC3E}">
-        <p14:creationId xmlns:p14="http://schemas.microsoft.com/office/powerpoint/2010/main" val="3123657217"/>
+        <p14:creationId xmlns:p14="http://schemas.microsoft.com/office/powerpoint/2010/main" val="4167787750"/>
       </p:ext>
     </p:extLst>
   </p:cSld>
@@ -10433,8 +11013,8 @@
         </p:nvSpPr>
         <p:spPr>
           <a:xfrm>
-            <a:off x="1023562" y="685800"/>
-            <a:ext cx="10493524" cy="1485900"/>
+            <a:off x="7860667" y="685800"/>
+            <a:ext cx="3656419" cy="1485900"/>
           </a:xfrm>
         </p:spPr>
         <p:txBody>
@@ -10444,9 +11024,10 @@
           <a:lstStyle/>
           <a:p>
             <a:r>
-              <a:rPr lang="en-US" dirty="0"/>
-              <a:t>Select input</a:t>
-            </a:r>
+              <a:rPr lang="en-US"/>
+              <a:t>Radio Buttons</a:t>
+            </a:r>
+            <a:endParaRPr lang="en-US" dirty="0"/>
           </a:p>
         </p:txBody>
       </p:sp>
@@ -10455,7 +11036,7 @@
           <p:cNvPr id="14" name="Rectangle 13">
             <a:extLst>
               <a:ext uri="{FF2B5EF4-FFF2-40B4-BE49-F238E27FC236}">
-                <a16:creationId xmlns:a16="http://schemas.microsoft.com/office/drawing/2014/main" id="{B9F89C22-0475-4427-B7C8-0269AD40E3EC}"/>
+                <a16:creationId xmlns:a16="http://schemas.microsoft.com/office/drawing/2014/main" id="{BEC9E7FA-3295-45ED-8253-D23F9E44E1DA}"/>
               </a:ext>
               <a:ext uri="{C183D7F6-B498-43B3-948B-1728B52AA6E4}">
                 <adec:decorative xmlns:adec="http://schemas.microsoft.com/office/drawing/2017/decorative" val="1"/>
@@ -10504,47 +11085,6 @@
             <a:schemeClr val="lt1"/>
           </a:fontRef>
         </p:style>
-      </p:sp>
-      <p:sp>
-        <p:nvSpPr>
-          <p:cNvPr id="9" name="Content Placeholder 8"/>
-          <p:cNvSpPr>
-            <a:spLocks noGrp="1"/>
-          </p:cNvSpPr>
-          <p:nvPr>
-            <p:ph idx="1"/>
-          </p:nvPr>
-        </p:nvSpPr>
-        <p:spPr>
-          <a:xfrm>
-            <a:off x="1023562" y="2286000"/>
-            <a:ext cx="5072437" cy="3581400"/>
-          </a:xfrm>
-        </p:spPr>
-        <p:txBody>
-          <a:bodyPr>
-            <a:normAutofit/>
-          </a:bodyPr>
-          <a:lstStyle/>
-          <a:p>
-            <a:r>
-              <a:rPr lang="en-US" sz="1800"/>
-              <a:t>Can be set to only one selected option or multiple</a:t>
-            </a:r>
-          </a:p>
-          <a:p>
-            <a:r>
-              <a:rPr lang="en-US" sz="1800"/>
-              <a:t>Value can be dictated in your code, but will default to the value of the text in the choices field</a:t>
-            </a:r>
-          </a:p>
-          <a:p>
-            <a:r>
-              <a:rPr lang="en-US" sz="1800"/>
-              <a:t>Stored either as a single object or as a list</a:t>
-            </a:r>
-          </a:p>
-        </p:txBody>
       </p:sp>
       <p:pic>
         <p:nvPicPr>
@@ -10568,18 +11108,54 @@
         </p:blipFill>
         <p:spPr>
           <a:xfrm>
-            <a:off x="6411641" y="2805910"/>
-            <a:ext cx="5105445" cy="2631267"/>
+            <a:off x="1023561" y="1193047"/>
+            <a:ext cx="6517065" cy="4151863"/>
           </a:xfrm>
           <a:prstGeom prst="rect">
             <a:avLst/>
           </a:prstGeom>
         </p:spPr>
       </p:pic>
+      <p:sp>
+        <p:nvSpPr>
+          <p:cNvPr id="9" name="Content Placeholder 8"/>
+          <p:cNvSpPr>
+            <a:spLocks noGrp="1"/>
+          </p:cNvSpPr>
+          <p:nvPr>
+            <p:ph idx="1"/>
+          </p:nvPr>
+        </p:nvSpPr>
+        <p:spPr>
+          <a:xfrm>
+            <a:off x="7860667" y="2286000"/>
+            <a:ext cx="3656419" cy="3581400"/>
+          </a:xfrm>
+        </p:spPr>
+        <p:txBody>
+          <a:bodyPr>
+            <a:normAutofit/>
+          </a:bodyPr>
+          <a:lstStyle/>
+          <a:p>
+            <a:r>
+              <a:rPr lang="en-US"/>
+              <a:t>Only one option</a:t>
+            </a:r>
+          </a:p>
+          <a:p>
+            <a:r>
+              <a:rPr lang="en-US"/>
+              <a:t>Value can be dictated in your code, but will default to the value of the text in the choices field</a:t>
+            </a:r>
+            <a:endParaRPr lang="en-US" dirty="0"/>
+          </a:p>
+        </p:txBody>
+      </p:sp>
     </p:spTree>
     <p:extLst>
       <p:ext uri="{BB962C8B-B14F-4D97-AF65-F5344CB8AC3E}">
-        <p14:creationId xmlns:p14="http://schemas.microsoft.com/office/powerpoint/2010/main" val="986184212"/>
+        <p14:creationId xmlns:p14="http://schemas.microsoft.com/office/powerpoint/2010/main" val="3123657217"/>
       </p:ext>
     </p:extLst>
   </p:cSld>

--- a/Class_4.pptx
+++ b/Class_4.pptx
@@ -5,30 +5,31 @@
     <p:sldMasterId id="2147483648" r:id="rId1"/>
   </p:sldMasterIdLst>
   <p:notesMasterIdLst>
-    <p:notesMasterId r:id="rId23"/>
+    <p:notesMasterId r:id="rId24"/>
   </p:notesMasterIdLst>
   <p:sldIdLst>
     <p:sldId id="292" r:id="rId2"/>
-    <p:sldId id="294" r:id="rId3"/>
-    <p:sldId id="295" r:id="rId4"/>
-    <p:sldId id="296" r:id="rId5"/>
-    <p:sldId id="297" r:id="rId6"/>
-    <p:sldId id="298" r:id="rId7"/>
-    <p:sldId id="299" r:id="rId8"/>
-    <p:sldId id="351" r:id="rId9"/>
-    <p:sldId id="300" r:id="rId10"/>
-    <p:sldId id="301" r:id="rId11"/>
-    <p:sldId id="302" r:id="rId12"/>
-    <p:sldId id="303" r:id="rId13"/>
-    <p:sldId id="304" r:id="rId14"/>
-    <p:sldId id="305" r:id="rId15"/>
-    <p:sldId id="306" r:id="rId16"/>
-    <p:sldId id="307" r:id="rId17"/>
-    <p:sldId id="350" r:id="rId18"/>
-    <p:sldId id="293" r:id="rId19"/>
-    <p:sldId id="308" r:id="rId20"/>
-    <p:sldId id="309" r:id="rId21"/>
-    <p:sldId id="310" r:id="rId22"/>
+    <p:sldId id="352" r:id="rId3"/>
+    <p:sldId id="294" r:id="rId4"/>
+    <p:sldId id="295" r:id="rId5"/>
+    <p:sldId id="296" r:id="rId6"/>
+    <p:sldId id="297" r:id="rId7"/>
+    <p:sldId id="298" r:id="rId8"/>
+    <p:sldId id="299" r:id="rId9"/>
+    <p:sldId id="351" r:id="rId10"/>
+    <p:sldId id="300" r:id="rId11"/>
+    <p:sldId id="301" r:id="rId12"/>
+    <p:sldId id="302" r:id="rId13"/>
+    <p:sldId id="303" r:id="rId14"/>
+    <p:sldId id="304" r:id="rId15"/>
+    <p:sldId id="305" r:id="rId16"/>
+    <p:sldId id="306" r:id="rId17"/>
+    <p:sldId id="307" r:id="rId18"/>
+    <p:sldId id="350" r:id="rId19"/>
+    <p:sldId id="293" r:id="rId20"/>
+    <p:sldId id="308" r:id="rId21"/>
+    <p:sldId id="309" r:id="rId22"/>
+    <p:sldId id="310" r:id="rId23"/>
   </p:sldIdLst>
   <p:sldSz cx="12192000" cy="6858000"/>
   <p:notesSz cx="6858000" cy="9144000"/>
@@ -2745,7 +2746,7 @@
           <a:p>
             <a:fld id="{3F70B44A-D58A-1947-965D-B8F6A0A7BA33}" type="datetimeFigureOut">
               <a:rPr lang="en-US" smtClean="0"/>
-              <a:t>8/23/18</a:t>
+              <a:t>9/4/18</a:t>
             </a:fld>
             <a:endParaRPr lang="en-US"/>
           </a:p>
@@ -3182,7 +3183,7 @@
             <a:fld id="{87DE6118-2437-4B30-8E3C-4D2BE6020583}" type="datetimeFigureOut">
               <a:rPr lang="en-US" dirty="0"/>
               <a:pPr/>
-              <a:t>8/23/18</a:t>
+              <a:t>9/4/18</a:t>
             </a:fld>
             <a:endParaRPr lang="en-US" dirty="0"/>
           </a:p>
@@ -3508,7 +3509,7 @@
           <a:p>
             <a:fld id="{87DE6118-2437-4B30-8E3C-4D2BE6020583}" type="datetimeFigureOut">
               <a:rPr lang="en-US" dirty="0"/>
-              <a:t>8/23/18</a:t>
+              <a:t>9/4/18</a:t>
             </a:fld>
             <a:endParaRPr lang="en-US" dirty="0"/>
           </a:p>
@@ -3683,7 +3684,7 @@
           <a:p>
             <a:fld id="{87DE6118-2437-4B30-8E3C-4D2BE6020583}" type="datetimeFigureOut">
               <a:rPr lang="en-US" dirty="0"/>
-              <a:t>8/23/18</a:t>
+              <a:t>9/4/18</a:t>
             </a:fld>
             <a:endParaRPr lang="en-US" dirty="0"/>
           </a:p>
@@ -3848,7 +3849,7 @@
           <a:p>
             <a:fld id="{87DE6118-2437-4B30-8E3C-4D2BE6020583}" type="datetimeFigureOut">
               <a:rPr lang="en-US" dirty="0"/>
-              <a:t>8/23/18</a:t>
+              <a:t>9/4/18</a:t>
             </a:fld>
             <a:endParaRPr lang="en-US" dirty="0"/>
           </a:p>
@@ -4121,7 +4122,7 @@
             <a:fld id="{87DE6118-2437-4B30-8E3C-4D2BE6020583}" type="datetimeFigureOut">
               <a:rPr lang="en-US" dirty="0"/>
               <a:pPr/>
-              <a:t>8/23/18</a:t>
+              <a:t>9/4/18</a:t>
             </a:fld>
             <a:endParaRPr lang="en-US" dirty="0"/>
           </a:p>
@@ -4511,7 +4512,7 @@
           <a:p>
             <a:fld id="{87DE6118-2437-4B30-8E3C-4D2BE6020583}" type="datetimeFigureOut">
               <a:rPr lang="en-US" dirty="0"/>
-              <a:t>8/23/18</a:t>
+              <a:t>9/4/18</a:t>
             </a:fld>
             <a:endParaRPr lang="en-US" dirty="0"/>
           </a:p>
@@ -4983,7 +4984,7 @@
           <a:p>
             <a:fld id="{87DE6118-2437-4B30-8E3C-4D2BE6020583}" type="datetimeFigureOut">
               <a:rPr lang="en-US" dirty="0"/>
-              <a:t>8/23/18</a:t>
+              <a:t>9/4/18</a:t>
             </a:fld>
             <a:endParaRPr lang="en-US" dirty="0"/>
           </a:p>
@@ -5096,7 +5097,7 @@
           <a:p>
             <a:fld id="{87DE6118-2437-4B30-8E3C-4D2BE6020583}" type="datetimeFigureOut">
               <a:rPr lang="en-US" dirty="0"/>
-              <a:t>8/23/18</a:t>
+              <a:t>9/4/18</a:t>
             </a:fld>
             <a:endParaRPr lang="en-US" dirty="0"/>
           </a:p>
@@ -5186,7 +5187,7 @@
           <a:p>
             <a:fld id="{87DE6118-2437-4B30-8E3C-4D2BE6020583}" type="datetimeFigureOut">
               <a:rPr lang="en-US" dirty="0"/>
-              <a:t>8/23/18</a:t>
+              <a:t>9/4/18</a:t>
             </a:fld>
             <a:endParaRPr lang="en-US" dirty="0"/>
           </a:p>
@@ -5528,7 +5529,7 @@
             <a:fld id="{87DE6118-2437-4B30-8E3C-4D2BE6020583}" type="datetimeFigureOut">
               <a:rPr lang="en-US" dirty="0"/>
               <a:pPr/>
-              <a:t>8/23/18</a:t>
+              <a:t>9/4/18</a:t>
             </a:fld>
             <a:endParaRPr lang="en-US" dirty="0"/>
           </a:p>
@@ -5913,7 +5914,7 @@
             <a:fld id="{87DE6118-2437-4B30-8E3C-4D2BE6020583}" type="datetimeFigureOut">
               <a:rPr lang="en-US" dirty="0"/>
               <a:pPr/>
-              <a:t>8/23/18</a:t>
+              <a:t>9/4/18</a:t>
             </a:fld>
             <a:endParaRPr lang="en-US" dirty="0"/>
           </a:p>
@@ -6188,7 +6189,7 @@
             <a:fld id="{87DE6118-2437-4B30-8E3C-4D2BE6020583}" type="datetimeFigureOut">
               <a:rPr lang="en-US" dirty="0"/>
               <a:pPr/>
-              <a:t>8/23/18</a:t>
+              <a:t>9/4/18</a:t>
             </a:fld>
             <a:endParaRPr lang="en-US" dirty="0"/>
           </a:p>
@@ -6799,8 +6800,8 @@
         </p:nvSpPr>
         <p:spPr>
           <a:xfrm>
-            <a:off x="1023562" y="685800"/>
-            <a:ext cx="10493524" cy="1485900"/>
+            <a:off x="7860667" y="685800"/>
+            <a:ext cx="3656419" cy="1485900"/>
           </a:xfrm>
         </p:spPr>
         <p:txBody>
@@ -6810,9 +6811,10 @@
           <a:lstStyle/>
           <a:p>
             <a:r>
-              <a:rPr lang="en-US" dirty="0"/>
-              <a:t>Select input</a:t>
-            </a:r>
+              <a:rPr lang="en-US"/>
+              <a:t>Radio Buttons</a:t>
+            </a:r>
+            <a:endParaRPr lang="en-US" dirty="0"/>
           </a:p>
         </p:txBody>
       </p:sp>
@@ -6821,7 +6823,7 @@
           <p:cNvPr id="14" name="Rectangle 13">
             <a:extLst>
               <a:ext uri="{FF2B5EF4-FFF2-40B4-BE49-F238E27FC236}">
-                <a16:creationId xmlns:a16="http://schemas.microsoft.com/office/drawing/2014/main" id="{B9F89C22-0475-4427-B7C8-0269AD40E3EC}"/>
+                <a16:creationId xmlns:a16="http://schemas.microsoft.com/office/drawing/2014/main" id="{BEC9E7FA-3295-45ED-8253-D23F9E44E1DA}"/>
               </a:ext>
               <a:ext uri="{C183D7F6-B498-43B3-948B-1728B52AA6E4}">
                 <adec:decorative xmlns:adec="http://schemas.microsoft.com/office/drawing/2017/decorative" val="1"/>
@@ -6870,47 +6872,6 @@
             <a:schemeClr val="lt1"/>
           </a:fontRef>
         </p:style>
-      </p:sp>
-      <p:sp>
-        <p:nvSpPr>
-          <p:cNvPr id="9" name="Content Placeholder 8"/>
-          <p:cNvSpPr>
-            <a:spLocks noGrp="1"/>
-          </p:cNvSpPr>
-          <p:nvPr>
-            <p:ph idx="1"/>
-          </p:nvPr>
-        </p:nvSpPr>
-        <p:spPr>
-          <a:xfrm>
-            <a:off x="1023562" y="2286000"/>
-            <a:ext cx="5072437" cy="3581400"/>
-          </a:xfrm>
-        </p:spPr>
-        <p:txBody>
-          <a:bodyPr>
-            <a:normAutofit/>
-          </a:bodyPr>
-          <a:lstStyle/>
-          <a:p>
-            <a:r>
-              <a:rPr lang="en-US" sz="1800"/>
-              <a:t>Can be set to only one selected option or multiple</a:t>
-            </a:r>
-          </a:p>
-          <a:p>
-            <a:r>
-              <a:rPr lang="en-US" sz="1800"/>
-              <a:t>Value can be dictated in your code, but will default to the value of the text in the choices field</a:t>
-            </a:r>
-          </a:p>
-          <a:p>
-            <a:r>
-              <a:rPr lang="en-US" sz="1800"/>
-              <a:t>Stored either as a single object or as a list</a:t>
-            </a:r>
-          </a:p>
-        </p:txBody>
       </p:sp>
       <p:pic>
         <p:nvPicPr>
@@ -6934,18 +6895,54 @@
         </p:blipFill>
         <p:spPr>
           <a:xfrm>
-            <a:off x="6411641" y="2805910"/>
-            <a:ext cx="5105445" cy="2631267"/>
+            <a:off x="1023561" y="1193047"/>
+            <a:ext cx="6517065" cy="4151863"/>
           </a:xfrm>
           <a:prstGeom prst="rect">
             <a:avLst/>
           </a:prstGeom>
         </p:spPr>
       </p:pic>
+      <p:sp>
+        <p:nvSpPr>
+          <p:cNvPr id="9" name="Content Placeholder 8"/>
+          <p:cNvSpPr>
+            <a:spLocks noGrp="1"/>
+          </p:cNvSpPr>
+          <p:nvPr>
+            <p:ph idx="1"/>
+          </p:nvPr>
+        </p:nvSpPr>
+        <p:spPr>
+          <a:xfrm>
+            <a:off x="7860667" y="2286000"/>
+            <a:ext cx="3656419" cy="3581400"/>
+          </a:xfrm>
+        </p:spPr>
+        <p:txBody>
+          <a:bodyPr>
+            <a:normAutofit/>
+          </a:bodyPr>
+          <a:lstStyle/>
+          <a:p>
+            <a:r>
+              <a:rPr lang="en-US"/>
+              <a:t>Only one option</a:t>
+            </a:r>
+          </a:p>
+          <a:p>
+            <a:r>
+              <a:rPr lang="en-US"/>
+              <a:t>Value can be dictated in your code, but will default to the value of the text in the choices field</a:t>
+            </a:r>
+            <a:endParaRPr lang="en-US" dirty="0"/>
+          </a:p>
+        </p:txBody>
+      </p:sp>
     </p:spTree>
     <p:extLst>
       <p:ext uri="{BB962C8B-B14F-4D97-AF65-F5344CB8AC3E}">
-        <p14:creationId xmlns:p14="http://schemas.microsoft.com/office/powerpoint/2010/main" val="986184212"/>
+        <p14:creationId xmlns:p14="http://schemas.microsoft.com/office/powerpoint/2010/main" val="3123657217"/>
       </p:ext>
     </p:extLst>
   </p:cSld>
@@ -6992,8 +6989,8 @@
         </p:nvSpPr>
         <p:spPr>
           <a:xfrm>
-            <a:off x="7860667" y="685800"/>
-            <a:ext cx="3656419" cy="1485900"/>
+            <a:off x="1023562" y="685800"/>
+            <a:ext cx="10493524" cy="1485900"/>
           </a:xfrm>
         </p:spPr>
         <p:txBody>
@@ -7003,19 +7000,18 @@
           <a:lstStyle/>
           <a:p>
             <a:r>
-              <a:rPr lang="en-US"/>
-              <a:t>Checkbox Group</a:t>
-            </a:r>
-            <a:endParaRPr lang="en-US" dirty="0"/>
+              <a:rPr lang="en-US" dirty="0"/>
+              <a:t>Select input</a:t>
+            </a:r>
           </a:p>
         </p:txBody>
       </p:sp>
       <p:sp>
         <p:nvSpPr>
-          <p:cNvPr id="16" name="Rectangle 13">
+          <p:cNvPr id="14" name="Rectangle 13">
             <a:extLst>
               <a:ext uri="{FF2B5EF4-FFF2-40B4-BE49-F238E27FC236}">
-                <a16:creationId xmlns:a16="http://schemas.microsoft.com/office/drawing/2014/main" id="{BEC9E7FA-3295-45ED-8253-D23F9E44E1DA}"/>
+                <a16:creationId xmlns:a16="http://schemas.microsoft.com/office/drawing/2014/main" id="{B9F89C22-0475-4427-B7C8-0269AD40E3EC}"/>
               </a:ext>
               <a:ext uri="{C183D7F6-B498-43B3-948B-1728B52AA6E4}">
                 <adec:decorative xmlns:adec="http://schemas.microsoft.com/office/drawing/2017/decorative" val="1"/>
@@ -7064,6 +7060,47 @@
             <a:schemeClr val="lt1"/>
           </a:fontRef>
         </p:style>
+      </p:sp>
+      <p:sp>
+        <p:nvSpPr>
+          <p:cNvPr id="9" name="Content Placeholder 8"/>
+          <p:cNvSpPr>
+            <a:spLocks noGrp="1"/>
+          </p:cNvSpPr>
+          <p:nvPr>
+            <p:ph idx="1"/>
+          </p:nvPr>
+        </p:nvSpPr>
+        <p:spPr>
+          <a:xfrm>
+            <a:off x="1023562" y="2286000"/>
+            <a:ext cx="5072437" cy="3581400"/>
+          </a:xfrm>
+        </p:spPr>
+        <p:txBody>
+          <a:bodyPr>
+            <a:normAutofit/>
+          </a:bodyPr>
+          <a:lstStyle/>
+          <a:p>
+            <a:r>
+              <a:rPr lang="en-US" sz="1800"/>
+              <a:t>Can be set to only one selected option or multiple</a:t>
+            </a:r>
+          </a:p>
+          <a:p>
+            <a:r>
+              <a:rPr lang="en-US" sz="1800"/>
+              <a:t>Value can be dictated in your code, but will default to the value of the text in the choices field</a:t>
+            </a:r>
+          </a:p>
+          <a:p>
+            <a:r>
+              <a:rPr lang="en-US" sz="1800"/>
+              <a:t>Stored either as a single object or as a list</a:t>
+            </a:r>
+          </a:p>
+        </p:txBody>
       </p:sp>
       <p:pic>
         <p:nvPicPr>
@@ -7087,6 +7124,159 @@
         </p:blipFill>
         <p:spPr>
           <a:xfrm>
+            <a:off x="6411641" y="2805910"/>
+            <a:ext cx="5105445" cy="2631267"/>
+          </a:xfrm>
+          <a:prstGeom prst="rect">
+            <a:avLst/>
+          </a:prstGeom>
+        </p:spPr>
+      </p:pic>
+    </p:spTree>
+    <p:extLst>
+      <p:ext uri="{BB962C8B-B14F-4D97-AF65-F5344CB8AC3E}">
+        <p14:creationId xmlns:p14="http://schemas.microsoft.com/office/powerpoint/2010/main" val="986184212"/>
+      </p:ext>
+    </p:extLst>
+  </p:cSld>
+  <p:clrMapOvr>
+    <a:masterClrMapping/>
+  </p:clrMapOvr>
+</p:sld>
+</file>
+
+<file path=ppt/slides/slide12.xml><?xml version="1.0" encoding="utf-8"?>
+<p:sld xmlns:a="http://schemas.openxmlformats.org/drawingml/2006/main" xmlns:r="http://schemas.openxmlformats.org/officeDocument/2006/relationships" xmlns:p="http://schemas.openxmlformats.org/presentationml/2006/main">
+  <p:cSld>
+    <p:bg>
+      <p:bgPr>
+        <a:solidFill>
+          <a:schemeClr val="bg2"/>
+        </a:solidFill>
+        <a:effectLst/>
+      </p:bgPr>
+    </p:bg>
+    <p:spTree>
+      <p:nvGrpSpPr>
+        <p:cNvPr id="1" name=""/>
+        <p:cNvGrpSpPr/>
+        <p:nvPr/>
+      </p:nvGrpSpPr>
+      <p:grpSpPr>
+        <a:xfrm>
+          <a:off x="0" y="0"/>
+          <a:ext cx="0" cy="0"/>
+          <a:chOff x="0" y="0"/>
+          <a:chExt cx="0" cy="0"/>
+        </a:xfrm>
+      </p:grpSpPr>
+      <p:sp>
+        <p:nvSpPr>
+          <p:cNvPr id="2" name="Title 1"/>
+          <p:cNvSpPr>
+            <a:spLocks noGrp="1"/>
+          </p:cNvSpPr>
+          <p:nvPr>
+            <p:ph type="title"/>
+          </p:nvPr>
+        </p:nvSpPr>
+        <p:spPr>
+          <a:xfrm>
+            <a:off x="7860667" y="685800"/>
+            <a:ext cx="3656419" cy="1485900"/>
+          </a:xfrm>
+        </p:spPr>
+        <p:txBody>
+          <a:bodyPr>
+            <a:normAutofit/>
+          </a:bodyPr>
+          <a:lstStyle/>
+          <a:p>
+            <a:r>
+              <a:rPr lang="en-US"/>
+              <a:t>Checkbox Group</a:t>
+            </a:r>
+            <a:endParaRPr lang="en-US" dirty="0"/>
+          </a:p>
+        </p:txBody>
+      </p:sp>
+      <p:sp>
+        <p:nvSpPr>
+          <p:cNvPr id="16" name="Rectangle 13">
+            <a:extLst>
+              <a:ext uri="{FF2B5EF4-FFF2-40B4-BE49-F238E27FC236}">
+                <a16:creationId xmlns:a16="http://schemas.microsoft.com/office/drawing/2014/main" id="{BEC9E7FA-3295-45ED-8253-D23F9E44E1DA}"/>
+              </a:ext>
+              <a:ext uri="{C183D7F6-B498-43B3-948B-1728B52AA6E4}">
+                <adec:decorative xmlns:adec="http://schemas.microsoft.com/office/drawing/2017/decorative" val="1"/>
+              </a:ext>
+            </a:extLst>
+          </p:cNvPr>
+          <p:cNvSpPr>
+            <a:spLocks noGrp="1" noRot="1" noChangeAspect="1" noMove="1" noResize="1" noEditPoints="1" noAdjustHandles="1" noChangeArrowheads="1" noChangeShapeType="1" noTextEdit="1"/>
+          </p:cNvSpPr>
+          <p:nvPr>
+            <p:extLst>
+              <p:ext uri="{386F3935-93C4-4BCD-93E2-E3B085C9AB24}">
+                <p16:designElem xmlns:p16="http://schemas.microsoft.com/office/powerpoint/2015/main" val="1"/>
+              </p:ext>
+            </p:extLst>
+          </p:nvPr>
+        </p:nvSpPr>
+        <p:spPr>
+          <a:xfrm>
+            <a:off x="478095" y="376"/>
+            <a:ext cx="228600" cy="6858000"/>
+          </a:xfrm>
+          <a:prstGeom prst="rect">
+            <a:avLst/>
+          </a:prstGeom>
+          <a:solidFill>
+            <a:schemeClr val="tx2"/>
+          </a:solidFill>
+          <a:ln>
+            <a:noFill/>
+          </a:ln>
+        </p:spPr>
+        <p:style>
+          <a:lnRef idx="2">
+            <a:schemeClr val="accent1">
+              <a:shade val="50000"/>
+            </a:schemeClr>
+          </a:lnRef>
+          <a:fillRef idx="1">
+            <a:schemeClr val="accent1"/>
+          </a:fillRef>
+          <a:effectRef idx="0">
+            <a:schemeClr val="accent1"/>
+          </a:effectRef>
+          <a:fontRef idx="minor">
+            <a:schemeClr val="lt1"/>
+          </a:fontRef>
+        </p:style>
+      </p:sp>
+      <p:pic>
+        <p:nvPicPr>
+          <p:cNvPr id="7" name="Content Placeholder 3"/>
+          <p:cNvPicPr>
+            <a:picLocks noChangeAspect="1"/>
+          </p:cNvPicPr>
+          <p:nvPr/>
+        </p:nvPicPr>
+        <p:blipFill>
+          <a:blip r:embed="rId2">
+            <a:extLst>
+              <a:ext uri="{28A0092B-C50C-407E-A947-70E740481C1C}">
+                <a14:useLocalDpi xmlns:a14="http://schemas.microsoft.com/office/drawing/2010/main" val="0"/>
+              </a:ext>
+            </a:extLst>
+          </a:blip>
+          <a:stretch>
+            <a:fillRect/>
+          </a:stretch>
+        </p:blipFill>
+        <p:spPr>
+          <a:xfrm>
             <a:off x="1023561" y="1305505"/>
             <a:ext cx="6517065" cy="3926949"/>
           </a:xfrm>
@@ -7150,7 +7340,7 @@
 </p:sld>
 </file>
 
-<file path=ppt/slides/slide12.xml><?xml version="1.0" encoding="utf-8"?>
+<file path=ppt/slides/slide13.xml><?xml version="1.0" encoding="utf-8"?>
 <p:sld xmlns:a="http://schemas.openxmlformats.org/drawingml/2006/main" xmlns:r="http://schemas.openxmlformats.org/officeDocument/2006/relationships" xmlns:p="http://schemas.openxmlformats.org/presentationml/2006/main">
   <p:cSld>
     <p:spTree>
@@ -7202,7 +7392,7 @@
 </p:sld>
 </file>
 
-<file path=ppt/slides/slide13.xml><?xml version="1.0" encoding="utf-8"?>
+<file path=ppt/slides/slide14.xml><?xml version="1.0" encoding="utf-8"?>
 <p:sld xmlns:a="http://schemas.openxmlformats.org/drawingml/2006/main" xmlns:r="http://schemas.openxmlformats.org/officeDocument/2006/relationships" xmlns:p="http://schemas.openxmlformats.org/presentationml/2006/main">
   <p:cSld>
     <p:spTree>
@@ -7320,7 +7510,7 @@
 </p:sld>
 </file>
 
-<file path=ppt/slides/slide14.xml><?xml version="1.0" encoding="utf-8"?>
+<file path=ppt/slides/slide15.xml><?xml version="1.0" encoding="utf-8"?>
 <p:sld xmlns:a="http://schemas.openxmlformats.org/drawingml/2006/main" xmlns:r="http://schemas.openxmlformats.org/officeDocument/2006/relationships" xmlns:p="http://schemas.openxmlformats.org/presentationml/2006/main">
   <p:cSld>
     <p:bg>
@@ -7611,7 +7801,7 @@
 </p:sld>
 </file>
 
-<file path=ppt/slides/slide15.xml><?xml version="1.0" encoding="utf-8"?>
+<file path=ppt/slides/slide16.xml><?xml version="1.0" encoding="utf-8"?>
 <p:sld xmlns:a="http://schemas.openxmlformats.org/drawingml/2006/main" xmlns:r="http://schemas.openxmlformats.org/officeDocument/2006/relationships" xmlns:p="http://schemas.openxmlformats.org/presentationml/2006/main">
   <p:cSld>
     <p:bg>
@@ -8134,7 +8324,7 @@
 </p:sld>
 </file>
 
-<file path=ppt/slides/slide16.xml><?xml version="1.0" encoding="utf-8"?>
+<file path=ppt/slides/slide17.xml><?xml version="1.0" encoding="utf-8"?>
 <p:sld xmlns:a="http://schemas.openxmlformats.org/drawingml/2006/main" xmlns:r="http://schemas.openxmlformats.org/officeDocument/2006/relationships" xmlns:p="http://schemas.openxmlformats.org/presentationml/2006/main">
   <p:cSld>
     <p:bg>
@@ -8453,7 +8643,7 @@
 </p:sld>
 </file>
 
-<file path=ppt/slides/slide17.xml><?xml version="1.0" encoding="utf-8"?>
+<file path=ppt/slides/slide18.xml><?xml version="1.0" encoding="utf-8"?>
 <p:sld xmlns:a="http://schemas.openxmlformats.org/drawingml/2006/main" xmlns:r="http://schemas.openxmlformats.org/officeDocument/2006/relationships" xmlns:p="http://schemas.openxmlformats.org/presentationml/2006/main">
   <p:cSld>
     <p:spTree>
@@ -8626,7 +8816,7 @@
 </p:sld>
 </file>
 
-<file path=ppt/slides/slide18.xml><?xml version="1.0" encoding="utf-8"?>
+<file path=ppt/slides/slide19.xml><?xml version="1.0" encoding="utf-8"?>
 <p:sld xmlns:a="http://schemas.openxmlformats.org/drawingml/2006/main" xmlns:r="http://schemas.openxmlformats.org/officeDocument/2006/relationships" xmlns:p="http://schemas.openxmlformats.org/presentationml/2006/main">
   <p:cSld>
     <p:bg>
@@ -8780,7 +8970,111 @@
 </p:sld>
 </file>
 
-<file path=ppt/slides/slide19.xml><?xml version="1.0" encoding="utf-8"?>
+<file path=ppt/slides/slide2.xml><?xml version="1.0" encoding="utf-8"?>
+<p:sld xmlns:a="http://schemas.openxmlformats.org/drawingml/2006/main" xmlns:r="http://schemas.openxmlformats.org/officeDocument/2006/relationships" xmlns:p="http://schemas.openxmlformats.org/presentationml/2006/main">
+  <p:cSld>
+    <p:spTree>
+      <p:nvGrpSpPr>
+        <p:cNvPr id="1" name=""/>
+        <p:cNvGrpSpPr/>
+        <p:nvPr/>
+      </p:nvGrpSpPr>
+      <p:grpSpPr>
+        <a:xfrm>
+          <a:off x="0" y="0"/>
+          <a:ext cx="0" cy="0"/>
+          <a:chOff x="0" y="0"/>
+          <a:chExt cx="0" cy="0"/>
+        </a:xfrm>
+      </p:grpSpPr>
+      <p:sp>
+        <p:nvSpPr>
+          <p:cNvPr id="2" name="Title 1">
+            <a:extLst>
+              <a:ext uri="{FF2B5EF4-FFF2-40B4-BE49-F238E27FC236}">
+                <a16:creationId xmlns:a16="http://schemas.microsoft.com/office/drawing/2014/main" id="{B345AA63-472B-2A45-B09D-33FCB5BFECFF}"/>
+              </a:ext>
+            </a:extLst>
+          </p:cNvPr>
+          <p:cNvSpPr>
+            <a:spLocks noGrp="1"/>
+          </p:cNvSpPr>
+          <p:nvPr>
+            <p:ph type="title"/>
+          </p:nvPr>
+        </p:nvSpPr>
+        <p:spPr/>
+        <p:txBody>
+          <a:bodyPr/>
+          <a:lstStyle/>
+          <a:p>
+            <a:r>
+              <a:rPr lang="en-US" dirty="0"/>
+              <a:t>Agenda</a:t>
+            </a:r>
+          </a:p>
+        </p:txBody>
+      </p:sp>
+      <p:sp>
+        <p:nvSpPr>
+          <p:cNvPr id="3" name="Content Placeholder 2">
+            <a:extLst>
+              <a:ext uri="{FF2B5EF4-FFF2-40B4-BE49-F238E27FC236}">
+                <a16:creationId xmlns:a16="http://schemas.microsoft.com/office/drawing/2014/main" id="{04C231BB-E068-3F42-A63D-EC9E682DC1FF}"/>
+              </a:ext>
+            </a:extLst>
+          </p:cNvPr>
+          <p:cNvSpPr>
+            <a:spLocks noGrp="1"/>
+          </p:cNvSpPr>
+          <p:nvPr>
+            <p:ph idx="1"/>
+          </p:nvPr>
+        </p:nvSpPr>
+        <p:spPr/>
+        <p:txBody>
+          <a:bodyPr/>
+          <a:lstStyle/>
+          <a:p>
+            <a:r>
+              <a:rPr lang="en-US" dirty="0"/>
+              <a:t>Numeric Inputs</a:t>
+            </a:r>
+          </a:p>
+          <a:p>
+            <a:r>
+              <a:rPr lang="en-US" dirty="0"/>
+              <a:t>Text Inputs</a:t>
+            </a:r>
+          </a:p>
+          <a:p>
+            <a:r>
+              <a:rPr lang="en-US" dirty="0"/>
+              <a:t>Other Inputs</a:t>
+            </a:r>
+          </a:p>
+          <a:p>
+            <a:r>
+              <a:rPr lang="en-US" dirty="0"/>
+              <a:t>Reactive Outputs</a:t>
+            </a:r>
+          </a:p>
+        </p:txBody>
+      </p:sp>
+    </p:spTree>
+    <p:extLst>
+      <p:ext uri="{BB962C8B-B14F-4D97-AF65-F5344CB8AC3E}">
+        <p14:creationId xmlns:p14="http://schemas.microsoft.com/office/powerpoint/2010/main" val="657406968"/>
+      </p:ext>
+    </p:extLst>
+  </p:cSld>
+  <p:clrMapOvr>
+    <a:masterClrMapping/>
+  </p:clrMapOvr>
+</p:sld>
+</file>
+
+<file path=ppt/slides/slide20.xml><?xml version="1.0" encoding="utf-8"?>
 <p:sld xmlns:a="http://schemas.openxmlformats.org/drawingml/2006/main" xmlns:r="http://schemas.openxmlformats.org/officeDocument/2006/relationships" xmlns:p="http://schemas.openxmlformats.org/presentationml/2006/main">
   <p:cSld>
     <p:spTree>
@@ -8872,184 +9166,6 @@
 </p:sld>
 </file>
 
-<file path=ppt/slides/slide2.xml><?xml version="1.0" encoding="utf-8"?>
-<p:sld xmlns:a="http://schemas.openxmlformats.org/drawingml/2006/main" xmlns:r="http://schemas.openxmlformats.org/officeDocument/2006/relationships" xmlns:p="http://schemas.openxmlformats.org/presentationml/2006/main">
-  <p:cSld>
-    <p:spTree>
-      <p:nvGrpSpPr>
-        <p:cNvPr id="1" name=""/>
-        <p:cNvGrpSpPr/>
-        <p:nvPr/>
-      </p:nvGrpSpPr>
-      <p:grpSpPr>
-        <a:xfrm>
-          <a:off x="0" y="0"/>
-          <a:ext cx="0" cy="0"/>
-          <a:chOff x="0" y="0"/>
-          <a:chExt cx="0" cy="0"/>
-        </a:xfrm>
-      </p:grpSpPr>
-      <p:sp>
-        <p:nvSpPr>
-          <p:cNvPr id="2" name="Title 1"/>
-          <p:cNvSpPr>
-            <a:spLocks noGrp="1"/>
-          </p:cNvSpPr>
-          <p:nvPr>
-            <p:ph type="title"/>
-          </p:nvPr>
-        </p:nvSpPr>
-        <p:spPr/>
-        <p:txBody>
-          <a:bodyPr/>
-          <a:lstStyle/>
-          <a:p>
-            <a:r>
-              <a:rPr lang="en-US" dirty="0"/>
-              <a:t>Numeric Inputs</a:t>
-            </a:r>
-          </a:p>
-        </p:txBody>
-      </p:sp>
-    </p:spTree>
-    <p:extLst>
-      <p:ext uri="{BB962C8B-B14F-4D97-AF65-F5344CB8AC3E}">
-        <p14:creationId xmlns:p14="http://schemas.microsoft.com/office/powerpoint/2010/main" val="3145558333"/>
-      </p:ext>
-    </p:extLst>
-  </p:cSld>
-  <p:clrMapOvr>
-    <a:masterClrMapping/>
-  </p:clrMapOvr>
-</p:sld>
-</file>
-
-<file path=ppt/slides/slide20.xml><?xml version="1.0" encoding="utf-8"?>
-<p:sld xmlns:a="http://schemas.openxmlformats.org/drawingml/2006/main" xmlns:r="http://schemas.openxmlformats.org/officeDocument/2006/relationships" xmlns:p="http://schemas.openxmlformats.org/presentationml/2006/main">
-  <p:cSld>
-    <p:spTree>
-      <p:nvGrpSpPr>
-        <p:cNvPr id="1" name=""/>
-        <p:cNvGrpSpPr/>
-        <p:nvPr/>
-      </p:nvGrpSpPr>
-      <p:grpSpPr>
-        <a:xfrm>
-          <a:off x="0" y="0"/>
-          <a:ext cx="0" cy="0"/>
-          <a:chOff x="0" y="0"/>
-          <a:chExt cx="0" cy="0"/>
-        </a:xfrm>
-      </p:grpSpPr>
-      <p:sp>
-        <p:nvSpPr>
-          <p:cNvPr id="2" name="Title 1"/>
-          <p:cNvSpPr>
-            <a:spLocks noGrp="1"/>
-          </p:cNvSpPr>
-          <p:nvPr>
-            <p:ph type="title"/>
-          </p:nvPr>
-        </p:nvSpPr>
-        <p:spPr/>
-        <p:txBody>
-          <a:bodyPr/>
-          <a:lstStyle/>
-          <a:p>
-            <a:r>
-              <a:rPr lang="en-US" dirty="0"/>
-              <a:t>Everything in R is a Function</a:t>
-            </a:r>
-          </a:p>
-        </p:txBody>
-      </p:sp>
-      <p:sp>
-        <p:nvSpPr>
-          <p:cNvPr id="3" name="Content Placeholder 2"/>
-          <p:cNvSpPr>
-            <a:spLocks noGrp="1"/>
-          </p:cNvSpPr>
-          <p:nvPr>
-            <p:ph idx="1"/>
-          </p:nvPr>
-        </p:nvSpPr>
-        <p:spPr>
-          <a:xfrm>
-            <a:off x="1371600" y="2286000"/>
-            <a:ext cx="9601200" cy="4186052"/>
-          </a:xfrm>
-        </p:spPr>
-        <p:txBody>
-          <a:bodyPr>
-            <a:normAutofit/>
-          </a:bodyPr>
-          <a:lstStyle/>
-          <a:p>
-            <a:r>
-              <a:rPr lang="en-US" dirty="0"/>
-              <a:t>Reactive Datasets are a functions you can call whenever you need a set of actions to occur based off of filters in your application</a:t>
-            </a:r>
-          </a:p>
-          <a:p>
-            <a:r>
-              <a:rPr lang="en-US" dirty="0"/>
-              <a:t>They should be used whenever you are using the same inputs/filters on the same data for multiple outputs/visuals.</a:t>
-            </a:r>
-          </a:p>
-          <a:p>
-            <a:r>
-              <a:rPr lang="en-US" dirty="0"/>
-              <a:t>You can call reactive functions within other reactive functions for simple</a:t>
-            </a:r>
-          </a:p>
-          <a:p>
-            <a:r>
-              <a:rPr lang="en-US" dirty="0"/>
-              <a:t>These go in the server function/files</a:t>
-            </a:r>
-          </a:p>
-          <a:p>
-            <a:r>
-              <a:rPr lang="en-US" dirty="0"/>
-              <a:t>They are called as any function but with no arguments</a:t>
-            </a:r>
-          </a:p>
-          <a:p>
-            <a:r>
-              <a:rPr lang="en-US" dirty="0"/>
-              <a:t>Caches results to speed up loading</a:t>
-            </a:r>
-          </a:p>
-          <a:p>
-            <a:r>
-              <a:rPr lang="en-US" dirty="0"/>
-              <a:t>Ensures your visuals are all showing the same information</a:t>
-            </a:r>
-          </a:p>
-          <a:p>
-            <a:r>
-              <a:rPr lang="en-US" dirty="0"/>
-              <a:t>Shorter more legible code</a:t>
-            </a:r>
-          </a:p>
-          <a:p>
-            <a:endParaRPr lang="en-US" dirty="0"/>
-          </a:p>
-        </p:txBody>
-      </p:sp>
-    </p:spTree>
-    <p:extLst>
-      <p:ext uri="{BB962C8B-B14F-4D97-AF65-F5344CB8AC3E}">
-        <p14:creationId xmlns:p14="http://schemas.microsoft.com/office/powerpoint/2010/main" val="693563108"/>
-      </p:ext>
-    </p:extLst>
-  </p:cSld>
-  <p:clrMapOvr>
-    <a:masterClrMapping/>
-  </p:clrMapOvr>
-</p:sld>
-</file>
-
 <file path=ppt/slides/slide21.xml><?xml version="1.0" encoding="utf-8"?>
 <p:sld xmlns:a="http://schemas.openxmlformats.org/drawingml/2006/main" xmlns:r="http://schemas.openxmlformats.org/officeDocument/2006/relationships" xmlns:p="http://schemas.openxmlformats.org/presentationml/2006/main">
   <p:cSld>
@@ -9084,6 +9200,132 @@
           <a:p>
             <a:r>
               <a:rPr lang="en-US" dirty="0"/>
+              <a:t>Everything in R is a Function</a:t>
+            </a:r>
+          </a:p>
+        </p:txBody>
+      </p:sp>
+      <p:sp>
+        <p:nvSpPr>
+          <p:cNvPr id="3" name="Content Placeholder 2"/>
+          <p:cNvSpPr>
+            <a:spLocks noGrp="1"/>
+          </p:cNvSpPr>
+          <p:nvPr>
+            <p:ph idx="1"/>
+          </p:nvPr>
+        </p:nvSpPr>
+        <p:spPr>
+          <a:xfrm>
+            <a:off x="1371600" y="2286000"/>
+            <a:ext cx="9601200" cy="4186052"/>
+          </a:xfrm>
+        </p:spPr>
+        <p:txBody>
+          <a:bodyPr>
+            <a:normAutofit/>
+          </a:bodyPr>
+          <a:lstStyle/>
+          <a:p>
+            <a:r>
+              <a:rPr lang="en-US" dirty="0"/>
+              <a:t>Reactive Datasets are a functions you can call whenever you need a set of actions to occur based off of filters in your application</a:t>
+            </a:r>
+          </a:p>
+          <a:p>
+            <a:r>
+              <a:rPr lang="en-US" dirty="0"/>
+              <a:t>They should be used whenever you are using the same inputs/filters on the same data for multiple outputs/visuals.</a:t>
+            </a:r>
+          </a:p>
+          <a:p>
+            <a:r>
+              <a:rPr lang="en-US" dirty="0"/>
+              <a:t>You can call reactive functions within other reactive functions for simple</a:t>
+            </a:r>
+          </a:p>
+          <a:p>
+            <a:r>
+              <a:rPr lang="en-US" dirty="0"/>
+              <a:t>These go in the server function/files</a:t>
+            </a:r>
+          </a:p>
+          <a:p>
+            <a:r>
+              <a:rPr lang="en-US" dirty="0"/>
+              <a:t>They are called as any function but with no arguments</a:t>
+            </a:r>
+          </a:p>
+          <a:p>
+            <a:r>
+              <a:rPr lang="en-US" dirty="0"/>
+              <a:t>Caches results to speed up loading</a:t>
+            </a:r>
+          </a:p>
+          <a:p>
+            <a:r>
+              <a:rPr lang="en-US" dirty="0"/>
+              <a:t>Ensures your visuals are all showing the same information</a:t>
+            </a:r>
+          </a:p>
+          <a:p>
+            <a:r>
+              <a:rPr lang="en-US" dirty="0"/>
+              <a:t>Shorter more legible code</a:t>
+            </a:r>
+          </a:p>
+          <a:p>
+            <a:endParaRPr lang="en-US" dirty="0"/>
+          </a:p>
+        </p:txBody>
+      </p:sp>
+    </p:spTree>
+    <p:extLst>
+      <p:ext uri="{BB962C8B-B14F-4D97-AF65-F5344CB8AC3E}">
+        <p14:creationId xmlns:p14="http://schemas.microsoft.com/office/powerpoint/2010/main" val="693563108"/>
+      </p:ext>
+    </p:extLst>
+  </p:cSld>
+  <p:clrMapOvr>
+    <a:masterClrMapping/>
+  </p:clrMapOvr>
+</p:sld>
+</file>
+
+<file path=ppt/slides/slide22.xml><?xml version="1.0" encoding="utf-8"?>
+<p:sld xmlns:a="http://schemas.openxmlformats.org/drawingml/2006/main" xmlns:r="http://schemas.openxmlformats.org/officeDocument/2006/relationships" xmlns:p="http://schemas.openxmlformats.org/presentationml/2006/main">
+  <p:cSld>
+    <p:spTree>
+      <p:nvGrpSpPr>
+        <p:cNvPr id="1" name=""/>
+        <p:cNvGrpSpPr/>
+        <p:nvPr/>
+      </p:nvGrpSpPr>
+      <p:grpSpPr>
+        <a:xfrm>
+          <a:off x="0" y="0"/>
+          <a:ext cx="0" cy="0"/>
+          <a:chOff x="0" y="0"/>
+          <a:chExt cx="0" cy="0"/>
+        </a:xfrm>
+      </p:grpSpPr>
+      <p:sp>
+        <p:nvSpPr>
+          <p:cNvPr id="2" name="Title 1"/>
+          <p:cNvSpPr>
+            <a:spLocks noGrp="1"/>
+          </p:cNvSpPr>
+          <p:nvPr>
+            <p:ph type="title"/>
+          </p:nvPr>
+        </p:nvSpPr>
+        <p:spPr/>
+        <p:txBody>
+          <a:bodyPr/>
+          <a:lstStyle/>
+          <a:p>
+            <a:r>
+              <a:rPr lang="en-US" dirty="0"/>
               <a:t>Reactive Example</a:t>
             </a:r>
           </a:p>
@@ -9188,14 +9430,6 @@
 <file path=ppt/slides/slide3.xml><?xml version="1.0" encoding="utf-8"?>
 <p:sld xmlns:a="http://schemas.openxmlformats.org/drawingml/2006/main" xmlns:r="http://schemas.openxmlformats.org/officeDocument/2006/relationships" xmlns:p="http://schemas.openxmlformats.org/presentationml/2006/main">
   <p:cSld>
-    <p:bg>
-      <p:bgPr>
-        <a:solidFill>
-          <a:schemeClr val="bg2"/>
-        </a:solidFill>
-        <a:effectLst/>
-      </p:bgPr>
-    </p:bg>
     <p:spTree>
       <p:nvGrpSpPr>
         <p:cNvPr id="1" name=""/>
@@ -9220,140 +9454,14 @@
             <p:ph type="title"/>
           </p:nvPr>
         </p:nvSpPr>
-        <p:spPr>
-          <a:xfrm>
-            <a:off x="7860667" y="685800"/>
-            <a:ext cx="3656419" cy="1485900"/>
-          </a:xfrm>
-        </p:spPr>
+        <p:spPr/>
         <p:txBody>
-          <a:bodyPr>
-            <a:normAutofit/>
-          </a:bodyPr>
+          <a:bodyPr/>
           <a:lstStyle/>
           <a:p>
             <a:r>
               <a:rPr lang="en-US" dirty="0"/>
-              <a:t>Numeric Input</a:t>
-            </a:r>
-          </a:p>
-        </p:txBody>
-      </p:sp>
-      <p:sp>
-        <p:nvSpPr>
-          <p:cNvPr id="14" name="Rectangle 13">
-            <a:extLst>
-              <a:ext uri="{FF2B5EF4-FFF2-40B4-BE49-F238E27FC236}">
-                <a16:creationId xmlns:a16="http://schemas.microsoft.com/office/drawing/2014/main" id="{BEC9E7FA-3295-45ED-8253-D23F9E44E1DA}"/>
-              </a:ext>
-              <a:ext uri="{C183D7F6-B498-43B3-948B-1728B52AA6E4}">
-                <adec:decorative xmlns:adec="http://schemas.microsoft.com/office/drawing/2017/decorative" val="1"/>
-              </a:ext>
-            </a:extLst>
-          </p:cNvPr>
-          <p:cNvSpPr>
-            <a:spLocks noGrp="1" noRot="1" noChangeAspect="1" noMove="1" noResize="1" noEditPoints="1" noAdjustHandles="1" noChangeArrowheads="1" noChangeShapeType="1" noTextEdit="1"/>
-          </p:cNvSpPr>
-          <p:nvPr>
-            <p:extLst>
-              <p:ext uri="{386F3935-93C4-4BCD-93E2-E3B085C9AB24}">
-                <p16:designElem xmlns:p16="http://schemas.microsoft.com/office/powerpoint/2015/main" val="1"/>
-              </p:ext>
-            </p:extLst>
-          </p:nvPr>
-        </p:nvSpPr>
-        <p:spPr>
-          <a:xfrm>
-            <a:off x="478095" y="376"/>
-            <a:ext cx="228600" cy="6858000"/>
-          </a:xfrm>
-          <a:prstGeom prst="rect">
-            <a:avLst/>
-          </a:prstGeom>
-          <a:solidFill>
-            <a:schemeClr val="tx2"/>
-          </a:solidFill>
-          <a:ln>
-            <a:noFill/>
-          </a:ln>
-        </p:spPr>
-        <p:style>
-          <a:lnRef idx="2">
-            <a:schemeClr val="accent1">
-              <a:shade val="50000"/>
-            </a:schemeClr>
-          </a:lnRef>
-          <a:fillRef idx="1">
-            <a:schemeClr val="accent1"/>
-          </a:fillRef>
-          <a:effectRef idx="0">
-            <a:schemeClr val="accent1"/>
-          </a:effectRef>
-          <a:fontRef idx="minor">
-            <a:schemeClr val="lt1"/>
-          </a:fontRef>
-        </p:style>
-      </p:sp>
-      <p:pic>
-        <p:nvPicPr>
-          <p:cNvPr id="7" name="Content Placeholder 3"/>
-          <p:cNvPicPr>
-            <a:picLocks noChangeAspect="1"/>
-          </p:cNvPicPr>
-          <p:nvPr/>
-        </p:nvPicPr>
-        <p:blipFill rotWithShape="1">
-          <a:blip r:embed="rId2">
-            <a:extLst>
-              <a:ext uri="{28A0092B-C50C-407E-A947-70E740481C1C}">
-                <a14:useLocalDpi xmlns:a14="http://schemas.microsoft.com/office/drawing/2010/main" val="0"/>
-              </a:ext>
-            </a:extLst>
-          </a:blip>
-          <a:srcRect t="9707" b="17993"/>
-          <a:stretch/>
-        </p:blipFill>
-        <p:spPr>
-          <a:xfrm>
-            <a:off x="1023561" y="1582701"/>
-            <a:ext cx="6517065" cy="3372557"/>
-          </a:xfrm>
-          <a:prstGeom prst="rect">
-            <a:avLst/>
-          </a:prstGeom>
-        </p:spPr>
-      </p:pic>
-      <p:sp>
-        <p:nvSpPr>
-          <p:cNvPr id="9" name="Content Placeholder 8"/>
-          <p:cNvSpPr>
-            <a:spLocks noGrp="1"/>
-          </p:cNvSpPr>
-          <p:nvPr>
-            <p:ph idx="1"/>
-          </p:nvPr>
-        </p:nvSpPr>
-        <p:spPr>
-          <a:xfrm>
-            <a:off x="7860667" y="2286000"/>
-            <a:ext cx="3656419" cy="3581400"/>
-          </a:xfrm>
-        </p:spPr>
-        <p:txBody>
-          <a:bodyPr>
-            <a:normAutofit/>
-          </a:bodyPr>
-          <a:lstStyle/>
-          <a:p>
-            <a:r>
-              <a:rPr lang="en-US" dirty="0"/>
-              <a:t>Goes up and down based off clicks</a:t>
-            </a:r>
-          </a:p>
-          <a:p>
-            <a:r>
-              <a:rPr lang="en-US" dirty="0"/>
-              <a:t>Stored as single numeric input</a:t>
+              <a:t>Numeric Inputs</a:t>
             </a:r>
           </a:p>
         </p:txBody>
@@ -9361,7 +9469,7 @@
     </p:spTree>
     <p:extLst>
       <p:ext uri="{BB962C8B-B14F-4D97-AF65-F5344CB8AC3E}">
-        <p14:creationId xmlns:p14="http://schemas.microsoft.com/office/powerpoint/2010/main" val="1435806285"/>
+        <p14:creationId xmlns:p14="http://schemas.microsoft.com/office/powerpoint/2010/main" val="3145558333"/>
       </p:ext>
     </p:extLst>
   </p:cSld>
@@ -9420,14 +9528,14 @@
           <a:p>
             <a:r>
               <a:rPr lang="en-US" dirty="0"/>
-              <a:t>Action Button</a:t>
+              <a:t>Numeric Input</a:t>
             </a:r>
           </a:p>
         </p:txBody>
       </p:sp>
       <p:sp>
         <p:nvSpPr>
-          <p:cNvPr id="16" name="Rectangle 13">
+          <p:cNvPr id="14" name="Rectangle 13">
             <a:extLst>
               <a:ext uri="{FF2B5EF4-FFF2-40B4-BE49-F238E27FC236}">
                 <a16:creationId xmlns:a16="http://schemas.microsoft.com/office/drawing/2014/main" id="{BEC9E7FA-3295-45ED-8253-D23F9E44E1DA}"/>
@@ -9496,13 +9604,13 @@
               </a:ext>
             </a:extLst>
           </a:blip>
-          <a:srcRect b="16377"/>
+          <a:srcRect t="9707" b="17993"/>
           <a:stretch/>
         </p:blipFill>
         <p:spPr>
           <a:xfrm>
-            <a:off x="1023561" y="1117022"/>
-            <a:ext cx="6517065" cy="4303915"/>
+            <a:off x="1023561" y="1582701"/>
+            <a:ext cx="6517065" cy="3372557"/>
           </a:xfrm>
           <a:prstGeom prst="rect">
             <a:avLst/>
@@ -9533,7 +9641,7 @@
           <a:p>
             <a:r>
               <a:rPr lang="en-US" dirty="0"/>
-              <a:t>+1 each time it is clicked</a:t>
+              <a:t>Goes up and down based off clicks</a:t>
             </a:r>
           </a:p>
           <a:p>
@@ -9547,7 +9655,7 @@
     </p:spTree>
     <p:extLst>
       <p:ext uri="{BB962C8B-B14F-4D97-AF65-F5344CB8AC3E}">
-        <p14:creationId xmlns:p14="http://schemas.microsoft.com/office/powerpoint/2010/main" val="988920668"/>
+        <p14:creationId xmlns:p14="http://schemas.microsoft.com/office/powerpoint/2010/main" val="1435806285"/>
       </p:ext>
     </p:extLst>
   </p:cSld>
@@ -9584,6 +9692,192 @@
       </p:grpSpPr>
       <p:sp>
         <p:nvSpPr>
+          <p:cNvPr id="2" name="Title 1"/>
+          <p:cNvSpPr>
+            <a:spLocks noGrp="1"/>
+          </p:cNvSpPr>
+          <p:nvPr>
+            <p:ph type="title"/>
+          </p:nvPr>
+        </p:nvSpPr>
+        <p:spPr>
+          <a:xfrm>
+            <a:off x="7860667" y="685800"/>
+            <a:ext cx="3656419" cy="1485900"/>
+          </a:xfrm>
+        </p:spPr>
+        <p:txBody>
+          <a:bodyPr>
+            <a:normAutofit/>
+          </a:bodyPr>
+          <a:lstStyle/>
+          <a:p>
+            <a:r>
+              <a:rPr lang="en-US" dirty="0"/>
+              <a:t>Action Button</a:t>
+            </a:r>
+          </a:p>
+        </p:txBody>
+      </p:sp>
+      <p:sp>
+        <p:nvSpPr>
+          <p:cNvPr id="16" name="Rectangle 13">
+            <a:extLst>
+              <a:ext uri="{FF2B5EF4-FFF2-40B4-BE49-F238E27FC236}">
+                <a16:creationId xmlns:a16="http://schemas.microsoft.com/office/drawing/2014/main" id="{BEC9E7FA-3295-45ED-8253-D23F9E44E1DA}"/>
+              </a:ext>
+              <a:ext uri="{C183D7F6-B498-43B3-948B-1728B52AA6E4}">
+                <adec:decorative xmlns:adec="http://schemas.microsoft.com/office/drawing/2017/decorative" val="1"/>
+              </a:ext>
+            </a:extLst>
+          </p:cNvPr>
+          <p:cNvSpPr>
+            <a:spLocks noGrp="1" noRot="1" noChangeAspect="1" noMove="1" noResize="1" noEditPoints="1" noAdjustHandles="1" noChangeArrowheads="1" noChangeShapeType="1" noTextEdit="1"/>
+          </p:cNvSpPr>
+          <p:nvPr>
+            <p:extLst>
+              <p:ext uri="{386F3935-93C4-4BCD-93E2-E3B085C9AB24}">
+                <p16:designElem xmlns:p16="http://schemas.microsoft.com/office/powerpoint/2015/main" val="1"/>
+              </p:ext>
+            </p:extLst>
+          </p:nvPr>
+        </p:nvSpPr>
+        <p:spPr>
+          <a:xfrm>
+            <a:off x="478095" y="376"/>
+            <a:ext cx="228600" cy="6858000"/>
+          </a:xfrm>
+          <a:prstGeom prst="rect">
+            <a:avLst/>
+          </a:prstGeom>
+          <a:solidFill>
+            <a:schemeClr val="tx2"/>
+          </a:solidFill>
+          <a:ln>
+            <a:noFill/>
+          </a:ln>
+        </p:spPr>
+        <p:style>
+          <a:lnRef idx="2">
+            <a:schemeClr val="accent1">
+              <a:shade val="50000"/>
+            </a:schemeClr>
+          </a:lnRef>
+          <a:fillRef idx="1">
+            <a:schemeClr val="accent1"/>
+          </a:fillRef>
+          <a:effectRef idx="0">
+            <a:schemeClr val="accent1"/>
+          </a:effectRef>
+          <a:fontRef idx="minor">
+            <a:schemeClr val="lt1"/>
+          </a:fontRef>
+        </p:style>
+      </p:sp>
+      <p:pic>
+        <p:nvPicPr>
+          <p:cNvPr id="7" name="Content Placeholder 3"/>
+          <p:cNvPicPr>
+            <a:picLocks noChangeAspect="1"/>
+          </p:cNvPicPr>
+          <p:nvPr/>
+        </p:nvPicPr>
+        <p:blipFill rotWithShape="1">
+          <a:blip r:embed="rId2">
+            <a:extLst>
+              <a:ext uri="{28A0092B-C50C-407E-A947-70E740481C1C}">
+                <a14:useLocalDpi xmlns:a14="http://schemas.microsoft.com/office/drawing/2010/main" val="0"/>
+              </a:ext>
+            </a:extLst>
+          </a:blip>
+          <a:srcRect b="16377"/>
+          <a:stretch/>
+        </p:blipFill>
+        <p:spPr>
+          <a:xfrm>
+            <a:off x="1023561" y="1117022"/>
+            <a:ext cx="6517065" cy="4303915"/>
+          </a:xfrm>
+          <a:prstGeom prst="rect">
+            <a:avLst/>
+          </a:prstGeom>
+        </p:spPr>
+      </p:pic>
+      <p:sp>
+        <p:nvSpPr>
+          <p:cNvPr id="9" name="Content Placeholder 8"/>
+          <p:cNvSpPr>
+            <a:spLocks noGrp="1"/>
+          </p:cNvSpPr>
+          <p:nvPr>
+            <p:ph idx="1"/>
+          </p:nvPr>
+        </p:nvSpPr>
+        <p:spPr>
+          <a:xfrm>
+            <a:off x="7860667" y="2286000"/>
+            <a:ext cx="3656419" cy="3581400"/>
+          </a:xfrm>
+        </p:spPr>
+        <p:txBody>
+          <a:bodyPr>
+            <a:normAutofit/>
+          </a:bodyPr>
+          <a:lstStyle/>
+          <a:p>
+            <a:r>
+              <a:rPr lang="en-US" dirty="0"/>
+              <a:t>+1 each time it is clicked</a:t>
+            </a:r>
+          </a:p>
+          <a:p>
+            <a:r>
+              <a:rPr lang="en-US" dirty="0"/>
+              <a:t>Stored as single numeric input</a:t>
+            </a:r>
+          </a:p>
+        </p:txBody>
+      </p:sp>
+    </p:spTree>
+    <p:extLst>
+      <p:ext uri="{BB962C8B-B14F-4D97-AF65-F5344CB8AC3E}">
+        <p14:creationId xmlns:p14="http://schemas.microsoft.com/office/powerpoint/2010/main" val="988920668"/>
+      </p:ext>
+    </p:extLst>
+  </p:cSld>
+  <p:clrMapOvr>
+    <a:masterClrMapping/>
+  </p:clrMapOvr>
+</p:sld>
+</file>
+
+<file path=ppt/slides/slide6.xml><?xml version="1.0" encoding="utf-8"?>
+<p:sld xmlns:a="http://schemas.openxmlformats.org/drawingml/2006/main" xmlns:r="http://schemas.openxmlformats.org/officeDocument/2006/relationships" xmlns:p="http://schemas.openxmlformats.org/presentationml/2006/main">
+  <p:cSld>
+    <p:bg>
+      <p:bgPr>
+        <a:solidFill>
+          <a:schemeClr val="bg2"/>
+        </a:solidFill>
+        <a:effectLst/>
+      </p:bgPr>
+    </p:bg>
+    <p:spTree>
+      <p:nvGrpSpPr>
+        <p:cNvPr id="1" name=""/>
+        <p:cNvGrpSpPr/>
+        <p:nvPr/>
+      </p:nvGrpSpPr>
+      <p:grpSpPr>
+        <a:xfrm>
+          <a:off x="0" y="0"/>
+          <a:ext cx="0" cy="0"/>
+          <a:chOff x="0" y="0"/>
+          <a:chExt cx="0" cy="0"/>
+        </a:xfrm>
+      </p:grpSpPr>
+      <p:sp>
+        <p:nvSpPr>
           <p:cNvPr id="18" name="Rectangle 13">
             <a:extLst>
               <a:ext uri="{FF2B5EF4-FFF2-40B4-BE49-F238E27FC236}">
@@ -9826,7 +10120,7 @@
 </p:sld>
 </file>
 
-<file path=ppt/slides/slide6.xml><?xml version="1.0" encoding="utf-8"?>
+<file path=ppt/slides/slide7.xml><?xml version="1.0" encoding="utf-8"?>
 <p:sld xmlns:a="http://schemas.openxmlformats.org/drawingml/2006/main" xmlns:r="http://schemas.openxmlformats.org/officeDocument/2006/relationships" xmlns:p="http://schemas.openxmlformats.org/presentationml/2006/main">
   <p:cSld>
     <p:spTree>
@@ -9878,7 +10172,7 @@
 </p:sld>
 </file>
 
-<file path=ppt/slides/slide7.xml><?xml version="1.0" encoding="utf-8"?>
+<file path=ppt/slides/slide8.xml><?xml version="1.0" encoding="utf-8"?>
 <p:sld xmlns:a="http://schemas.openxmlformats.org/drawingml/2006/main" xmlns:r="http://schemas.openxmlformats.org/officeDocument/2006/relationships" xmlns:p="http://schemas.openxmlformats.org/presentationml/2006/main">
   <p:cSld>
     <p:bg>
@@ -10401,7 +10695,7 @@
 </p:sld>
 </file>
 
-<file path=ppt/slides/slide8.xml><?xml version="1.0" encoding="utf-8"?>
+<file path=ppt/slides/slide9.xml><?xml version="1.0" encoding="utf-8"?>
 <p:sld xmlns:a="http://schemas.openxmlformats.org/drawingml/2006/main" xmlns:r="http://schemas.openxmlformats.org/officeDocument/2006/relationships" xmlns:p="http://schemas.openxmlformats.org/presentationml/2006/main">
   <p:cSld>
     <p:bg>
@@ -10967,195 +11261,6 @@
     <p:extLst>
       <p:ext uri="{BB962C8B-B14F-4D97-AF65-F5344CB8AC3E}">
         <p14:creationId xmlns:p14="http://schemas.microsoft.com/office/powerpoint/2010/main" val="4167787750"/>
-      </p:ext>
-    </p:extLst>
-  </p:cSld>
-  <p:clrMapOvr>
-    <a:masterClrMapping/>
-  </p:clrMapOvr>
-</p:sld>
-</file>
-
-<file path=ppt/slides/slide9.xml><?xml version="1.0" encoding="utf-8"?>
-<p:sld xmlns:a="http://schemas.openxmlformats.org/drawingml/2006/main" xmlns:r="http://schemas.openxmlformats.org/officeDocument/2006/relationships" xmlns:p="http://schemas.openxmlformats.org/presentationml/2006/main">
-  <p:cSld>
-    <p:bg>
-      <p:bgPr>
-        <a:solidFill>
-          <a:schemeClr val="bg2"/>
-        </a:solidFill>
-        <a:effectLst/>
-      </p:bgPr>
-    </p:bg>
-    <p:spTree>
-      <p:nvGrpSpPr>
-        <p:cNvPr id="1" name=""/>
-        <p:cNvGrpSpPr/>
-        <p:nvPr/>
-      </p:nvGrpSpPr>
-      <p:grpSpPr>
-        <a:xfrm>
-          <a:off x="0" y="0"/>
-          <a:ext cx="0" cy="0"/>
-          <a:chOff x="0" y="0"/>
-          <a:chExt cx="0" cy="0"/>
-        </a:xfrm>
-      </p:grpSpPr>
-      <p:sp>
-        <p:nvSpPr>
-          <p:cNvPr id="2" name="Title 1"/>
-          <p:cNvSpPr>
-            <a:spLocks noGrp="1"/>
-          </p:cNvSpPr>
-          <p:nvPr>
-            <p:ph type="title"/>
-          </p:nvPr>
-        </p:nvSpPr>
-        <p:spPr>
-          <a:xfrm>
-            <a:off x="7860667" y="685800"/>
-            <a:ext cx="3656419" cy="1485900"/>
-          </a:xfrm>
-        </p:spPr>
-        <p:txBody>
-          <a:bodyPr>
-            <a:normAutofit/>
-          </a:bodyPr>
-          <a:lstStyle/>
-          <a:p>
-            <a:r>
-              <a:rPr lang="en-US"/>
-              <a:t>Radio Buttons</a:t>
-            </a:r>
-            <a:endParaRPr lang="en-US" dirty="0"/>
-          </a:p>
-        </p:txBody>
-      </p:sp>
-      <p:sp>
-        <p:nvSpPr>
-          <p:cNvPr id="14" name="Rectangle 13">
-            <a:extLst>
-              <a:ext uri="{FF2B5EF4-FFF2-40B4-BE49-F238E27FC236}">
-                <a16:creationId xmlns:a16="http://schemas.microsoft.com/office/drawing/2014/main" id="{BEC9E7FA-3295-45ED-8253-D23F9E44E1DA}"/>
-              </a:ext>
-              <a:ext uri="{C183D7F6-B498-43B3-948B-1728B52AA6E4}">
-                <adec:decorative xmlns:adec="http://schemas.microsoft.com/office/drawing/2017/decorative" val="1"/>
-              </a:ext>
-            </a:extLst>
-          </p:cNvPr>
-          <p:cNvSpPr>
-            <a:spLocks noGrp="1" noRot="1" noChangeAspect="1" noMove="1" noResize="1" noEditPoints="1" noAdjustHandles="1" noChangeArrowheads="1" noChangeShapeType="1" noTextEdit="1"/>
-          </p:cNvSpPr>
-          <p:nvPr>
-            <p:extLst>
-              <p:ext uri="{386F3935-93C4-4BCD-93E2-E3B085C9AB24}">
-                <p16:designElem xmlns:p16="http://schemas.microsoft.com/office/powerpoint/2015/main" val="1"/>
-              </p:ext>
-            </p:extLst>
-          </p:nvPr>
-        </p:nvSpPr>
-        <p:spPr>
-          <a:xfrm>
-            <a:off x="478095" y="376"/>
-            <a:ext cx="228600" cy="6858000"/>
-          </a:xfrm>
-          <a:prstGeom prst="rect">
-            <a:avLst/>
-          </a:prstGeom>
-          <a:solidFill>
-            <a:schemeClr val="tx2"/>
-          </a:solidFill>
-          <a:ln>
-            <a:noFill/>
-          </a:ln>
-        </p:spPr>
-        <p:style>
-          <a:lnRef idx="2">
-            <a:schemeClr val="accent1">
-              <a:shade val="50000"/>
-            </a:schemeClr>
-          </a:lnRef>
-          <a:fillRef idx="1">
-            <a:schemeClr val="accent1"/>
-          </a:fillRef>
-          <a:effectRef idx="0">
-            <a:schemeClr val="accent1"/>
-          </a:effectRef>
-          <a:fontRef idx="minor">
-            <a:schemeClr val="lt1"/>
-          </a:fontRef>
-        </p:style>
-      </p:sp>
-      <p:pic>
-        <p:nvPicPr>
-          <p:cNvPr id="7" name="Content Placeholder 3"/>
-          <p:cNvPicPr>
-            <a:picLocks noChangeAspect="1"/>
-          </p:cNvPicPr>
-          <p:nvPr/>
-        </p:nvPicPr>
-        <p:blipFill>
-          <a:blip r:embed="rId2">
-            <a:extLst>
-              <a:ext uri="{28A0092B-C50C-407E-A947-70E740481C1C}">
-                <a14:useLocalDpi xmlns:a14="http://schemas.microsoft.com/office/drawing/2010/main" val="0"/>
-              </a:ext>
-            </a:extLst>
-          </a:blip>
-          <a:stretch>
-            <a:fillRect/>
-          </a:stretch>
-        </p:blipFill>
-        <p:spPr>
-          <a:xfrm>
-            <a:off x="1023561" y="1193047"/>
-            <a:ext cx="6517065" cy="4151863"/>
-          </a:xfrm>
-          <a:prstGeom prst="rect">
-            <a:avLst/>
-          </a:prstGeom>
-        </p:spPr>
-      </p:pic>
-      <p:sp>
-        <p:nvSpPr>
-          <p:cNvPr id="9" name="Content Placeholder 8"/>
-          <p:cNvSpPr>
-            <a:spLocks noGrp="1"/>
-          </p:cNvSpPr>
-          <p:nvPr>
-            <p:ph idx="1"/>
-          </p:nvPr>
-        </p:nvSpPr>
-        <p:spPr>
-          <a:xfrm>
-            <a:off x="7860667" y="2286000"/>
-            <a:ext cx="3656419" cy="3581400"/>
-          </a:xfrm>
-        </p:spPr>
-        <p:txBody>
-          <a:bodyPr>
-            <a:normAutofit/>
-          </a:bodyPr>
-          <a:lstStyle/>
-          <a:p>
-            <a:r>
-              <a:rPr lang="en-US"/>
-              <a:t>Only one option</a:t>
-            </a:r>
-          </a:p>
-          <a:p>
-            <a:r>
-              <a:rPr lang="en-US"/>
-              <a:t>Value can be dictated in your code, but will default to the value of the text in the choices field</a:t>
-            </a:r>
-            <a:endParaRPr lang="en-US" dirty="0"/>
-          </a:p>
-        </p:txBody>
-      </p:sp>
-    </p:spTree>
-    <p:extLst>
-      <p:ext uri="{BB962C8B-B14F-4D97-AF65-F5344CB8AC3E}">
-        <p14:creationId xmlns:p14="http://schemas.microsoft.com/office/powerpoint/2010/main" val="3123657217"/>
       </p:ext>
     </p:extLst>
   </p:cSld>

--- a/Class_4.pptx
+++ b/Class_4.pptx
@@ -5,7 +5,7 @@
     <p:sldMasterId id="2147483648" r:id="rId1"/>
   </p:sldMasterIdLst>
   <p:notesMasterIdLst>
-    <p:notesMasterId r:id="rId24"/>
+    <p:notesMasterId r:id="rId26"/>
   </p:notesMasterIdLst>
   <p:sldIdLst>
     <p:sldId id="292" r:id="rId2"/>
@@ -30,6 +30,8 @@
     <p:sldId id="308" r:id="rId21"/>
     <p:sldId id="309" r:id="rId22"/>
     <p:sldId id="310" r:id="rId23"/>
+    <p:sldId id="353" r:id="rId24"/>
+    <p:sldId id="354" r:id="rId25"/>
   </p:sldIdLst>
   <p:sldSz cx="12192000" cy="6858000"/>
   <p:notesSz cx="6858000" cy="9144000"/>
@@ -2746,7 +2748,7 @@
           <a:p>
             <a:fld id="{3F70B44A-D58A-1947-965D-B8F6A0A7BA33}" type="datetimeFigureOut">
               <a:rPr lang="en-US" smtClean="0"/>
-              <a:t>9/4/18</a:t>
+              <a:t>9/6/18</a:t>
             </a:fld>
             <a:endParaRPr lang="en-US"/>
           </a:p>
@@ -3013,6 +3015,90 @@
 </p:notesMaster>
 </file>
 
+<file path=ppt/notesSlides/notesSlide1.xml><?xml version="1.0" encoding="utf-8"?>
+<p:notes xmlns:a="http://schemas.openxmlformats.org/drawingml/2006/main" xmlns:r="http://schemas.openxmlformats.org/officeDocument/2006/relationships" xmlns:p="http://schemas.openxmlformats.org/presentationml/2006/main">
+  <p:cSld>
+    <p:spTree>
+      <p:nvGrpSpPr>
+        <p:cNvPr id="1" name=""/>
+        <p:cNvGrpSpPr/>
+        <p:nvPr/>
+      </p:nvGrpSpPr>
+      <p:grpSpPr>
+        <a:xfrm>
+          <a:off x="0" y="0"/>
+          <a:ext cx="0" cy="0"/>
+          <a:chOff x="0" y="0"/>
+          <a:chExt cx="0" cy="0"/>
+        </a:xfrm>
+      </p:grpSpPr>
+      <p:sp>
+        <p:nvSpPr>
+          <p:cNvPr id="2" name="Slide Image Placeholder 1"/>
+          <p:cNvSpPr>
+            <a:spLocks noGrp="1" noRot="1" noChangeAspect="1"/>
+          </p:cNvSpPr>
+          <p:nvPr>
+            <p:ph type="sldImg"/>
+          </p:nvPr>
+        </p:nvSpPr>
+        <p:spPr/>
+      </p:sp>
+      <p:sp>
+        <p:nvSpPr>
+          <p:cNvPr id="3" name="Notes Placeholder 2"/>
+          <p:cNvSpPr>
+            <a:spLocks noGrp="1"/>
+          </p:cNvSpPr>
+          <p:nvPr>
+            <p:ph type="body" idx="1"/>
+          </p:nvPr>
+        </p:nvSpPr>
+        <p:spPr/>
+        <p:txBody>
+          <a:bodyPr/>
+          <a:lstStyle/>
+          <a:p>
+            <a:endParaRPr lang="en-US" dirty="0"/>
+          </a:p>
+        </p:txBody>
+      </p:sp>
+      <p:sp>
+        <p:nvSpPr>
+          <p:cNvPr id="4" name="Slide Number Placeholder 3"/>
+          <p:cNvSpPr>
+            <a:spLocks noGrp="1"/>
+          </p:cNvSpPr>
+          <p:nvPr>
+            <p:ph type="sldNum" sz="quarter" idx="5"/>
+          </p:nvPr>
+        </p:nvSpPr>
+        <p:spPr/>
+        <p:txBody>
+          <a:bodyPr/>
+          <a:lstStyle/>
+          <a:p>
+            <a:fld id="{B214AB49-C382-5B40-9F20-54F1806C2F3F}" type="slidenum">
+              <a:rPr lang="en-US" smtClean="0"/>
+              <a:t>22</a:t>
+            </a:fld>
+            <a:endParaRPr lang="en-US"/>
+          </a:p>
+        </p:txBody>
+      </p:sp>
+    </p:spTree>
+    <p:extLst>
+      <p:ext uri="{BB962C8B-B14F-4D97-AF65-F5344CB8AC3E}">
+        <p14:creationId xmlns:p14="http://schemas.microsoft.com/office/powerpoint/2010/main" val="2809877475"/>
+      </p:ext>
+    </p:extLst>
+  </p:cSld>
+  <p:clrMapOvr>
+    <a:masterClrMapping/>
+  </p:clrMapOvr>
+</p:notes>
+</file>
+
 <file path=ppt/slideLayouts/slideLayout1.xml><?xml version="1.0" encoding="utf-8"?>
 <p:sldLayout xmlns:a="http://schemas.openxmlformats.org/drawingml/2006/main" xmlns:r="http://schemas.openxmlformats.org/officeDocument/2006/relationships" xmlns:p="http://schemas.openxmlformats.org/presentationml/2006/main" showMasterSp="0" type="title" preserve="1">
   <p:cSld name="Title Slide">
@@ -3183,7 +3269,7 @@
             <a:fld id="{87DE6118-2437-4B30-8E3C-4D2BE6020583}" type="datetimeFigureOut">
               <a:rPr lang="en-US" dirty="0"/>
               <a:pPr/>
-              <a:t>9/4/18</a:t>
+              <a:t>9/6/18</a:t>
             </a:fld>
             <a:endParaRPr lang="en-US" dirty="0"/>
           </a:p>
@@ -3509,7 +3595,7 @@
           <a:p>
             <a:fld id="{87DE6118-2437-4B30-8E3C-4D2BE6020583}" type="datetimeFigureOut">
               <a:rPr lang="en-US" dirty="0"/>
-              <a:t>9/4/18</a:t>
+              <a:t>9/6/18</a:t>
             </a:fld>
             <a:endParaRPr lang="en-US" dirty="0"/>
           </a:p>
@@ -3684,7 +3770,7 @@
           <a:p>
             <a:fld id="{87DE6118-2437-4B30-8E3C-4D2BE6020583}" type="datetimeFigureOut">
               <a:rPr lang="en-US" dirty="0"/>
-              <a:t>9/4/18</a:t>
+              <a:t>9/6/18</a:t>
             </a:fld>
             <a:endParaRPr lang="en-US" dirty="0"/>
           </a:p>
@@ -3849,7 +3935,7 @@
           <a:p>
             <a:fld id="{87DE6118-2437-4B30-8E3C-4D2BE6020583}" type="datetimeFigureOut">
               <a:rPr lang="en-US" dirty="0"/>
-              <a:t>9/4/18</a:t>
+              <a:t>9/6/18</a:t>
             </a:fld>
             <a:endParaRPr lang="en-US" dirty="0"/>
           </a:p>
@@ -4122,7 +4208,7 @@
             <a:fld id="{87DE6118-2437-4B30-8E3C-4D2BE6020583}" type="datetimeFigureOut">
               <a:rPr lang="en-US" dirty="0"/>
               <a:pPr/>
-              <a:t>9/4/18</a:t>
+              <a:t>9/6/18</a:t>
             </a:fld>
             <a:endParaRPr lang="en-US" dirty="0"/>
           </a:p>
@@ -4512,7 +4598,7 @@
           <a:p>
             <a:fld id="{87DE6118-2437-4B30-8E3C-4D2BE6020583}" type="datetimeFigureOut">
               <a:rPr lang="en-US" dirty="0"/>
-              <a:t>9/4/18</a:t>
+              <a:t>9/6/18</a:t>
             </a:fld>
             <a:endParaRPr lang="en-US" dirty="0"/>
           </a:p>
@@ -4984,7 +5070,7 @@
           <a:p>
             <a:fld id="{87DE6118-2437-4B30-8E3C-4D2BE6020583}" type="datetimeFigureOut">
               <a:rPr lang="en-US" dirty="0"/>
-              <a:t>9/4/18</a:t>
+              <a:t>9/6/18</a:t>
             </a:fld>
             <a:endParaRPr lang="en-US" dirty="0"/>
           </a:p>
@@ -5097,7 +5183,7 @@
           <a:p>
             <a:fld id="{87DE6118-2437-4B30-8E3C-4D2BE6020583}" type="datetimeFigureOut">
               <a:rPr lang="en-US" dirty="0"/>
-              <a:t>9/4/18</a:t>
+              <a:t>9/6/18</a:t>
             </a:fld>
             <a:endParaRPr lang="en-US" dirty="0"/>
           </a:p>
@@ -5187,7 +5273,7 @@
           <a:p>
             <a:fld id="{87DE6118-2437-4B30-8E3C-4D2BE6020583}" type="datetimeFigureOut">
               <a:rPr lang="en-US" dirty="0"/>
-              <a:t>9/4/18</a:t>
+              <a:t>9/6/18</a:t>
             </a:fld>
             <a:endParaRPr lang="en-US" dirty="0"/>
           </a:p>
@@ -5529,7 +5615,7 @@
             <a:fld id="{87DE6118-2437-4B30-8E3C-4D2BE6020583}" type="datetimeFigureOut">
               <a:rPr lang="en-US" dirty="0"/>
               <a:pPr/>
-              <a:t>9/4/18</a:t>
+              <a:t>9/6/18</a:t>
             </a:fld>
             <a:endParaRPr lang="en-US" dirty="0"/>
           </a:p>
@@ -5914,7 +6000,7 @@
             <a:fld id="{87DE6118-2437-4B30-8E3C-4D2BE6020583}" type="datetimeFigureOut">
               <a:rPr lang="en-US" dirty="0"/>
               <a:pPr/>
-              <a:t>9/4/18</a:t>
+              <a:t>9/6/18</a:t>
             </a:fld>
             <a:endParaRPr lang="en-US" dirty="0"/>
           </a:p>
@@ -6189,7 +6275,7 @@
             <a:fld id="{87DE6118-2437-4B30-8E3C-4D2BE6020583}" type="datetimeFigureOut">
               <a:rPr lang="en-US" dirty="0"/>
               <a:pPr/>
-              <a:t>9/4/18</a:t>
+              <a:t>9/6/18</a:t>
             </a:fld>
             <a:endParaRPr lang="en-US" dirty="0"/>
           </a:p>
@@ -9038,6 +9124,19 @@
           <a:p>
             <a:r>
               <a:rPr lang="en-US" dirty="0"/>
+              <a:t>ggplot2 cheat sheet: </a:t>
+            </a:r>
+            <a:r>
+              <a:rPr lang="en-US" dirty="0">
+                <a:hlinkClick r:id="rId2"/>
+              </a:rPr>
+              <a:t>https://www.rstudio.com/wp-content/uploads/2015/03/ggplot2-cheatsheet.pdf</a:t>
+            </a:r>
+            <a:endParaRPr lang="en-US" dirty="0"/>
+          </a:p>
+          <a:p>
+            <a:r>
+              <a:rPr lang="en-US" dirty="0"/>
               <a:t>Numeric Inputs</a:t>
             </a:r>
           </a:p>
@@ -9057,6 +9156,12 @@
             <a:r>
               <a:rPr lang="en-US" dirty="0"/>
               <a:t>Reactive Outputs</a:t>
+            </a:r>
+          </a:p>
+          <a:p>
+            <a:r>
+              <a:rPr lang="en-US" dirty="0"/>
+              <a:t>Turning in HW Part 2: Creating a Branch in GitHub</a:t>
             </a:r>
           </a:p>
         </p:txBody>
@@ -9343,12 +9448,14 @@
         </p:nvSpPr>
         <p:spPr>
           <a:xfrm>
-            <a:off x="1371600" y="2286000"/>
-            <a:ext cx="5181600" cy="2226624"/>
+            <a:off x="1371600" y="1776334"/>
+            <a:ext cx="4144780" cy="2736290"/>
           </a:xfrm>
         </p:spPr>
         <p:txBody>
-          <a:bodyPr/>
+          <a:bodyPr>
+            <a:normAutofit/>
+          </a:bodyPr>
           <a:lstStyle/>
           <a:p>
             <a:r>
@@ -9369,30 +9476,13 @@
       </p:sp>
       <p:pic>
         <p:nvPicPr>
-          <p:cNvPr id="5" name="Content Placeholder 4"/>
-          <p:cNvPicPr>
-            <a:picLocks noGrp="1" noChangeAspect="1"/>
-          </p:cNvPicPr>
-          <p:nvPr>
-            <p:ph sz="half" idx="2"/>
-          </p:nvPr>
-        </p:nvPicPr>
-        <p:blipFill>
-          <a:blip r:embed="rId2"/>
-          <a:stretch>
-            <a:fillRect/>
-          </a:stretch>
-        </p:blipFill>
-        <p:spPr>
-          <a:xfrm>
-            <a:off x="6727825" y="1977081"/>
-            <a:ext cx="5098194" cy="1141201"/>
-          </a:xfrm>
-        </p:spPr>
-      </p:pic>
-      <p:pic>
-        <p:nvPicPr>
-          <p:cNvPr id="6" name="Picture 5"/>
+          <p:cNvPr id="11" name="Picture 10">
+            <a:extLst>
+              <a:ext uri="{FF2B5EF4-FFF2-40B4-BE49-F238E27FC236}">
+                <a16:creationId xmlns:a16="http://schemas.microsoft.com/office/drawing/2014/main" id="{7ADF6A4B-A26C-0743-88E3-2B99ECED71F9}"/>
+              </a:ext>
+            </a:extLst>
+          </p:cNvPr>
           <p:cNvPicPr>
             <a:picLocks noChangeAspect="1"/>
           </p:cNvPicPr>
@@ -9406,18 +9496,242 @@
         </p:blipFill>
         <p:spPr>
           <a:xfrm>
-            <a:off x="1783034" y="4617212"/>
-            <a:ext cx="9889582" cy="1936710"/>
+            <a:off x="1794677" y="4889026"/>
+            <a:ext cx="8978900" cy="1092200"/>
           </a:xfrm>
           <a:prstGeom prst="rect">
             <a:avLst/>
           </a:prstGeom>
+        </p:spPr>
+      </p:pic>
+      <p:pic>
+        <p:nvPicPr>
+          <p:cNvPr id="15" name="Content Placeholder 14">
+            <a:extLst>
+              <a:ext uri="{FF2B5EF4-FFF2-40B4-BE49-F238E27FC236}">
+                <a16:creationId xmlns:a16="http://schemas.microsoft.com/office/drawing/2014/main" id="{75F194E0-3ACF-2445-B36A-0124BC00A507}"/>
+              </a:ext>
+            </a:extLst>
+          </p:cNvPr>
+          <p:cNvPicPr>
+            <a:picLocks noGrp="1" noChangeAspect="1"/>
+          </p:cNvPicPr>
+          <p:nvPr>
+            <p:ph sz="half" idx="2"/>
+          </p:nvPr>
+        </p:nvPicPr>
+        <p:blipFill>
+          <a:blip r:embed="rId4"/>
+          <a:stretch>
+            <a:fillRect/>
+          </a:stretch>
+        </p:blipFill>
+        <p:spPr>
+          <a:xfrm>
+            <a:off x="5610224" y="2548575"/>
+            <a:ext cx="6398387" cy="1963576"/>
+          </a:xfrm>
         </p:spPr>
       </p:pic>
     </p:spTree>
     <p:extLst>
       <p:ext uri="{BB962C8B-B14F-4D97-AF65-F5344CB8AC3E}">
         <p14:creationId xmlns:p14="http://schemas.microsoft.com/office/powerpoint/2010/main" val="902660911"/>
+      </p:ext>
+    </p:extLst>
+  </p:cSld>
+  <p:clrMapOvr>
+    <a:masterClrMapping/>
+  </p:clrMapOvr>
+</p:sld>
+</file>
+
+<file path=ppt/slides/slide23.xml><?xml version="1.0" encoding="utf-8"?>
+<p:sld xmlns:a="http://schemas.openxmlformats.org/drawingml/2006/main" xmlns:r="http://schemas.openxmlformats.org/officeDocument/2006/relationships" xmlns:p="http://schemas.openxmlformats.org/presentationml/2006/main">
+  <p:cSld>
+    <p:spTree>
+      <p:nvGrpSpPr>
+        <p:cNvPr id="1" name=""/>
+        <p:cNvGrpSpPr/>
+        <p:nvPr/>
+      </p:nvGrpSpPr>
+      <p:grpSpPr>
+        <a:xfrm>
+          <a:off x="0" y="0"/>
+          <a:ext cx="0" cy="0"/>
+          <a:chOff x="0" y="0"/>
+          <a:chExt cx="0" cy="0"/>
+        </a:xfrm>
+      </p:grpSpPr>
+      <p:sp>
+        <p:nvSpPr>
+          <p:cNvPr id="2" name="Title 1">
+            <a:extLst>
+              <a:ext uri="{FF2B5EF4-FFF2-40B4-BE49-F238E27FC236}">
+                <a16:creationId xmlns:a16="http://schemas.microsoft.com/office/drawing/2014/main" id="{6543DEA1-7610-3B44-8111-55D4AE989EF8}"/>
+              </a:ext>
+            </a:extLst>
+          </p:cNvPr>
+          <p:cNvSpPr>
+            <a:spLocks noGrp="1"/>
+          </p:cNvSpPr>
+          <p:nvPr>
+            <p:ph type="title"/>
+          </p:nvPr>
+        </p:nvSpPr>
+        <p:spPr/>
+        <p:txBody>
+          <a:bodyPr/>
+          <a:lstStyle/>
+          <a:p>
+            <a:endParaRPr lang="en-US" dirty="0"/>
+          </a:p>
+        </p:txBody>
+      </p:sp>
+      <p:sp>
+        <p:nvSpPr>
+          <p:cNvPr id="3" name="Content Placeholder 2">
+            <a:extLst>
+              <a:ext uri="{FF2B5EF4-FFF2-40B4-BE49-F238E27FC236}">
+                <a16:creationId xmlns:a16="http://schemas.microsoft.com/office/drawing/2014/main" id="{B41E6BAB-21D4-694E-8BBB-47C4C3ABEA2B}"/>
+              </a:ext>
+            </a:extLst>
+          </p:cNvPr>
+          <p:cNvSpPr>
+            <a:spLocks noGrp="1"/>
+          </p:cNvSpPr>
+          <p:nvPr>
+            <p:ph sz="half" idx="1"/>
+          </p:nvPr>
+        </p:nvSpPr>
+        <p:spPr/>
+        <p:txBody>
+          <a:bodyPr/>
+          <a:lstStyle/>
+          <a:p>
+            <a:endParaRPr lang="en-US"/>
+          </a:p>
+        </p:txBody>
+      </p:sp>
+      <p:sp>
+        <p:nvSpPr>
+          <p:cNvPr id="4" name="Content Placeholder 3">
+            <a:extLst>
+              <a:ext uri="{FF2B5EF4-FFF2-40B4-BE49-F238E27FC236}">
+                <a16:creationId xmlns:a16="http://schemas.microsoft.com/office/drawing/2014/main" id="{1D8BAE10-1D8A-D74A-B3D1-9CCAD08677B4}"/>
+              </a:ext>
+            </a:extLst>
+          </p:cNvPr>
+          <p:cNvSpPr>
+            <a:spLocks noGrp="1"/>
+          </p:cNvSpPr>
+          <p:nvPr>
+            <p:ph sz="half" idx="2"/>
+          </p:nvPr>
+        </p:nvSpPr>
+        <p:spPr/>
+        <p:txBody>
+          <a:bodyPr/>
+          <a:lstStyle/>
+          <a:p>
+            <a:endParaRPr lang="en-US"/>
+          </a:p>
+        </p:txBody>
+      </p:sp>
+    </p:spTree>
+    <p:extLst>
+      <p:ext uri="{BB962C8B-B14F-4D97-AF65-F5344CB8AC3E}">
+        <p14:creationId xmlns:p14="http://schemas.microsoft.com/office/powerpoint/2010/main" val="2600268088"/>
+      </p:ext>
+    </p:extLst>
+  </p:cSld>
+  <p:clrMapOvr>
+    <a:masterClrMapping/>
+  </p:clrMapOvr>
+</p:sld>
+</file>
+
+<file path=ppt/slides/slide24.xml><?xml version="1.0" encoding="utf-8"?>
+<p:sld xmlns:a="http://schemas.openxmlformats.org/drawingml/2006/main" xmlns:r="http://schemas.openxmlformats.org/officeDocument/2006/relationships" xmlns:p="http://schemas.openxmlformats.org/presentationml/2006/main">
+  <p:cSld>
+    <p:spTree>
+      <p:nvGrpSpPr>
+        <p:cNvPr id="1" name=""/>
+        <p:cNvGrpSpPr/>
+        <p:nvPr/>
+      </p:nvGrpSpPr>
+      <p:grpSpPr>
+        <a:xfrm>
+          <a:off x="0" y="0"/>
+          <a:ext cx="0" cy="0"/>
+          <a:chOff x="0" y="0"/>
+          <a:chExt cx="0" cy="0"/>
+        </a:xfrm>
+      </p:grpSpPr>
+      <p:sp>
+        <p:nvSpPr>
+          <p:cNvPr id="2" name="Title 1">
+            <a:extLst>
+              <a:ext uri="{FF2B5EF4-FFF2-40B4-BE49-F238E27FC236}">
+                <a16:creationId xmlns:a16="http://schemas.microsoft.com/office/drawing/2014/main" id="{118D42B4-9F44-F54A-B85E-D1212B6F9B11}"/>
+              </a:ext>
+            </a:extLst>
+          </p:cNvPr>
+          <p:cNvSpPr>
+            <a:spLocks noGrp="1"/>
+          </p:cNvSpPr>
+          <p:nvPr>
+            <p:ph type="title"/>
+          </p:nvPr>
+        </p:nvSpPr>
+        <p:spPr/>
+        <p:txBody>
+          <a:bodyPr/>
+          <a:lstStyle/>
+          <a:p>
+            <a:r>
+              <a:rPr lang="en-US" dirty="0"/>
+              <a:t>Turning in Homework</a:t>
+            </a:r>
+          </a:p>
+        </p:txBody>
+      </p:sp>
+      <p:sp>
+        <p:nvSpPr>
+          <p:cNvPr id="3" name="Text Placeholder 2">
+            <a:extLst>
+              <a:ext uri="{FF2B5EF4-FFF2-40B4-BE49-F238E27FC236}">
+                <a16:creationId xmlns:a16="http://schemas.microsoft.com/office/drawing/2014/main" id="{3BB2D348-427F-6146-958B-F73B298E6A84}"/>
+              </a:ext>
+            </a:extLst>
+          </p:cNvPr>
+          <p:cNvSpPr>
+            <a:spLocks noGrp="1"/>
+          </p:cNvSpPr>
+          <p:nvPr>
+            <p:ph type="body" idx="1"/>
+          </p:nvPr>
+        </p:nvSpPr>
+        <p:spPr/>
+        <p:txBody>
+          <a:bodyPr/>
+          <a:lstStyle/>
+          <a:p>
+            <a:r>
+              <a:rPr lang="en-US" dirty="0"/>
+              <a:t>A real </a:t>
+            </a:r>
+            <a:r>
+              <a:rPr lang="en-US"/>
+              <a:t>walkthrough this time</a:t>
+            </a:r>
+          </a:p>
+        </p:txBody>
+      </p:sp>
+    </p:spTree>
+    <p:extLst>
+      <p:ext uri="{BB962C8B-B14F-4D97-AF65-F5344CB8AC3E}">
+        <p14:creationId xmlns:p14="http://schemas.microsoft.com/office/powerpoint/2010/main" val="1596297517"/>
       </p:ext>
     </p:extLst>
   </p:cSld>

--- a/Class_4.pptx
+++ b/Class_4.pptx
@@ -30,7 +30,7 @@
     <p:sldId id="308" r:id="rId21"/>
     <p:sldId id="309" r:id="rId22"/>
     <p:sldId id="310" r:id="rId23"/>
-    <p:sldId id="353" r:id="rId24"/>
+    <p:sldId id="355" r:id="rId24"/>
     <p:sldId id="354" r:id="rId25"/>
   </p:sldIdLst>
   <p:sldSz cx="12192000" cy="6858000"/>
@@ -3099,6 +3099,90 @@
 </p:notes>
 </file>
 
+<file path=ppt/notesSlides/notesSlide2.xml><?xml version="1.0" encoding="utf-8"?>
+<p:notes xmlns:a="http://schemas.openxmlformats.org/drawingml/2006/main" xmlns:r="http://schemas.openxmlformats.org/officeDocument/2006/relationships" xmlns:p="http://schemas.openxmlformats.org/presentationml/2006/main">
+  <p:cSld>
+    <p:spTree>
+      <p:nvGrpSpPr>
+        <p:cNvPr id="1" name=""/>
+        <p:cNvGrpSpPr/>
+        <p:nvPr/>
+      </p:nvGrpSpPr>
+      <p:grpSpPr>
+        <a:xfrm>
+          <a:off x="0" y="0"/>
+          <a:ext cx="0" cy="0"/>
+          <a:chOff x="0" y="0"/>
+          <a:chExt cx="0" cy="0"/>
+        </a:xfrm>
+      </p:grpSpPr>
+      <p:sp>
+        <p:nvSpPr>
+          <p:cNvPr id="2" name="Slide Image Placeholder 1"/>
+          <p:cNvSpPr>
+            <a:spLocks noGrp="1" noRot="1" noChangeAspect="1"/>
+          </p:cNvSpPr>
+          <p:nvPr>
+            <p:ph type="sldImg"/>
+          </p:nvPr>
+        </p:nvSpPr>
+        <p:spPr/>
+      </p:sp>
+      <p:sp>
+        <p:nvSpPr>
+          <p:cNvPr id="3" name="Notes Placeholder 2"/>
+          <p:cNvSpPr>
+            <a:spLocks noGrp="1"/>
+          </p:cNvSpPr>
+          <p:nvPr>
+            <p:ph type="body" idx="1"/>
+          </p:nvPr>
+        </p:nvSpPr>
+        <p:spPr/>
+        <p:txBody>
+          <a:bodyPr/>
+          <a:lstStyle/>
+          <a:p>
+            <a:endParaRPr lang="en-US" dirty="0"/>
+          </a:p>
+        </p:txBody>
+      </p:sp>
+      <p:sp>
+        <p:nvSpPr>
+          <p:cNvPr id="4" name="Slide Number Placeholder 3"/>
+          <p:cNvSpPr>
+            <a:spLocks noGrp="1"/>
+          </p:cNvSpPr>
+          <p:nvPr>
+            <p:ph type="sldNum" sz="quarter" idx="5"/>
+          </p:nvPr>
+        </p:nvSpPr>
+        <p:spPr/>
+        <p:txBody>
+          <a:bodyPr/>
+          <a:lstStyle/>
+          <a:p>
+            <a:fld id="{B214AB49-C382-5B40-9F20-54F1806C2F3F}" type="slidenum">
+              <a:rPr lang="en-US" smtClean="0"/>
+              <a:t>23</a:t>
+            </a:fld>
+            <a:endParaRPr lang="en-US"/>
+          </a:p>
+        </p:txBody>
+      </p:sp>
+    </p:spTree>
+    <p:extLst>
+      <p:ext uri="{BB962C8B-B14F-4D97-AF65-F5344CB8AC3E}">
+        <p14:creationId xmlns:p14="http://schemas.microsoft.com/office/powerpoint/2010/main" val="2593223493"/>
+      </p:ext>
+    </p:extLst>
+  </p:cSld>
+  <p:clrMapOvr>
+    <a:masterClrMapping/>
+  </p:clrMapOvr>
+</p:notes>
+</file>
+
 <file path=ppt/slideLayouts/slideLayout1.xml><?xml version="1.0" encoding="utf-8"?>
 <p:sldLayout xmlns:a="http://schemas.openxmlformats.org/drawingml/2006/main" xmlns:r="http://schemas.openxmlformats.org/officeDocument/2006/relationships" xmlns:p="http://schemas.openxmlformats.org/presentationml/2006/main" showMasterSp="0" type="title" preserve="1">
   <p:cSld name="Title Slide">
@@ -9568,7 +9652,7 @@
           <p:cNvPr id="2" name="Title 1">
             <a:extLst>
               <a:ext uri="{FF2B5EF4-FFF2-40B4-BE49-F238E27FC236}">
-                <a16:creationId xmlns:a16="http://schemas.microsoft.com/office/drawing/2014/main" id="{6543DEA1-7610-3B44-8111-55D4AE989EF8}"/>
+                <a16:creationId xmlns:a16="http://schemas.microsoft.com/office/drawing/2014/main" id="{22483146-D42E-824F-B761-8999D05962EB}"/>
               </a:ext>
             </a:extLst>
           </p:cNvPr>
@@ -9584,7 +9668,10 @@
           <a:bodyPr/>
           <a:lstStyle/>
           <a:p>
-            <a:endParaRPr lang="en-US" dirty="0"/>
+            <a:r>
+              <a:rPr lang="en-US" dirty="0"/>
+              <a:t>The example in this folder is going to be insufficient</a:t>
+            </a:r>
           </a:p>
         </p:txBody>
       </p:sp>
@@ -9593,7 +9680,7 @@
           <p:cNvPr id="3" name="Content Placeholder 2">
             <a:extLst>
               <a:ext uri="{FF2B5EF4-FFF2-40B4-BE49-F238E27FC236}">
-                <a16:creationId xmlns:a16="http://schemas.microsoft.com/office/drawing/2014/main" id="{B41E6BAB-21D4-694E-8BBB-47C4C3ABEA2B}"/>
+                <a16:creationId xmlns:a16="http://schemas.microsoft.com/office/drawing/2014/main" id="{16729047-9772-F84B-B457-95472389FCA1}"/>
               </a:ext>
             </a:extLst>
           </p:cNvPr>
@@ -9609,7 +9696,19 @@
           <a:bodyPr/>
           <a:lstStyle/>
           <a:p>
-            <a:endParaRPr lang="en-US"/>
+            <a:pPr marL="0" indent="0">
+              <a:buNone/>
+            </a:pPr>
+            <a:r>
+              <a:rPr lang="en-US" dirty="0"/>
+              <a:t>Why?</a:t>
+            </a:r>
+          </a:p>
+          <a:p>
+            <a:r>
+              <a:rPr lang="en-US" dirty="0"/>
+              <a:t>Because the way you filter the data is going to depend on your data source, what you want to show the users, and how “explorable” you want your application to be</a:t>
+            </a:r>
           </a:p>
         </p:txBody>
       </p:sp>
@@ -9618,7 +9717,7 @@
           <p:cNvPr id="4" name="Content Placeholder 3">
             <a:extLst>
               <a:ext uri="{FF2B5EF4-FFF2-40B4-BE49-F238E27FC236}">
-                <a16:creationId xmlns:a16="http://schemas.microsoft.com/office/drawing/2014/main" id="{1D8BAE10-1D8A-D74A-B3D1-9CCAD08677B4}"/>
+                <a16:creationId xmlns:a16="http://schemas.microsoft.com/office/drawing/2014/main" id="{BF79AA31-4ADB-6541-BF8D-1D3848E77E62}"/>
               </a:ext>
             </a:extLst>
           </p:cNvPr>
@@ -9634,14 +9733,49 @@
           <a:bodyPr/>
           <a:lstStyle/>
           <a:p>
-            <a:endParaRPr lang="en-US"/>
+            <a:pPr marL="0" indent="0">
+              <a:buNone/>
+            </a:pPr>
+            <a:r>
+              <a:rPr lang="en-US" dirty="0"/>
+              <a:t>Resources:</a:t>
+            </a:r>
+          </a:p>
+          <a:p>
+            <a:r>
+              <a:rPr lang="en-US" dirty="0"/>
+              <a:t>How reactivity works: </a:t>
+            </a:r>
+            <a:r>
+              <a:rPr lang="en-US" dirty="0">
+                <a:hlinkClick r:id="rId3"/>
+              </a:rPr>
+              <a:t>https://shiny.rstudio.com/articles/reactivity-overview.html</a:t>
+            </a:r>
+            <a:endParaRPr lang="en-US" dirty="0"/>
+          </a:p>
+          <a:p>
+            <a:r>
+              <a:rPr lang="en-US" dirty="0"/>
+              <a:t>Filtering: </a:t>
+            </a:r>
+            <a:r>
+              <a:rPr lang="en-US" dirty="0">
+                <a:hlinkClick r:id="rId4"/>
+              </a:rPr>
+              <a:t>https://dplyr.tidyverse.org/</a:t>
+            </a:r>
+            <a:endParaRPr lang="en-US" dirty="0"/>
+          </a:p>
+          <a:p>
+            <a:endParaRPr lang="en-US" dirty="0"/>
           </a:p>
         </p:txBody>
       </p:sp>
     </p:spTree>
     <p:extLst>
       <p:ext uri="{BB962C8B-B14F-4D97-AF65-F5344CB8AC3E}">
-        <p14:creationId xmlns:p14="http://schemas.microsoft.com/office/powerpoint/2010/main" val="2600268088"/>
+        <p14:creationId xmlns:p14="http://schemas.microsoft.com/office/powerpoint/2010/main" val="293898860"/>
       </p:ext>
     </p:extLst>
   </p:cSld>
@@ -9719,11 +9853,7 @@
           <a:p>
             <a:r>
               <a:rPr lang="en-US" dirty="0"/>
-              <a:t>A real </a:t>
-            </a:r>
-            <a:r>
-              <a:rPr lang="en-US"/>
-              <a:t>walkthrough this time</a:t>
+              <a:t>A real walkthrough this time</a:t>
             </a:r>
           </a:p>
         </p:txBody>
